--- a/R/Decision Making slides.pptx
+++ b/R/Decision Making slides.pptx
@@ -8,14 +8,15 @@
     <p:sldId id="256" r:id="rId2"/>
     <p:sldId id="257" r:id="rId3"/>
     <p:sldId id="259" r:id="rId4"/>
-    <p:sldId id="261" r:id="rId5"/>
-    <p:sldId id="263" r:id="rId6"/>
-    <p:sldId id="262" r:id="rId7"/>
-    <p:sldId id="264" r:id="rId8"/>
-    <p:sldId id="267" r:id="rId9"/>
-    <p:sldId id="265" r:id="rId10"/>
-    <p:sldId id="266" r:id="rId11"/>
-    <p:sldId id="268" r:id="rId12"/>
+    <p:sldId id="269" r:id="rId5"/>
+    <p:sldId id="261" r:id="rId6"/>
+    <p:sldId id="263" r:id="rId7"/>
+    <p:sldId id="262" r:id="rId8"/>
+    <p:sldId id="264" r:id="rId9"/>
+    <p:sldId id="267" r:id="rId10"/>
+    <p:sldId id="265" r:id="rId11"/>
+    <p:sldId id="266" r:id="rId12"/>
+    <p:sldId id="268" r:id="rId13"/>
   </p:sldIdLst>
   <p:sldSz cx="12192000" cy="6858000"/>
   <p:notesSz cx="6858000" cy="9144000"/>
@@ -114,6 +115,11 @@
       </a:defRPr>
     </a:lvl9pPr>
   </p:defaultTextStyle>
+  <p:extLst>
+    <p:ext uri="{EFAFB233-063F-42B5-8137-9DF3F51BA10A}">
+      <p15:sldGuideLst xmlns:p15="http://schemas.microsoft.com/office/powerpoint/2012/main"/>
+    </p:ext>
+  </p:extLst>
 </p:presentation>
 </file>
 
@@ -264,7 +270,7 @@
           <a:p>
             <a:fld id="{FD2E41BA-F14B-49FC-83F3-F6A240803BD9}" type="datetimeFigureOut">
               <a:rPr lang="it-IT" smtClean="0"/>
-              <a:t>10/02/2022</a:t>
+              <a:t>10/02/22</a:t>
             </a:fld>
             <a:endParaRPr lang="it-IT"/>
           </a:p>
@@ -462,7 +468,7 @@
           <a:p>
             <a:fld id="{FD2E41BA-F14B-49FC-83F3-F6A240803BD9}" type="datetimeFigureOut">
               <a:rPr lang="it-IT" smtClean="0"/>
-              <a:t>10/02/2022</a:t>
+              <a:t>10/02/22</a:t>
             </a:fld>
             <a:endParaRPr lang="it-IT"/>
           </a:p>
@@ -670,7 +676,7 @@
           <a:p>
             <a:fld id="{FD2E41BA-F14B-49FC-83F3-F6A240803BD9}" type="datetimeFigureOut">
               <a:rPr lang="it-IT" smtClean="0"/>
-              <a:t>10/02/2022</a:t>
+              <a:t>10/02/22</a:t>
             </a:fld>
             <a:endParaRPr lang="it-IT"/>
           </a:p>
@@ -868,7 +874,7 @@
           <a:p>
             <a:fld id="{FD2E41BA-F14B-49FC-83F3-F6A240803BD9}" type="datetimeFigureOut">
               <a:rPr lang="it-IT" smtClean="0"/>
-              <a:t>10/02/2022</a:t>
+              <a:t>10/02/22</a:t>
             </a:fld>
             <a:endParaRPr lang="it-IT"/>
           </a:p>
@@ -1143,7 +1149,7 @@
           <a:p>
             <a:fld id="{FD2E41BA-F14B-49FC-83F3-F6A240803BD9}" type="datetimeFigureOut">
               <a:rPr lang="it-IT" smtClean="0"/>
-              <a:t>10/02/2022</a:t>
+              <a:t>10/02/22</a:t>
             </a:fld>
             <a:endParaRPr lang="it-IT"/>
           </a:p>
@@ -1408,7 +1414,7 @@
           <a:p>
             <a:fld id="{FD2E41BA-F14B-49FC-83F3-F6A240803BD9}" type="datetimeFigureOut">
               <a:rPr lang="it-IT" smtClean="0"/>
-              <a:t>10/02/2022</a:t>
+              <a:t>10/02/22</a:t>
             </a:fld>
             <a:endParaRPr lang="it-IT"/>
           </a:p>
@@ -1820,7 +1826,7 @@
           <a:p>
             <a:fld id="{FD2E41BA-F14B-49FC-83F3-F6A240803BD9}" type="datetimeFigureOut">
               <a:rPr lang="it-IT" smtClean="0"/>
-              <a:t>10/02/2022</a:t>
+              <a:t>10/02/22</a:t>
             </a:fld>
             <a:endParaRPr lang="it-IT"/>
           </a:p>
@@ -1961,7 +1967,7 @@
           <a:p>
             <a:fld id="{FD2E41BA-F14B-49FC-83F3-F6A240803BD9}" type="datetimeFigureOut">
               <a:rPr lang="it-IT" smtClean="0"/>
-              <a:t>10/02/2022</a:t>
+              <a:t>10/02/22</a:t>
             </a:fld>
             <a:endParaRPr lang="it-IT"/>
           </a:p>
@@ -2074,7 +2080,7 @@
           <a:p>
             <a:fld id="{FD2E41BA-F14B-49FC-83F3-F6A240803BD9}" type="datetimeFigureOut">
               <a:rPr lang="it-IT" smtClean="0"/>
-              <a:t>10/02/2022</a:t>
+              <a:t>10/02/22</a:t>
             </a:fld>
             <a:endParaRPr lang="it-IT"/>
           </a:p>
@@ -2385,7 +2391,7 @@
           <a:p>
             <a:fld id="{FD2E41BA-F14B-49FC-83F3-F6A240803BD9}" type="datetimeFigureOut">
               <a:rPr lang="it-IT" smtClean="0"/>
-              <a:t>10/02/2022</a:t>
+              <a:t>10/02/22</a:t>
             </a:fld>
             <a:endParaRPr lang="it-IT"/>
           </a:p>
@@ -2673,7 +2679,7 @@
           <a:p>
             <a:fld id="{FD2E41BA-F14B-49FC-83F3-F6A240803BD9}" type="datetimeFigureOut">
               <a:rPr lang="it-IT" smtClean="0"/>
-              <a:t>10/02/2022</a:t>
+              <a:t>10/02/22</a:t>
             </a:fld>
             <a:endParaRPr lang="it-IT"/>
           </a:p>
@@ -2914,7 +2920,7 @@
           <a:p>
             <a:fld id="{FD2E41BA-F14B-49FC-83F3-F6A240803BD9}" type="datetimeFigureOut">
               <a:rPr lang="it-IT" smtClean="0"/>
-              <a:t>10/02/2022</a:t>
+              <a:t>10/02/22</a:t>
             </a:fld>
             <a:endParaRPr lang="it-IT"/>
           </a:p>
@@ -3554,12 +3560,9 @@
           <a:lstStyle/>
           <a:p>
             <a:pPr algn="l"/>
-            <a:br>
+            <a:r>
               <a:rPr lang="it-IT" sz="3700" dirty="0"/>
-            </a:br>
-            <a:r>
-              <a:rPr lang="it-IT" sz="3700" dirty="0"/>
-              <a:t>Il Posizionamento ottimale di un 3° microfono in uno spettacolo teatrale</a:t>
+              <a:t>Posizionamento ottimale di un 3° microfono in uno spettacolo teatrale</a:t>
             </a:r>
           </a:p>
         </p:txBody>
@@ -3911,8 +3914,9 @@
           </a:bodyPr>
           <a:lstStyle/>
           <a:p>
-            <a:r>
-              <a:rPr lang="en-US" sz="3600" kern="1200" dirty="0" err="1">
+            <a:pPr algn="ctr"/>
+            <a:r>
+              <a:rPr lang="en-US" sz="4000" kern="1200" dirty="0">
                 <a:solidFill>
                   <a:schemeClr val="tx1"/>
                 </a:solidFill>
@@ -3920,10 +3924,306 @@
                 <a:ea typeface="+mj-ea"/>
                 <a:cs typeface="+mj-cs"/>
               </a:rPr>
-              <a:t>Algoritmo</a:t>
-            </a:r>
-            <a:r>
-              <a:rPr lang="en-US" sz="3600" kern="1200" dirty="0">
+              <a:t>Algoritmo FDSA</a:t>
+            </a:r>
+          </a:p>
+        </p:txBody>
+      </p:sp>
+      <p:sp>
+        <p:nvSpPr>
+          <p:cNvPr id="19" name="Segnaposto contenuto 2">
+            <a:extLst>
+              <a:ext uri="{FF2B5EF4-FFF2-40B4-BE49-F238E27FC236}">
+                <a16:creationId xmlns:a16="http://schemas.microsoft.com/office/drawing/2014/main" id="{C20E4AE0-0942-4C49-BB4F-A814A35384A0}"/>
+              </a:ext>
+            </a:extLst>
+          </p:cNvPr>
+          <p:cNvSpPr txBox="1">
+            <a:spLocks/>
+          </p:cNvSpPr>
+          <p:nvPr/>
+        </p:nvSpPr>
+        <p:spPr>
+          <a:xfrm>
+            <a:off x="643469" y="1782981"/>
+            <a:ext cx="4008384" cy="4393982"/>
+          </a:xfrm>
+          <a:prstGeom prst="rect">
+            <a:avLst/>
+          </a:prstGeom>
+        </p:spPr>
+        <p:txBody>
+          <a:bodyPr vert="horz" lIns="91440" tIns="45720" rIns="91440" bIns="45720" rtlCol="0">
+            <a:normAutofit/>
+          </a:bodyPr>
+          <a:lstStyle>
+            <a:lvl1pPr marL="228600" indent="-228600" algn="l" defTabSz="914400" rtl="0" eaLnBrk="1" latinLnBrk="0" hangingPunct="1">
+              <a:lnSpc>
+                <a:spcPct val="90000"/>
+              </a:lnSpc>
+              <a:spcBef>
+                <a:spcPts val="1000"/>
+              </a:spcBef>
+              <a:buFont typeface="Arial" panose="020B0604020202020204" pitchFamily="34" charset="0"/>
+              <a:buChar char="•"/>
+              <a:defRPr sz="2800" kern="1200">
+                <a:solidFill>
+                  <a:schemeClr val="tx1"/>
+                </a:solidFill>
+                <a:latin typeface="+mn-lt"/>
+                <a:ea typeface="+mn-ea"/>
+                <a:cs typeface="+mn-cs"/>
+              </a:defRPr>
+            </a:lvl1pPr>
+            <a:lvl2pPr marL="685800" indent="-228600" algn="l" defTabSz="914400" rtl="0" eaLnBrk="1" latinLnBrk="0" hangingPunct="1">
+              <a:lnSpc>
+                <a:spcPct val="90000"/>
+              </a:lnSpc>
+              <a:spcBef>
+                <a:spcPts val="500"/>
+              </a:spcBef>
+              <a:buFont typeface="Arial" panose="020B0604020202020204" pitchFamily="34" charset="0"/>
+              <a:buChar char="•"/>
+              <a:defRPr sz="2400" kern="1200">
+                <a:solidFill>
+                  <a:schemeClr val="tx1"/>
+                </a:solidFill>
+                <a:latin typeface="+mn-lt"/>
+                <a:ea typeface="+mn-ea"/>
+                <a:cs typeface="+mn-cs"/>
+              </a:defRPr>
+            </a:lvl2pPr>
+            <a:lvl3pPr marL="1143000" indent="-228600" algn="l" defTabSz="914400" rtl="0" eaLnBrk="1" latinLnBrk="0" hangingPunct="1">
+              <a:lnSpc>
+                <a:spcPct val="90000"/>
+              </a:lnSpc>
+              <a:spcBef>
+                <a:spcPts val="500"/>
+              </a:spcBef>
+              <a:buFont typeface="Arial" panose="020B0604020202020204" pitchFamily="34" charset="0"/>
+              <a:buChar char="•"/>
+              <a:defRPr sz="2000" kern="1200">
+                <a:solidFill>
+                  <a:schemeClr val="tx1"/>
+                </a:solidFill>
+                <a:latin typeface="+mn-lt"/>
+                <a:ea typeface="+mn-ea"/>
+                <a:cs typeface="+mn-cs"/>
+              </a:defRPr>
+            </a:lvl3pPr>
+            <a:lvl4pPr marL="1600200" indent="-228600" algn="l" defTabSz="914400" rtl="0" eaLnBrk="1" latinLnBrk="0" hangingPunct="1">
+              <a:lnSpc>
+                <a:spcPct val="90000"/>
+              </a:lnSpc>
+              <a:spcBef>
+                <a:spcPts val="500"/>
+              </a:spcBef>
+              <a:buFont typeface="Arial" panose="020B0604020202020204" pitchFamily="34" charset="0"/>
+              <a:buChar char="•"/>
+              <a:defRPr sz="1800" kern="1200">
+                <a:solidFill>
+                  <a:schemeClr val="tx1"/>
+                </a:solidFill>
+                <a:latin typeface="+mn-lt"/>
+                <a:ea typeface="+mn-ea"/>
+                <a:cs typeface="+mn-cs"/>
+              </a:defRPr>
+            </a:lvl4pPr>
+            <a:lvl5pPr marL="2057400" indent="-228600" algn="l" defTabSz="914400" rtl="0" eaLnBrk="1" latinLnBrk="0" hangingPunct="1">
+              <a:lnSpc>
+                <a:spcPct val="90000"/>
+              </a:lnSpc>
+              <a:spcBef>
+                <a:spcPts val="500"/>
+              </a:spcBef>
+              <a:buFont typeface="Arial" panose="020B0604020202020204" pitchFamily="34" charset="0"/>
+              <a:buChar char="•"/>
+              <a:defRPr sz="1800" kern="1200">
+                <a:solidFill>
+                  <a:schemeClr val="tx1"/>
+                </a:solidFill>
+                <a:latin typeface="+mn-lt"/>
+                <a:ea typeface="+mn-ea"/>
+                <a:cs typeface="+mn-cs"/>
+              </a:defRPr>
+            </a:lvl5pPr>
+            <a:lvl6pPr marL="2514600" indent="-228600" algn="l" defTabSz="914400" rtl="0" eaLnBrk="1" latinLnBrk="0" hangingPunct="1">
+              <a:lnSpc>
+                <a:spcPct val="90000"/>
+              </a:lnSpc>
+              <a:spcBef>
+                <a:spcPts val="500"/>
+              </a:spcBef>
+              <a:buFont typeface="Arial" panose="020B0604020202020204" pitchFamily="34" charset="0"/>
+              <a:buChar char="•"/>
+              <a:defRPr sz="1800" kern="1200">
+                <a:solidFill>
+                  <a:schemeClr val="tx1"/>
+                </a:solidFill>
+                <a:latin typeface="+mn-lt"/>
+                <a:ea typeface="+mn-ea"/>
+                <a:cs typeface="+mn-cs"/>
+              </a:defRPr>
+            </a:lvl6pPr>
+            <a:lvl7pPr marL="2971800" indent="-228600" algn="l" defTabSz="914400" rtl="0" eaLnBrk="1" latinLnBrk="0" hangingPunct="1">
+              <a:lnSpc>
+                <a:spcPct val="90000"/>
+              </a:lnSpc>
+              <a:spcBef>
+                <a:spcPts val="500"/>
+              </a:spcBef>
+              <a:buFont typeface="Arial" panose="020B0604020202020204" pitchFamily="34" charset="0"/>
+              <a:buChar char="•"/>
+              <a:defRPr sz="1800" kern="1200">
+                <a:solidFill>
+                  <a:schemeClr val="tx1"/>
+                </a:solidFill>
+                <a:latin typeface="+mn-lt"/>
+                <a:ea typeface="+mn-ea"/>
+                <a:cs typeface="+mn-cs"/>
+              </a:defRPr>
+            </a:lvl7pPr>
+            <a:lvl8pPr marL="3429000" indent="-228600" algn="l" defTabSz="914400" rtl="0" eaLnBrk="1" latinLnBrk="0" hangingPunct="1">
+              <a:lnSpc>
+                <a:spcPct val="90000"/>
+              </a:lnSpc>
+              <a:spcBef>
+                <a:spcPts val="500"/>
+              </a:spcBef>
+              <a:buFont typeface="Arial" panose="020B0604020202020204" pitchFamily="34" charset="0"/>
+              <a:buChar char="•"/>
+              <a:defRPr sz="1800" kern="1200">
+                <a:solidFill>
+                  <a:schemeClr val="tx1"/>
+                </a:solidFill>
+                <a:latin typeface="+mn-lt"/>
+                <a:ea typeface="+mn-ea"/>
+                <a:cs typeface="+mn-cs"/>
+              </a:defRPr>
+            </a:lvl8pPr>
+            <a:lvl9pPr marL="3886200" indent="-228600" algn="l" defTabSz="914400" rtl="0" eaLnBrk="1" latinLnBrk="0" hangingPunct="1">
+              <a:lnSpc>
+                <a:spcPct val="90000"/>
+              </a:lnSpc>
+              <a:spcBef>
+                <a:spcPts val="500"/>
+              </a:spcBef>
+              <a:buFont typeface="Arial" panose="020B0604020202020204" pitchFamily="34" charset="0"/>
+              <a:buChar char="•"/>
+              <a:defRPr sz="1800" kern="1200">
+                <a:solidFill>
+                  <a:schemeClr val="tx1"/>
+                </a:solidFill>
+                <a:latin typeface="+mn-lt"/>
+                <a:ea typeface="+mn-ea"/>
+                <a:cs typeface="+mn-cs"/>
+              </a:defRPr>
+            </a:lvl9pPr>
+          </a:lstStyle>
+          <a:p>
+            <a:r>
+              <a:rPr lang="it-IT" sz="2000" dirty="0" err="1">
+                <a:latin typeface="+mj-lt"/>
+              </a:rPr>
+              <a:t>aaa</a:t>
+            </a:r>
+            <a:endParaRPr lang="it-IT" sz="2000" dirty="0">
+              <a:latin typeface="+mj-lt"/>
+            </a:endParaRPr>
+          </a:p>
+        </p:txBody>
+      </p:sp>
+      <p:pic>
+        <p:nvPicPr>
+          <p:cNvPr id="4" name="Immagine 3">
+            <a:extLst>
+              <a:ext uri="{FF2B5EF4-FFF2-40B4-BE49-F238E27FC236}">
+                <a16:creationId xmlns:a16="http://schemas.microsoft.com/office/drawing/2014/main" id="{0A63F980-0310-42B8-85C7-E58474978E61}"/>
+              </a:ext>
+            </a:extLst>
+          </p:cNvPr>
+          <p:cNvPicPr>
+            <a:picLocks noChangeAspect="1"/>
+          </p:cNvPicPr>
+          <p:nvPr/>
+        </p:nvPicPr>
+        <p:blipFill>
+          <a:blip r:embed="rId2"/>
+          <a:stretch>
+            <a:fillRect/>
+          </a:stretch>
+        </p:blipFill>
+        <p:spPr>
+          <a:xfrm>
+            <a:off x="5726509" y="1884179"/>
+            <a:ext cx="6088512" cy="3663683"/>
+          </a:xfrm>
+          <a:prstGeom prst="rect">
+            <a:avLst/>
+          </a:prstGeom>
+        </p:spPr>
+      </p:pic>
+    </p:spTree>
+    <p:extLst>
+      <p:ext uri="{BB962C8B-B14F-4D97-AF65-F5344CB8AC3E}">
+        <p14:creationId xmlns:p14="http://schemas.microsoft.com/office/powerpoint/2010/main" val="3822633585"/>
+      </p:ext>
+    </p:extLst>
+  </p:cSld>
+  <p:clrMapOvr>
+    <a:masterClrMapping/>
+  </p:clrMapOvr>
+</p:sld>
+</file>
+
+<file path=ppt/slides/slide11.xml><?xml version="1.0" encoding="utf-8"?>
+<p:sld xmlns:a="http://schemas.openxmlformats.org/drawingml/2006/main" xmlns:r="http://schemas.openxmlformats.org/officeDocument/2006/relationships" xmlns:p="http://schemas.openxmlformats.org/presentationml/2006/main">
+  <p:cSld>
+    <p:spTree>
+      <p:nvGrpSpPr>
+        <p:cNvPr id="1" name=""/>
+        <p:cNvGrpSpPr/>
+        <p:nvPr/>
+      </p:nvGrpSpPr>
+      <p:grpSpPr>
+        <a:xfrm>
+          <a:off x="0" y="0"/>
+          <a:ext cx="0" cy="0"/>
+          <a:chOff x="0" y="0"/>
+          <a:chExt cx="0" cy="0"/>
+        </a:xfrm>
+      </p:grpSpPr>
+      <p:sp>
+        <p:nvSpPr>
+          <p:cNvPr id="2" name="Titolo 1">
+            <a:extLst>
+              <a:ext uri="{FF2B5EF4-FFF2-40B4-BE49-F238E27FC236}">
+                <a16:creationId xmlns:a16="http://schemas.microsoft.com/office/drawing/2014/main" id="{1082888F-2770-4E5B-9CDA-CC9E0CC25EC4}"/>
+              </a:ext>
+            </a:extLst>
+          </p:cNvPr>
+          <p:cNvSpPr>
+            <a:spLocks noGrp="1"/>
+          </p:cNvSpPr>
+          <p:nvPr>
+            <p:ph type="title"/>
+          </p:nvPr>
+        </p:nvSpPr>
+        <p:spPr>
+          <a:xfrm>
+            <a:off x="643467" y="321734"/>
+            <a:ext cx="10905066" cy="1135737"/>
+          </a:xfrm>
+        </p:spPr>
+        <p:txBody>
+          <a:bodyPr vert="horz" lIns="91440" tIns="45720" rIns="91440" bIns="45720" rtlCol="0" anchor="ctr">
+            <a:normAutofit/>
+          </a:bodyPr>
+          <a:lstStyle/>
+          <a:p>
+            <a:pPr algn="ctr"/>
+            <a:r>
+              <a:rPr lang="en-US" sz="4000" kern="1200" dirty="0">
                 <a:solidFill>
                   <a:schemeClr val="tx1"/>
                 </a:solidFill>
@@ -3931,27 +4231,8 @@
                 <a:ea typeface="+mj-ea"/>
                 <a:cs typeface="+mj-cs"/>
               </a:rPr>
-              <a:t> </a:t>
-            </a:r>
-            <a:r>
-              <a:rPr lang="en-US" sz="3600" kern="1200" dirty="0" err="1">
-                <a:solidFill>
-                  <a:schemeClr val="tx1"/>
-                </a:solidFill>
-                <a:latin typeface="+mj-lt"/>
-                <a:ea typeface="+mj-ea"/>
-                <a:cs typeface="+mj-cs"/>
-              </a:rPr>
-              <a:t>Genetico</a:t>
-            </a:r>
-            <a:endParaRPr lang="en-US" sz="3600" kern="1200" dirty="0">
-              <a:solidFill>
-                <a:schemeClr val="tx1"/>
-              </a:solidFill>
-              <a:latin typeface="+mj-lt"/>
-              <a:ea typeface="+mj-ea"/>
-              <a:cs typeface="+mj-cs"/>
-            </a:endParaRPr>
+              <a:t>Algoritmo Genetico</a:t>
+            </a:r>
           </a:p>
         </p:txBody>
       </p:sp>
@@ -4202,7 +4483,7 @@
 </p:sld>
 </file>
 
-<file path=ppt/slides/slide11.xml><?xml version="1.0" encoding="utf-8"?>
+<file path=ppt/slides/slide12.xml><?xml version="1.0" encoding="utf-8"?>
 <p:sld xmlns:a="http://schemas.openxmlformats.org/drawingml/2006/main" xmlns:r="http://schemas.openxmlformats.org/officeDocument/2006/relationships" xmlns:p="http://schemas.openxmlformats.org/presentationml/2006/main">
   <p:cSld>
     <p:spTree>
@@ -4632,9 +4913,10 @@
           </a:bodyPr>
           <a:lstStyle/>
           <a:p>
-            <a:r>
-              <a:rPr lang="it-IT" sz="3600" dirty="0"/>
-              <a:t>I dati di partenza</a:t>
+            <a:pPr algn="ctr"/>
+            <a:r>
+              <a:rPr lang="it-IT" sz="4000" dirty="0"/>
+              <a:t>Dati di partenza</a:t>
             </a:r>
           </a:p>
         </p:txBody>
@@ -4827,7 +5109,7 @@
         </p:blipFill>
         <p:spPr>
           <a:xfrm>
-            <a:off x="5477522" y="2291192"/>
+            <a:off x="5477523" y="2125214"/>
             <a:ext cx="6071010" cy="3247991"/>
           </a:xfrm>
           <a:prstGeom prst="rect">
@@ -5011,8 +5293,8 @@
         </p:nvSpPr>
         <p:spPr>
           <a:xfrm>
-            <a:off x="643467" y="2224932"/>
-            <a:ext cx="4443436" cy="3247991"/>
+            <a:off x="643467" y="2125215"/>
+            <a:ext cx="4338222" cy="3247991"/>
           </a:xfrm>
           <a:prstGeom prst="rect">
             <a:avLst/>
@@ -5203,7 +5485,7 @@
               <a:rPr lang="it-IT" sz="2000" dirty="0">
                 <a:latin typeface="+mj-lt"/>
               </a:rPr>
-              <a:t> di dimensioni 20x10 metri, modellizzato come il rettangolo [0,20] x [0,10].</a:t>
+              <a:t> di dimensioni 20x10 metri, modellizzato come il rettangolo [0,20] x [0,10]</a:t>
             </a:r>
           </a:p>
           <a:p>
@@ -5251,30 +5533,9 @@
             </a:r>
           </a:p>
           <a:p>
-            <a:r>
-              <a:rPr lang="it-IT" sz="2000" b="1" dirty="0">
-                <a:latin typeface="+mj-lt"/>
-              </a:rPr>
-              <a:t>Va posizionato un 3° microfono</a:t>
-            </a:r>
-            <a:r>
-              <a:rPr lang="it-IT" sz="2000" dirty="0">
-                <a:latin typeface="+mj-lt"/>
-              </a:rPr>
-              <a:t> fisso, in modo da </a:t>
-            </a:r>
-            <a:r>
-              <a:rPr lang="it-IT" sz="2000" b="1" dirty="0">
-                <a:latin typeface="+mj-lt"/>
-              </a:rPr>
-              <a:t>massimizzare la ricezione della voce degli attori</a:t>
-            </a:r>
-            <a:r>
-              <a:rPr lang="it-IT" sz="2000" dirty="0">
-                <a:latin typeface="+mj-lt"/>
-              </a:rPr>
-              <a:t>.</a:t>
-            </a:r>
+            <a:endParaRPr lang="it-IT" sz="2000" b="1" dirty="0">
+              <a:latin typeface="+mj-lt"/>
+            </a:endParaRPr>
           </a:p>
         </p:txBody>
       </p:sp>
@@ -5461,9 +5722,10 @@
           </a:bodyPr>
           <a:lstStyle/>
           <a:p>
-            <a:r>
-              <a:rPr lang="it-IT" sz="3600" dirty="0"/>
-              <a:t>I dati di partenza</a:t>
+            <a:pPr algn="ctr"/>
+            <a:r>
+              <a:rPr lang="it-IT" sz="4000" dirty="0"/>
+              <a:t>Dati di partenza</a:t>
             </a:r>
           </a:p>
         </p:txBody>
@@ -5656,7 +5918,7 @@
         </p:blipFill>
         <p:spPr>
           <a:xfrm>
-            <a:off x="5477522" y="2291192"/>
+            <a:off x="5490067" y="1823085"/>
             <a:ext cx="6071010" cy="3247991"/>
           </a:xfrm>
           <a:prstGeom prst="rect">
@@ -5840,7 +6102,7 @@
         </p:nvSpPr>
         <p:spPr>
           <a:xfrm>
-            <a:off x="643467" y="2224932"/>
+            <a:off x="643467" y="1823085"/>
             <a:ext cx="4443436" cy="3247991"/>
           </a:xfrm>
           <a:prstGeom prst="rect">
@@ -6026,7 +6288,7 @@
               <a:rPr lang="it-IT" sz="2000" b="1" dirty="0">
                 <a:latin typeface="+mj-lt"/>
               </a:rPr>
-              <a:t>due attori </a:t>
+              <a:t>due attori        </a:t>
             </a:r>
             <a:r>
               <a:rPr lang="it-IT" sz="2000" dirty="0">
@@ -6096,8 +6358,13 @@
               <a:rPr lang="it-IT" sz="2000" dirty="0">
                 <a:latin typeface="+mj-lt"/>
               </a:rPr>
-              <a:t>L'intensità del suono ricevuto dai tre microfoni è inversamente proporzionale alla distanza dagli attori</a:t>
-            </a:r>
+              <a:t>L'intensità del suono ricevuto dai microfoni è inversamente proporzionale alla distanza dagli attori</a:t>
+            </a:r>
+          </a:p>
+          <a:p>
+            <a:endParaRPr lang="it-IT" sz="2000" dirty="0">
+              <a:latin typeface="+mj-lt"/>
+            </a:endParaRPr>
           </a:p>
         </p:txBody>
       </p:sp>
@@ -6139,6 +6406,459 @@
           <a:chExt cx="0" cy="0"/>
         </a:xfrm>
       </p:grpSpPr>
+      <p:sp useBgFill="1">
+        <p:nvSpPr>
+          <p:cNvPr id="9" name="Rectangle 8">
+            <a:extLst>
+              <a:ext uri="{FF2B5EF4-FFF2-40B4-BE49-F238E27FC236}">
+                <a16:creationId xmlns:a16="http://schemas.microsoft.com/office/drawing/2014/main" id="{9AA72BD9-2C5A-4EDC-931F-5AA08EACA0F3}"/>
+              </a:ext>
+              <a:ext uri="{C183D7F6-B498-43B3-948B-1728B52AA6E4}">
+                <adec:decorative xmlns:adec="http://schemas.microsoft.com/office/drawing/2017/decorative" val="1"/>
+              </a:ext>
+            </a:extLst>
+          </p:cNvPr>
+          <p:cNvSpPr>
+            <a:spLocks noGrp="1" noRot="1" noChangeAspect="1" noMove="1" noResize="1" noEditPoints="1" noAdjustHandles="1" noChangeArrowheads="1" noChangeShapeType="1" noTextEdit="1"/>
+          </p:cNvSpPr>
+          <p:nvPr>
+            <p:extLst>
+              <p:ext uri="{386F3935-93C4-4BCD-93E2-E3B085C9AB24}">
+                <p16:designElem xmlns:p16="http://schemas.microsoft.com/office/powerpoint/2015/main" val="1"/>
+              </p:ext>
+            </p:extLst>
+          </p:nvPr>
+        </p:nvSpPr>
+        <p:spPr>
+          <a:xfrm>
+            <a:off x="0" y="0"/>
+            <a:ext cx="12192000" cy="6858000"/>
+          </a:xfrm>
+          <a:prstGeom prst="rect">
+            <a:avLst/>
+          </a:prstGeom>
+          <a:ln>
+            <a:noFill/>
+          </a:ln>
+        </p:spPr>
+        <p:style>
+          <a:lnRef idx="2">
+            <a:schemeClr val="accent1">
+              <a:shade val="50000"/>
+            </a:schemeClr>
+          </a:lnRef>
+          <a:fillRef idx="1">
+            <a:schemeClr val="accent1"/>
+          </a:fillRef>
+          <a:effectRef idx="0">
+            <a:schemeClr val="accent1"/>
+          </a:effectRef>
+          <a:fontRef idx="minor">
+            <a:schemeClr val="lt1"/>
+          </a:fontRef>
+        </p:style>
+        <p:txBody>
+          <a:bodyPr rtlCol="0" anchor="ctr"/>
+          <a:lstStyle/>
+          <a:p>
+            <a:pPr algn="ctr"/>
+            <a:endParaRPr lang="en-US"/>
+          </a:p>
+        </p:txBody>
+      </p:sp>
+      <p:pic>
+        <p:nvPicPr>
+          <p:cNvPr id="5" name="Picture 4" descr="Microfono su sfondo bianco">
+            <a:extLst>
+              <a:ext uri="{FF2B5EF4-FFF2-40B4-BE49-F238E27FC236}">
+                <a16:creationId xmlns:a16="http://schemas.microsoft.com/office/drawing/2014/main" id="{9BBF60DA-2377-401D-84DA-1190DDE3C8FB}"/>
+              </a:ext>
+            </a:extLst>
+          </p:cNvPr>
+          <p:cNvPicPr>
+            <a:picLocks noChangeAspect="1"/>
+          </p:cNvPicPr>
+          <p:nvPr/>
+        </p:nvPicPr>
+        <p:blipFill rotWithShape="1">
+          <a:blip r:embed="rId2"/>
+          <a:srcRect l="7399" r="8218" b="-1"/>
+          <a:stretch/>
+        </p:blipFill>
+        <p:spPr>
+          <a:xfrm>
+            <a:off x="3522468" y="10"/>
+            <a:ext cx="8669532" cy="6857990"/>
+          </a:xfrm>
+          <a:prstGeom prst="rect">
+            <a:avLst/>
+          </a:prstGeom>
+        </p:spPr>
+      </p:pic>
+      <p:sp>
+        <p:nvSpPr>
+          <p:cNvPr id="16" name="Rectangle 10">
+            <a:extLst>
+              <a:ext uri="{FF2B5EF4-FFF2-40B4-BE49-F238E27FC236}">
+                <a16:creationId xmlns:a16="http://schemas.microsoft.com/office/drawing/2014/main" id="{DD3981AC-7B61-4947-BCF3-F7AA7FA385B9}"/>
+              </a:ext>
+              <a:ext uri="{C183D7F6-B498-43B3-948B-1728B52AA6E4}">
+                <adec:decorative xmlns:adec="http://schemas.microsoft.com/office/drawing/2017/decorative" val="1"/>
+              </a:ext>
+            </a:extLst>
+          </p:cNvPr>
+          <p:cNvSpPr>
+            <a:spLocks noGrp="1" noRot="1" noChangeAspect="1" noMove="1" noResize="1" noEditPoints="1" noAdjustHandles="1" noChangeArrowheads="1" noChangeShapeType="1" noTextEdit="1"/>
+          </p:cNvSpPr>
+          <p:nvPr>
+            <p:extLst>
+              <p:ext uri="{386F3935-93C4-4BCD-93E2-E3B085C9AB24}">
+                <p16:designElem xmlns:p16="http://schemas.microsoft.com/office/powerpoint/2015/main" val="1"/>
+              </p:ext>
+            </p:extLst>
+          </p:nvPr>
+        </p:nvSpPr>
+        <p:spPr>
+          <a:xfrm>
+            <a:off x="2" y="0"/>
+            <a:ext cx="9756601" cy="6858000"/>
+          </a:xfrm>
+          <a:prstGeom prst="rect">
+            <a:avLst/>
+          </a:prstGeom>
+          <a:gradFill>
+            <a:gsLst>
+              <a:gs pos="58000">
+                <a:schemeClr val="bg1"/>
+              </a:gs>
+              <a:gs pos="35000">
+                <a:schemeClr val="bg1">
+                  <a:alpha val="78000"/>
+                </a:schemeClr>
+              </a:gs>
+              <a:gs pos="19000">
+                <a:schemeClr val="bg1">
+                  <a:alpha val="38000"/>
+                </a:schemeClr>
+              </a:gs>
+              <a:gs pos="0">
+                <a:schemeClr val="bg1">
+                  <a:alpha val="0"/>
+                </a:schemeClr>
+              </a:gs>
+              <a:gs pos="100000">
+                <a:schemeClr val="bg1"/>
+              </a:gs>
+            </a:gsLst>
+            <a:lin ang="10800000" scaled="0"/>
+          </a:gradFill>
+          <a:ln>
+            <a:noFill/>
+          </a:ln>
+        </p:spPr>
+        <p:style>
+          <a:lnRef idx="2">
+            <a:schemeClr val="accent1">
+              <a:shade val="50000"/>
+            </a:schemeClr>
+          </a:lnRef>
+          <a:fillRef idx="1">
+            <a:schemeClr val="accent1"/>
+          </a:fillRef>
+          <a:effectRef idx="0">
+            <a:schemeClr val="accent1"/>
+          </a:effectRef>
+          <a:fontRef idx="minor">
+            <a:schemeClr val="lt1"/>
+          </a:fontRef>
+        </p:style>
+        <p:txBody>
+          <a:bodyPr rtlCol="0" anchor="ctr"/>
+          <a:lstStyle/>
+          <a:p>
+            <a:pPr algn="ctr"/>
+            <a:endParaRPr lang="en-US" dirty="0"/>
+          </a:p>
+        </p:txBody>
+      </p:sp>
+      <p:sp>
+        <p:nvSpPr>
+          <p:cNvPr id="2" name="Titolo 1">
+            <a:extLst>
+              <a:ext uri="{FF2B5EF4-FFF2-40B4-BE49-F238E27FC236}">
+                <a16:creationId xmlns:a16="http://schemas.microsoft.com/office/drawing/2014/main" id="{882648A7-B767-5643-A96F-94740C04FF90}"/>
+              </a:ext>
+            </a:extLst>
+          </p:cNvPr>
+          <p:cNvSpPr>
+            <a:spLocks noGrp="1"/>
+          </p:cNvSpPr>
+          <p:nvPr>
+            <p:ph type="title"/>
+          </p:nvPr>
+        </p:nvSpPr>
+        <p:spPr>
+          <a:xfrm>
+            <a:off x="371094" y="1161288"/>
+            <a:ext cx="3438144" cy="1124712"/>
+          </a:xfrm>
+        </p:spPr>
+        <p:txBody>
+          <a:bodyPr anchor="b">
+            <a:normAutofit/>
+          </a:bodyPr>
+          <a:lstStyle/>
+          <a:p>
+            <a:r>
+              <a:rPr lang="it-IT" sz="4000" dirty="0"/>
+              <a:t>Obiettivo</a:t>
+            </a:r>
+          </a:p>
+        </p:txBody>
+      </p:sp>
+      <p:sp>
+        <p:nvSpPr>
+          <p:cNvPr id="17" name="Rectangle 12">
+            <a:extLst>
+              <a:ext uri="{FF2B5EF4-FFF2-40B4-BE49-F238E27FC236}">
+                <a16:creationId xmlns:a16="http://schemas.microsoft.com/office/drawing/2014/main" id="{55D4142C-5077-457F-A6AD-3FECFDB39685}"/>
+              </a:ext>
+              <a:ext uri="{C183D7F6-B498-43B3-948B-1728B52AA6E4}">
+                <adec:decorative xmlns:adec="http://schemas.microsoft.com/office/drawing/2017/decorative" val="1"/>
+              </a:ext>
+            </a:extLst>
+          </p:cNvPr>
+          <p:cNvSpPr>
+            <a:spLocks noGrp="1" noRot="1" noChangeAspect="1" noMove="1" noResize="1" noEditPoints="1" noAdjustHandles="1" noChangeArrowheads="1" noChangeShapeType="1" noTextEdit="1"/>
+          </p:cNvSpPr>
+          <p:nvPr>
+            <p:extLst>
+              <p:ext uri="{386F3935-93C4-4BCD-93E2-E3B085C9AB24}">
+                <p16:designElem xmlns:p16="http://schemas.microsoft.com/office/powerpoint/2015/main" val="1"/>
+              </p:ext>
+            </p:extLst>
+          </p:nvPr>
+        </p:nvSpPr>
+        <p:spPr>
+          <a:xfrm rot="5400000">
+            <a:off x="662559" y="605790"/>
+            <a:ext cx="73152" cy="548640"/>
+          </a:xfrm>
+          <a:prstGeom prst="rect">
+            <a:avLst/>
+          </a:prstGeom>
+          <a:solidFill>
+            <a:schemeClr val="accent2"/>
+          </a:solidFill>
+          <a:ln>
+            <a:noFill/>
+          </a:ln>
+        </p:spPr>
+        <p:style>
+          <a:lnRef idx="2">
+            <a:schemeClr val="accent1">
+              <a:shade val="50000"/>
+            </a:schemeClr>
+          </a:lnRef>
+          <a:fillRef idx="1">
+            <a:schemeClr val="accent1"/>
+          </a:fillRef>
+          <a:effectRef idx="0">
+            <a:schemeClr val="accent1"/>
+          </a:effectRef>
+          <a:fontRef idx="minor">
+            <a:schemeClr val="lt1"/>
+          </a:fontRef>
+        </p:style>
+        <p:txBody>
+          <a:bodyPr rtlCol="0" anchor="ctr"/>
+          <a:lstStyle/>
+          <a:p>
+            <a:pPr algn="ctr"/>
+            <a:endParaRPr lang="en-US">
+              <a:solidFill>
+                <a:prstClr val="white"/>
+              </a:solidFill>
+              <a:latin typeface="Calibri" panose="020F0502020204030204"/>
+            </a:endParaRPr>
+          </a:p>
+        </p:txBody>
+      </p:sp>
+      <p:sp>
+        <p:nvSpPr>
+          <p:cNvPr id="15" name="Rectangle 14">
+            <a:extLst>
+              <a:ext uri="{FF2B5EF4-FFF2-40B4-BE49-F238E27FC236}">
+                <a16:creationId xmlns:a16="http://schemas.microsoft.com/office/drawing/2014/main" id="{7A5F0580-5EE9-419F-96EE-B6529EF6E7D0}"/>
+              </a:ext>
+              <a:ext uri="{C183D7F6-B498-43B3-948B-1728B52AA6E4}">
+                <adec:decorative xmlns:adec="http://schemas.microsoft.com/office/drawing/2017/decorative" val="1"/>
+              </a:ext>
+            </a:extLst>
+          </p:cNvPr>
+          <p:cNvSpPr>
+            <a:spLocks noGrp="1" noRot="1" noChangeAspect="1" noMove="1" noResize="1" noEditPoints="1" noAdjustHandles="1" noChangeArrowheads="1" noChangeShapeType="1" noTextEdit="1"/>
+          </p:cNvSpPr>
+          <p:nvPr>
+            <p:extLst>
+              <p:ext uri="{386F3935-93C4-4BCD-93E2-E3B085C9AB24}">
+                <p16:designElem xmlns:p16="http://schemas.microsoft.com/office/powerpoint/2015/main" val="1"/>
+              </p:ext>
+            </p:extLst>
+          </p:nvPr>
+        </p:nvSpPr>
+        <p:spPr>
+          <a:xfrm>
+            <a:off x="428244" y="2443480"/>
+            <a:ext cx="3300984" cy="18288"/>
+          </a:xfrm>
+          <a:prstGeom prst="rect">
+            <a:avLst/>
+          </a:prstGeom>
+          <a:solidFill>
+            <a:schemeClr val="tx1"/>
+          </a:solidFill>
+          <a:ln w="3175">
+            <a:noFill/>
+          </a:ln>
+          <a:effectLst/>
+        </p:spPr>
+        <p:style>
+          <a:lnRef idx="2">
+            <a:schemeClr val="accent1">
+              <a:shade val="50000"/>
+            </a:schemeClr>
+          </a:lnRef>
+          <a:fillRef idx="1">
+            <a:schemeClr val="accent1"/>
+          </a:fillRef>
+          <a:effectRef idx="0">
+            <a:schemeClr val="accent1"/>
+          </a:effectRef>
+          <a:fontRef idx="minor">
+            <a:schemeClr val="lt1"/>
+          </a:fontRef>
+        </p:style>
+        <p:txBody>
+          <a:bodyPr rtlCol="0" anchor="ctr"/>
+          <a:lstStyle/>
+          <a:p>
+            <a:pPr marL="0" marR="0" lvl="0" indent="0" algn="ctr" defTabSz="914400" rtl="0" eaLnBrk="1" fontAlgn="auto" latinLnBrk="0" hangingPunct="1">
+              <a:lnSpc>
+                <a:spcPct val="100000"/>
+              </a:lnSpc>
+              <a:spcBef>
+                <a:spcPts val="0"/>
+              </a:spcBef>
+              <a:spcAft>
+                <a:spcPts val="0"/>
+              </a:spcAft>
+              <a:buClrTx/>
+              <a:buSzTx/>
+              <a:buFontTx/>
+              <a:buNone/>
+              <a:tabLst/>
+              <a:defRPr/>
+            </a:pPr>
+            <a:endParaRPr kumimoji="0" lang="en-US" sz="1800" b="0" i="0" u="none" strike="noStrike" kern="1200" cap="none" spc="0" normalizeH="0" baseline="0" noProof="0">
+              <a:ln>
+                <a:noFill/>
+              </a:ln>
+              <a:solidFill>
+                <a:prstClr val="white"/>
+              </a:solidFill>
+              <a:effectLst/>
+              <a:uLnTx/>
+              <a:uFillTx/>
+              <a:latin typeface="Calibri" panose="020F0502020204030204"/>
+              <a:ea typeface="+mn-ea"/>
+              <a:cs typeface="+mn-cs"/>
+            </a:endParaRPr>
+          </a:p>
+        </p:txBody>
+      </p:sp>
+      <p:sp>
+        <p:nvSpPr>
+          <p:cNvPr id="3" name="Segnaposto contenuto 2">
+            <a:extLst>
+              <a:ext uri="{FF2B5EF4-FFF2-40B4-BE49-F238E27FC236}">
+                <a16:creationId xmlns:a16="http://schemas.microsoft.com/office/drawing/2014/main" id="{3F168D89-9DC8-9648-A318-C214D8BAFFBD}"/>
+              </a:ext>
+            </a:extLst>
+          </p:cNvPr>
+          <p:cNvSpPr>
+            <a:spLocks noGrp="1"/>
+          </p:cNvSpPr>
+          <p:nvPr>
+            <p:ph idx="1"/>
+          </p:nvPr>
+        </p:nvSpPr>
+        <p:spPr>
+          <a:xfrm>
+            <a:off x="371094" y="2718054"/>
+            <a:ext cx="3438906" cy="3207258"/>
+          </a:xfrm>
+        </p:spPr>
+        <p:txBody>
+          <a:bodyPr anchor="t">
+            <a:normAutofit/>
+          </a:bodyPr>
+          <a:lstStyle/>
+          <a:p>
+            <a:pPr marL="0" indent="0">
+              <a:buNone/>
+            </a:pPr>
+            <a:r>
+              <a:rPr lang="it-IT" sz="2000" dirty="0"/>
+              <a:t>Posizionare un terzo microfono fisso che massimizzi la ricezione della voce degli attori</a:t>
+            </a:r>
+          </a:p>
+          <a:p>
+            <a:pPr marL="0" indent="0">
+              <a:buNone/>
+            </a:pPr>
+            <a:endParaRPr lang="it-IT" sz="1800" dirty="0"/>
+          </a:p>
+        </p:txBody>
+      </p:sp>
+    </p:spTree>
+    <p:extLst>
+      <p:ext uri="{BB962C8B-B14F-4D97-AF65-F5344CB8AC3E}">
+        <p14:creationId xmlns:p14="http://schemas.microsoft.com/office/powerpoint/2010/main" val="2736040247"/>
+      </p:ext>
+    </p:extLst>
+  </p:cSld>
+  <p:clrMapOvr>
+    <a:overrideClrMapping bg1="dk1" tx1="lt1" bg2="dk2" tx2="lt2" accent1="accent1" accent2="accent2" accent3="accent3" accent4="accent4" accent5="accent5" accent6="accent6" hlink="hlink" folHlink="folHlink"/>
+  </p:clrMapOvr>
+</p:sld>
+</file>
+
+<file path=ppt/slides/slide5.xml><?xml version="1.0" encoding="utf-8"?>
+<p:sld xmlns:a="http://schemas.openxmlformats.org/drawingml/2006/main" xmlns:r="http://schemas.openxmlformats.org/officeDocument/2006/relationships" xmlns:p="http://schemas.openxmlformats.org/presentationml/2006/main">
+  <p:cSld>
+    <p:bg>
+      <p:bgPr>
+        <a:solidFill>
+          <a:schemeClr val="bg1"/>
+        </a:solidFill>
+        <a:effectLst/>
+      </p:bgPr>
+    </p:bg>
+    <p:spTree>
+      <p:nvGrpSpPr>
+        <p:cNvPr id="1" name=""/>
+        <p:cNvGrpSpPr/>
+        <p:nvPr/>
+      </p:nvGrpSpPr>
+      <p:grpSpPr>
+        <a:xfrm>
+          <a:off x="0" y="0"/>
+          <a:ext cx="0" cy="0"/>
+          <a:chOff x="0" y="0"/>
+          <a:chExt cx="0" cy="0"/>
+        </a:xfrm>
+      </p:grpSpPr>
       <p:sp>
         <p:nvSpPr>
           <p:cNvPr id="24" name="Rectangle 23">
@@ -6230,8 +6950,9 @@
           </a:bodyPr>
           <a:lstStyle/>
           <a:p>
-            <a:r>
-              <a:rPr lang="en-US" sz="3600" kern="1200" dirty="0">
+            <a:pPr algn="ctr"/>
+            <a:r>
+              <a:rPr lang="en-US" sz="4000" kern="1200" dirty="0">
                 <a:solidFill>
                   <a:schemeClr val="tx1"/>
                 </a:solidFill>
@@ -6239,49 +6960,8 @@
                 <a:ea typeface="+mj-ea"/>
                 <a:cs typeface="+mj-cs"/>
               </a:rPr>
-              <a:t>La </a:t>
-            </a:r>
-            <a:r>
-              <a:rPr lang="en-US" sz="3600" kern="1200" dirty="0" err="1">
-                <a:solidFill>
-                  <a:schemeClr val="tx1"/>
-                </a:solidFill>
-                <a:latin typeface="+mj-lt"/>
-                <a:ea typeface="+mj-ea"/>
-                <a:cs typeface="+mj-cs"/>
-              </a:rPr>
-              <a:t>funzione</a:t>
-            </a:r>
-            <a:r>
-              <a:rPr lang="en-US" sz="3600" kern="1200" dirty="0">
-                <a:solidFill>
-                  <a:schemeClr val="tx1"/>
-                </a:solidFill>
-                <a:latin typeface="+mj-lt"/>
-                <a:ea typeface="+mj-ea"/>
-                <a:cs typeface="+mj-cs"/>
-              </a:rPr>
-              <a:t> di </a:t>
-            </a:r>
-            <a:r>
-              <a:rPr lang="en-US" sz="3600" kern="1200" dirty="0" err="1">
-                <a:solidFill>
-                  <a:schemeClr val="tx1"/>
-                </a:solidFill>
-                <a:latin typeface="+mj-lt"/>
-                <a:ea typeface="+mj-ea"/>
-                <a:cs typeface="+mj-cs"/>
-              </a:rPr>
-              <a:t>costo</a:t>
-            </a:r>
-            <a:endParaRPr lang="en-US" sz="3600" kern="1200" dirty="0">
-              <a:solidFill>
-                <a:schemeClr val="tx1"/>
-              </a:solidFill>
-              <a:latin typeface="+mj-lt"/>
-              <a:ea typeface="+mj-ea"/>
-              <a:cs typeface="+mj-cs"/>
-            </a:endParaRPr>
+              <a:t>La funzione di costo</a:t>
+            </a:r>
           </a:p>
         </p:txBody>
       </p:sp>
@@ -6302,7 +6982,7 @@
         <p:spPr>
           <a:xfrm>
             <a:off x="643469" y="1782981"/>
-            <a:ext cx="4008384" cy="4393982"/>
+            <a:ext cx="10905064" cy="4393982"/>
           </a:xfrm>
           <a:prstGeom prst="rect">
             <a:avLst/>
@@ -6701,36 +7381,6 @@
           </p:txBody>
         </p:sp>
       </p:grpSp>
-      <p:pic>
-        <p:nvPicPr>
-          <p:cNvPr id="4" name="Immagine 3">
-            <a:extLst>
-              <a:ext uri="{FF2B5EF4-FFF2-40B4-BE49-F238E27FC236}">
-                <a16:creationId xmlns:a16="http://schemas.microsoft.com/office/drawing/2014/main" id="{3C73C70B-22EF-4455-8506-303887113DDF}"/>
-              </a:ext>
-            </a:extLst>
-          </p:cNvPr>
-          <p:cNvPicPr>
-            <a:picLocks noChangeAspect="1"/>
-          </p:cNvPicPr>
-          <p:nvPr/>
-        </p:nvPicPr>
-        <p:blipFill>
-          <a:blip r:embed="rId2"/>
-          <a:stretch>
-            <a:fillRect/>
-          </a:stretch>
-        </p:blipFill>
-        <p:spPr>
-          <a:xfrm>
-            <a:off x="5295320" y="2103597"/>
-            <a:ext cx="6253212" cy="3720660"/>
-          </a:xfrm>
-          <a:prstGeom prst="rect">
-            <a:avLst/>
-          </a:prstGeom>
-        </p:spPr>
-      </p:pic>
       <p:grpSp>
         <p:nvGrpSpPr>
           <p:cNvPr id="30" name="Group 29">
@@ -6904,431 +7554,6 @@
 </p:sld>
 </file>
 
-<file path=ppt/slides/slide5.xml><?xml version="1.0" encoding="utf-8"?>
-<p:sld xmlns:a="http://schemas.openxmlformats.org/drawingml/2006/main" xmlns:r="http://schemas.openxmlformats.org/officeDocument/2006/relationships" xmlns:p="http://schemas.openxmlformats.org/presentationml/2006/main">
-  <p:cSld>
-    <p:spTree>
-      <p:nvGrpSpPr>
-        <p:cNvPr id="1" name=""/>
-        <p:cNvGrpSpPr/>
-        <p:nvPr/>
-      </p:nvGrpSpPr>
-      <p:grpSpPr>
-        <a:xfrm>
-          <a:off x="0" y="0"/>
-          <a:ext cx="0" cy="0"/>
-          <a:chOff x="0" y="0"/>
-          <a:chExt cx="0" cy="0"/>
-        </a:xfrm>
-      </p:grpSpPr>
-      <p:sp>
-        <p:nvSpPr>
-          <p:cNvPr id="2" name="Titolo 1">
-            <a:extLst>
-              <a:ext uri="{FF2B5EF4-FFF2-40B4-BE49-F238E27FC236}">
-                <a16:creationId xmlns:a16="http://schemas.microsoft.com/office/drawing/2014/main" id="{1082888F-2770-4E5B-9CDA-CC9E0CC25EC4}"/>
-              </a:ext>
-            </a:extLst>
-          </p:cNvPr>
-          <p:cNvSpPr>
-            <a:spLocks noGrp="1"/>
-          </p:cNvSpPr>
-          <p:nvPr>
-            <p:ph type="title"/>
-          </p:nvPr>
-        </p:nvSpPr>
-        <p:spPr>
-          <a:xfrm>
-            <a:off x="643467" y="321734"/>
-            <a:ext cx="10905066" cy="1135737"/>
-          </a:xfrm>
-        </p:spPr>
-        <p:txBody>
-          <a:bodyPr vert="horz" lIns="91440" tIns="45720" rIns="91440" bIns="45720" rtlCol="0" anchor="ctr">
-            <a:normAutofit/>
-          </a:bodyPr>
-          <a:lstStyle/>
-          <a:p>
-            <a:r>
-              <a:rPr lang="en-US" sz="3600" kern="1200" dirty="0" err="1">
-                <a:solidFill>
-                  <a:schemeClr val="tx1"/>
-                </a:solidFill>
-                <a:latin typeface="+mj-lt"/>
-                <a:ea typeface="+mj-ea"/>
-                <a:cs typeface="+mj-cs"/>
-              </a:rPr>
-              <a:t>Struttura</a:t>
-            </a:r>
-            <a:r>
-              <a:rPr lang="en-US" sz="3600" kern="1200" dirty="0">
-                <a:solidFill>
-                  <a:schemeClr val="tx1"/>
-                </a:solidFill>
-                <a:latin typeface="+mj-lt"/>
-                <a:ea typeface="+mj-ea"/>
-                <a:cs typeface="+mj-cs"/>
-              </a:rPr>
-              <a:t> del </a:t>
-            </a:r>
-            <a:r>
-              <a:rPr lang="en-US" sz="3600" kern="1200" dirty="0" err="1">
-                <a:solidFill>
-                  <a:schemeClr val="tx1"/>
-                </a:solidFill>
-                <a:latin typeface="+mj-lt"/>
-                <a:ea typeface="+mj-ea"/>
-                <a:cs typeface="+mj-cs"/>
-              </a:rPr>
-              <a:t>codice</a:t>
-            </a:r>
-            <a:endParaRPr lang="en-US" sz="3600" kern="1200" dirty="0">
-              <a:solidFill>
-                <a:schemeClr val="tx1"/>
-              </a:solidFill>
-              <a:latin typeface="+mj-lt"/>
-              <a:ea typeface="+mj-ea"/>
-              <a:cs typeface="+mj-cs"/>
-            </a:endParaRPr>
-          </a:p>
-        </p:txBody>
-      </p:sp>
-      <p:sp>
-        <p:nvSpPr>
-          <p:cNvPr id="19" name="Segnaposto contenuto 2">
-            <a:extLst>
-              <a:ext uri="{FF2B5EF4-FFF2-40B4-BE49-F238E27FC236}">
-                <a16:creationId xmlns:a16="http://schemas.microsoft.com/office/drawing/2014/main" id="{C20E4AE0-0942-4C49-BB4F-A814A35384A0}"/>
-              </a:ext>
-            </a:extLst>
-          </p:cNvPr>
-          <p:cNvSpPr txBox="1">
-            <a:spLocks/>
-          </p:cNvSpPr>
-          <p:nvPr/>
-        </p:nvSpPr>
-        <p:spPr>
-          <a:xfrm>
-            <a:off x="643468" y="1782981"/>
-            <a:ext cx="5220003" cy="4393982"/>
-          </a:xfrm>
-          <a:prstGeom prst="rect">
-            <a:avLst/>
-          </a:prstGeom>
-        </p:spPr>
-        <p:txBody>
-          <a:bodyPr vert="horz" lIns="91440" tIns="45720" rIns="91440" bIns="45720" rtlCol="0">
-            <a:normAutofit/>
-          </a:bodyPr>
-          <a:lstStyle>
-            <a:lvl1pPr marL="228600" indent="-228600" algn="l" defTabSz="914400" rtl="0" eaLnBrk="1" latinLnBrk="0" hangingPunct="1">
-              <a:lnSpc>
-                <a:spcPct val="90000"/>
-              </a:lnSpc>
-              <a:spcBef>
-                <a:spcPts val="1000"/>
-              </a:spcBef>
-              <a:buFont typeface="Arial" panose="020B0604020202020204" pitchFamily="34" charset="0"/>
-              <a:buChar char="•"/>
-              <a:defRPr sz="2800" kern="1200">
-                <a:solidFill>
-                  <a:schemeClr val="tx1"/>
-                </a:solidFill>
-                <a:latin typeface="+mn-lt"/>
-                <a:ea typeface="+mn-ea"/>
-                <a:cs typeface="+mn-cs"/>
-              </a:defRPr>
-            </a:lvl1pPr>
-            <a:lvl2pPr marL="685800" indent="-228600" algn="l" defTabSz="914400" rtl="0" eaLnBrk="1" latinLnBrk="0" hangingPunct="1">
-              <a:lnSpc>
-                <a:spcPct val="90000"/>
-              </a:lnSpc>
-              <a:spcBef>
-                <a:spcPts val="500"/>
-              </a:spcBef>
-              <a:buFont typeface="Arial" panose="020B0604020202020204" pitchFamily="34" charset="0"/>
-              <a:buChar char="•"/>
-              <a:defRPr sz="2400" kern="1200">
-                <a:solidFill>
-                  <a:schemeClr val="tx1"/>
-                </a:solidFill>
-                <a:latin typeface="+mn-lt"/>
-                <a:ea typeface="+mn-ea"/>
-                <a:cs typeface="+mn-cs"/>
-              </a:defRPr>
-            </a:lvl2pPr>
-            <a:lvl3pPr marL="1143000" indent="-228600" algn="l" defTabSz="914400" rtl="0" eaLnBrk="1" latinLnBrk="0" hangingPunct="1">
-              <a:lnSpc>
-                <a:spcPct val="90000"/>
-              </a:lnSpc>
-              <a:spcBef>
-                <a:spcPts val="500"/>
-              </a:spcBef>
-              <a:buFont typeface="Arial" panose="020B0604020202020204" pitchFamily="34" charset="0"/>
-              <a:buChar char="•"/>
-              <a:defRPr sz="2000" kern="1200">
-                <a:solidFill>
-                  <a:schemeClr val="tx1"/>
-                </a:solidFill>
-                <a:latin typeface="+mn-lt"/>
-                <a:ea typeface="+mn-ea"/>
-                <a:cs typeface="+mn-cs"/>
-              </a:defRPr>
-            </a:lvl3pPr>
-            <a:lvl4pPr marL="1600200" indent="-228600" algn="l" defTabSz="914400" rtl="0" eaLnBrk="1" latinLnBrk="0" hangingPunct="1">
-              <a:lnSpc>
-                <a:spcPct val="90000"/>
-              </a:lnSpc>
-              <a:spcBef>
-                <a:spcPts val="500"/>
-              </a:spcBef>
-              <a:buFont typeface="Arial" panose="020B0604020202020204" pitchFamily="34" charset="0"/>
-              <a:buChar char="•"/>
-              <a:defRPr sz="1800" kern="1200">
-                <a:solidFill>
-                  <a:schemeClr val="tx1"/>
-                </a:solidFill>
-                <a:latin typeface="+mn-lt"/>
-                <a:ea typeface="+mn-ea"/>
-                <a:cs typeface="+mn-cs"/>
-              </a:defRPr>
-            </a:lvl4pPr>
-            <a:lvl5pPr marL="2057400" indent="-228600" algn="l" defTabSz="914400" rtl="0" eaLnBrk="1" latinLnBrk="0" hangingPunct="1">
-              <a:lnSpc>
-                <a:spcPct val="90000"/>
-              </a:lnSpc>
-              <a:spcBef>
-                <a:spcPts val="500"/>
-              </a:spcBef>
-              <a:buFont typeface="Arial" panose="020B0604020202020204" pitchFamily="34" charset="0"/>
-              <a:buChar char="•"/>
-              <a:defRPr sz="1800" kern="1200">
-                <a:solidFill>
-                  <a:schemeClr val="tx1"/>
-                </a:solidFill>
-                <a:latin typeface="+mn-lt"/>
-                <a:ea typeface="+mn-ea"/>
-                <a:cs typeface="+mn-cs"/>
-              </a:defRPr>
-            </a:lvl5pPr>
-            <a:lvl6pPr marL="2514600" indent="-228600" algn="l" defTabSz="914400" rtl="0" eaLnBrk="1" latinLnBrk="0" hangingPunct="1">
-              <a:lnSpc>
-                <a:spcPct val="90000"/>
-              </a:lnSpc>
-              <a:spcBef>
-                <a:spcPts val="500"/>
-              </a:spcBef>
-              <a:buFont typeface="Arial" panose="020B0604020202020204" pitchFamily="34" charset="0"/>
-              <a:buChar char="•"/>
-              <a:defRPr sz="1800" kern="1200">
-                <a:solidFill>
-                  <a:schemeClr val="tx1"/>
-                </a:solidFill>
-                <a:latin typeface="+mn-lt"/>
-                <a:ea typeface="+mn-ea"/>
-                <a:cs typeface="+mn-cs"/>
-              </a:defRPr>
-            </a:lvl6pPr>
-            <a:lvl7pPr marL="2971800" indent="-228600" algn="l" defTabSz="914400" rtl="0" eaLnBrk="1" latinLnBrk="0" hangingPunct="1">
-              <a:lnSpc>
-                <a:spcPct val="90000"/>
-              </a:lnSpc>
-              <a:spcBef>
-                <a:spcPts val="500"/>
-              </a:spcBef>
-              <a:buFont typeface="Arial" panose="020B0604020202020204" pitchFamily="34" charset="0"/>
-              <a:buChar char="•"/>
-              <a:defRPr sz="1800" kern="1200">
-                <a:solidFill>
-                  <a:schemeClr val="tx1"/>
-                </a:solidFill>
-                <a:latin typeface="+mn-lt"/>
-                <a:ea typeface="+mn-ea"/>
-                <a:cs typeface="+mn-cs"/>
-              </a:defRPr>
-            </a:lvl7pPr>
-            <a:lvl8pPr marL="3429000" indent="-228600" algn="l" defTabSz="914400" rtl="0" eaLnBrk="1" latinLnBrk="0" hangingPunct="1">
-              <a:lnSpc>
-                <a:spcPct val="90000"/>
-              </a:lnSpc>
-              <a:spcBef>
-                <a:spcPts val="500"/>
-              </a:spcBef>
-              <a:buFont typeface="Arial" panose="020B0604020202020204" pitchFamily="34" charset="0"/>
-              <a:buChar char="•"/>
-              <a:defRPr sz="1800" kern="1200">
-                <a:solidFill>
-                  <a:schemeClr val="tx1"/>
-                </a:solidFill>
-                <a:latin typeface="+mn-lt"/>
-                <a:ea typeface="+mn-ea"/>
-                <a:cs typeface="+mn-cs"/>
-              </a:defRPr>
-            </a:lvl8pPr>
-            <a:lvl9pPr marL="3886200" indent="-228600" algn="l" defTabSz="914400" rtl="0" eaLnBrk="1" latinLnBrk="0" hangingPunct="1">
-              <a:lnSpc>
-                <a:spcPct val="90000"/>
-              </a:lnSpc>
-              <a:spcBef>
-                <a:spcPts val="500"/>
-              </a:spcBef>
-              <a:buFont typeface="Arial" panose="020B0604020202020204" pitchFamily="34" charset="0"/>
-              <a:buChar char="•"/>
-              <a:defRPr sz="1800" kern="1200">
-                <a:solidFill>
-                  <a:schemeClr val="tx1"/>
-                </a:solidFill>
-                <a:latin typeface="+mn-lt"/>
-                <a:ea typeface="+mn-ea"/>
-                <a:cs typeface="+mn-cs"/>
-              </a:defRPr>
-            </a:lvl9pPr>
-          </a:lstStyle>
-          <a:p>
-            <a:r>
-              <a:rPr lang="it-IT" sz="2000" dirty="0">
-                <a:latin typeface="+mj-lt"/>
-              </a:rPr>
-              <a:t>Ok zia</a:t>
-            </a:r>
-          </a:p>
-          <a:p>
-            <a:r>
-              <a:rPr lang="it-IT" sz="2000" dirty="0">
-                <a:latin typeface="+mj-lt"/>
-              </a:rPr>
-              <a:t>Il codice genera 100 coordinate x, y (N_ROUNDS)</a:t>
-            </a:r>
-          </a:p>
-          <a:p>
-            <a:r>
-              <a:rPr lang="it-IT" sz="2000" dirty="0">
-                <a:latin typeface="+mj-lt"/>
-              </a:rPr>
-              <a:t>Per generare 1 coordinata vengono fatte 100 iterazioni (N_TESTS)</a:t>
-            </a:r>
-          </a:p>
-          <a:p>
-            <a:r>
-              <a:rPr lang="it-IT" sz="2000" dirty="0">
-                <a:latin typeface="+mj-lt"/>
-              </a:rPr>
-              <a:t>Ad ogni iterazione calcoliamo l’intensità con una coordinata, e la paragoniamo alla migliore trovata fino a quel momento</a:t>
-            </a:r>
-          </a:p>
-          <a:p>
-            <a:r>
-              <a:rPr lang="it-IT" sz="2000" dirty="0">
-                <a:latin typeface="+mj-lt"/>
-              </a:rPr>
-              <a:t>Per lanciare i 4 algoritmi di ottimizzazione, è sufficiente modificare la funzione chiamata, poiché tutte le funzioni ritornano la stessa lista</a:t>
-            </a:r>
-          </a:p>
-        </p:txBody>
-      </p:sp>
-      <p:pic>
-        <p:nvPicPr>
-          <p:cNvPr id="5" name="Immagine 4">
-            <a:extLst>
-              <a:ext uri="{FF2B5EF4-FFF2-40B4-BE49-F238E27FC236}">
-                <a16:creationId xmlns:a16="http://schemas.microsoft.com/office/drawing/2014/main" id="{EBBD12C0-1447-4167-B946-6EE0E3C5B800}"/>
-              </a:ext>
-            </a:extLst>
-          </p:cNvPr>
-          <p:cNvPicPr>
-            <a:picLocks noChangeAspect="1"/>
-          </p:cNvPicPr>
-          <p:nvPr/>
-        </p:nvPicPr>
-        <p:blipFill>
-          <a:blip r:embed="rId2"/>
-          <a:stretch>
-            <a:fillRect/>
-          </a:stretch>
-        </p:blipFill>
-        <p:spPr>
-          <a:xfrm>
-            <a:off x="7069606" y="1739665"/>
-            <a:ext cx="3628736" cy="1444089"/>
-          </a:xfrm>
-          <a:prstGeom prst="rect">
-            <a:avLst/>
-          </a:prstGeom>
-        </p:spPr>
-      </p:pic>
-      <p:pic>
-        <p:nvPicPr>
-          <p:cNvPr id="7" name="Immagine 6">
-            <a:extLst>
-              <a:ext uri="{FF2B5EF4-FFF2-40B4-BE49-F238E27FC236}">
-                <a16:creationId xmlns:a16="http://schemas.microsoft.com/office/drawing/2014/main" id="{03B40ED2-08BC-4628-8964-378FC2E7337D}"/>
-              </a:ext>
-            </a:extLst>
-          </p:cNvPr>
-          <p:cNvPicPr>
-            <a:picLocks noChangeAspect="1"/>
-          </p:cNvPicPr>
-          <p:nvPr/>
-        </p:nvPicPr>
-        <p:blipFill>
-          <a:blip r:embed="rId3"/>
-          <a:stretch>
-            <a:fillRect/>
-          </a:stretch>
-        </p:blipFill>
-        <p:spPr>
-          <a:xfrm>
-            <a:off x="7069606" y="3631530"/>
-            <a:ext cx="4686300" cy="2800350"/>
-          </a:xfrm>
-          <a:prstGeom prst="rect">
-            <a:avLst/>
-          </a:prstGeom>
-        </p:spPr>
-      </p:pic>
-      <p:pic>
-        <p:nvPicPr>
-          <p:cNvPr id="9" name="Immagine 8">
-            <a:extLst>
-              <a:ext uri="{FF2B5EF4-FFF2-40B4-BE49-F238E27FC236}">
-                <a16:creationId xmlns:a16="http://schemas.microsoft.com/office/drawing/2014/main" id="{DBDED821-695C-4A55-9404-273AD35DD082}"/>
-              </a:ext>
-            </a:extLst>
-          </p:cNvPr>
-          <p:cNvPicPr>
-            <a:picLocks noChangeAspect="1"/>
-          </p:cNvPicPr>
-          <p:nvPr/>
-        </p:nvPicPr>
-        <p:blipFill>
-          <a:blip r:embed="rId4"/>
-          <a:stretch>
-            <a:fillRect/>
-          </a:stretch>
-        </p:blipFill>
-        <p:spPr>
-          <a:xfrm>
-            <a:off x="7069606" y="1102587"/>
-            <a:ext cx="1238250" cy="400050"/>
-          </a:xfrm>
-          <a:prstGeom prst="rect">
-            <a:avLst/>
-          </a:prstGeom>
-        </p:spPr>
-      </p:pic>
-    </p:spTree>
-    <p:extLst>
-      <p:ext uri="{BB962C8B-B14F-4D97-AF65-F5344CB8AC3E}">
-        <p14:creationId xmlns:p14="http://schemas.microsoft.com/office/powerpoint/2010/main" val="48609715"/>
-      </p:ext>
-    </p:extLst>
-  </p:cSld>
-  <p:clrMapOvr>
-    <a:masterClrMapping/>
-  </p:clrMapOvr>
-</p:sld>
-</file>
-
 <file path=ppt/slides/slide6.xml><?xml version="1.0" encoding="utf-8"?>
 <p:sld xmlns:a="http://schemas.openxmlformats.org/drawingml/2006/main" xmlns:r="http://schemas.openxmlformats.org/officeDocument/2006/relationships" xmlns:p="http://schemas.openxmlformats.org/presentationml/2006/main">
   <p:cSld>
@@ -7374,8 +7599,9 @@
           </a:bodyPr>
           <a:lstStyle/>
           <a:p>
-            <a:r>
-              <a:rPr lang="en-US" sz="3600" kern="1200" dirty="0" err="1">
+            <a:pPr algn="ctr"/>
+            <a:r>
+              <a:rPr lang="en-US" sz="4000" kern="1200" dirty="0">
                 <a:solidFill>
                   <a:schemeClr val="tx1"/>
                 </a:solidFill>
@@ -7383,18 +7609,7 @@
                 <a:ea typeface="+mj-ea"/>
                 <a:cs typeface="+mj-cs"/>
               </a:rPr>
-              <a:t>Algoritmo</a:t>
-            </a:r>
-            <a:r>
-              <a:rPr lang="en-US" sz="3600" kern="1200" dirty="0">
-                <a:solidFill>
-                  <a:schemeClr val="tx1"/>
-                </a:solidFill>
-                <a:latin typeface="+mj-lt"/>
-                <a:ea typeface="+mj-ea"/>
-                <a:cs typeface="+mj-cs"/>
-              </a:rPr>
-              <a:t> A</a:t>
+              <a:t>Struttura del codice</a:t>
             </a:r>
           </a:p>
         </p:txBody>
@@ -7415,8 +7630,8 @@
         </p:nvSpPr>
         <p:spPr>
           <a:xfrm>
-            <a:off x="643469" y="1782981"/>
-            <a:ext cx="4008384" cy="4393982"/>
+            <a:off x="643467" y="1674668"/>
+            <a:ext cx="5734755" cy="4393982"/>
           </a:xfrm>
           <a:prstGeom prst="rect">
             <a:avLst/>
@@ -7595,7 +7810,7 @@
               <a:rPr lang="it-IT" sz="2000" dirty="0">
                 <a:latin typeface="+mj-lt"/>
               </a:rPr>
-              <a:t>Questo algoritmo genera le coordinate (soluzioni) in modo casuale</a:t>
+              <a:t>Il codice genera 100 coordinate x, y (N_ROUNDS)</a:t>
             </a:r>
           </a:p>
           <a:p>
@@ -7603,18 +7818,41 @@
               <a:rPr lang="it-IT" sz="2000" dirty="0">
                 <a:latin typeface="+mj-lt"/>
               </a:rPr>
-              <a:t>Ad ogni itera coordinate</a:t>
-            </a:r>
-            <a:endParaRPr lang="en-US" sz="2000" dirty="0"/>
+              <a:t>Per generare 1 coordinata vengono fatte 100 iterazioni (N_TESTS)</a:t>
+            </a:r>
+          </a:p>
+          <a:p>
+            <a:r>
+              <a:rPr lang="it-IT" sz="2000" dirty="0">
+                <a:latin typeface="+mj-lt"/>
+              </a:rPr>
+              <a:t>Ad ogni iterazione calcoliamo l’intensità con una coordinata e la paragoniamo alla migliore trovata fino a quel momento</a:t>
+            </a:r>
+          </a:p>
+          <a:p>
+            <a:r>
+              <a:rPr lang="it-IT" sz="2000" dirty="0">
+                <a:latin typeface="+mj-lt"/>
+              </a:rPr>
+              <a:t>Qualora la nuova coordinata produca un risultato migliore, diventerà quest’ultima il nuovo metro di paragone</a:t>
+            </a:r>
+          </a:p>
+          <a:p>
+            <a:r>
+              <a:rPr lang="it-IT" sz="2000" dirty="0">
+                <a:latin typeface="+mj-lt"/>
+              </a:rPr>
+              <a:t>Per lanciare i 4 algoritmi di ottimizzazione, è sufficiente modificare la funzione chiamata, poiché tutte le funzioni ritornano la stessa lista</a:t>
+            </a:r>
           </a:p>
         </p:txBody>
       </p:sp>
       <p:pic>
         <p:nvPicPr>
-          <p:cNvPr id="4" name="Immagine 3">
-            <a:extLst>
-              <a:ext uri="{FF2B5EF4-FFF2-40B4-BE49-F238E27FC236}">
-                <a16:creationId xmlns:a16="http://schemas.microsoft.com/office/drawing/2014/main" id="{3C73C70B-22EF-4455-8506-303887113DDF}"/>
+          <p:cNvPr id="5" name="Immagine 4">
+            <a:extLst>
+              <a:ext uri="{FF2B5EF4-FFF2-40B4-BE49-F238E27FC236}">
+                <a16:creationId xmlns:a16="http://schemas.microsoft.com/office/drawing/2014/main" id="{EBBD12C0-1447-4167-B946-6EE0E3C5B800}"/>
               </a:ext>
             </a:extLst>
           </p:cNvPr>
@@ -7631,8 +7869,68 @@
         </p:blipFill>
         <p:spPr>
           <a:xfrm>
-            <a:off x="5295320" y="2103597"/>
-            <a:ext cx="6253212" cy="3720660"/>
+            <a:off x="7069606" y="2238324"/>
+            <a:ext cx="3628736" cy="1444089"/>
+          </a:xfrm>
+          <a:prstGeom prst="rect">
+            <a:avLst/>
+          </a:prstGeom>
+        </p:spPr>
+      </p:pic>
+      <p:pic>
+        <p:nvPicPr>
+          <p:cNvPr id="7" name="Immagine 6">
+            <a:extLst>
+              <a:ext uri="{FF2B5EF4-FFF2-40B4-BE49-F238E27FC236}">
+                <a16:creationId xmlns:a16="http://schemas.microsoft.com/office/drawing/2014/main" id="{03B40ED2-08BC-4628-8964-378FC2E7337D}"/>
+              </a:ext>
+            </a:extLst>
+          </p:cNvPr>
+          <p:cNvPicPr>
+            <a:picLocks noChangeAspect="1"/>
+          </p:cNvPicPr>
+          <p:nvPr/>
+        </p:nvPicPr>
+        <p:blipFill>
+          <a:blip r:embed="rId3"/>
+          <a:stretch>
+            <a:fillRect/>
+          </a:stretch>
+        </p:blipFill>
+        <p:spPr>
+          <a:xfrm>
+            <a:off x="7069606" y="3846019"/>
+            <a:ext cx="4686300" cy="2800350"/>
+          </a:xfrm>
+          <a:prstGeom prst="rect">
+            <a:avLst/>
+          </a:prstGeom>
+        </p:spPr>
+      </p:pic>
+      <p:pic>
+        <p:nvPicPr>
+          <p:cNvPr id="9" name="Immagine 8">
+            <a:extLst>
+              <a:ext uri="{FF2B5EF4-FFF2-40B4-BE49-F238E27FC236}">
+                <a16:creationId xmlns:a16="http://schemas.microsoft.com/office/drawing/2014/main" id="{DBDED821-695C-4A55-9404-273AD35DD082}"/>
+              </a:ext>
+            </a:extLst>
+          </p:cNvPr>
+          <p:cNvPicPr>
+            <a:picLocks noChangeAspect="1"/>
+          </p:cNvPicPr>
+          <p:nvPr/>
+        </p:nvPicPr>
+        <p:blipFill>
+          <a:blip r:embed="rId4"/>
+          <a:stretch>
+            <a:fillRect/>
+          </a:stretch>
+        </p:blipFill>
+        <p:spPr>
+          <a:xfrm>
+            <a:off x="7069606" y="1674668"/>
+            <a:ext cx="1238250" cy="400050"/>
           </a:xfrm>
           <a:prstGeom prst="rect">
             <a:avLst/>
@@ -7642,7 +7940,7 @@
     </p:spTree>
     <p:extLst>
       <p:ext uri="{BB962C8B-B14F-4D97-AF65-F5344CB8AC3E}">
-        <p14:creationId xmlns:p14="http://schemas.microsoft.com/office/powerpoint/2010/main" val="892148118"/>
+        <p14:creationId xmlns:p14="http://schemas.microsoft.com/office/powerpoint/2010/main" val="48609715"/>
       </p:ext>
     </p:extLst>
   </p:cSld>
@@ -7697,8 +7995,9 @@
           </a:bodyPr>
           <a:lstStyle/>
           <a:p>
-            <a:r>
-              <a:rPr lang="en-US" sz="3600" kern="1200" dirty="0" err="1">
+            <a:pPr algn="ctr"/>
+            <a:r>
+              <a:rPr lang="en-US" sz="4000" kern="1200" dirty="0">
                 <a:solidFill>
                   <a:schemeClr val="tx1"/>
                 </a:solidFill>
@@ -7706,10 +8005,316 @@
                 <a:ea typeface="+mj-ea"/>
                 <a:cs typeface="+mj-cs"/>
               </a:rPr>
-              <a:t>Algoritmo</a:t>
-            </a:r>
-            <a:r>
-              <a:rPr lang="en-US" sz="3600" kern="1200" dirty="0">
+              <a:t>Simple Random Search (algo A)</a:t>
+            </a:r>
+          </a:p>
+        </p:txBody>
+      </p:sp>
+      <p:sp>
+        <p:nvSpPr>
+          <p:cNvPr id="19" name="Segnaposto contenuto 2">
+            <a:extLst>
+              <a:ext uri="{FF2B5EF4-FFF2-40B4-BE49-F238E27FC236}">
+                <a16:creationId xmlns:a16="http://schemas.microsoft.com/office/drawing/2014/main" id="{C20E4AE0-0942-4C49-BB4F-A814A35384A0}"/>
+              </a:ext>
+            </a:extLst>
+          </p:cNvPr>
+          <p:cNvSpPr txBox="1">
+            <a:spLocks/>
+          </p:cNvSpPr>
+          <p:nvPr/>
+        </p:nvSpPr>
+        <p:spPr>
+          <a:xfrm>
+            <a:off x="643469" y="1782981"/>
+            <a:ext cx="4008384" cy="4393982"/>
+          </a:xfrm>
+          <a:prstGeom prst="rect">
+            <a:avLst/>
+          </a:prstGeom>
+        </p:spPr>
+        <p:txBody>
+          <a:bodyPr vert="horz" lIns="91440" tIns="45720" rIns="91440" bIns="45720" rtlCol="0">
+            <a:normAutofit/>
+          </a:bodyPr>
+          <a:lstStyle>
+            <a:lvl1pPr marL="228600" indent="-228600" algn="l" defTabSz="914400" rtl="0" eaLnBrk="1" latinLnBrk="0" hangingPunct="1">
+              <a:lnSpc>
+                <a:spcPct val="90000"/>
+              </a:lnSpc>
+              <a:spcBef>
+                <a:spcPts val="1000"/>
+              </a:spcBef>
+              <a:buFont typeface="Arial" panose="020B0604020202020204" pitchFamily="34" charset="0"/>
+              <a:buChar char="•"/>
+              <a:defRPr sz="2800" kern="1200">
+                <a:solidFill>
+                  <a:schemeClr val="tx1"/>
+                </a:solidFill>
+                <a:latin typeface="+mn-lt"/>
+                <a:ea typeface="+mn-ea"/>
+                <a:cs typeface="+mn-cs"/>
+              </a:defRPr>
+            </a:lvl1pPr>
+            <a:lvl2pPr marL="685800" indent="-228600" algn="l" defTabSz="914400" rtl="0" eaLnBrk="1" latinLnBrk="0" hangingPunct="1">
+              <a:lnSpc>
+                <a:spcPct val="90000"/>
+              </a:lnSpc>
+              <a:spcBef>
+                <a:spcPts val="500"/>
+              </a:spcBef>
+              <a:buFont typeface="Arial" panose="020B0604020202020204" pitchFamily="34" charset="0"/>
+              <a:buChar char="•"/>
+              <a:defRPr sz="2400" kern="1200">
+                <a:solidFill>
+                  <a:schemeClr val="tx1"/>
+                </a:solidFill>
+                <a:latin typeface="+mn-lt"/>
+                <a:ea typeface="+mn-ea"/>
+                <a:cs typeface="+mn-cs"/>
+              </a:defRPr>
+            </a:lvl2pPr>
+            <a:lvl3pPr marL="1143000" indent="-228600" algn="l" defTabSz="914400" rtl="0" eaLnBrk="1" latinLnBrk="0" hangingPunct="1">
+              <a:lnSpc>
+                <a:spcPct val="90000"/>
+              </a:lnSpc>
+              <a:spcBef>
+                <a:spcPts val="500"/>
+              </a:spcBef>
+              <a:buFont typeface="Arial" panose="020B0604020202020204" pitchFamily="34" charset="0"/>
+              <a:buChar char="•"/>
+              <a:defRPr sz="2000" kern="1200">
+                <a:solidFill>
+                  <a:schemeClr val="tx1"/>
+                </a:solidFill>
+                <a:latin typeface="+mn-lt"/>
+                <a:ea typeface="+mn-ea"/>
+                <a:cs typeface="+mn-cs"/>
+              </a:defRPr>
+            </a:lvl3pPr>
+            <a:lvl4pPr marL="1600200" indent="-228600" algn="l" defTabSz="914400" rtl="0" eaLnBrk="1" latinLnBrk="0" hangingPunct="1">
+              <a:lnSpc>
+                <a:spcPct val="90000"/>
+              </a:lnSpc>
+              <a:spcBef>
+                <a:spcPts val="500"/>
+              </a:spcBef>
+              <a:buFont typeface="Arial" panose="020B0604020202020204" pitchFamily="34" charset="0"/>
+              <a:buChar char="•"/>
+              <a:defRPr sz="1800" kern="1200">
+                <a:solidFill>
+                  <a:schemeClr val="tx1"/>
+                </a:solidFill>
+                <a:latin typeface="+mn-lt"/>
+                <a:ea typeface="+mn-ea"/>
+                <a:cs typeface="+mn-cs"/>
+              </a:defRPr>
+            </a:lvl4pPr>
+            <a:lvl5pPr marL="2057400" indent="-228600" algn="l" defTabSz="914400" rtl="0" eaLnBrk="1" latinLnBrk="0" hangingPunct="1">
+              <a:lnSpc>
+                <a:spcPct val="90000"/>
+              </a:lnSpc>
+              <a:spcBef>
+                <a:spcPts val="500"/>
+              </a:spcBef>
+              <a:buFont typeface="Arial" panose="020B0604020202020204" pitchFamily="34" charset="0"/>
+              <a:buChar char="•"/>
+              <a:defRPr sz="1800" kern="1200">
+                <a:solidFill>
+                  <a:schemeClr val="tx1"/>
+                </a:solidFill>
+                <a:latin typeface="+mn-lt"/>
+                <a:ea typeface="+mn-ea"/>
+                <a:cs typeface="+mn-cs"/>
+              </a:defRPr>
+            </a:lvl5pPr>
+            <a:lvl6pPr marL="2514600" indent="-228600" algn="l" defTabSz="914400" rtl="0" eaLnBrk="1" latinLnBrk="0" hangingPunct="1">
+              <a:lnSpc>
+                <a:spcPct val="90000"/>
+              </a:lnSpc>
+              <a:spcBef>
+                <a:spcPts val="500"/>
+              </a:spcBef>
+              <a:buFont typeface="Arial" panose="020B0604020202020204" pitchFamily="34" charset="0"/>
+              <a:buChar char="•"/>
+              <a:defRPr sz="1800" kern="1200">
+                <a:solidFill>
+                  <a:schemeClr val="tx1"/>
+                </a:solidFill>
+                <a:latin typeface="+mn-lt"/>
+                <a:ea typeface="+mn-ea"/>
+                <a:cs typeface="+mn-cs"/>
+              </a:defRPr>
+            </a:lvl6pPr>
+            <a:lvl7pPr marL="2971800" indent="-228600" algn="l" defTabSz="914400" rtl="0" eaLnBrk="1" latinLnBrk="0" hangingPunct="1">
+              <a:lnSpc>
+                <a:spcPct val="90000"/>
+              </a:lnSpc>
+              <a:spcBef>
+                <a:spcPts val="500"/>
+              </a:spcBef>
+              <a:buFont typeface="Arial" panose="020B0604020202020204" pitchFamily="34" charset="0"/>
+              <a:buChar char="•"/>
+              <a:defRPr sz="1800" kern="1200">
+                <a:solidFill>
+                  <a:schemeClr val="tx1"/>
+                </a:solidFill>
+                <a:latin typeface="+mn-lt"/>
+                <a:ea typeface="+mn-ea"/>
+                <a:cs typeface="+mn-cs"/>
+              </a:defRPr>
+            </a:lvl7pPr>
+            <a:lvl8pPr marL="3429000" indent="-228600" algn="l" defTabSz="914400" rtl="0" eaLnBrk="1" latinLnBrk="0" hangingPunct="1">
+              <a:lnSpc>
+                <a:spcPct val="90000"/>
+              </a:lnSpc>
+              <a:spcBef>
+                <a:spcPts val="500"/>
+              </a:spcBef>
+              <a:buFont typeface="Arial" panose="020B0604020202020204" pitchFamily="34" charset="0"/>
+              <a:buChar char="•"/>
+              <a:defRPr sz="1800" kern="1200">
+                <a:solidFill>
+                  <a:schemeClr val="tx1"/>
+                </a:solidFill>
+                <a:latin typeface="+mn-lt"/>
+                <a:ea typeface="+mn-ea"/>
+                <a:cs typeface="+mn-cs"/>
+              </a:defRPr>
+            </a:lvl8pPr>
+            <a:lvl9pPr marL="3886200" indent="-228600" algn="l" defTabSz="914400" rtl="0" eaLnBrk="1" latinLnBrk="0" hangingPunct="1">
+              <a:lnSpc>
+                <a:spcPct val="90000"/>
+              </a:lnSpc>
+              <a:spcBef>
+                <a:spcPts val="500"/>
+              </a:spcBef>
+              <a:buFont typeface="Arial" panose="020B0604020202020204" pitchFamily="34" charset="0"/>
+              <a:buChar char="•"/>
+              <a:defRPr sz="1800" kern="1200">
+                <a:solidFill>
+                  <a:schemeClr val="tx1"/>
+                </a:solidFill>
+                <a:latin typeface="+mn-lt"/>
+                <a:ea typeface="+mn-ea"/>
+                <a:cs typeface="+mn-cs"/>
+              </a:defRPr>
+            </a:lvl9pPr>
+          </a:lstStyle>
+          <a:p>
+            <a:r>
+              <a:rPr lang="it-IT" sz="2000" dirty="0">
+                <a:latin typeface="+mj-lt"/>
+              </a:rPr>
+              <a:t>Questo algoritmo genera le coordinate (soluzioni) in modo casuale</a:t>
+            </a:r>
+          </a:p>
+          <a:p>
+            <a:r>
+              <a:rPr lang="it-IT" sz="2000" dirty="0">
+                <a:latin typeface="+mj-lt"/>
+              </a:rPr>
+              <a:t>Ad ogni itera coordinate</a:t>
+            </a:r>
+            <a:endParaRPr lang="en-US" sz="2000" dirty="0"/>
+          </a:p>
+        </p:txBody>
+      </p:sp>
+      <p:pic>
+        <p:nvPicPr>
+          <p:cNvPr id="4" name="Immagine 3">
+            <a:extLst>
+              <a:ext uri="{FF2B5EF4-FFF2-40B4-BE49-F238E27FC236}">
+                <a16:creationId xmlns:a16="http://schemas.microsoft.com/office/drawing/2014/main" id="{3C73C70B-22EF-4455-8506-303887113DDF}"/>
+              </a:ext>
+            </a:extLst>
+          </p:cNvPr>
+          <p:cNvPicPr>
+            <a:picLocks noChangeAspect="1"/>
+          </p:cNvPicPr>
+          <p:nvPr/>
+        </p:nvPicPr>
+        <p:blipFill>
+          <a:blip r:embed="rId2"/>
+          <a:stretch>
+            <a:fillRect/>
+          </a:stretch>
+        </p:blipFill>
+        <p:spPr>
+          <a:xfrm>
+            <a:off x="5295319" y="1568670"/>
+            <a:ext cx="6253212" cy="3720660"/>
+          </a:xfrm>
+          <a:prstGeom prst="rect">
+            <a:avLst/>
+          </a:prstGeom>
+        </p:spPr>
+      </p:pic>
+    </p:spTree>
+    <p:extLst>
+      <p:ext uri="{BB962C8B-B14F-4D97-AF65-F5344CB8AC3E}">
+        <p14:creationId xmlns:p14="http://schemas.microsoft.com/office/powerpoint/2010/main" val="892148118"/>
+      </p:ext>
+    </p:extLst>
+  </p:cSld>
+  <p:clrMapOvr>
+    <a:masterClrMapping/>
+  </p:clrMapOvr>
+</p:sld>
+</file>
+
+<file path=ppt/slides/slide8.xml><?xml version="1.0" encoding="utf-8"?>
+<p:sld xmlns:a="http://schemas.openxmlformats.org/drawingml/2006/main" xmlns:r="http://schemas.openxmlformats.org/officeDocument/2006/relationships" xmlns:p="http://schemas.openxmlformats.org/presentationml/2006/main">
+  <p:cSld>
+    <p:spTree>
+      <p:nvGrpSpPr>
+        <p:cNvPr id="1" name=""/>
+        <p:cNvGrpSpPr/>
+        <p:nvPr/>
+      </p:nvGrpSpPr>
+      <p:grpSpPr>
+        <a:xfrm>
+          <a:off x="0" y="0"/>
+          <a:ext cx="0" cy="0"/>
+          <a:chOff x="0" y="0"/>
+          <a:chExt cx="0" cy="0"/>
+        </a:xfrm>
+      </p:grpSpPr>
+      <p:sp>
+        <p:nvSpPr>
+          <p:cNvPr id="2" name="Titolo 1">
+            <a:extLst>
+              <a:ext uri="{FF2B5EF4-FFF2-40B4-BE49-F238E27FC236}">
+                <a16:creationId xmlns:a16="http://schemas.microsoft.com/office/drawing/2014/main" id="{1082888F-2770-4E5B-9CDA-CC9E0CC25EC4}"/>
+              </a:ext>
+            </a:extLst>
+          </p:cNvPr>
+          <p:cNvSpPr>
+            <a:spLocks noGrp="1"/>
+          </p:cNvSpPr>
+          <p:nvPr>
+            <p:ph type="title"/>
+          </p:nvPr>
+        </p:nvSpPr>
+        <p:spPr>
+          <a:xfrm>
+            <a:off x="643467" y="321734"/>
+            <a:ext cx="10905066" cy="1135737"/>
+          </a:xfrm>
+        </p:spPr>
+        <p:txBody>
+          <a:bodyPr vert="horz" lIns="91440" tIns="45720" rIns="91440" bIns="45720" rtlCol="0" anchor="ctr">
+            <a:normAutofit/>
+          </a:bodyPr>
+          <a:lstStyle/>
+          <a:p>
+            <a:pPr algn="ctr"/>
+            <a:r>
+              <a:rPr lang="en-US" sz="4000" dirty="0"/>
+              <a:t>Localized Random Search (a</a:t>
+            </a:r>
+            <a:r>
+              <a:rPr lang="en-US" sz="4000" kern="1200" dirty="0">
                 <a:solidFill>
                   <a:schemeClr val="tx1"/>
                 </a:solidFill>
@@ -7717,7 +8322,7 @@
                 <a:ea typeface="+mj-ea"/>
                 <a:cs typeface="+mj-cs"/>
               </a:rPr>
-              <a:t> B</a:t>
+              <a:t>lgo B)</a:t>
             </a:r>
           </a:p>
         </p:txBody>
@@ -7969,7 +8574,7 @@
 </p:sld>
 </file>
 
-<file path=ppt/slides/slide8.xml><?xml version="1.0" encoding="utf-8"?>
+<file path=ppt/slides/slide9.xml><?xml version="1.0" encoding="utf-8"?>
 <p:sld xmlns:a="http://schemas.openxmlformats.org/drawingml/2006/main" xmlns:r="http://schemas.openxmlformats.org/officeDocument/2006/relationships" xmlns:p="http://schemas.openxmlformats.org/presentationml/2006/main">
   <p:cSld>
     <p:spTree>
@@ -8014,8 +8619,9 @@
           </a:bodyPr>
           <a:lstStyle/>
           <a:p>
-            <a:r>
-              <a:rPr lang="en-US" sz="3600" kern="1200" dirty="0" err="1">
+            <a:pPr algn="ctr"/>
+            <a:r>
+              <a:rPr lang="en-US" sz="4000" kern="1200" dirty="0">
                 <a:solidFill>
                   <a:schemeClr val="tx1"/>
                 </a:solidFill>
@@ -8023,18 +8629,7 @@
                 <a:ea typeface="+mj-ea"/>
                 <a:cs typeface="+mj-cs"/>
               </a:rPr>
-              <a:t>Algoritmo</a:t>
-            </a:r>
-            <a:r>
-              <a:rPr lang="en-US" sz="3600" kern="1200" dirty="0">
-                <a:solidFill>
-                  <a:schemeClr val="tx1"/>
-                </a:solidFill>
-                <a:latin typeface="+mj-lt"/>
-                <a:ea typeface="+mj-ea"/>
-                <a:cs typeface="+mj-cs"/>
-              </a:rPr>
-              <a:t> A+B</a:t>
+              <a:t>Algoritmo A+B</a:t>
             </a:r>
           </a:p>
         </p:txBody>
@@ -8274,323 +8869,6 @@
     <p:extLst>
       <p:ext uri="{BB962C8B-B14F-4D97-AF65-F5344CB8AC3E}">
         <p14:creationId xmlns:p14="http://schemas.microsoft.com/office/powerpoint/2010/main" val="1659325150"/>
-      </p:ext>
-    </p:extLst>
-  </p:cSld>
-  <p:clrMapOvr>
-    <a:masterClrMapping/>
-  </p:clrMapOvr>
-</p:sld>
-</file>
-
-<file path=ppt/slides/slide9.xml><?xml version="1.0" encoding="utf-8"?>
-<p:sld xmlns:a="http://schemas.openxmlformats.org/drawingml/2006/main" xmlns:r="http://schemas.openxmlformats.org/officeDocument/2006/relationships" xmlns:p="http://schemas.openxmlformats.org/presentationml/2006/main">
-  <p:cSld>
-    <p:spTree>
-      <p:nvGrpSpPr>
-        <p:cNvPr id="1" name=""/>
-        <p:cNvGrpSpPr/>
-        <p:nvPr/>
-      </p:nvGrpSpPr>
-      <p:grpSpPr>
-        <a:xfrm>
-          <a:off x="0" y="0"/>
-          <a:ext cx="0" cy="0"/>
-          <a:chOff x="0" y="0"/>
-          <a:chExt cx="0" cy="0"/>
-        </a:xfrm>
-      </p:grpSpPr>
-      <p:sp>
-        <p:nvSpPr>
-          <p:cNvPr id="2" name="Titolo 1">
-            <a:extLst>
-              <a:ext uri="{FF2B5EF4-FFF2-40B4-BE49-F238E27FC236}">
-                <a16:creationId xmlns:a16="http://schemas.microsoft.com/office/drawing/2014/main" id="{1082888F-2770-4E5B-9CDA-CC9E0CC25EC4}"/>
-              </a:ext>
-            </a:extLst>
-          </p:cNvPr>
-          <p:cNvSpPr>
-            <a:spLocks noGrp="1"/>
-          </p:cNvSpPr>
-          <p:nvPr>
-            <p:ph type="title"/>
-          </p:nvPr>
-        </p:nvSpPr>
-        <p:spPr>
-          <a:xfrm>
-            <a:off x="643467" y="321734"/>
-            <a:ext cx="10905066" cy="1135737"/>
-          </a:xfrm>
-        </p:spPr>
-        <p:txBody>
-          <a:bodyPr vert="horz" lIns="91440" tIns="45720" rIns="91440" bIns="45720" rtlCol="0" anchor="ctr">
-            <a:normAutofit/>
-          </a:bodyPr>
-          <a:lstStyle/>
-          <a:p>
-            <a:r>
-              <a:rPr lang="en-US" sz="3600" kern="1200" dirty="0" err="1">
-                <a:solidFill>
-                  <a:schemeClr val="tx1"/>
-                </a:solidFill>
-                <a:latin typeface="+mj-lt"/>
-                <a:ea typeface="+mj-ea"/>
-                <a:cs typeface="+mj-cs"/>
-              </a:rPr>
-              <a:t>Algoritmo</a:t>
-            </a:r>
-            <a:r>
-              <a:rPr lang="en-US" sz="3600" kern="1200" dirty="0">
-                <a:solidFill>
-                  <a:schemeClr val="tx1"/>
-                </a:solidFill>
-                <a:latin typeface="+mj-lt"/>
-                <a:ea typeface="+mj-ea"/>
-                <a:cs typeface="+mj-cs"/>
-              </a:rPr>
-              <a:t> FDSA</a:t>
-            </a:r>
-          </a:p>
-        </p:txBody>
-      </p:sp>
-      <p:sp>
-        <p:nvSpPr>
-          <p:cNvPr id="19" name="Segnaposto contenuto 2">
-            <a:extLst>
-              <a:ext uri="{FF2B5EF4-FFF2-40B4-BE49-F238E27FC236}">
-                <a16:creationId xmlns:a16="http://schemas.microsoft.com/office/drawing/2014/main" id="{C20E4AE0-0942-4C49-BB4F-A814A35384A0}"/>
-              </a:ext>
-            </a:extLst>
-          </p:cNvPr>
-          <p:cNvSpPr txBox="1">
-            <a:spLocks/>
-          </p:cNvSpPr>
-          <p:nvPr/>
-        </p:nvSpPr>
-        <p:spPr>
-          <a:xfrm>
-            <a:off x="643469" y="1782981"/>
-            <a:ext cx="4008384" cy="4393982"/>
-          </a:xfrm>
-          <a:prstGeom prst="rect">
-            <a:avLst/>
-          </a:prstGeom>
-        </p:spPr>
-        <p:txBody>
-          <a:bodyPr vert="horz" lIns="91440" tIns="45720" rIns="91440" bIns="45720" rtlCol="0">
-            <a:normAutofit/>
-          </a:bodyPr>
-          <a:lstStyle>
-            <a:lvl1pPr marL="228600" indent="-228600" algn="l" defTabSz="914400" rtl="0" eaLnBrk="1" latinLnBrk="0" hangingPunct="1">
-              <a:lnSpc>
-                <a:spcPct val="90000"/>
-              </a:lnSpc>
-              <a:spcBef>
-                <a:spcPts val="1000"/>
-              </a:spcBef>
-              <a:buFont typeface="Arial" panose="020B0604020202020204" pitchFamily="34" charset="0"/>
-              <a:buChar char="•"/>
-              <a:defRPr sz="2800" kern="1200">
-                <a:solidFill>
-                  <a:schemeClr val="tx1"/>
-                </a:solidFill>
-                <a:latin typeface="+mn-lt"/>
-                <a:ea typeface="+mn-ea"/>
-                <a:cs typeface="+mn-cs"/>
-              </a:defRPr>
-            </a:lvl1pPr>
-            <a:lvl2pPr marL="685800" indent="-228600" algn="l" defTabSz="914400" rtl="0" eaLnBrk="1" latinLnBrk="0" hangingPunct="1">
-              <a:lnSpc>
-                <a:spcPct val="90000"/>
-              </a:lnSpc>
-              <a:spcBef>
-                <a:spcPts val="500"/>
-              </a:spcBef>
-              <a:buFont typeface="Arial" panose="020B0604020202020204" pitchFamily="34" charset="0"/>
-              <a:buChar char="•"/>
-              <a:defRPr sz="2400" kern="1200">
-                <a:solidFill>
-                  <a:schemeClr val="tx1"/>
-                </a:solidFill>
-                <a:latin typeface="+mn-lt"/>
-                <a:ea typeface="+mn-ea"/>
-                <a:cs typeface="+mn-cs"/>
-              </a:defRPr>
-            </a:lvl2pPr>
-            <a:lvl3pPr marL="1143000" indent="-228600" algn="l" defTabSz="914400" rtl="0" eaLnBrk="1" latinLnBrk="0" hangingPunct="1">
-              <a:lnSpc>
-                <a:spcPct val="90000"/>
-              </a:lnSpc>
-              <a:spcBef>
-                <a:spcPts val="500"/>
-              </a:spcBef>
-              <a:buFont typeface="Arial" panose="020B0604020202020204" pitchFamily="34" charset="0"/>
-              <a:buChar char="•"/>
-              <a:defRPr sz="2000" kern="1200">
-                <a:solidFill>
-                  <a:schemeClr val="tx1"/>
-                </a:solidFill>
-                <a:latin typeface="+mn-lt"/>
-                <a:ea typeface="+mn-ea"/>
-                <a:cs typeface="+mn-cs"/>
-              </a:defRPr>
-            </a:lvl3pPr>
-            <a:lvl4pPr marL="1600200" indent="-228600" algn="l" defTabSz="914400" rtl="0" eaLnBrk="1" latinLnBrk="0" hangingPunct="1">
-              <a:lnSpc>
-                <a:spcPct val="90000"/>
-              </a:lnSpc>
-              <a:spcBef>
-                <a:spcPts val="500"/>
-              </a:spcBef>
-              <a:buFont typeface="Arial" panose="020B0604020202020204" pitchFamily="34" charset="0"/>
-              <a:buChar char="•"/>
-              <a:defRPr sz="1800" kern="1200">
-                <a:solidFill>
-                  <a:schemeClr val="tx1"/>
-                </a:solidFill>
-                <a:latin typeface="+mn-lt"/>
-                <a:ea typeface="+mn-ea"/>
-                <a:cs typeface="+mn-cs"/>
-              </a:defRPr>
-            </a:lvl4pPr>
-            <a:lvl5pPr marL="2057400" indent="-228600" algn="l" defTabSz="914400" rtl="0" eaLnBrk="1" latinLnBrk="0" hangingPunct="1">
-              <a:lnSpc>
-                <a:spcPct val="90000"/>
-              </a:lnSpc>
-              <a:spcBef>
-                <a:spcPts val="500"/>
-              </a:spcBef>
-              <a:buFont typeface="Arial" panose="020B0604020202020204" pitchFamily="34" charset="0"/>
-              <a:buChar char="•"/>
-              <a:defRPr sz="1800" kern="1200">
-                <a:solidFill>
-                  <a:schemeClr val="tx1"/>
-                </a:solidFill>
-                <a:latin typeface="+mn-lt"/>
-                <a:ea typeface="+mn-ea"/>
-                <a:cs typeface="+mn-cs"/>
-              </a:defRPr>
-            </a:lvl5pPr>
-            <a:lvl6pPr marL="2514600" indent="-228600" algn="l" defTabSz="914400" rtl="0" eaLnBrk="1" latinLnBrk="0" hangingPunct="1">
-              <a:lnSpc>
-                <a:spcPct val="90000"/>
-              </a:lnSpc>
-              <a:spcBef>
-                <a:spcPts val="500"/>
-              </a:spcBef>
-              <a:buFont typeface="Arial" panose="020B0604020202020204" pitchFamily="34" charset="0"/>
-              <a:buChar char="•"/>
-              <a:defRPr sz="1800" kern="1200">
-                <a:solidFill>
-                  <a:schemeClr val="tx1"/>
-                </a:solidFill>
-                <a:latin typeface="+mn-lt"/>
-                <a:ea typeface="+mn-ea"/>
-                <a:cs typeface="+mn-cs"/>
-              </a:defRPr>
-            </a:lvl6pPr>
-            <a:lvl7pPr marL="2971800" indent="-228600" algn="l" defTabSz="914400" rtl="0" eaLnBrk="1" latinLnBrk="0" hangingPunct="1">
-              <a:lnSpc>
-                <a:spcPct val="90000"/>
-              </a:lnSpc>
-              <a:spcBef>
-                <a:spcPts val="500"/>
-              </a:spcBef>
-              <a:buFont typeface="Arial" panose="020B0604020202020204" pitchFamily="34" charset="0"/>
-              <a:buChar char="•"/>
-              <a:defRPr sz="1800" kern="1200">
-                <a:solidFill>
-                  <a:schemeClr val="tx1"/>
-                </a:solidFill>
-                <a:latin typeface="+mn-lt"/>
-                <a:ea typeface="+mn-ea"/>
-                <a:cs typeface="+mn-cs"/>
-              </a:defRPr>
-            </a:lvl7pPr>
-            <a:lvl8pPr marL="3429000" indent="-228600" algn="l" defTabSz="914400" rtl="0" eaLnBrk="1" latinLnBrk="0" hangingPunct="1">
-              <a:lnSpc>
-                <a:spcPct val="90000"/>
-              </a:lnSpc>
-              <a:spcBef>
-                <a:spcPts val="500"/>
-              </a:spcBef>
-              <a:buFont typeface="Arial" panose="020B0604020202020204" pitchFamily="34" charset="0"/>
-              <a:buChar char="•"/>
-              <a:defRPr sz="1800" kern="1200">
-                <a:solidFill>
-                  <a:schemeClr val="tx1"/>
-                </a:solidFill>
-                <a:latin typeface="+mn-lt"/>
-                <a:ea typeface="+mn-ea"/>
-                <a:cs typeface="+mn-cs"/>
-              </a:defRPr>
-            </a:lvl8pPr>
-            <a:lvl9pPr marL="3886200" indent="-228600" algn="l" defTabSz="914400" rtl="0" eaLnBrk="1" latinLnBrk="0" hangingPunct="1">
-              <a:lnSpc>
-                <a:spcPct val="90000"/>
-              </a:lnSpc>
-              <a:spcBef>
-                <a:spcPts val="500"/>
-              </a:spcBef>
-              <a:buFont typeface="Arial" panose="020B0604020202020204" pitchFamily="34" charset="0"/>
-              <a:buChar char="•"/>
-              <a:defRPr sz="1800" kern="1200">
-                <a:solidFill>
-                  <a:schemeClr val="tx1"/>
-                </a:solidFill>
-                <a:latin typeface="+mn-lt"/>
-                <a:ea typeface="+mn-ea"/>
-                <a:cs typeface="+mn-cs"/>
-              </a:defRPr>
-            </a:lvl9pPr>
-          </a:lstStyle>
-          <a:p>
-            <a:r>
-              <a:rPr lang="it-IT" sz="2000" dirty="0" err="1">
-                <a:latin typeface="+mj-lt"/>
-              </a:rPr>
-              <a:t>aaa</a:t>
-            </a:r>
-            <a:endParaRPr lang="it-IT" sz="2000" dirty="0">
-              <a:latin typeface="+mj-lt"/>
-            </a:endParaRPr>
-          </a:p>
-        </p:txBody>
-      </p:sp>
-      <p:pic>
-        <p:nvPicPr>
-          <p:cNvPr id="4" name="Immagine 3">
-            <a:extLst>
-              <a:ext uri="{FF2B5EF4-FFF2-40B4-BE49-F238E27FC236}">
-                <a16:creationId xmlns:a16="http://schemas.microsoft.com/office/drawing/2014/main" id="{0A63F980-0310-42B8-85C7-E58474978E61}"/>
-              </a:ext>
-            </a:extLst>
-          </p:cNvPr>
-          <p:cNvPicPr>
-            <a:picLocks noChangeAspect="1"/>
-          </p:cNvPicPr>
-          <p:nvPr/>
-        </p:nvPicPr>
-        <p:blipFill>
-          <a:blip r:embed="rId2"/>
-          <a:stretch>
-            <a:fillRect/>
-          </a:stretch>
-        </p:blipFill>
-        <p:spPr>
-          <a:xfrm>
-            <a:off x="5726509" y="1884179"/>
-            <a:ext cx="6088512" cy="3663683"/>
-          </a:xfrm>
-          <a:prstGeom prst="rect">
-            <a:avLst/>
-          </a:prstGeom>
-        </p:spPr>
-      </p:pic>
-    </p:spTree>
-    <p:extLst>
-      <p:ext uri="{BB962C8B-B14F-4D97-AF65-F5344CB8AC3E}">
-        <p14:creationId xmlns:p14="http://schemas.microsoft.com/office/powerpoint/2010/main" val="3822633585"/>
       </p:ext>
     </p:extLst>
   </p:cSld>

--- a/R/Decision Making slides.pptx
+++ b/R/Decision Making slides.pptx
@@ -272,7 +272,7 @@
               <a:rPr lang="it-IT" smtClean="0"/>
               <a:t>10/02/22</a:t>
             </a:fld>
-            <a:endParaRPr lang="it-IT"/>
+            <a:endParaRPr lang="it-IT" dirty="0"/>
           </a:p>
         </p:txBody>
       </p:sp>
@@ -297,7 +297,7 @@
           <a:bodyPr/>
           <a:lstStyle/>
           <a:p>
-            <a:endParaRPr lang="it-IT"/>
+            <a:endParaRPr lang="it-IT" dirty="0"/>
           </a:p>
         </p:txBody>
       </p:sp>
@@ -326,7 +326,7 @@
               <a:rPr lang="it-IT" smtClean="0"/>
               <a:t>‹N›</a:t>
             </a:fld>
-            <a:endParaRPr lang="it-IT"/>
+            <a:endParaRPr lang="it-IT" dirty="0"/>
           </a:p>
         </p:txBody>
       </p:sp>
@@ -470,7 +470,7 @@
               <a:rPr lang="it-IT" smtClean="0"/>
               <a:t>10/02/22</a:t>
             </a:fld>
-            <a:endParaRPr lang="it-IT"/>
+            <a:endParaRPr lang="it-IT" dirty="0"/>
           </a:p>
         </p:txBody>
       </p:sp>
@@ -495,7 +495,7 @@
           <a:bodyPr/>
           <a:lstStyle/>
           <a:p>
-            <a:endParaRPr lang="it-IT"/>
+            <a:endParaRPr lang="it-IT" dirty="0"/>
           </a:p>
         </p:txBody>
       </p:sp>
@@ -524,7 +524,7 @@
               <a:rPr lang="it-IT" smtClean="0"/>
               <a:t>‹N›</a:t>
             </a:fld>
-            <a:endParaRPr lang="it-IT"/>
+            <a:endParaRPr lang="it-IT" dirty="0"/>
           </a:p>
         </p:txBody>
       </p:sp>
@@ -678,7 +678,7 @@
               <a:rPr lang="it-IT" smtClean="0"/>
               <a:t>10/02/22</a:t>
             </a:fld>
-            <a:endParaRPr lang="it-IT"/>
+            <a:endParaRPr lang="it-IT" dirty="0"/>
           </a:p>
         </p:txBody>
       </p:sp>
@@ -703,7 +703,7 @@
           <a:bodyPr/>
           <a:lstStyle/>
           <a:p>
-            <a:endParaRPr lang="it-IT"/>
+            <a:endParaRPr lang="it-IT" dirty="0"/>
           </a:p>
         </p:txBody>
       </p:sp>
@@ -732,7 +732,7 @@
               <a:rPr lang="it-IT" smtClean="0"/>
               <a:t>‹N›</a:t>
             </a:fld>
-            <a:endParaRPr lang="it-IT"/>
+            <a:endParaRPr lang="it-IT" dirty="0"/>
           </a:p>
         </p:txBody>
       </p:sp>
@@ -876,7 +876,7 @@
               <a:rPr lang="it-IT" smtClean="0"/>
               <a:t>10/02/22</a:t>
             </a:fld>
-            <a:endParaRPr lang="it-IT"/>
+            <a:endParaRPr lang="it-IT" dirty="0"/>
           </a:p>
         </p:txBody>
       </p:sp>
@@ -901,7 +901,7 @@
           <a:bodyPr/>
           <a:lstStyle/>
           <a:p>
-            <a:endParaRPr lang="it-IT"/>
+            <a:endParaRPr lang="it-IT" dirty="0"/>
           </a:p>
         </p:txBody>
       </p:sp>
@@ -930,7 +930,7 @@
               <a:rPr lang="it-IT" smtClean="0"/>
               <a:t>‹N›</a:t>
             </a:fld>
-            <a:endParaRPr lang="it-IT"/>
+            <a:endParaRPr lang="it-IT" dirty="0"/>
           </a:p>
         </p:txBody>
       </p:sp>
@@ -1151,7 +1151,7 @@
               <a:rPr lang="it-IT" smtClean="0"/>
               <a:t>10/02/22</a:t>
             </a:fld>
-            <a:endParaRPr lang="it-IT"/>
+            <a:endParaRPr lang="it-IT" dirty="0"/>
           </a:p>
         </p:txBody>
       </p:sp>
@@ -1176,7 +1176,7 @@
           <a:bodyPr/>
           <a:lstStyle/>
           <a:p>
-            <a:endParaRPr lang="it-IT"/>
+            <a:endParaRPr lang="it-IT" dirty="0"/>
           </a:p>
         </p:txBody>
       </p:sp>
@@ -1205,7 +1205,7 @@
               <a:rPr lang="it-IT" smtClean="0"/>
               <a:t>‹N›</a:t>
             </a:fld>
-            <a:endParaRPr lang="it-IT"/>
+            <a:endParaRPr lang="it-IT" dirty="0"/>
           </a:p>
         </p:txBody>
       </p:sp>
@@ -1416,7 +1416,7 @@
               <a:rPr lang="it-IT" smtClean="0"/>
               <a:t>10/02/22</a:t>
             </a:fld>
-            <a:endParaRPr lang="it-IT"/>
+            <a:endParaRPr lang="it-IT" dirty="0"/>
           </a:p>
         </p:txBody>
       </p:sp>
@@ -1441,7 +1441,7 @@
           <a:bodyPr/>
           <a:lstStyle/>
           <a:p>
-            <a:endParaRPr lang="it-IT"/>
+            <a:endParaRPr lang="it-IT" dirty="0"/>
           </a:p>
         </p:txBody>
       </p:sp>
@@ -1470,7 +1470,7 @@
               <a:rPr lang="it-IT" smtClean="0"/>
               <a:t>‹N›</a:t>
             </a:fld>
-            <a:endParaRPr lang="it-IT"/>
+            <a:endParaRPr lang="it-IT" dirty="0"/>
           </a:p>
         </p:txBody>
       </p:sp>
@@ -1828,7 +1828,7 @@
               <a:rPr lang="it-IT" smtClean="0"/>
               <a:t>10/02/22</a:t>
             </a:fld>
-            <a:endParaRPr lang="it-IT"/>
+            <a:endParaRPr lang="it-IT" dirty="0"/>
           </a:p>
         </p:txBody>
       </p:sp>
@@ -1853,7 +1853,7 @@
           <a:bodyPr/>
           <a:lstStyle/>
           <a:p>
-            <a:endParaRPr lang="it-IT"/>
+            <a:endParaRPr lang="it-IT" dirty="0"/>
           </a:p>
         </p:txBody>
       </p:sp>
@@ -1882,7 +1882,7 @@
               <a:rPr lang="it-IT" smtClean="0"/>
               <a:t>‹N›</a:t>
             </a:fld>
-            <a:endParaRPr lang="it-IT"/>
+            <a:endParaRPr lang="it-IT" dirty="0"/>
           </a:p>
         </p:txBody>
       </p:sp>
@@ -1969,7 +1969,7 @@
               <a:rPr lang="it-IT" smtClean="0"/>
               <a:t>10/02/22</a:t>
             </a:fld>
-            <a:endParaRPr lang="it-IT"/>
+            <a:endParaRPr lang="it-IT" dirty="0"/>
           </a:p>
         </p:txBody>
       </p:sp>
@@ -1994,7 +1994,7 @@
           <a:bodyPr/>
           <a:lstStyle/>
           <a:p>
-            <a:endParaRPr lang="it-IT"/>
+            <a:endParaRPr lang="it-IT" dirty="0"/>
           </a:p>
         </p:txBody>
       </p:sp>
@@ -2023,7 +2023,7 @@
               <a:rPr lang="it-IT" smtClean="0"/>
               <a:t>‹N›</a:t>
             </a:fld>
-            <a:endParaRPr lang="it-IT"/>
+            <a:endParaRPr lang="it-IT" dirty="0"/>
           </a:p>
         </p:txBody>
       </p:sp>
@@ -2082,7 +2082,7 @@
               <a:rPr lang="it-IT" smtClean="0"/>
               <a:t>10/02/22</a:t>
             </a:fld>
-            <a:endParaRPr lang="it-IT"/>
+            <a:endParaRPr lang="it-IT" dirty="0"/>
           </a:p>
         </p:txBody>
       </p:sp>
@@ -2107,7 +2107,7 @@
           <a:bodyPr/>
           <a:lstStyle/>
           <a:p>
-            <a:endParaRPr lang="it-IT"/>
+            <a:endParaRPr lang="it-IT" dirty="0"/>
           </a:p>
         </p:txBody>
       </p:sp>
@@ -2136,7 +2136,7 @@
               <a:rPr lang="it-IT" smtClean="0"/>
               <a:t>‹N›</a:t>
             </a:fld>
-            <a:endParaRPr lang="it-IT"/>
+            <a:endParaRPr lang="it-IT" dirty="0"/>
           </a:p>
         </p:txBody>
       </p:sp>
@@ -2393,7 +2393,7 @@
               <a:rPr lang="it-IT" smtClean="0"/>
               <a:t>10/02/22</a:t>
             </a:fld>
-            <a:endParaRPr lang="it-IT"/>
+            <a:endParaRPr lang="it-IT" dirty="0"/>
           </a:p>
         </p:txBody>
       </p:sp>
@@ -2418,7 +2418,7 @@
           <a:bodyPr/>
           <a:lstStyle/>
           <a:p>
-            <a:endParaRPr lang="it-IT"/>
+            <a:endParaRPr lang="it-IT" dirty="0"/>
           </a:p>
         </p:txBody>
       </p:sp>
@@ -2447,7 +2447,7 @@
               <a:rPr lang="it-IT" smtClean="0"/>
               <a:t>‹N›</a:t>
             </a:fld>
-            <a:endParaRPr lang="it-IT"/>
+            <a:endParaRPr lang="it-IT" dirty="0"/>
           </a:p>
         </p:txBody>
       </p:sp>
@@ -2581,7 +2581,7 @@
             </a:lvl9pPr>
           </a:lstStyle>
           <a:p>
-            <a:endParaRPr lang="it-IT"/>
+            <a:endParaRPr lang="it-IT" dirty="0"/>
           </a:p>
         </p:txBody>
       </p:sp>
@@ -2681,7 +2681,7 @@
               <a:rPr lang="it-IT" smtClean="0"/>
               <a:t>10/02/22</a:t>
             </a:fld>
-            <a:endParaRPr lang="it-IT"/>
+            <a:endParaRPr lang="it-IT" dirty="0"/>
           </a:p>
         </p:txBody>
       </p:sp>
@@ -2706,7 +2706,7 @@
           <a:bodyPr/>
           <a:lstStyle/>
           <a:p>
-            <a:endParaRPr lang="it-IT"/>
+            <a:endParaRPr lang="it-IT" dirty="0"/>
           </a:p>
         </p:txBody>
       </p:sp>
@@ -2735,7 +2735,7 @@
               <a:rPr lang="it-IT" smtClean="0"/>
               <a:t>‹N›</a:t>
             </a:fld>
-            <a:endParaRPr lang="it-IT"/>
+            <a:endParaRPr lang="it-IT" dirty="0"/>
           </a:p>
         </p:txBody>
       </p:sp>
@@ -2922,7 +2922,7 @@
               <a:rPr lang="it-IT" smtClean="0"/>
               <a:t>10/02/22</a:t>
             </a:fld>
-            <a:endParaRPr lang="it-IT"/>
+            <a:endParaRPr lang="it-IT" dirty="0"/>
           </a:p>
         </p:txBody>
       </p:sp>
@@ -2965,7 +2965,7 @@
             </a:lvl1pPr>
           </a:lstStyle>
           <a:p>
-            <a:endParaRPr lang="it-IT"/>
+            <a:endParaRPr lang="it-IT" dirty="0"/>
           </a:p>
         </p:txBody>
       </p:sp>
@@ -3012,7 +3012,7 @@
               <a:rPr lang="it-IT" smtClean="0"/>
               <a:t>‹N›</a:t>
             </a:fld>
-            <a:endParaRPr lang="it-IT"/>
+            <a:endParaRPr lang="it-IT" dirty="0"/>
           </a:p>
         </p:txBody>
       </p:sp>
@@ -3401,7 +3401,7 @@
           <a:lstStyle/>
           <a:p>
             <a:pPr algn="ctr"/>
-            <a:endParaRPr lang="en-US"/>
+            <a:endParaRPr lang="en-US" dirty="0"/>
           </a:p>
         </p:txBody>
       </p:sp>
@@ -3662,7 +3662,7 @@
           <a:lstStyle/>
           <a:p>
             <a:pPr algn="ctr"/>
-            <a:endParaRPr lang="en-US">
+            <a:endParaRPr lang="en-US" dirty="0">
               <a:solidFill>
                 <a:prstClr val="white"/>
               </a:solidFill>
@@ -3747,7 +3747,7 @@
               <a:tabLst/>
               <a:defRPr/>
             </a:pPr>
-            <a:endParaRPr kumimoji="0" lang="en-US" sz="1800" b="0" i="0" u="none" strike="noStrike" kern="1200" cap="none" spc="0" normalizeH="0" baseline="0" noProof="0">
+            <a:endParaRPr kumimoji="0" lang="en-US" sz="1800" b="0" i="0" u="none" strike="noStrike" kern="1200" cap="none" spc="0" normalizeH="0" baseline="0" noProof="0" dirty="0">
               <a:ln>
                 <a:noFill/>
               </a:ln>
@@ -3872,6 +3872,14 @@
 <file path=ppt/slides/slide10.xml><?xml version="1.0" encoding="utf-8"?>
 <p:sld xmlns:a="http://schemas.openxmlformats.org/drawingml/2006/main" xmlns:r="http://schemas.openxmlformats.org/officeDocument/2006/relationships" xmlns:p="http://schemas.openxmlformats.org/presentationml/2006/main">
   <p:cSld>
+    <p:bg>
+      <p:bgPr>
+        <a:solidFill>
+          <a:schemeClr val="bg1"/>
+        </a:solidFill>
+        <a:effectLst/>
+      </p:bgPr>
+    </p:bg>
     <p:spTree>
       <p:nvGrpSpPr>
         <p:cNvPr id="1" name=""/>
@@ -3886,6 +3894,69 @@
           <a:chExt cx="0" cy="0"/>
         </a:xfrm>
       </p:grpSpPr>
+      <p:sp>
+        <p:nvSpPr>
+          <p:cNvPr id="24" name="Rectangle 23">
+            <a:extLst>
+              <a:ext uri="{FF2B5EF4-FFF2-40B4-BE49-F238E27FC236}">
+                <a16:creationId xmlns:a16="http://schemas.microsoft.com/office/drawing/2014/main" id="{2B566528-1B12-4246-9431-5C2D7D081168}"/>
+              </a:ext>
+              <a:ext uri="{C183D7F6-B498-43B3-948B-1728B52AA6E4}">
+                <adec:decorative xmlns:adec="http://schemas.microsoft.com/office/drawing/2017/decorative" val="1"/>
+              </a:ext>
+            </a:extLst>
+          </p:cNvPr>
+          <p:cNvSpPr>
+            <a:spLocks noGrp="1" noRot="1" noChangeAspect="1" noMove="1" noResize="1" noEditPoints="1" noAdjustHandles="1" noChangeArrowheads="1" noChangeShapeType="1" noTextEdit="1"/>
+          </p:cNvSpPr>
+          <p:nvPr>
+            <p:extLst>
+              <p:ext uri="{386F3935-93C4-4BCD-93E2-E3B085C9AB24}">
+                <p16:designElem xmlns:p16="http://schemas.microsoft.com/office/powerpoint/2015/main" val="1"/>
+              </p:ext>
+            </p:extLst>
+          </p:nvPr>
+        </p:nvSpPr>
+        <p:spPr>
+          <a:xfrm>
+            <a:off x="0" y="0"/>
+            <a:ext cx="12192000" cy="6858000"/>
+          </a:xfrm>
+          <a:prstGeom prst="rect">
+            <a:avLst/>
+          </a:prstGeom>
+          <a:solidFill>
+            <a:schemeClr val="bg1"/>
+          </a:solidFill>
+          <a:ln>
+            <a:noFill/>
+          </a:ln>
+        </p:spPr>
+        <p:style>
+          <a:lnRef idx="2">
+            <a:schemeClr val="accent1">
+              <a:shade val="50000"/>
+            </a:schemeClr>
+          </a:lnRef>
+          <a:fillRef idx="1">
+            <a:schemeClr val="accent1"/>
+          </a:fillRef>
+          <a:effectRef idx="0">
+            <a:schemeClr val="accent1"/>
+          </a:effectRef>
+          <a:fontRef idx="minor">
+            <a:schemeClr val="lt1"/>
+          </a:fontRef>
+        </p:style>
+        <p:txBody>
+          <a:bodyPr rtlCol="0" anchor="ctr"/>
+          <a:lstStyle/>
+          <a:p>
+            <a:pPr algn="ctr"/>
+            <a:endParaRPr lang="en-US" dirty="0"/>
+          </a:p>
+        </p:txBody>
+      </p:sp>
       <p:sp>
         <p:nvSpPr>
           <p:cNvPr id="2" name="Titolo 1">
@@ -3916,7 +3987,7 @@
           <a:p>
             <a:pPr algn="ctr"/>
             <a:r>
-              <a:rPr lang="en-US" sz="4000" kern="1200" dirty="0">
+              <a:rPr lang="en-US" sz="3600" kern="1200" dirty="0">
                 <a:solidFill>
                   <a:schemeClr val="tx1"/>
                 </a:solidFill>
@@ -4122,17 +4193,172 @@
           </a:lstStyle>
           <a:p>
             <a:r>
-              <a:rPr lang="it-IT" sz="2000" dirty="0" err="1">
-                <a:latin typeface="+mj-lt"/>
-              </a:rPr>
+              <a:rPr lang="en-US" sz="2000" dirty="0"/>
               <a:t>aaa</a:t>
             </a:r>
-            <a:endParaRPr lang="it-IT" sz="2000" dirty="0">
-              <a:latin typeface="+mj-lt"/>
-            </a:endParaRPr>
           </a:p>
         </p:txBody>
       </p:sp>
+      <p:grpSp>
+        <p:nvGrpSpPr>
+          <p:cNvPr id="26" name="Group 25">
+            <a:extLst>
+              <a:ext uri="{FF2B5EF4-FFF2-40B4-BE49-F238E27FC236}">
+                <a16:creationId xmlns:a16="http://schemas.microsoft.com/office/drawing/2014/main" id="{828A5161-06F1-46CF-8AD7-844680A59E13}"/>
+              </a:ext>
+              <a:ext uri="{C183D7F6-B498-43B3-948B-1728B52AA6E4}">
+                <adec:decorative xmlns:adec="http://schemas.microsoft.com/office/drawing/2017/decorative" val="1"/>
+              </a:ext>
+            </a:extLst>
+          </p:cNvPr>
+          <p:cNvGrpSpPr>
+            <a:grpSpLocks noGrp="1" noUngrp="1" noRot="1" noChangeAspect="1" noMove="1" noResize="1"/>
+          </p:cNvGrpSpPr>
+          <p:nvPr>
+            <p:extLst>
+              <p:ext uri="{386F3935-93C4-4BCD-93E2-E3B085C9AB24}">
+                <p16:designElem xmlns:p16="http://schemas.microsoft.com/office/powerpoint/2015/main" val="1"/>
+              </p:ext>
+            </p:extLst>
+          </p:nvPr>
+        </p:nvGrpSpPr>
+        <p:grpSpPr>
+          <a:xfrm>
+            <a:off x="0" y="4601497"/>
+            <a:ext cx="1014060" cy="2017580"/>
+            <a:chOff x="0" y="4601497"/>
+            <a:chExt cx="1014060" cy="2017580"/>
+          </a:xfrm>
+        </p:grpSpPr>
+        <p:sp>
+          <p:nvSpPr>
+            <p:cNvPr id="27" name="Isosceles Triangle 26">
+              <a:extLst>
+                <a:ext uri="{FF2B5EF4-FFF2-40B4-BE49-F238E27FC236}">
+                  <a16:creationId xmlns:a16="http://schemas.microsoft.com/office/drawing/2014/main" id="{D3F51FEB-38FB-4F6C-9F7B-2F2AFAB65463}"/>
+                </a:ext>
+                <a:ext uri="{C183D7F6-B498-43B3-948B-1728B52AA6E4}">
+                  <adec:decorative xmlns:adec="http://schemas.microsoft.com/office/drawing/2017/decorative" val="1"/>
+                </a:ext>
+              </a:extLst>
+            </p:cNvPr>
+            <p:cNvSpPr/>
+            <p:nvPr>
+              <p:extLst>
+                <p:ext uri="{386F3935-93C4-4BCD-93E2-E3B085C9AB24}">
+                  <p16:designElem xmlns:p16="http://schemas.microsoft.com/office/powerpoint/2015/main" val="1"/>
+                </p:ext>
+              </p:extLst>
+            </p:nvPr>
+          </p:nvSpPr>
+          <p:spPr>
+            <a:xfrm rot="5400000">
+              <a:off x="-501760" y="5103257"/>
+              <a:ext cx="2017580" cy="1014060"/>
+            </a:xfrm>
+            <a:prstGeom prst="triangle">
+              <a:avLst>
+                <a:gd name="adj" fmla="val 50000"/>
+              </a:avLst>
+            </a:prstGeom>
+            <a:solidFill>
+              <a:schemeClr val="accent1">
+                <a:alpha val="30000"/>
+              </a:schemeClr>
+            </a:solidFill>
+            <a:ln>
+              <a:noFill/>
+            </a:ln>
+          </p:spPr>
+          <p:style>
+            <a:lnRef idx="2">
+              <a:schemeClr val="accent1">
+                <a:shade val="50000"/>
+              </a:schemeClr>
+            </a:lnRef>
+            <a:fillRef idx="1">
+              <a:schemeClr val="accent1"/>
+            </a:fillRef>
+            <a:effectRef idx="0">
+              <a:schemeClr val="accent1"/>
+            </a:effectRef>
+            <a:fontRef idx="minor">
+              <a:schemeClr val="lt1"/>
+            </a:fontRef>
+          </p:style>
+          <p:txBody>
+            <a:bodyPr rtlCol="0" anchor="ctr"/>
+            <a:lstStyle/>
+            <a:p>
+              <a:pPr algn="ctr"/>
+              <a:endParaRPr lang="en-US" dirty="0"/>
+            </a:p>
+          </p:txBody>
+        </p:sp>
+        <p:sp>
+          <p:nvSpPr>
+            <p:cNvPr id="28" name="Rectangle 27">
+              <a:extLst>
+                <a:ext uri="{FF2B5EF4-FFF2-40B4-BE49-F238E27FC236}">
+                  <a16:creationId xmlns:a16="http://schemas.microsoft.com/office/drawing/2014/main" id="{1E547BA6-BAE0-43BB-A7CA-60F69CE252F0}"/>
+                </a:ext>
+                <a:ext uri="{C183D7F6-B498-43B3-948B-1728B52AA6E4}">
+                  <adec:decorative xmlns:adec="http://schemas.microsoft.com/office/drawing/2017/decorative" val="1"/>
+                </a:ext>
+              </a:extLst>
+            </p:cNvPr>
+            <p:cNvSpPr/>
+            <p:nvPr>
+              <p:extLst>
+                <p:ext uri="{386F3935-93C4-4BCD-93E2-E3B085C9AB24}">
+                  <p16:designElem xmlns:p16="http://schemas.microsoft.com/office/powerpoint/2015/main" val="1"/>
+                </p:ext>
+              </p:extLst>
+            </p:nvPr>
+          </p:nvSpPr>
+          <p:spPr>
+            <a:xfrm rot="2700000">
+              <a:off x="427916" y="5728708"/>
+              <a:ext cx="485578" cy="485578"/>
+            </a:xfrm>
+            <a:prstGeom prst="rect">
+              <a:avLst/>
+            </a:prstGeom>
+            <a:solidFill>
+              <a:schemeClr val="accent1">
+                <a:alpha val="30000"/>
+              </a:schemeClr>
+            </a:solidFill>
+            <a:ln>
+              <a:noFill/>
+            </a:ln>
+          </p:spPr>
+          <p:style>
+            <a:lnRef idx="2">
+              <a:schemeClr val="accent1">
+                <a:shade val="50000"/>
+              </a:schemeClr>
+            </a:lnRef>
+            <a:fillRef idx="1">
+              <a:schemeClr val="accent1"/>
+            </a:fillRef>
+            <a:effectRef idx="0">
+              <a:schemeClr val="accent1"/>
+            </a:effectRef>
+            <a:fontRef idx="minor">
+              <a:schemeClr val="lt1"/>
+            </a:fontRef>
+          </p:style>
+          <p:txBody>
+            <a:bodyPr rtlCol="0" anchor="ctr"/>
+            <a:lstStyle/>
+            <a:p>
+              <a:pPr algn="ctr"/>
+              <a:endParaRPr lang="en-US" dirty="0"/>
+            </a:p>
+          </p:txBody>
+        </p:sp>
+      </p:grpSp>
       <p:pic>
         <p:nvPicPr>
           <p:cNvPr id="4" name="Immagine 3">
@@ -4155,14 +4381,174 @@
         </p:blipFill>
         <p:spPr>
           <a:xfrm>
-            <a:off x="5726509" y="1884179"/>
-            <a:ext cx="6088512" cy="3663683"/>
+            <a:off x="5667856" y="1356489"/>
+            <a:ext cx="5796000" cy="3492090"/>
           </a:xfrm>
           <a:prstGeom prst="rect">
             <a:avLst/>
           </a:prstGeom>
         </p:spPr>
       </p:pic>
+      <p:grpSp>
+        <p:nvGrpSpPr>
+          <p:cNvPr id="30" name="Group 29">
+            <a:extLst>
+              <a:ext uri="{FF2B5EF4-FFF2-40B4-BE49-F238E27FC236}">
+                <a16:creationId xmlns:a16="http://schemas.microsoft.com/office/drawing/2014/main" id="{5995D10D-E9C9-47DB-AE7E-801FEF38F5C9}"/>
+              </a:ext>
+              <a:ext uri="{C183D7F6-B498-43B3-948B-1728B52AA6E4}">
+                <adec:decorative xmlns:adec="http://schemas.microsoft.com/office/drawing/2017/decorative" val="1"/>
+              </a:ext>
+            </a:extLst>
+          </p:cNvPr>
+          <p:cNvGrpSpPr>
+            <a:grpSpLocks noGrp="1" noUngrp="1" noRot="1" noChangeAspect="1" noMove="1" noResize="1"/>
+          </p:cNvGrpSpPr>
+          <p:nvPr>
+            <p:extLst>
+              <p:ext uri="{386F3935-93C4-4BCD-93E2-E3B085C9AB24}">
+                <p16:designElem xmlns:p16="http://schemas.microsoft.com/office/powerpoint/2015/main" val="1"/>
+              </p:ext>
+            </p:extLst>
+          </p:nvPr>
+        </p:nvGrpSpPr>
+        <p:grpSpPr>
+          <a:xfrm>
+            <a:off x="11219290" y="1"/>
+            <a:ext cx="972709" cy="1935307"/>
+            <a:chOff x="10918968" y="713127"/>
+            <a:chExt cx="1273032" cy="2532832"/>
+          </a:xfrm>
+        </p:grpSpPr>
+        <p:sp>
+          <p:nvSpPr>
+            <p:cNvPr id="31" name="Rectangle 30">
+              <a:extLst>
+                <a:ext uri="{FF2B5EF4-FFF2-40B4-BE49-F238E27FC236}">
+                  <a16:creationId xmlns:a16="http://schemas.microsoft.com/office/drawing/2014/main" id="{CC1A72C6-3DE4-4EC3-9AD5-9E0D40D8CE8A}"/>
+                </a:ext>
+                <a:ext uri="{C183D7F6-B498-43B3-948B-1728B52AA6E4}">
+                  <adec:decorative xmlns:adec="http://schemas.microsoft.com/office/drawing/2017/decorative" val="1"/>
+                </a:ext>
+              </a:extLst>
+            </p:cNvPr>
+            <p:cNvSpPr/>
+            <p:nvPr>
+              <p:extLst>
+                <p:ext uri="{386F3935-93C4-4BCD-93E2-E3B085C9AB24}">
+                  <p16:designElem xmlns:p16="http://schemas.microsoft.com/office/powerpoint/2015/main" val="1"/>
+                </p:ext>
+              </p:extLst>
+            </p:nvPr>
+          </p:nvSpPr>
+          <p:spPr>
+            <a:xfrm rot="2700000">
+              <a:off x="11052629" y="2120024"/>
+              <a:ext cx="645368" cy="645368"/>
+            </a:xfrm>
+            <a:prstGeom prst="rect">
+              <a:avLst/>
+            </a:prstGeom>
+            <a:solidFill>
+              <a:schemeClr val="accent4">
+                <a:alpha val="30000"/>
+              </a:schemeClr>
+            </a:solidFill>
+            <a:ln>
+              <a:noFill/>
+            </a:ln>
+          </p:spPr>
+          <p:style>
+            <a:lnRef idx="2">
+              <a:schemeClr val="accent1">
+                <a:shade val="50000"/>
+              </a:schemeClr>
+            </a:lnRef>
+            <a:fillRef idx="1">
+              <a:schemeClr val="accent1"/>
+            </a:fillRef>
+            <a:effectRef idx="0">
+              <a:schemeClr val="accent1"/>
+            </a:effectRef>
+            <a:fontRef idx="minor">
+              <a:schemeClr val="lt1"/>
+            </a:fontRef>
+          </p:style>
+          <p:txBody>
+            <a:bodyPr rtlCol="0" anchor="ctr"/>
+            <a:lstStyle/>
+            <a:p>
+              <a:pPr algn="ctr"/>
+              <a:endParaRPr lang="en-US" dirty="0"/>
+            </a:p>
+          </p:txBody>
+        </p:sp>
+        <p:sp>
+          <p:nvSpPr>
+            <p:cNvPr id="32" name="Isosceles Triangle 31">
+              <a:extLst>
+                <a:ext uri="{FF2B5EF4-FFF2-40B4-BE49-F238E27FC236}">
+                  <a16:creationId xmlns:a16="http://schemas.microsoft.com/office/drawing/2014/main" id="{0B0DA1F1-C391-4EDF-9FE0-23E86E137765}"/>
+                </a:ext>
+                <a:ext uri="{C183D7F6-B498-43B3-948B-1728B52AA6E4}">
+                  <adec:decorative xmlns:adec="http://schemas.microsoft.com/office/drawing/2017/decorative" val="1"/>
+                </a:ext>
+              </a:extLst>
+            </p:cNvPr>
+            <p:cNvSpPr/>
+            <p:nvPr>
+              <p:extLst>
+                <p:ext uri="{386F3935-93C4-4BCD-93E2-E3B085C9AB24}">
+                  <p16:designElem xmlns:p16="http://schemas.microsoft.com/office/powerpoint/2015/main" val="1"/>
+                </p:ext>
+              </p:extLst>
+            </p:nvPr>
+          </p:nvSpPr>
+          <p:spPr>
+            <a:xfrm rot="16200000">
+              <a:off x="10289068" y="1343027"/>
+              <a:ext cx="2532832" cy="1273032"/>
+            </a:xfrm>
+            <a:prstGeom prst="triangle">
+              <a:avLst>
+                <a:gd name="adj" fmla="val 50000"/>
+              </a:avLst>
+            </a:prstGeom>
+            <a:solidFill>
+              <a:schemeClr val="accent4">
+                <a:alpha val="30000"/>
+              </a:schemeClr>
+            </a:solidFill>
+            <a:ln>
+              <a:noFill/>
+            </a:ln>
+          </p:spPr>
+          <p:style>
+            <a:lnRef idx="2">
+              <a:schemeClr val="accent1">
+                <a:shade val="50000"/>
+              </a:schemeClr>
+            </a:lnRef>
+            <a:fillRef idx="1">
+              <a:schemeClr val="accent1"/>
+            </a:fillRef>
+            <a:effectRef idx="0">
+              <a:schemeClr val="accent1"/>
+            </a:effectRef>
+            <a:fontRef idx="minor">
+              <a:schemeClr val="lt1"/>
+            </a:fontRef>
+          </p:style>
+          <p:txBody>
+            <a:bodyPr rtlCol="0" anchor="ctr"/>
+            <a:lstStyle/>
+            <a:p>
+              <a:pPr algn="ctr"/>
+              <a:endParaRPr lang="en-US" dirty="0"/>
+            </a:p>
+          </p:txBody>
+        </p:sp>
+      </p:grpSp>
     </p:spTree>
     <p:extLst>
       <p:ext uri="{BB962C8B-B14F-4D97-AF65-F5344CB8AC3E}">
@@ -4179,6 +4565,14 @@
 <file path=ppt/slides/slide11.xml><?xml version="1.0" encoding="utf-8"?>
 <p:sld xmlns:a="http://schemas.openxmlformats.org/drawingml/2006/main" xmlns:r="http://schemas.openxmlformats.org/officeDocument/2006/relationships" xmlns:p="http://schemas.openxmlformats.org/presentationml/2006/main">
   <p:cSld>
+    <p:bg>
+      <p:bgPr>
+        <a:solidFill>
+          <a:schemeClr val="bg1"/>
+        </a:solidFill>
+        <a:effectLst/>
+      </p:bgPr>
+    </p:bg>
     <p:spTree>
       <p:nvGrpSpPr>
         <p:cNvPr id="1" name=""/>
@@ -4193,6 +4587,69 @@
           <a:chExt cx="0" cy="0"/>
         </a:xfrm>
       </p:grpSpPr>
+      <p:sp>
+        <p:nvSpPr>
+          <p:cNvPr id="24" name="Rectangle 23">
+            <a:extLst>
+              <a:ext uri="{FF2B5EF4-FFF2-40B4-BE49-F238E27FC236}">
+                <a16:creationId xmlns:a16="http://schemas.microsoft.com/office/drawing/2014/main" id="{2B566528-1B12-4246-9431-5C2D7D081168}"/>
+              </a:ext>
+              <a:ext uri="{C183D7F6-B498-43B3-948B-1728B52AA6E4}">
+                <adec:decorative xmlns:adec="http://schemas.microsoft.com/office/drawing/2017/decorative" val="1"/>
+              </a:ext>
+            </a:extLst>
+          </p:cNvPr>
+          <p:cNvSpPr>
+            <a:spLocks noGrp="1" noRot="1" noChangeAspect="1" noMove="1" noResize="1" noEditPoints="1" noAdjustHandles="1" noChangeArrowheads="1" noChangeShapeType="1" noTextEdit="1"/>
+          </p:cNvSpPr>
+          <p:nvPr>
+            <p:extLst>
+              <p:ext uri="{386F3935-93C4-4BCD-93E2-E3B085C9AB24}">
+                <p16:designElem xmlns:p16="http://schemas.microsoft.com/office/powerpoint/2015/main" val="1"/>
+              </p:ext>
+            </p:extLst>
+          </p:nvPr>
+        </p:nvSpPr>
+        <p:spPr>
+          <a:xfrm>
+            <a:off x="0" y="0"/>
+            <a:ext cx="12192000" cy="6858000"/>
+          </a:xfrm>
+          <a:prstGeom prst="rect">
+            <a:avLst/>
+          </a:prstGeom>
+          <a:solidFill>
+            <a:schemeClr val="bg1"/>
+          </a:solidFill>
+          <a:ln>
+            <a:noFill/>
+          </a:ln>
+        </p:spPr>
+        <p:style>
+          <a:lnRef idx="2">
+            <a:schemeClr val="accent1">
+              <a:shade val="50000"/>
+            </a:schemeClr>
+          </a:lnRef>
+          <a:fillRef idx="1">
+            <a:schemeClr val="accent1"/>
+          </a:fillRef>
+          <a:effectRef idx="0">
+            <a:schemeClr val="accent1"/>
+          </a:effectRef>
+          <a:fontRef idx="minor">
+            <a:schemeClr val="lt1"/>
+          </a:fontRef>
+        </p:style>
+        <p:txBody>
+          <a:bodyPr rtlCol="0" anchor="ctr"/>
+          <a:lstStyle/>
+          <a:p>
+            <a:pPr algn="ctr"/>
+            <a:endParaRPr lang="en-US" dirty="0"/>
+          </a:p>
+        </p:txBody>
+      </p:sp>
       <p:sp>
         <p:nvSpPr>
           <p:cNvPr id="2" name="Titolo 1">
@@ -4223,7 +4680,7 @@
           <a:p>
             <a:pPr algn="ctr"/>
             <a:r>
-              <a:rPr lang="en-US" sz="4000" kern="1200" dirty="0">
+              <a:rPr lang="en-US" sz="3600" kern="1200" dirty="0">
                 <a:solidFill>
                   <a:schemeClr val="tx1"/>
                 </a:solidFill>
@@ -4429,17 +4886,172 @@
           </a:lstStyle>
           <a:p>
             <a:r>
-              <a:rPr lang="it-IT" sz="2000" dirty="0" err="1">
-                <a:latin typeface="+mj-lt"/>
-              </a:rPr>
+              <a:rPr lang="en-US" sz="2000" dirty="0"/>
               <a:t>aaa</a:t>
             </a:r>
-            <a:endParaRPr lang="it-IT" sz="2000" dirty="0">
-              <a:latin typeface="+mj-lt"/>
-            </a:endParaRPr>
           </a:p>
         </p:txBody>
       </p:sp>
+      <p:grpSp>
+        <p:nvGrpSpPr>
+          <p:cNvPr id="26" name="Group 25">
+            <a:extLst>
+              <a:ext uri="{FF2B5EF4-FFF2-40B4-BE49-F238E27FC236}">
+                <a16:creationId xmlns:a16="http://schemas.microsoft.com/office/drawing/2014/main" id="{828A5161-06F1-46CF-8AD7-844680A59E13}"/>
+              </a:ext>
+              <a:ext uri="{C183D7F6-B498-43B3-948B-1728B52AA6E4}">
+                <adec:decorative xmlns:adec="http://schemas.microsoft.com/office/drawing/2017/decorative" val="1"/>
+              </a:ext>
+            </a:extLst>
+          </p:cNvPr>
+          <p:cNvGrpSpPr>
+            <a:grpSpLocks noGrp="1" noUngrp="1" noRot="1" noChangeAspect="1" noMove="1" noResize="1"/>
+          </p:cNvGrpSpPr>
+          <p:nvPr>
+            <p:extLst>
+              <p:ext uri="{386F3935-93C4-4BCD-93E2-E3B085C9AB24}">
+                <p16:designElem xmlns:p16="http://schemas.microsoft.com/office/powerpoint/2015/main" val="1"/>
+              </p:ext>
+            </p:extLst>
+          </p:nvPr>
+        </p:nvGrpSpPr>
+        <p:grpSpPr>
+          <a:xfrm>
+            <a:off x="0" y="4601497"/>
+            <a:ext cx="1014060" cy="2017580"/>
+            <a:chOff x="0" y="4601497"/>
+            <a:chExt cx="1014060" cy="2017580"/>
+          </a:xfrm>
+        </p:grpSpPr>
+        <p:sp>
+          <p:nvSpPr>
+            <p:cNvPr id="27" name="Isosceles Triangle 26">
+              <a:extLst>
+                <a:ext uri="{FF2B5EF4-FFF2-40B4-BE49-F238E27FC236}">
+                  <a16:creationId xmlns:a16="http://schemas.microsoft.com/office/drawing/2014/main" id="{D3F51FEB-38FB-4F6C-9F7B-2F2AFAB65463}"/>
+                </a:ext>
+                <a:ext uri="{C183D7F6-B498-43B3-948B-1728B52AA6E4}">
+                  <adec:decorative xmlns:adec="http://schemas.microsoft.com/office/drawing/2017/decorative" val="1"/>
+                </a:ext>
+              </a:extLst>
+            </p:cNvPr>
+            <p:cNvSpPr/>
+            <p:nvPr>
+              <p:extLst>
+                <p:ext uri="{386F3935-93C4-4BCD-93E2-E3B085C9AB24}">
+                  <p16:designElem xmlns:p16="http://schemas.microsoft.com/office/powerpoint/2015/main" val="1"/>
+                </p:ext>
+              </p:extLst>
+            </p:nvPr>
+          </p:nvSpPr>
+          <p:spPr>
+            <a:xfrm rot="5400000">
+              <a:off x="-501760" y="5103257"/>
+              <a:ext cx="2017580" cy="1014060"/>
+            </a:xfrm>
+            <a:prstGeom prst="triangle">
+              <a:avLst>
+                <a:gd name="adj" fmla="val 50000"/>
+              </a:avLst>
+            </a:prstGeom>
+            <a:solidFill>
+              <a:schemeClr val="accent1">
+                <a:alpha val="30000"/>
+              </a:schemeClr>
+            </a:solidFill>
+            <a:ln>
+              <a:noFill/>
+            </a:ln>
+          </p:spPr>
+          <p:style>
+            <a:lnRef idx="2">
+              <a:schemeClr val="accent1">
+                <a:shade val="50000"/>
+              </a:schemeClr>
+            </a:lnRef>
+            <a:fillRef idx="1">
+              <a:schemeClr val="accent1"/>
+            </a:fillRef>
+            <a:effectRef idx="0">
+              <a:schemeClr val="accent1"/>
+            </a:effectRef>
+            <a:fontRef idx="minor">
+              <a:schemeClr val="lt1"/>
+            </a:fontRef>
+          </p:style>
+          <p:txBody>
+            <a:bodyPr rtlCol="0" anchor="ctr"/>
+            <a:lstStyle/>
+            <a:p>
+              <a:pPr algn="ctr"/>
+              <a:endParaRPr lang="en-US" dirty="0"/>
+            </a:p>
+          </p:txBody>
+        </p:sp>
+        <p:sp>
+          <p:nvSpPr>
+            <p:cNvPr id="28" name="Rectangle 27">
+              <a:extLst>
+                <a:ext uri="{FF2B5EF4-FFF2-40B4-BE49-F238E27FC236}">
+                  <a16:creationId xmlns:a16="http://schemas.microsoft.com/office/drawing/2014/main" id="{1E547BA6-BAE0-43BB-A7CA-60F69CE252F0}"/>
+                </a:ext>
+                <a:ext uri="{C183D7F6-B498-43B3-948B-1728B52AA6E4}">
+                  <adec:decorative xmlns:adec="http://schemas.microsoft.com/office/drawing/2017/decorative" val="1"/>
+                </a:ext>
+              </a:extLst>
+            </p:cNvPr>
+            <p:cNvSpPr/>
+            <p:nvPr>
+              <p:extLst>
+                <p:ext uri="{386F3935-93C4-4BCD-93E2-E3B085C9AB24}">
+                  <p16:designElem xmlns:p16="http://schemas.microsoft.com/office/powerpoint/2015/main" val="1"/>
+                </p:ext>
+              </p:extLst>
+            </p:nvPr>
+          </p:nvSpPr>
+          <p:spPr>
+            <a:xfrm rot="2700000">
+              <a:off x="427916" y="5728708"/>
+              <a:ext cx="485578" cy="485578"/>
+            </a:xfrm>
+            <a:prstGeom prst="rect">
+              <a:avLst/>
+            </a:prstGeom>
+            <a:solidFill>
+              <a:schemeClr val="accent1">
+                <a:alpha val="30000"/>
+              </a:schemeClr>
+            </a:solidFill>
+            <a:ln>
+              <a:noFill/>
+            </a:ln>
+          </p:spPr>
+          <p:style>
+            <a:lnRef idx="2">
+              <a:schemeClr val="accent1">
+                <a:shade val="50000"/>
+              </a:schemeClr>
+            </a:lnRef>
+            <a:fillRef idx="1">
+              <a:schemeClr val="accent1"/>
+            </a:fillRef>
+            <a:effectRef idx="0">
+              <a:schemeClr val="accent1"/>
+            </a:effectRef>
+            <a:fontRef idx="minor">
+              <a:schemeClr val="lt1"/>
+            </a:fontRef>
+          </p:style>
+          <p:txBody>
+            <a:bodyPr rtlCol="0" anchor="ctr"/>
+            <a:lstStyle/>
+            <a:p>
+              <a:pPr algn="ctr"/>
+              <a:endParaRPr lang="en-US" dirty="0"/>
+            </a:p>
+          </p:txBody>
+        </p:sp>
+      </p:grpSp>
       <p:pic>
         <p:nvPicPr>
           <p:cNvPr id="5" name="Immagine 4">
@@ -4462,14 +5074,174 @@
         </p:blipFill>
         <p:spPr>
           <a:xfrm>
-            <a:off x="5442036" y="1714496"/>
-            <a:ext cx="6355068" cy="3816137"/>
+            <a:off x="5295320" y="2087964"/>
+            <a:ext cx="6253212" cy="3751925"/>
           </a:xfrm>
           <a:prstGeom prst="rect">
             <a:avLst/>
           </a:prstGeom>
         </p:spPr>
       </p:pic>
+      <p:grpSp>
+        <p:nvGrpSpPr>
+          <p:cNvPr id="30" name="Group 29">
+            <a:extLst>
+              <a:ext uri="{FF2B5EF4-FFF2-40B4-BE49-F238E27FC236}">
+                <a16:creationId xmlns:a16="http://schemas.microsoft.com/office/drawing/2014/main" id="{5995D10D-E9C9-47DB-AE7E-801FEF38F5C9}"/>
+              </a:ext>
+              <a:ext uri="{C183D7F6-B498-43B3-948B-1728B52AA6E4}">
+                <adec:decorative xmlns:adec="http://schemas.microsoft.com/office/drawing/2017/decorative" val="1"/>
+              </a:ext>
+            </a:extLst>
+          </p:cNvPr>
+          <p:cNvGrpSpPr>
+            <a:grpSpLocks noGrp="1" noUngrp="1" noRot="1" noChangeAspect="1" noMove="1" noResize="1"/>
+          </p:cNvGrpSpPr>
+          <p:nvPr>
+            <p:extLst>
+              <p:ext uri="{386F3935-93C4-4BCD-93E2-E3B085C9AB24}">
+                <p16:designElem xmlns:p16="http://schemas.microsoft.com/office/powerpoint/2015/main" val="1"/>
+              </p:ext>
+            </p:extLst>
+          </p:nvPr>
+        </p:nvGrpSpPr>
+        <p:grpSpPr>
+          <a:xfrm>
+            <a:off x="11219290" y="1"/>
+            <a:ext cx="972709" cy="1935307"/>
+            <a:chOff x="10918968" y="713127"/>
+            <a:chExt cx="1273032" cy="2532832"/>
+          </a:xfrm>
+        </p:grpSpPr>
+        <p:sp>
+          <p:nvSpPr>
+            <p:cNvPr id="31" name="Rectangle 30">
+              <a:extLst>
+                <a:ext uri="{FF2B5EF4-FFF2-40B4-BE49-F238E27FC236}">
+                  <a16:creationId xmlns:a16="http://schemas.microsoft.com/office/drawing/2014/main" id="{CC1A72C6-3DE4-4EC3-9AD5-9E0D40D8CE8A}"/>
+                </a:ext>
+                <a:ext uri="{C183D7F6-B498-43B3-948B-1728B52AA6E4}">
+                  <adec:decorative xmlns:adec="http://schemas.microsoft.com/office/drawing/2017/decorative" val="1"/>
+                </a:ext>
+              </a:extLst>
+            </p:cNvPr>
+            <p:cNvSpPr/>
+            <p:nvPr>
+              <p:extLst>
+                <p:ext uri="{386F3935-93C4-4BCD-93E2-E3B085C9AB24}">
+                  <p16:designElem xmlns:p16="http://schemas.microsoft.com/office/powerpoint/2015/main" val="1"/>
+                </p:ext>
+              </p:extLst>
+            </p:nvPr>
+          </p:nvSpPr>
+          <p:spPr>
+            <a:xfrm rot="2700000">
+              <a:off x="11052629" y="2120024"/>
+              <a:ext cx="645368" cy="645368"/>
+            </a:xfrm>
+            <a:prstGeom prst="rect">
+              <a:avLst/>
+            </a:prstGeom>
+            <a:solidFill>
+              <a:schemeClr val="accent4">
+                <a:alpha val="30000"/>
+              </a:schemeClr>
+            </a:solidFill>
+            <a:ln>
+              <a:noFill/>
+            </a:ln>
+          </p:spPr>
+          <p:style>
+            <a:lnRef idx="2">
+              <a:schemeClr val="accent1">
+                <a:shade val="50000"/>
+              </a:schemeClr>
+            </a:lnRef>
+            <a:fillRef idx="1">
+              <a:schemeClr val="accent1"/>
+            </a:fillRef>
+            <a:effectRef idx="0">
+              <a:schemeClr val="accent1"/>
+            </a:effectRef>
+            <a:fontRef idx="minor">
+              <a:schemeClr val="lt1"/>
+            </a:fontRef>
+          </p:style>
+          <p:txBody>
+            <a:bodyPr rtlCol="0" anchor="ctr"/>
+            <a:lstStyle/>
+            <a:p>
+              <a:pPr algn="ctr"/>
+              <a:endParaRPr lang="en-US" dirty="0"/>
+            </a:p>
+          </p:txBody>
+        </p:sp>
+        <p:sp>
+          <p:nvSpPr>
+            <p:cNvPr id="32" name="Isosceles Triangle 31">
+              <a:extLst>
+                <a:ext uri="{FF2B5EF4-FFF2-40B4-BE49-F238E27FC236}">
+                  <a16:creationId xmlns:a16="http://schemas.microsoft.com/office/drawing/2014/main" id="{0B0DA1F1-C391-4EDF-9FE0-23E86E137765}"/>
+                </a:ext>
+                <a:ext uri="{C183D7F6-B498-43B3-948B-1728B52AA6E4}">
+                  <adec:decorative xmlns:adec="http://schemas.microsoft.com/office/drawing/2017/decorative" val="1"/>
+                </a:ext>
+              </a:extLst>
+            </p:cNvPr>
+            <p:cNvSpPr/>
+            <p:nvPr>
+              <p:extLst>
+                <p:ext uri="{386F3935-93C4-4BCD-93E2-E3B085C9AB24}">
+                  <p16:designElem xmlns:p16="http://schemas.microsoft.com/office/powerpoint/2015/main" val="1"/>
+                </p:ext>
+              </p:extLst>
+            </p:nvPr>
+          </p:nvSpPr>
+          <p:spPr>
+            <a:xfrm rot="16200000">
+              <a:off x="10289068" y="1343027"/>
+              <a:ext cx="2532832" cy="1273032"/>
+            </a:xfrm>
+            <a:prstGeom prst="triangle">
+              <a:avLst>
+                <a:gd name="adj" fmla="val 50000"/>
+              </a:avLst>
+            </a:prstGeom>
+            <a:solidFill>
+              <a:schemeClr val="accent4">
+                <a:alpha val="30000"/>
+              </a:schemeClr>
+            </a:solidFill>
+            <a:ln>
+              <a:noFill/>
+            </a:ln>
+          </p:spPr>
+          <p:style>
+            <a:lnRef idx="2">
+              <a:schemeClr val="accent1">
+                <a:shade val="50000"/>
+              </a:schemeClr>
+            </a:lnRef>
+            <a:fillRef idx="1">
+              <a:schemeClr val="accent1"/>
+            </a:fillRef>
+            <a:effectRef idx="0">
+              <a:schemeClr val="accent1"/>
+            </a:effectRef>
+            <a:fontRef idx="minor">
+              <a:schemeClr val="lt1"/>
+            </a:fontRef>
+          </p:style>
+          <p:txBody>
+            <a:bodyPr rtlCol="0" anchor="ctr"/>
+            <a:lstStyle/>
+            <a:p>
+              <a:pPr algn="ctr"/>
+              <a:endParaRPr lang="en-US" dirty="0"/>
+            </a:p>
+          </p:txBody>
+        </p:sp>
+      </p:grpSp>
     </p:spTree>
     <p:extLst>
       <p:ext uri="{BB962C8B-B14F-4D97-AF65-F5344CB8AC3E}">
@@ -4486,6 +5258,14 @@
 <file path=ppt/slides/slide12.xml><?xml version="1.0" encoding="utf-8"?>
 <p:sld xmlns:a="http://schemas.openxmlformats.org/drawingml/2006/main" xmlns:r="http://schemas.openxmlformats.org/officeDocument/2006/relationships" xmlns:p="http://schemas.openxmlformats.org/presentationml/2006/main">
   <p:cSld>
+    <p:bg>
+      <p:bgPr>
+        <a:solidFill>
+          <a:schemeClr val="bg1"/>
+        </a:solidFill>
+        <a:effectLst/>
+      </p:bgPr>
+    </p:bg>
     <p:spTree>
       <p:nvGrpSpPr>
         <p:cNvPr id="1" name=""/>
@@ -4500,6 +5280,69 @@
           <a:chExt cx="0" cy="0"/>
         </a:xfrm>
       </p:grpSpPr>
+      <p:sp>
+        <p:nvSpPr>
+          <p:cNvPr id="24" name="Rectangle 23">
+            <a:extLst>
+              <a:ext uri="{FF2B5EF4-FFF2-40B4-BE49-F238E27FC236}">
+                <a16:creationId xmlns:a16="http://schemas.microsoft.com/office/drawing/2014/main" id="{2B566528-1B12-4246-9431-5C2D7D081168}"/>
+              </a:ext>
+              <a:ext uri="{C183D7F6-B498-43B3-948B-1728B52AA6E4}">
+                <adec:decorative xmlns:adec="http://schemas.microsoft.com/office/drawing/2017/decorative" val="1"/>
+              </a:ext>
+            </a:extLst>
+          </p:cNvPr>
+          <p:cNvSpPr>
+            <a:spLocks noGrp="1" noRot="1" noChangeAspect="1" noMove="1" noResize="1" noEditPoints="1" noAdjustHandles="1" noChangeArrowheads="1" noChangeShapeType="1" noTextEdit="1"/>
+          </p:cNvSpPr>
+          <p:nvPr>
+            <p:extLst>
+              <p:ext uri="{386F3935-93C4-4BCD-93E2-E3B085C9AB24}">
+                <p16:designElem xmlns:p16="http://schemas.microsoft.com/office/powerpoint/2015/main" val="1"/>
+              </p:ext>
+            </p:extLst>
+          </p:nvPr>
+        </p:nvSpPr>
+        <p:spPr>
+          <a:xfrm>
+            <a:off x="0" y="0"/>
+            <a:ext cx="12192000" cy="6858000"/>
+          </a:xfrm>
+          <a:prstGeom prst="rect">
+            <a:avLst/>
+          </a:prstGeom>
+          <a:solidFill>
+            <a:schemeClr val="bg1"/>
+          </a:solidFill>
+          <a:ln>
+            <a:noFill/>
+          </a:ln>
+        </p:spPr>
+        <p:style>
+          <a:lnRef idx="2">
+            <a:schemeClr val="accent1">
+              <a:shade val="50000"/>
+            </a:schemeClr>
+          </a:lnRef>
+          <a:fillRef idx="1">
+            <a:schemeClr val="accent1"/>
+          </a:fillRef>
+          <a:effectRef idx="0">
+            <a:schemeClr val="accent1"/>
+          </a:effectRef>
+          <a:fontRef idx="minor">
+            <a:schemeClr val="lt1"/>
+          </a:fontRef>
+        </p:style>
+        <p:txBody>
+          <a:bodyPr rtlCol="0" anchor="ctr"/>
+          <a:lstStyle/>
+          <a:p>
+            <a:pPr algn="ctr"/>
+            <a:endParaRPr lang="en-US" dirty="0"/>
+          </a:p>
+        </p:txBody>
+      </p:sp>
       <p:sp>
         <p:nvSpPr>
           <p:cNvPr id="2" name="Titolo 1">
@@ -4529,7 +5372,7 @@
           <a:lstStyle/>
           <a:p>
             <a:r>
-              <a:rPr lang="en-US" sz="3600" kern="1200" dirty="0" err="1">
+              <a:rPr lang="en-US" sz="3600" kern="1200" dirty="0">
                 <a:solidFill>
                   <a:schemeClr val="tx1"/>
                 </a:solidFill>
@@ -4539,14 +5382,6 @@
               </a:rPr>
               <a:t>Conclusioni</a:t>
             </a:r>
-            <a:endParaRPr lang="en-US" sz="3600" kern="1200" dirty="0">
-              <a:solidFill>
-                <a:schemeClr val="tx1"/>
-              </a:solidFill>
-              <a:latin typeface="+mj-lt"/>
-              <a:ea typeface="+mj-ea"/>
-              <a:cs typeface="+mj-cs"/>
-            </a:endParaRPr>
           </a:p>
         </p:txBody>
       </p:sp>
@@ -4743,17 +5578,172 @@
           </a:lstStyle>
           <a:p>
             <a:r>
-              <a:rPr lang="it-IT" sz="2000" dirty="0" err="1">
-                <a:latin typeface="+mj-lt"/>
-              </a:rPr>
+              <a:rPr lang="en-US" sz="2000" dirty="0"/>
               <a:t>Aaa</a:t>
             </a:r>
-            <a:endParaRPr lang="it-IT" sz="2000" dirty="0">
-              <a:latin typeface="+mj-lt"/>
-            </a:endParaRPr>
           </a:p>
         </p:txBody>
       </p:sp>
+      <p:grpSp>
+        <p:nvGrpSpPr>
+          <p:cNvPr id="26" name="Group 25">
+            <a:extLst>
+              <a:ext uri="{FF2B5EF4-FFF2-40B4-BE49-F238E27FC236}">
+                <a16:creationId xmlns:a16="http://schemas.microsoft.com/office/drawing/2014/main" id="{828A5161-06F1-46CF-8AD7-844680A59E13}"/>
+              </a:ext>
+              <a:ext uri="{C183D7F6-B498-43B3-948B-1728B52AA6E4}">
+                <adec:decorative xmlns:adec="http://schemas.microsoft.com/office/drawing/2017/decorative" val="1"/>
+              </a:ext>
+            </a:extLst>
+          </p:cNvPr>
+          <p:cNvGrpSpPr>
+            <a:grpSpLocks noGrp="1" noUngrp="1" noRot="1" noChangeAspect="1" noMove="1" noResize="1"/>
+          </p:cNvGrpSpPr>
+          <p:nvPr>
+            <p:extLst>
+              <p:ext uri="{386F3935-93C4-4BCD-93E2-E3B085C9AB24}">
+                <p16:designElem xmlns:p16="http://schemas.microsoft.com/office/powerpoint/2015/main" val="1"/>
+              </p:ext>
+            </p:extLst>
+          </p:nvPr>
+        </p:nvGrpSpPr>
+        <p:grpSpPr>
+          <a:xfrm>
+            <a:off x="0" y="4601497"/>
+            <a:ext cx="1014060" cy="2017580"/>
+            <a:chOff x="0" y="4601497"/>
+            <a:chExt cx="1014060" cy="2017580"/>
+          </a:xfrm>
+        </p:grpSpPr>
+        <p:sp>
+          <p:nvSpPr>
+            <p:cNvPr id="27" name="Isosceles Triangle 26">
+              <a:extLst>
+                <a:ext uri="{FF2B5EF4-FFF2-40B4-BE49-F238E27FC236}">
+                  <a16:creationId xmlns:a16="http://schemas.microsoft.com/office/drawing/2014/main" id="{D3F51FEB-38FB-4F6C-9F7B-2F2AFAB65463}"/>
+                </a:ext>
+                <a:ext uri="{C183D7F6-B498-43B3-948B-1728B52AA6E4}">
+                  <adec:decorative xmlns:adec="http://schemas.microsoft.com/office/drawing/2017/decorative" val="1"/>
+                </a:ext>
+              </a:extLst>
+            </p:cNvPr>
+            <p:cNvSpPr/>
+            <p:nvPr>
+              <p:extLst>
+                <p:ext uri="{386F3935-93C4-4BCD-93E2-E3B085C9AB24}">
+                  <p16:designElem xmlns:p16="http://schemas.microsoft.com/office/powerpoint/2015/main" val="1"/>
+                </p:ext>
+              </p:extLst>
+            </p:nvPr>
+          </p:nvSpPr>
+          <p:spPr>
+            <a:xfrm rot="5400000">
+              <a:off x="-501760" y="5103257"/>
+              <a:ext cx="2017580" cy="1014060"/>
+            </a:xfrm>
+            <a:prstGeom prst="triangle">
+              <a:avLst>
+                <a:gd name="adj" fmla="val 50000"/>
+              </a:avLst>
+            </a:prstGeom>
+            <a:solidFill>
+              <a:schemeClr val="accent1">
+                <a:alpha val="30000"/>
+              </a:schemeClr>
+            </a:solidFill>
+            <a:ln>
+              <a:noFill/>
+            </a:ln>
+          </p:spPr>
+          <p:style>
+            <a:lnRef idx="2">
+              <a:schemeClr val="accent1">
+                <a:shade val="50000"/>
+              </a:schemeClr>
+            </a:lnRef>
+            <a:fillRef idx="1">
+              <a:schemeClr val="accent1"/>
+            </a:fillRef>
+            <a:effectRef idx="0">
+              <a:schemeClr val="accent1"/>
+            </a:effectRef>
+            <a:fontRef idx="minor">
+              <a:schemeClr val="lt1"/>
+            </a:fontRef>
+          </p:style>
+          <p:txBody>
+            <a:bodyPr rtlCol="0" anchor="ctr"/>
+            <a:lstStyle/>
+            <a:p>
+              <a:pPr algn="ctr"/>
+              <a:endParaRPr lang="en-US" dirty="0"/>
+            </a:p>
+          </p:txBody>
+        </p:sp>
+        <p:sp>
+          <p:nvSpPr>
+            <p:cNvPr id="28" name="Rectangle 27">
+              <a:extLst>
+                <a:ext uri="{FF2B5EF4-FFF2-40B4-BE49-F238E27FC236}">
+                  <a16:creationId xmlns:a16="http://schemas.microsoft.com/office/drawing/2014/main" id="{1E547BA6-BAE0-43BB-A7CA-60F69CE252F0}"/>
+                </a:ext>
+                <a:ext uri="{C183D7F6-B498-43B3-948B-1728B52AA6E4}">
+                  <adec:decorative xmlns:adec="http://schemas.microsoft.com/office/drawing/2017/decorative" val="1"/>
+                </a:ext>
+              </a:extLst>
+            </p:cNvPr>
+            <p:cNvSpPr/>
+            <p:nvPr>
+              <p:extLst>
+                <p:ext uri="{386F3935-93C4-4BCD-93E2-E3B085C9AB24}">
+                  <p16:designElem xmlns:p16="http://schemas.microsoft.com/office/powerpoint/2015/main" val="1"/>
+                </p:ext>
+              </p:extLst>
+            </p:nvPr>
+          </p:nvSpPr>
+          <p:spPr>
+            <a:xfrm rot="2700000">
+              <a:off x="427916" y="5728708"/>
+              <a:ext cx="485578" cy="485578"/>
+            </a:xfrm>
+            <a:prstGeom prst="rect">
+              <a:avLst/>
+            </a:prstGeom>
+            <a:solidFill>
+              <a:schemeClr val="accent1">
+                <a:alpha val="30000"/>
+              </a:schemeClr>
+            </a:solidFill>
+            <a:ln>
+              <a:noFill/>
+            </a:ln>
+          </p:spPr>
+          <p:style>
+            <a:lnRef idx="2">
+              <a:schemeClr val="accent1">
+                <a:shade val="50000"/>
+              </a:schemeClr>
+            </a:lnRef>
+            <a:fillRef idx="1">
+              <a:schemeClr val="accent1"/>
+            </a:fillRef>
+            <a:effectRef idx="0">
+              <a:schemeClr val="accent1"/>
+            </a:effectRef>
+            <a:fontRef idx="minor">
+              <a:schemeClr val="lt1"/>
+            </a:fontRef>
+          </p:style>
+          <p:txBody>
+            <a:bodyPr rtlCol="0" anchor="ctr"/>
+            <a:lstStyle/>
+            <a:p>
+              <a:pPr algn="ctr"/>
+              <a:endParaRPr lang="en-US" dirty="0"/>
+            </a:p>
+          </p:txBody>
+        </p:sp>
+      </p:grpSp>
       <p:pic>
         <p:nvPicPr>
           <p:cNvPr id="5" name="Immagine 4">
@@ -4776,14 +5766,174 @@
         </p:blipFill>
         <p:spPr>
           <a:xfrm>
-            <a:off x="5442036" y="1714496"/>
-            <a:ext cx="6355068" cy="3816137"/>
+            <a:off x="5295320" y="2087964"/>
+            <a:ext cx="6253212" cy="3751925"/>
           </a:xfrm>
           <a:prstGeom prst="rect">
             <a:avLst/>
           </a:prstGeom>
         </p:spPr>
       </p:pic>
+      <p:grpSp>
+        <p:nvGrpSpPr>
+          <p:cNvPr id="30" name="Group 29">
+            <a:extLst>
+              <a:ext uri="{FF2B5EF4-FFF2-40B4-BE49-F238E27FC236}">
+                <a16:creationId xmlns:a16="http://schemas.microsoft.com/office/drawing/2014/main" id="{5995D10D-E9C9-47DB-AE7E-801FEF38F5C9}"/>
+              </a:ext>
+              <a:ext uri="{C183D7F6-B498-43B3-948B-1728B52AA6E4}">
+                <adec:decorative xmlns:adec="http://schemas.microsoft.com/office/drawing/2017/decorative" val="1"/>
+              </a:ext>
+            </a:extLst>
+          </p:cNvPr>
+          <p:cNvGrpSpPr>
+            <a:grpSpLocks noGrp="1" noUngrp="1" noRot="1" noChangeAspect="1" noMove="1" noResize="1"/>
+          </p:cNvGrpSpPr>
+          <p:nvPr>
+            <p:extLst>
+              <p:ext uri="{386F3935-93C4-4BCD-93E2-E3B085C9AB24}">
+                <p16:designElem xmlns:p16="http://schemas.microsoft.com/office/powerpoint/2015/main" val="1"/>
+              </p:ext>
+            </p:extLst>
+          </p:nvPr>
+        </p:nvGrpSpPr>
+        <p:grpSpPr>
+          <a:xfrm>
+            <a:off x="11219290" y="1"/>
+            <a:ext cx="972709" cy="1935307"/>
+            <a:chOff x="10918968" y="713127"/>
+            <a:chExt cx="1273032" cy="2532832"/>
+          </a:xfrm>
+        </p:grpSpPr>
+        <p:sp>
+          <p:nvSpPr>
+            <p:cNvPr id="31" name="Rectangle 30">
+              <a:extLst>
+                <a:ext uri="{FF2B5EF4-FFF2-40B4-BE49-F238E27FC236}">
+                  <a16:creationId xmlns:a16="http://schemas.microsoft.com/office/drawing/2014/main" id="{CC1A72C6-3DE4-4EC3-9AD5-9E0D40D8CE8A}"/>
+                </a:ext>
+                <a:ext uri="{C183D7F6-B498-43B3-948B-1728B52AA6E4}">
+                  <adec:decorative xmlns:adec="http://schemas.microsoft.com/office/drawing/2017/decorative" val="1"/>
+                </a:ext>
+              </a:extLst>
+            </p:cNvPr>
+            <p:cNvSpPr/>
+            <p:nvPr>
+              <p:extLst>
+                <p:ext uri="{386F3935-93C4-4BCD-93E2-E3B085C9AB24}">
+                  <p16:designElem xmlns:p16="http://schemas.microsoft.com/office/powerpoint/2015/main" val="1"/>
+                </p:ext>
+              </p:extLst>
+            </p:nvPr>
+          </p:nvSpPr>
+          <p:spPr>
+            <a:xfrm rot="2700000">
+              <a:off x="11052629" y="2120024"/>
+              <a:ext cx="645368" cy="645368"/>
+            </a:xfrm>
+            <a:prstGeom prst="rect">
+              <a:avLst/>
+            </a:prstGeom>
+            <a:solidFill>
+              <a:schemeClr val="accent4">
+                <a:alpha val="30000"/>
+              </a:schemeClr>
+            </a:solidFill>
+            <a:ln>
+              <a:noFill/>
+            </a:ln>
+          </p:spPr>
+          <p:style>
+            <a:lnRef idx="2">
+              <a:schemeClr val="accent1">
+                <a:shade val="50000"/>
+              </a:schemeClr>
+            </a:lnRef>
+            <a:fillRef idx="1">
+              <a:schemeClr val="accent1"/>
+            </a:fillRef>
+            <a:effectRef idx="0">
+              <a:schemeClr val="accent1"/>
+            </a:effectRef>
+            <a:fontRef idx="minor">
+              <a:schemeClr val="lt1"/>
+            </a:fontRef>
+          </p:style>
+          <p:txBody>
+            <a:bodyPr rtlCol="0" anchor="ctr"/>
+            <a:lstStyle/>
+            <a:p>
+              <a:pPr algn="ctr"/>
+              <a:endParaRPr lang="en-US" dirty="0"/>
+            </a:p>
+          </p:txBody>
+        </p:sp>
+        <p:sp>
+          <p:nvSpPr>
+            <p:cNvPr id="32" name="Isosceles Triangle 31">
+              <a:extLst>
+                <a:ext uri="{FF2B5EF4-FFF2-40B4-BE49-F238E27FC236}">
+                  <a16:creationId xmlns:a16="http://schemas.microsoft.com/office/drawing/2014/main" id="{0B0DA1F1-C391-4EDF-9FE0-23E86E137765}"/>
+                </a:ext>
+                <a:ext uri="{C183D7F6-B498-43B3-948B-1728B52AA6E4}">
+                  <adec:decorative xmlns:adec="http://schemas.microsoft.com/office/drawing/2017/decorative" val="1"/>
+                </a:ext>
+              </a:extLst>
+            </p:cNvPr>
+            <p:cNvSpPr/>
+            <p:nvPr>
+              <p:extLst>
+                <p:ext uri="{386F3935-93C4-4BCD-93E2-E3B085C9AB24}">
+                  <p16:designElem xmlns:p16="http://schemas.microsoft.com/office/powerpoint/2015/main" val="1"/>
+                </p:ext>
+              </p:extLst>
+            </p:nvPr>
+          </p:nvSpPr>
+          <p:spPr>
+            <a:xfrm rot="16200000">
+              <a:off x="10289068" y="1343027"/>
+              <a:ext cx="2532832" cy="1273032"/>
+            </a:xfrm>
+            <a:prstGeom prst="triangle">
+              <a:avLst>
+                <a:gd name="adj" fmla="val 50000"/>
+              </a:avLst>
+            </a:prstGeom>
+            <a:solidFill>
+              <a:schemeClr val="accent4">
+                <a:alpha val="30000"/>
+              </a:schemeClr>
+            </a:solidFill>
+            <a:ln>
+              <a:noFill/>
+            </a:ln>
+          </p:spPr>
+          <p:style>
+            <a:lnRef idx="2">
+              <a:schemeClr val="accent1">
+                <a:shade val="50000"/>
+              </a:schemeClr>
+            </a:lnRef>
+            <a:fillRef idx="1">
+              <a:schemeClr val="accent1"/>
+            </a:fillRef>
+            <a:effectRef idx="0">
+              <a:schemeClr val="accent1"/>
+            </a:effectRef>
+            <a:fontRef idx="minor">
+              <a:schemeClr val="lt1"/>
+            </a:fontRef>
+          </p:style>
+          <p:txBody>
+            <a:bodyPr rtlCol="0" anchor="ctr"/>
+            <a:lstStyle/>
+            <a:p>
+              <a:pPr algn="ctr"/>
+              <a:endParaRPr lang="en-US" dirty="0"/>
+            </a:p>
+          </p:txBody>
+        </p:sp>
+      </p:grpSp>
     </p:spTree>
     <p:extLst>
       <p:ext uri="{BB962C8B-B14F-4D97-AF65-F5344CB8AC3E}">
@@ -5013,7 +6163,7 @@
             <a:lstStyle/>
             <a:p>
               <a:pPr algn="ctr"/>
-              <a:endParaRPr lang="en-US"/>
+              <a:endParaRPr lang="en-US" dirty="0"/>
             </a:p>
           </p:txBody>
         </p:sp>
@@ -5076,7 +6226,7 @@
             <a:lstStyle/>
             <a:p>
               <a:pPr algn="ctr"/>
-              <a:endParaRPr lang="en-US"/>
+              <a:endParaRPr lang="en-US" dirty="0"/>
             </a:p>
           </p:txBody>
         </p:sp>
@@ -5207,7 +6357,7 @@
             <a:lstStyle/>
             <a:p>
               <a:pPr algn="ctr"/>
-              <a:endParaRPr lang="en-US"/>
+              <a:endParaRPr lang="en-US" dirty="0"/>
             </a:p>
           </p:txBody>
         </p:sp>
@@ -5589,7 +6739,7 @@
           <a:lstStyle/>
           <a:p>
             <a:pPr algn="ctr"/>
-            <a:endParaRPr lang="it-IT"/>
+            <a:endParaRPr lang="it-IT" dirty="0"/>
           </a:p>
         </p:txBody>
       </p:sp>
@@ -5822,7 +6972,7 @@
             <a:lstStyle/>
             <a:p>
               <a:pPr algn="ctr"/>
-              <a:endParaRPr lang="en-US"/>
+              <a:endParaRPr lang="en-US" dirty="0"/>
             </a:p>
           </p:txBody>
         </p:sp>
@@ -5885,7 +7035,7 @@
             <a:lstStyle/>
             <a:p>
               <a:pPr algn="ctr"/>
-              <a:endParaRPr lang="en-US"/>
+              <a:endParaRPr lang="en-US" dirty="0"/>
             </a:p>
           </p:txBody>
         </p:sp>
@@ -6016,7 +7166,7 @@
             <a:lstStyle/>
             <a:p>
               <a:pPr algn="ctr"/>
-              <a:endParaRPr lang="en-US"/>
+              <a:endParaRPr lang="en-US" dirty="0"/>
             </a:p>
           </p:txBody>
         </p:sp>
@@ -6462,7 +7612,7 @@
           <a:lstStyle/>
           <a:p>
             <a:pPr algn="ctr"/>
-            <a:endParaRPr lang="en-US"/>
+            <a:endParaRPr lang="en-US" dirty="0"/>
           </a:p>
         </p:txBody>
       </p:sp>
@@ -6675,7 +7825,7 @@
           <a:lstStyle/>
           <a:p>
             <a:pPr algn="ctr"/>
-            <a:endParaRPr lang="en-US">
+            <a:endParaRPr lang="en-US" dirty="0">
               <a:solidFill>
                 <a:prstClr val="white"/>
               </a:solidFill>
@@ -6760,7 +7910,7 @@
               <a:tabLst/>
               <a:defRPr/>
             </a:pPr>
-            <a:endParaRPr kumimoji="0" lang="en-US" sz="1800" b="0" i="0" u="none" strike="noStrike" kern="1200" cap="none" spc="0" normalizeH="0" baseline="0" noProof="0">
+            <a:endParaRPr kumimoji="0" lang="en-US" sz="1800" b="0" i="0" u="none" strike="noStrike" kern="1200" cap="none" spc="0" normalizeH="0" baseline="0" noProof="0" dirty="0">
               <a:ln>
                 <a:noFill/>
               </a:ln>
@@ -7313,7 +8463,7 @@
             <a:lstStyle/>
             <a:p>
               <a:pPr algn="ctr"/>
-              <a:endParaRPr lang="en-US"/>
+              <a:endParaRPr lang="en-US" dirty="0"/>
             </a:p>
           </p:txBody>
         </p:sp>
@@ -7376,7 +8526,7 @@
             <a:lstStyle/>
             <a:p>
               <a:pPr algn="ctr"/>
-              <a:endParaRPr lang="en-US"/>
+              <a:endParaRPr lang="en-US" dirty="0"/>
             </a:p>
           </p:txBody>
         </p:sp>
@@ -7471,7 +8621,7 @@
             <a:lstStyle/>
             <a:p>
               <a:pPr algn="ctr"/>
-              <a:endParaRPr lang="en-US"/>
+              <a:endParaRPr lang="en-US" dirty="0"/>
             </a:p>
           </p:txBody>
         </p:sp>
@@ -7953,6 +9103,14 @@
 <file path=ppt/slides/slide7.xml><?xml version="1.0" encoding="utf-8"?>
 <p:sld xmlns:a="http://schemas.openxmlformats.org/drawingml/2006/main" xmlns:r="http://schemas.openxmlformats.org/officeDocument/2006/relationships" xmlns:p="http://schemas.openxmlformats.org/presentationml/2006/main">
   <p:cSld>
+    <p:bg>
+      <p:bgPr>
+        <a:solidFill>
+          <a:schemeClr val="bg1"/>
+        </a:solidFill>
+        <a:effectLst/>
+      </p:bgPr>
+    </p:bg>
     <p:spTree>
       <p:nvGrpSpPr>
         <p:cNvPr id="1" name=""/>
@@ -7967,6 +9125,69 @@
           <a:chExt cx="0" cy="0"/>
         </a:xfrm>
       </p:grpSpPr>
+      <p:sp>
+        <p:nvSpPr>
+          <p:cNvPr id="24" name="Rectangle 23">
+            <a:extLst>
+              <a:ext uri="{FF2B5EF4-FFF2-40B4-BE49-F238E27FC236}">
+                <a16:creationId xmlns:a16="http://schemas.microsoft.com/office/drawing/2014/main" id="{2B566528-1B12-4246-9431-5C2D7D081168}"/>
+              </a:ext>
+              <a:ext uri="{C183D7F6-B498-43B3-948B-1728B52AA6E4}">
+                <adec:decorative xmlns:adec="http://schemas.microsoft.com/office/drawing/2017/decorative" val="1"/>
+              </a:ext>
+            </a:extLst>
+          </p:cNvPr>
+          <p:cNvSpPr>
+            <a:spLocks noGrp="1" noRot="1" noChangeAspect="1" noMove="1" noResize="1" noEditPoints="1" noAdjustHandles="1" noChangeArrowheads="1" noChangeShapeType="1" noTextEdit="1"/>
+          </p:cNvSpPr>
+          <p:nvPr>
+            <p:extLst>
+              <p:ext uri="{386F3935-93C4-4BCD-93E2-E3B085C9AB24}">
+                <p16:designElem xmlns:p16="http://schemas.microsoft.com/office/powerpoint/2015/main" val="1"/>
+              </p:ext>
+            </p:extLst>
+          </p:nvPr>
+        </p:nvSpPr>
+        <p:spPr>
+          <a:xfrm>
+            <a:off x="0" y="0"/>
+            <a:ext cx="12192000" cy="6858000"/>
+          </a:xfrm>
+          <a:prstGeom prst="rect">
+            <a:avLst/>
+          </a:prstGeom>
+          <a:solidFill>
+            <a:schemeClr val="bg1"/>
+          </a:solidFill>
+          <a:ln>
+            <a:noFill/>
+          </a:ln>
+        </p:spPr>
+        <p:style>
+          <a:lnRef idx="2">
+            <a:schemeClr val="accent1">
+              <a:shade val="50000"/>
+            </a:schemeClr>
+          </a:lnRef>
+          <a:fillRef idx="1">
+            <a:schemeClr val="accent1"/>
+          </a:fillRef>
+          <a:effectRef idx="0">
+            <a:schemeClr val="accent1"/>
+          </a:effectRef>
+          <a:fontRef idx="minor">
+            <a:schemeClr val="lt1"/>
+          </a:fontRef>
+        </p:style>
+        <p:txBody>
+          <a:bodyPr rtlCol="0" anchor="ctr"/>
+          <a:lstStyle/>
+          <a:p>
+            <a:pPr algn="ctr"/>
+            <a:endParaRPr lang="en-US" dirty="0"/>
+          </a:p>
+        </p:txBody>
+      </p:sp>
       <p:sp>
         <p:nvSpPr>
           <p:cNvPr id="2" name="Titolo 1">
@@ -7997,7 +9218,7 @@
           <a:p>
             <a:pPr algn="ctr"/>
             <a:r>
-              <a:rPr lang="en-US" sz="4000" kern="1200" dirty="0">
+              <a:rPr lang="en-US" sz="3600" kern="1200" dirty="0">
                 <a:solidFill>
                   <a:schemeClr val="tx1"/>
                 </a:solidFill>
@@ -8005,7 +9226,1487 @@
                 <a:ea typeface="+mj-ea"/>
                 <a:cs typeface="+mj-cs"/>
               </a:rPr>
-              <a:t>Simple Random Search (algo A)</a:t>
+              <a:t>Simple Random Search (algoritmo A)</a:t>
+            </a:r>
+          </a:p>
+        </p:txBody>
+      </p:sp>
+      <p:sp>
+        <p:nvSpPr>
+          <p:cNvPr id="19" name="Segnaposto contenuto 2">
+            <a:extLst>
+              <a:ext uri="{FF2B5EF4-FFF2-40B4-BE49-F238E27FC236}">
+                <a16:creationId xmlns:a16="http://schemas.microsoft.com/office/drawing/2014/main" id="{C20E4AE0-0942-4C49-BB4F-A814A35384A0}"/>
+              </a:ext>
+            </a:extLst>
+          </p:cNvPr>
+          <p:cNvSpPr txBox="1">
+            <a:spLocks/>
+          </p:cNvSpPr>
+          <p:nvPr/>
+        </p:nvSpPr>
+        <p:spPr>
+          <a:xfrm>
+            <a:off x="601617" y="1839040"/>
+            <a:ext cx="4997671" cy="2936160"/>
+          </a:xfrm>
+          <a:prstGeom prst="rect">
+            <a:avLst/>
+          </a:prstGeom>
+        </p:spPr>
+        <p:txBody>
+          <a:bodyPr vert="horz" lIns="91440" tIns="45720" rIns="91440" bIns="45720" rtlCol="0">
+            <a:normAutofit/>
+          </a:bodyPr>
+          <a:lstStyle>
+            <a:lvl1pPr marL="228600" indent="-228600" algn="l" defTabSz="914400" rtl="0" eaLnBrk="1" latinLnBrk="0" hangingPunct="1">
+              <a:lnSpc>
+                <a:spcPct val="90000"/>
+              </a:lnSpc>
+              <a:spcBef>
+                <a:spcPts val="1000"/>
+              </a:spcBef>
+              <a:buFont typeface="Arial" panose="020B0604020202020204" pitchFamily="34" charset="0"/>
+              <a:buChar char="•"/>
+              <a:defRPr sz="2800" kern="1200">
+                <a:solidFill>
+                  <a:schemeClr val="tx1"/>
+                </a:solidFill>
+                <a:latin typeface="+mn-lt"/>
+                <a:ea typeface="+mn-ea"/>
+                <a:cs typeface="+mn-cs"/>
+              </a:defRPr>
+            </a:lvl1pPr>
+            <a:lvl2pPr marL="685800" indent="-228600" algn="l" defTabSz="914400" rtl="0" eaLnBrk="1" latinLnBrk="0" hangingPunct="1">
+              <a:lnSpc>
+                <a:spcPct val="90000"/>
+              </a:lnSpc>
+              <a:spcBef>
+                <a:spcPts val="500"/>
+              </a:spcBef>
+              <a:buFont typeface="Arial" panose="020B0604020202020204" pitchFamily="34" charset="0"/>
+              <a:buChar char="•"/>
+              <a:defRPr sz="2400" kern="1200">
+                <a:solidFill>
+                  <a:schemeClr val="tx1"/>
+                </a:solidFill>
+                <a:latin typeface="+mn-lt"/>
+                <a:ea typeface="+mn-ea"/>
+                <a:cs typeface="+mn-cs"/>
+              </a:defRPr>
+            </a:lvl2pPr>
+            <a:lvl3pPr marL="1143000" indent="-228600" algn="l" defTabSz="914400" rtl="0" eaLnBrk="1" latinLnBrk="0" hangingPunct="1">
+              <a:lnSpc>
+                <a:spcPct val="90000"/>
+              </a:lnSpc>
+              <a:spcBef>
+                <a:spcPts val="500"/>
+              </a:spcBef>
+              <a:buFont typeface="Arial" panose="020B0604020202020204" pitchFamily="34" charset="0"/>
+              <a:buChar char="•"/>
+              <a:defRPr sz="2000" kern="1200">
+                <a:solidFill>
+                  <a:schemeClr val="tx1"/>
+                </a:solidFill>
+                <a:latin typeface="+mn-lt"/>
+                <a:ea typeface="+mn-ea"/>
+                <a:cs typeface="+mn-cs"/>
+              </a:defRPr>
+            </a:lvl3pPr>
+            <a:lvl4pPr marL="1600200" indent="-228600" algn="l" defTabSz="914400" rtl="0" eaLnBrk="1" latinLnBrk="0" hangingPunct="1">
+              <a:lnSpc>
+                <a:spcPct val="90000"/>
+              </a:lnSpc>
+              <a:spcBef>
+                <a:spcPts val="500"/>
+              </a:spcBef>
+              <a:buFont typeface="Arial" panose="020B0604020202020204" pitchFamily="34" charset="0"/>
+              <a:buChar char="•"/>
+              <a:defRPr sz="1800" kern="1200">
+                <a:solidFill>
+                  <a:schemeClr val="tx1"/>
+                </a:solidFill>
+                <a:latin typeface="+mn-lt"/>
+                <a:ea typeface="+mn-ea"/>
+                <a:cs typeface="+mn-cs"/>
+              </a:defRPr>
+            </a:lvl4pPr>
+            <a:lvl5pPr marL="2057400" indent="-228600" algn="l" defTabSz="914400" rtl="0" eaLnBrk="1" latinLnBrk="0" hangingPunct="1">
+              <a:lnSpc>
+                <a:spcPct val="90000"/>
+              </a:lnSpc>
+              <a:spcBef>
+                <a:spcPts val="500"/>
+              </a:spcBef>
+              <a:buFont typeface="Arial" panose="020B0604020202020204" pitchFamily="34" charset="0"/>
+              <a:buChar char="•"/>
+              <a:defRPr sz="1800" kern="1200">
+                <a:solidFill>
+                  <a:schemeClr val="tx1"/>
+                </a:solidFill>
+                <a:latin typeface="+mn-lt"/>
+                <a:ea typeface="+mn-ea"/>
+                <a:cs typeface="+mn-cs"/>
+              </a:defRPr>
+            </a:lvl5pPr>
+            <a:lvl6pPr marL="2514600" indent="-228600" algn="l" defTabSz="914400" rtl="0" eaLnBrk="1" latinLnBrk="0" hangingPunct="1">
+              <a:lnSpc>
+                <a:spcPct val="90000"/>
+              </a:lnSpc>
+              <a:spcBef>
+                <a:spcPts val="500"/>
+              </a:spcBef>
+              <a:buFont typeface="Arial" panose="020B0604020202020204" pitchFamily="34" charset="0"/>
+              <a:buChar char="•"/>
+              <a:defRPr sz="1800" kern="1200">
+                <a:solidFill>
+                  <a:schemeClr val="tx1"/>
+                </a:solidFill>
+                <a:latin typeface="+mn-lt"/>
+                <a:ea typeface="+mn-ea"/>
+                <a:cs typeface="+mn-cs"/>
+              </a:defRPr>
+            </a:lvl6pPr>
+            <a:lvl7pPr marL="2971800" indent="-228600" algn="l" defTabSz="914400" rtl="0" eaLnBrk="1" latinLnBrk="0" hangingPunct="1">
+              <a:lnSpc>
+                <a:spcPct val="90000"/>
+              </a:lnSpc>
+              <a:spcBef>
+                <a:spcPts val="500"/>
+              </a:spcBef>
+              <a:buFont typeface="Arial" panose="020B0604020202020204" pitchFamily="34" charset="0"/>
+              <a:buChar char="•"/>
+              <a:defRPr sz="1800" kern="1200">
+                <a:solidFill>
+                  <a:schemeClr val="tx1"/>
+                </a:solidFill>
+                <a:latin typeface="+mn-lt"/>
+                <a:ea typeface="+mn-ea"/>
+                <a:cs typeface="+mn-cs"/>
+              </a:defRPr>
+            </a:lvl7pPr>
+            <a:lvl8pPr marL="3429000" indent="-228600" algn="l" defTabSz="914400" rtl="0" eaLnBrk="1" latinLnBrk="0" hangingPunct="1">
+              <a:lnSpc>
+                <a:spcPct val="90000"/>
+              </a:lnSpc>
+              <a:spcBef>
+                <a:spcPts val="500"/>
+              </a:spcBef>
+              <a:buFont typeface="Arial" panose="020B0604020202020204" pitchFamily="34" charset="0"/>
+              <a:buChar char="•"/>
+              <a:defRPr sz="1800" kern="1200">
+                <a:solidFill>
+                  <a:schemeClr val="tx1"/>
+                </a:solidFill>
+                <a:latin typeface="+mn-lt"/>
+                <a:ea typeface="+mn-ea"/>
+                <a:cs typeface="+mn-cs"/>
+              </a:defRPr>
+            </a:lvl8pPr>
+            <a:lvl9pPr marL="3886200" indent="-228600" algn="l" defTabSz="914400" rtl="0" eaLnBrk="1" latinLnBrk="0" hangingPunct="1">
+              <a:lnSpc>
+                <a:spcPct val="90000"/>
+              </a:lnSpc>
+              <a:spcBef>
+                <a:spcPts val="500"/>
+              </a:spcBef>
+              <a:buFont typeface="Arial" panose="020B0604020202020204" pitchFamily="34" charset="0"/>
+              <a:buChar char="•"/>
+              <a:defRPr sz="1800" kern="1200">
+                <a:solidFill>
+                  <a:schemeClr val="tx1"/>
+                </a:solidFill>
+                <a:latin typeface="+mn-lt"/>
+                <a:ea typeface="+mn-ea"/>
+                <a:cs typeface="+mn-cs"/>
+              </a:defRPr>
+            </a:lvl9pPr>
+          </a:lstStyle>
+          <a:p>
+            <a:r>
+              <a:rPr lang="en-US" sz="2000" dirty="0"/>
+              <a:t>Scegliere un guess iniziale in modo casuale</a:t>
+            </a:r>
+          </a:p>
+          <a:p>
+            <a:r>
+              <a:rPr lang="en-US" sz="2000" dirty="0"/>
+              <a:t>A ogni passo generare un nuovo guess casuale all’interno del dominio </a:t>
+            </a:r>
+          </a:p>
+          <a:p>
+            <a:r>
+              <a:rPr lang="en-US" sz="2000" dirty="0"/>
+              <a:t>Confrontare la funzione di costo calcolata nel nuovo candidato con la funzione di costo vecchia</a:t>
+            </a:r>
+          </a:p>
+          <a:p>
+            <a:r>
+              <a:rPr lang="en-US" sz="2000" dirty="0"/>
+              <a:t>Se il costo è inferiore aggiornare il parametro</a:t>
+            </a:r>
+          </a:p>
+        </p:txBody>
+      </p:sp>
+      <p:grpSp>
+        <p:nvGrpSpPr>
+          <p:cNvPr id="26" name="Group 25">
+            <a:extLst>
+              <a:ext uri="{FF2B5EF4-FFF2-40B4-BE49-F238E27FC236}">
+                <a16:creationId xmlns:a16="http://schemas.microsoft.com/office/drawing/2014/main" id="{828A5161-06F1-46CF-8AD7-844680A59E13}"/>
+              </a:ext>
+              <a:ext uri="{C183D7F6-B498-43B3-948B-1728B52AA6E4}">
+                <adec:decorative xmlns:adec="http://schemas.microsoft.com/office/drawing/2017/decorative" val="1"/>
+              </a:ext>
+            </a:extLst>
+          </p:cNvPr>
+          <p:cNvGrpSpPr>
+            <a:grpSpLocks noGrp="1" noUngrp="1" noRot="1" noChangeAspect="1" noMove="1" noResize="1"/>
+          </p:cNvGrpSpPr>
+          <p:nvPr>
+            <p:extLst>
+              <p:ext uri="{386F3935-93C4-4BCD-93E2-E3B085C9AB24}">
+                <p16:designElem xmlns:p16="http://schemas.microsoft.com/office/powerpoint/2015/main" val="1"/>
+              </p:ext>
+            </p:extLst>
+          </p:nvPr>
+        </p:nvGrpSpPr>
+        <p:grpSpPr>
+          <a:xfrm>
+            <a:off x="0" y="4601497"/>
+            <a:ext cx="1014060" cy="2017580"/>
+            <a:chOff x="0" y="4601497"/>
+            <a:chExt cx="1014060" cy="2017580"/>
+          </a:xfrm>
+        </p:grpSpPr>
+        <p:sp>
+          <p:nvSpPr>
+            <p:cNvPr id="27" name="Isosceles Triangle 26">
+              <a:extLst>
+                <a:ext uri="{FF2B5EF4-FFF2-40B4-BE49-F238E27FC236}">
+                  <a16:creationId xmlns:a16="http://schemas.microsoft.com/office/drawing/2014/main" id="{D3F51FEB-38FB-4F6C-9F7B-2F2AFAB65463}"/>
+                </a:ext>
+                <a:ext uri="{C183D7F6-B498-43B3-948B-1728B52AA6E4}">
+                  <adec:decorative xmlns:adec="http://schemas.microsoft.com/office/drawing/2017/decorative" val="1"/>
+                </a:ext>
+              </a:extLst>
+            </p:cNvPr>
+            <p:cNvSpPr/>
+            <p:nvPr>
+              <p:extLst>
+                <p:ext uri="{386F3935-93C4-4BCD-93E2-E3B085C9AB24}">
+                  <p16:designElem xmlns:p16="http://schemas.microsoft.com/office/powerpoint/2015/main" val="1"/>
+                </p:ext>
+              </p:extLst>
+            </p:nvPr>
+          </p:nvSpPr>
+          <p:spPr>
+            <a:xfrm rot="5400000">
+              <a:off x="-501760" y="5103257"/>
+              <a:ext cx="2017580" cy="1014060"/>
+            </a:xfrm>
+            <a:prstGeom prst="triangle">
+              <a:avLst>
+                <a:gd name="adj" fmla="val 50000"/>
+              </a:avLst>
+            </a:prstGeom>
+            <a:solidFill>
+              <a:schemeClr val="accent1">
+                <a:alpha val="30000"/>
+              </a:schemeClr>
+            </a:solidFill>
+            <a:ln>
+              <a:noFill/>
+            </a:ln>
+          </p:spPr>
+          <p:style>
+            <a:lnRef idx="2">
+              <a:schemeClr val="accent1">
+                <a:shade val="50000"/>
+              </a:schemeClr>
+            </a:lnRef>
+            <a:fillRef idx="1">
+              <a:schemeClr val="accent1"/>
+            </a:fillRef>
+            <a:effectRef idx="0">
+              <a:schemeClr val="accent1"/>
+            </a:effectRef>
+            <a:fontRef idx="minor">
+              <a:schemeClr val="lt1"/>
+            </a:fontRef>
+          </p:style>
+          <p:txBody>
+            <a:bodyPr rtlCol="0" anchor="ctr"/>
+            <a:lstStyle/>
+            <a:p>
+              <a:pPr algn="ctr"/>
+              <a:endParaRPr lang="en-US" dirty="0"/>
+            </a:p>
+          </p:txBody>
+        </p:sp>
+        <p:sp>
+          <p:nvSpPr>
+            <p:cNvPr id="28" name="Rectangle 27">
+              <a:extLst>
+                <a:ext uri="{FF2B5EF4-FFF2-40B4-BE49-F238E27FC236}">
+                  <a16:creationId xmlns:a16="http://schemas.microsoft.com/office/drawing/2014/main" id="{1E547BA6-BAE0-43BB-A7CA-60F69CE252F0}"/>
+                </a:ext>
+                <a:ext uri="{C183D7F6-B498-43B3-948B-1728B52AA6E4}">
+                  <adec:decorative xmlns:adec="http://schemas.microsoft.com/office/drawing/2017/decorative" val="1"/>
+                </a:ext>
+              </a:extLst>
+            </p:cNvPr>
+            <p:cNvSpPr/>
+            <p:nvPr>
+              <p:extLst>
+                <p:ext uri="{386F3935-93C4-4BCD-93E2-E3B085C9AB24}">
+                  <p16:designElem xmlns:p16="http://schemas.microsoft.com/office/powerpoint/2015/main" val="1"/>
+                </p:ext>
+              </p:extLst>
+            </p:nvPr>
+          </p:nvSpPr>
+          <p:spPr>
+            <a:xfrm rot="2700000">
+              <a:off x="427916" y="5728708"/>
+              <a:ext cx="485578" cy="485578"/>
+            </a:xfrm>
+            <a:prstGeom prst="rect">
+              <a:avLst/>
+            </a:prstGeom>
+            <a:solidFill>
+              <a:schemeClr val="accent1">
+                <a:alpha val="30000"/>
+              </a:schemeClr>
+            </a:solidFill>
+            <a:ln>
+              <a:noFill/>
+            </a:ln>
+          </p:spPr>
+          <p:style>
+            <a:lnRef idx="2">
+              <a:schemeClr val="accent1">
+                <a:shade val="50000"/>
+              </a:schemeClr>
+            </a:lnRef>
+            <a:fillRef idx="1">
+              <a:schemeClr val="accent1"/>
+            </a:fillRef>
+            <a:effectRef idx="0">
+              <a:schemeClr val="accent1"/>
+            </a:effectRef>
+            <a:fontRef idx="minor">
+              <a:schemeClr val="lt1"/>
+            </a:fontRef>
+          </p:style>
+          <p:txBody>
+            <a:bodyPr rtlCol="0" anchor="ctr"/>
+            <a:lstStyle/>
+            <a:p>
+              <a:pPr algn="ctr"/>
+              <a:endParaRPr lang="en-US" dirty="0"/>
+            </a:p>
+          </p:txBody>
+        </p:sp>
+      </p:grpSp>
+      <p:pic>
+        <p:nvPicPr>
+          <p:cNvPr id="4" name="Immagine 3">
+            <a:extLst>
+              <a:ext uri="{FF2B5EF4-FFF2-40B4-BE49-F238E27FC236}">
+                <a16:creationId xmlns:a16="http://schemas.microsoft.com/office/drawing/2014/main" id="{3C73C70B-22EF-4455-8506-303887113DDF}"/>
+              </a:ext>
+            </a:extLst>
+          </p:cNvPr>
+          <p:cNvPicPr>
+            <a:picLocks noChangeAspect="1"/>
+          </p:cNvPicPr>
+          <p:nvPr/>
+        </p:nvPicPr>
+        <p:blipFill>
+          <a:blip r:embed="rId2"/>
+          <a:stretch>
+            <a:fillRect/>
+          </a:stretch>
+        </p:blipFill>
+        <p:spPr>
+          <a:xfrm>
+            <a:off x="5730664" y="1457471"/>
+            <a:ext cx="5796000" cy="3448620"/>
+          </a:xfrm>
+          <a:prstGeom prst="rect">
+            <a:avLst/>
+          </a:prstGeom>
+        </p:spPr>
+      </p:pic>
+      <p:grpSp>
+        <p:nvGrpSpPr>
+          <p:cNvPr id="30" name="Group 29">
+            <a:extLst>
+              <a:ext uri="{FF2B5EF4-FFF2-40B4-BE49-F238E27FC236}">
+                <a16:creationId xmlns:a16="http://schemas.microsoft.com/office/drawing/2014/main" id="{5995D10D-E9C9-47DB-AE7E-801FEF38F5C9}"/>
+              </a:ext>
+              <a:ext uri="{C183D7F6-B498-43B3-948B-1728B52AA6E4}">
+                <adec:decorative xmlns:adec="http://schemas.microsoft.com/office/drawing/2017/decorative" val="1"/>
+              </a:ext>
+            </a:extLst>
+          </p:cNvPr>
+          <p:cNvGrpSpPr>
+            <a:grpSpLocks noGrp="1" noUngrp="1" noRot="1" noChangeAspect="1" noMove="1" noResize="1"/>
+          </p:cNvGrpSpPr>
+          <p:nvPr>
+            <p:extLst>
+              <p:ext uri="{386F3935-93C4-4BCD-93E2-E3B085C9AB24}">
+                <p16:designElem xmlns:p16="http://schemas.microsoft.com/office/powerpoint/2015/main" val="1"/>
+              </p:ext>
+            </p:extLst>
+          </p:nvPr>
+        </p:nvGrpSpPr>
+        <p:grpSpPr>
+          <a:xfrm>
+            <a:off x="11219290" y="1"/>
+            <a:ext cx="972709" cy="1935307"/>
+            <a:chOff x="10918968" y="713127"/>
+            <a:chExt cx="1273032" cy="2532832"/>
+          </a:xfrm>
+        </p:grpSpPr>
+        <p:sp>
+          <p:nvSpPr>
+            <p:cNvPr id="31" name="Rectangle 30">
+              <a:extLst>
+                <a:ext uri="{FF2B5EF4-FFF2-40B4-BE49-F238E27FC236}">
+                  <a16:creationId xmlns:a16="http://schemas.microsoft.com/office/drawing/2014/main" id="{CC1A72C6-3DE4-4EC3-9AD5-9E0D40D8CE8A}"/>
+                </a:ext>
+                <a:ext uri="{C183D7F6-B498-43B3-948B-1728B52AA6E4}">
+                  <adec:decorative xmlns:adec="http://schemas.microsoft.com/office/drawing/2017/decorative" val="1"/>
+                </a:ext>
+              </a:extLst>
+            </p:cNvPr>
+            <p:cNvSpPr/>
+            <p:nvPr>
+              <p:extLst>
+                <p:ext uri="{386F3935-93C4-4BCD-93E2-E3B085C9AB24}">
+                  <p16:designElem xmlns:p16="http://schemas.microsoft.com/office/powerpoint/2015/main" val="1"/>
+                </p:ext>
+              </p:extLst>
+            </p:nvPr>
+          </p:nvSpPr>
+          <p:spPr>
+            <a:xfrm rot="2700000">
+              <a:off x="11052629" y="2120024"/>
+              <a:ext cx="645368" cy="645368"/>
+            </a:xfrm>
+            <a:prstGeom prst="rect">
+              <a:avLst/>
+            </a:prstGeom>
+            <a:solidFill>
+              <a:schemeClr val="accent4">
+                <a:alpha val="30000"/>
+              </a:schemeClr>
+            </a:solidFill>
+            <a:ln>
+              <a:noFill/>
+            </a:ln>
+          </p:spPr>
+          <p:style>
+            <a:lnRef idx="2">
+              <a:schemeClr val="accent1">
+                <a:shade val="50000"/>
+              </a:schemeClr>
+            </a:lnRef>
+            <a:fillRef idx="1">
+              <a:schemeClr val="accent1"/>
+            </a:fillRef>
+            <a:effectRef idx="0">
+              <a:schemeClr val="accent1"/>
+            </a:effectRef>
+            <a:fontRef idx="minor">
+              <a:schemeClr val="lt1"/>
+            </a:fontRef>
+          </p:style>
+          <p:txBody>
+            <a:bodyPr rtlCol="0" anchor="ctr"/>
+            <a:lstStyle/>
+            <a:p>
+              <a:pPr algn="ctr"/>
+              <a:endParaRPr lang="en-US" dirty="0"/>
+            </a:p>
+          </p:txBody>
+        </p:sp>
+        <p:sp>
+          <p:nvSpPr>
+            <p:cNvPr id="32" name="Isosceles Triangle 31">
+              <a:extLst>
+                <a:ext uri="{FF2B5EF4-FFF2-40B4-BE49-F238E27FC236}">
+                  <a16:creationId xmlns:a16="http://schemas.microsoft.com/office/drawing/2014/main" id="{0B0DA1F1-C391-4EDF-9FE0-23E86E137765}"/>
+                </a:ext>
+                <a:ext uri="{C183D7F6-B498-43B3-948B-1728B52AA6E4}">
+                  <adec:decorative xmlns:adec="http://schemas.microsoft.com/office/drawing/2017/decorative" val="1"/>
+                </a:ext>
+              </a:extLst>
+            </p:cNvPr>
+            <p:cNvSpPr/>
+            <p:nvPr>
+              <p:extLst>
+                <p:ext uri="{386F3935-93C4-4BCD-93E2-E3B085C9AB24}">
+                  <p16:designElem xmlns:p16="http://schemas.microsoft.com/office/powerpoint/2015/main" val="1"/>
+                </p:ext>
+              </p:extLst>
+            </p:nvPr>
+          </p:nvSpPr>
+          <p:spPr>
+            <a:xfrm rot="16200000">
+              <a:off x="10289068" y="1343027"/>
+              <a:ext cx="2532832" cy="1273032"/>
+            </a:xfrm>
+            <a:prstGeom prst="triangle">
+              <a:avLst>
+                <a:gd name="adj" fmla="val 50000"/>
+              </a:avLst>
+            </a:prstGeom>
+            <a:solidFill>
+              <a:schemeClr val="accent4">
+                <a:alpha val="30000"/>
+              </a:schemeClr>
+            </a:solidFill>
+            <a:ln>
+              <a:noFill/>
+            </a:ln>
+          </p:spPr>
+          <p:style>
+            <a:lnRef idx="2">
+              <a:schemeClr val="accent1">
+                <a:shade val="50000"/>
+              </a:schemeClr>
+            </a:lnRef>
+            <a:fillRef idx="1">
+              <a:schemeClr val="accent1"/>
+            </a:fillRef>
+            <a:effectRef idx="0">
+              <a:schemeClr val="accent1"/>
+            </a:effectRef>
+            <a:fontRef idx="minor">
+              <a:schemeClr val="lt1"/>
+            </a:fontRef>
+          </p:style>
+          <p:txBody>
+            <a:bodyPr rtlCol="0" anchor="ctr"/>
+            <a:lstStyle/>
+            <a:p>
+              <a:pPr algn="ctr"/>
+              <a:endParaRPr lang="en-US" dirty="0"/>
+            </a:p>
+          </p:txBody>
+        </p:sp>
+      </p:grpSp>
+      <p:sp>
+        <p:nvSpPr>
+          <p:cNvPr id="3" name="CasellaDiTesto 2">
+            <a:extLst>
+              <a:ext uri="{FF2B5EF4-FFF2-40B4-BE49-F238E27FC236}">
+                <a16:creationId xmlns:a16="http://schemas.microsoft.com/office/drawing/2014/main" id="{D8985236-722C-5A4B-924D-57305E4F312F}"/>
+              </a:ext>
+            </a:extLst>
+          </p:cNvPr>
+          <p:cNvSpPr txBox="1"/>
+          <p:nvPr/>
+        </p:nvSpPr>
+        <p:spPr>
+          <a:xfrm>
+            <a:off x="1014060" y="5141798"/>
+            <a:ext cx="10205230" cy="923330"/>
+          </a:xfrm>
+          <a:prstGeom prst="rect">
+            <a:avLst/>
+          </a:prstGeom>
+          <a:noFill/>
+        </p:spPr>
+        <p:txBody>
+          <a:bodyPr wrap="square" rtlCol="0">
+            <a:spAutoFit/>
+          </a:bodyPr>
+          <a:lstStyle/>
+          <a:p>
+            <a:r>
+              <a:rPr lang="it-IT" dirty="0"/>
+              <a:t>Come si può notare dal grafico i punti in cui posizionare il terzo microfono convergono quasi tutti nella zona centrale del palco. Una buona soluzione per scegliere solo un punto potrebbe essere quella di scegliere il punto centrale appartenente a questa nuvola di punti.</a:t>
+            </a:r>
+          </a:p>
+        </p:txBody>
+      </p:sp>
+    </p:spTree>
+    <p:extLst>
+      <p:ext uri="{BB962C8B-B14F-4D97-AF65-F5344CB8AC3E}">
+        <p14:creationId xmlns:p14="http://schemas.microsoft.com/office/powerpoint/2010/main" val="892148118"/>
+      </p:ext>
+    </p:extLst>
+  </p:cSld>
+  <p:clrMapOvr>
+    <a:masterClrMapping/>
+  </p:clrMapOvr>
+</p:sld>
+</file>
+
+<file path=ppt/slides/slide8.xml><?xml version="1.0" encoding="utf-8"?>
+<p:sld xmlns:a="http://schemas.openxmlformats.org/drawingml/2006/main" xmlns:r="http://schemas.openxmlformats.org/officeDocument/2006/relationships" xmlns:p="http://schemas.openxmlformats.org/presentationml/2006/main">
+  <p:cSld>
+    <p:bg>
+      <p:bgPr>
+        <a:solidFill>
+          <a:schemeClr val="bg1"/>
+        </a:solidFill>
+        <a:effectLst/>
+      </p:bgPr>
+    </p:bg>
+    <p:spTree>
+      <p:nvGrpSpPr>
+        <p:cNvPr id="1" name=""/>
+        <p:cNvGrpSpPr/>
+        <p:nvPr/>
+      </p:nvGrpSpPr>
+      <p:grpSpPr>
+        <a:xfrm>
+          <a:off x="0" y="0"/>
+          <a:ext cx="0" cy="0"/>
+          <a:chOff x="0" y="0"/>
+          <a:chExt cx="0" cy="0"/>
+        </a:xfrm>
+      </p:grpSpPr>
+      <p:sp>
+        <p:nvSpPr>
+          <p:cNvPr id="24" name="Rectangle 23">
+            <a:extLst>
+              <a:ext uri="{FF2B5EF4-FFF2-40B4-BE49-F238E27FC236}">
+                <a16:creationId xmlns:a16="http://schemas.microsoft.com/office/drawing/2014/main" id="{2B566528-1B12-4246-9431-5C2D7D081168}"/>
+              </a:ext>
+              <a:ext uri="{C183D7F6-B498-43B3-948B-1728B52AA6E4}">
+                <adec:decorative xmlns:adec="http://schemas.microsoft.com/office/drawing/2017/decorative" val="1"/>
+              </a:ext>
+            </a:extLst>
+          </p:cNvPr>
+          <p:cNvSpPr>
+            <a:spLocks noGrp="1" noRot="1" noChangeAspect="1" noMove="1" noResize="1" noEditPoints="1" noAdjustHandles="1" noChangeArrowheads="1" noChangeShapeType="1" noTextEdit="1"/>
+          </p:cNvSpPr>
+          <p:nvPr>
+            <p:extLst>
+              <p:ext uri="{386F3935-93C4-4BCD-93E2-E3B085C9AB24}">
+                <p16:designElem xmlns:p16="http://schemas.microsoft.com/office/powerpoint/2015/main" val="1"/>
+              </p:ext>
+            </p:extLst>
+          </p:nvPr>
+        </p:nvSpPr>
+        <p:spPr>
+          <a:xfrm>
+            <a:off x="0" y="0"/>
+            <a:ext cx="12192000" cy="6858000"/>
+          </a:xfrm>
+          <a:prstGeom prst="rect">
+            <a:avLst/>
+          </a:prstGeom>
+          <a:solidFill>
+            <a:schemeClr val="bg1"/>
+          </a:solidFill>
+          <a:ln>
+            <a:noFill/>
+          </a:ln>
+        </p:spPr>
+        <p:style>
+          <a:lnRef idx="2">
+            <a:schemeClr val="accent1">
+              <a:shade val="50000"/>
+            </a:schemeClr>
+          </a:lnRef>
+          <a:fillRef idx="1">
+            <a:schemeClr val="accent1"/>
+          </a:fillRef>
+          <a:effectRef idx="0">
+            <a:schemeClr val="accent1"/>
+          </a:effectRef>
+          <a:fontRef idx="minor">
+            <a:schemeClr val="lt1"/>
+          </a:fontRef>
+        </p:style>
+        <p:txBody>
+          <a:bodyPr rtlCol="0" anchor="ctr"/>
+          <a:lstStyle/>
+          <a:p>
+            <a:pPr algn="ctr"/>
+            <a:endParaRPr lang="en-US" dirty="0"/>
+          </a:p>
+        </p:txBody>
+      </p:sp>
+      <p:sp>
+        <p:nvSpPr>
+          <p:cNvPr id="2" name="Titolo 1">
+            <a:extLst>
+              <a:ext uri="{FF2B5EF4-FFF2-40B4-BE49-F238E27FC236}">
+                <a16:creationId xmlns:a16="http://schemas.microsoft.com/office/drawing/2014/main" id="{1082888F-2770-4E5B-9CDA-CC9E0CC25EC4}"/>
+              </a:ext>
+            </a:extLst>
+          </p:cNvPr>
+          <p:cNvSpPr>
+            <a:spLocks noGrp="1"/>
+          </p:cNvSpPr>
+          <p:nvPr>
+            <p:ph type="title"/>
+          </p:nvPr>
+        </p:nvSpPr>
+        <p:spPr>
+          <a:xfrm>
+            <a:off x="643467" y="321734"/>
+            <a:ext cx="10905066" cy="1135737"/>
+          </a:xfrm>
+        </p:spPr>
+        <p:txBody>
+          <a:bodyPr vert="horz" lIns="91440" tIns="45720" rIns="91440" bIns="45720" rtlCol="0" anchor="ctr">
+            <a:normAutofit/>
+          </a:bodyPr>
+          <a:lstStyle/>
+          <a:p>
+            <a:pPr algn="ctr"/>
+            <a:r>
+              <a:rPr lang="en-US" sz="3600" kern="1200" dirty="0">
+                <a:solidFill>
+                  <a:schemeClr val="tx1"/>
+                </a:solidFill>
+                <a:latin typeface="+mj-lt"/>
+                <a:ea typeface="+mj-ea"/>
+                <a:cs typeface="+mj-cs"/>
+              </a:rPr>
+              <a:t>Localized Random Search (algoritmo B)</a:t>
+            </a:r>
+          </a:p>
+        </p:txBody>
+      </p:sp>
+      <p:sp>
+        <p:nvSpPr>
+          <p:cNvPr id="19" name="Segnaposto contenuto 2">
+            <a:extLst>
+              <a:ext uri="{FF2B5EF4-FFF2-40B4-BE49-F238E27FC236}">
+                <a16:creationId xmlns:a16="http://schemas.microsoft.com/office/drawing/2014/main" id="{C20E4AE0-0942-4C49-BB4F-A814A35384A0}"/>
+              </a:ext>
+            </a:extLst>
+          </p:cNvPr>
+          <p:cNvSpPr txBox="1">
+            <a:spLocks/>
+          </p:cNvSpPr>
+          <p:nvPr/>
+        </p:nvSpPr>
+        <p:spPr>
+          <a:xfrm>
+            <a:off x="643467" y="1779204"/>
+            <a:ext cx="4953260" cy="4393982"/>
+          </a:xfrm>
+          <a:prstGeom prst="rect">
+            <a:avLst/>
+          </a:prstGeom>
+        </p:spPr>
+        <p:txBody>
+          <a:bodyPr vert="horz" lIns="91440" tIns="45720" rIns="91440" bIns="45720" rtlCol="0">
+            <a:normAutofit/>
+          </a:bodyPr>
+          <a:lstStyle>
+            <a:lvl1pPr marL="228600" indent="-228600" algn="l" defTabSz="914400" rtl="0" eaLnBrk="1" latinLnBrk="0" hangingPunct="1">
+              <a:lnSpc>
+                <a:spcPct val="90000"/>
+              </a:lnSpc>
+              <a:spcBef>
+                <a:spcPts val="1000"/>
+              </a:spcBef>
+              <a:buFont typeface="Arial" panose="020B0604020202020204" pitchFamily="34" charset="0"/>
+              <a:buChar char="•"/>
+              <a:defRPr sz="2800" kern="1200">
+                <a:solidFill>
+                  <a:schemeClr val="tx1"/>
+                </a:solidFill>
+                <a:latin typeface="+mn-lt"/>
+                <a:ea typeface="+mn-ea"/>
+                <a:cs typeface="+mn-cs"/>
+              </a:defRPr>
+            </a:lvl1pPr>
+            <a:lvl2pPr marL="685800" indent="-228600" algn="l" defTabSz="914400" rtl="0" eaLnBrk="1" latinLnBrk="0" hangingPunct="1">
+              <a:lnSpc>
+                <a:spcPct val="90000"/>
+              </a:lnSpc>
+              <a:spcBef>
+                <a:spcPts val="500"/>
+              </a:spcBef>
+              <a:buFont typeface="Arial" panose="020B0604020202020204" pitchFamily="34" charset="0"/>
+              <a:buChar char="•"/>
+              <a:defRPr sz="2400" kern="1200">
+                <a:solidFill>
+                  <a:schemeClr val="tx1"/>
+                </a:solidFill>
+                <a:latin typeface="+mn-lt"/>
+                <a:ea typeface="+mn-ea"/>
+                <a:cs typeface="+mn-cs"/>
+              </a:defRPr>
+            </a:lvl2pPr>
+            <a:lvl3pPr marL="1143000" indent="-228600" algn="l" defTabSz="914400" rtl="0" eaLnBrk="1" latinLnBrk="0" hangingPunct="1">
+              <a:lnSpc>
+                <a:spcPct val="90000"/>
+              </a:lnSpc>
+              <a:spcBef>
+                <a:spcPts val="500"/>
+              </a:spcBef>
+              <a:buFont typeface="Arial" panose="020B0604020202020204" pitchFamily="34" charset="0"/>
+              <a:buChar char="•"/>
+              <a:defRPr sz="2000" kern="1200">
+                <a:solidFill>
+                  <a:schemeClr val="tx1"/>
+                </a:solidFill>
+                <a:latin typeface="+mn-lt"/>
+                <a:ea typeface="+mn-ea"/>
+                <a:cs typeface="+mn-cs"/>
+              </a:defRPr>
+            </a:lvl3pPr>
+            <a:lvl4pPr marL="1600200" indent="-228600" algn="l" defTabSz="914400" rtl="0" eaLnBrk="1" latinLnBrk="0" hangingPunct="1">
+              <a:lnSpc>
+                <a:spcPct val="90000"/>
+              </a:lnSpc>
+              <a:spcBef>
+                <a:spcPts val="500"/>
+              </a:spcBef>
+              <a:buFont typeface="Arial" panose="020B0604020202020204" pitchFamily="34" charset="0"/>
+              <a:buChar char="•"/>
+              <a:defRPr sz="1800" kern="1200">
+                <a:solidFill>
+                  <a:schemeClr val="tx1"/>
+                </a:solidFill>
+                <a:latin typeface="+mn-lt"/>
+                <a:ea typeface="+mn-ea"/>
+                <a:cs typeface="+mn-cs"/>
+              </a:defRPr>
+            </a:lvl4pPr>
+            <a:lvl5pPr marL="2057400" indent="-228600" algn="l" defTabSz="914400" rtl="0" eaLnBrk="1" latinLnBrk="0" hangingPunct="1">
+              <a:lnSpc>
+                <a:spcPct val="90000"/>
+              </a:lnSpc>
+              <a:spcBef>
+                <a:spcPts val="500"/>
+              </a:spcBef>
+              <a:buFont typeface="Arial" panose="020B0604020202020204" pitchFamily="34" charset="0"/>
+              <a:buChar char="•"/>
+              <a:defRPr sz="1800" kern="1200">
+                <a:solidFill>
+                  <a:schemeClr val="tx1"/>
+                </a:solidFill>
+                <a:latin typeface="+mn-lt"/>
+                <a:ea typeface="+mn-ea"/>
+                <a:cs typeface="+mn-cs"/>
+              </a:defRPr>
+            </a:lvl5pPr>
+            <a:lvl6pPr marL="2514600" indent="-228600" algn="l" defTabSz="914400" rtl="0" eaLnBrk="1" latinLnBrk="0" hangingPunct="1">
+              <a:lnSpc>
+                <a:spcPct val="90000"/>
+              </a:lnSpc>
+              <a:spcBef>
+                <a:spcPts val="500"/>
+              </a:spcBef>
+              <a:buFont typeface="Arial" panose="020B0604020202020204" pitchFamily="34" charset="0"/>
+              <a:buChar char="•"/>
+              <a:defRPr sz="1800" kern="1200">
+                <a:solidFill>
+                  <a:schemeClr val="tx1"/>
+                </a:solidFill>
+                <a:latin typeface="+mn-lt"/>
+                <a:ea typeface="+mn-ea"/>
+                <a:cs typeface="+mn-cs"/>
+              </a:defRPr>
+            </a:lvl6pPr>
+            <a:lvl7pPr marL="2971800" indent="-228600" algn="l" defTabSz="914400" rtl="0" eaLnBrk="1" latinLnBrk="0" hangingPunct="1">
+              <a:lnSpc>
+                <a:spcPct val="90000"/>
+              </a:lnSpc>
+              <a:spcBef>
+                <a:spcPts val="500"/>
+              </a:spcBef>
+              <a:buFont typeface="Arial" panose="020B0604020202020204" pitchFamily="34" charset="0"/>
+              <a:buChar char="•"/>
+              <a:defRPr sz="1800" kern="1200">
+                <a:solidFill>
+                  <a:schemeClr val="tx1"/>
+                </a:solidFill>
+                <a:latin typeface="+mn-lt"/>
+                <a:ea typeface="+mn-ea"/>
+                <a:cs typeface="+mn-cs"/>
+              </a:defRPr>
+            </a:lvl7pPr>
+            <a:lvl8pPr marL="3429000" indent="-228600" algn="l" defTabSz="914400" rtl="0" eaLnBrk="1" latinLnBrk="0" hangingPunct="1">
+              <a:lnSpc>
+                <a:spcPct val="90000"/>
+              </a:lnSpc>
+              <a:spcBef>
+                <a:spcPts val="500"/>
+              </a:spcBef>
+              <a:buFont typeface="Arial" panose="020B0604020202020204" pitchFamily="34" charset="0"/>
+              <a:buChar char="•"/>
+              <a:defRPr sz="1800" kern="1200">
+                <a:solidFill>
+                  <a:schemeClr val="tx1"/>
+                </a:solidFill>
+                <a:latin typeface="+mn-lt"/>
+                <a:ea typeface="+mn-ea"/>
+                <a:cs typeface="+mn-cs"/>
+              </a:defRPr>
+            </a:lvl8pPr>
+            <a:lvl9pPr marL="3886200" indent="-228600" algn="l" defTabSz="914400" rtl="0" eaLnBrk="1" latinLnBrk="0" hangingPunct="1">
+              <a:lnSpc>
+                <a:spcPct val="90000"/>
+              </a:lnSpc>
+              <a:spcBef>
+                <a:spcPts val="500"/>
+              </a:spcBef>
+              <a:buFont typeface="Arial" panose="020B0604020202020204" pitchFamily="34" charset="0"/>
+              <a:buChar char="•"/>
+              <a:defRPr sz="1800" kern="1200">
+                <a:solidFill>
+                  <a:schemeClr val="tx1"/>
+                </a:solidFill>
+                <a:latin typeface="+mn-lt"/>
+                <a:ea typeface="+mn-ea"/>
+                <a:cs typeface="+mn-cs"/>
+              </a:defRPr>
+            </a:lvl9pPr>
+          </a:lstStyle>
+          <a:p>
+            <a:r>
+              <a:rPr lang="en-US" sz="2000" dirty="0"/>
+              <a:t>Algoritmo simile al precedente con una differenza: a partire da un guess iniziale scelto in modo casuale tendiamo a non spostarci troppo</a:t>
+            </a:r>
+          </a:p>
+          <a:p>
+            <a:r>
+              <a:rPr lang="en-US" sz="2000" dirty="0"/>
+              <a:t>Questo teoricamente dovrebbe consentire di convergere più velocemente al punto di minimo più vicino al guess iniziale introdotto</a:t>
+            </a:r>
+          </a:p>
+        </p:txBody>
+      </p:sp>
+      <p:grpSp>
+        <p:nvGrpSpPr>
+          <p:cNvPr id="26" name="Group 25">
+            <a:extLst>
+              <a:ext uri="{FF2B5EF4-FFF2-40B4-BE49-F238E27FC236}">
+                <a16:creationId xmlns:a16="http://schemas.microsoft.com/office/drawing/2014/main" id="{828A5161-06F1-46CF-8AD7-844680A59E13}"/>
+              </a:ext>
+              <a:ext uri="{C183D7F6-B498-43B3-948B-1728B52AA6E4}">
+                <adec:decorative xmlns:adec="http://schemas.microsoft.com/office/drawing/2017/decorative" val="1"/>
+              </a:ext>
+            </a:extLst>
+          </p:cNvPr>
+          <p:cNvGrpSpPr>
+            <a:grpSpLocks noGrp="1" noUngrp="1" noRot="1" noChangeAspect="1" noMove="1" noResize="1"/>
+          </p:cNvGrpSpPr>
+          <p:nvPr>
+            <p:extLst>
+              <p:ext uri="{386F3935-93C4-4BCD-93E2-E3B085C9AB24}">
+                <p16:designElem xmlns:p16="http://schemas.microsoft.com/office/powerpoint/2015/main" val="1"/>
+              </p:ext>
+            </p:extLst>
+          </p:nvPr>
+        </p:nvGrpSpPr>
+        <p:grpSpPr>
+          <a:xfrm>
+            <a:off x="0" y="4601497"/>
+            <a:ext cx="1014060" cy="2017580"/>
+            <a:chOff x="0" y="4601497"/>
+            <a:chExt cx="1014060" cy="2017580"/>
+          </a:xfrm>
+        </p:grpSpPr>
+        <p:sp>
+          <p:nvSpPr>
+            <p:cNvPr id="27" name="Isosceles Triangle 26">
+              <a:extLst>
+                <a:ext uri="{FF2B5EF4-FFF2-40B4-BE49-F238E27FC236}">
+                  <a16:creationId xmlns:a16="http://schemas.microsoft.com/office/drawing/2014/main" id="{D3F51FEB-38FB-4F6C-9F7B-2F2AFAB65463}"/>
+                </a:ext>
+                <a:ext uri="{C183D7F6-B498-43B3-948B-1728B52AA6E4}">
+                  <adec:decorative xmlns:adec="http://schemas.microsoft.com/office/drawing/2017/decorative" val="1"/>
+                </a:ext>
+              </a:extLst>
+            </p:cNvPr>
+            <p:cNvSpPr/>
+            <p:nvPr>
+              <p:extLst>
+                <p:ext uri="{386F3935-93C4-4BCD-93E2-E3B085C9AB24}">
+                  <p16:designElem xmlns:p16="http://schemas.microsoft.com/office/powerpoint/2015/main" val="1"/>
+                </p:ext>
+              </p:extLst>
+            </p:nvPr>
+          </p:nvSpPr>
+          <p:spPr>
+            <a:xfrm rot="5400000">
+              <a:off x="-501760" y="5103257"/>
+              <a:ext cx="2017580" cy="1014060"/>
+            </a:xfrm>
+            <a:prstGeom prst="triangle">
+              <a:avLst>
+                <a:gd name="adj" fmla="val 50000"/>
+              </a:avLst>
+            </a:prstGeom>
+            <a:solidFill>
+              <a:schemeClr val="accent1">
+                <a:alpha val="30000"/>
+              </a:schemeClr>
+            </a:solidFill>
+            <a:ln>
+              <a:noFill/>
+            </a:ln>
+          </p:spPr>
+          <p:style>
+            <a:lnRef idx="2">
+              <a:schemeClr val="accent1">
+                <a:shade val="50000"/>
+              </a:schemeClr>
+            </a:lnRef>
+            <a:fillRef idx="1">
+              <a:schemeClr val="accent1"/>
+            </a:fillRef>
+            <a:effectRef idx="0">
+              <a:schemeClr val="accent1"/>
+            </a:effectRef>
+            <a:fontRef idx="minor">
+              <a:schemeClr val="lt1"/>
+            </a:fontRef>
+          </p:style>
+          <p:txBody>
+            <a:bodyPr rtlCol="0" anchor="ctr"/>
+            <a:lstStyle/>
+            <a:p>
+              <a:pPr algn="ctr"/>
+              <a:endParaRPr lang="en-US" dirty="0"/>
+            </a:p>
+          </p:txBody>
+        </p:sp>
+        <p:sp>
+          <p:nvSpPr>
+            <p:cNvPr id="28" name="Rectangle 27">
+              <a:extLst>
+                <a:ext uri="{FF2B5EF4-FFF2-40B4-BE49-F238E27FC236}">
+                  <a16:creationId xmlns:a16="http://schemas.microsoft.com/office/drawing/2014/main" id="{1E547BA6-BAE0-43BB-A7CA-60F69CE252F0}"/>
+                </a:ext>
+                <a:ext uri="{C183D7F6-B498-43B3-948B-1728B52AA6E4}">
+                  <adec:decorative xmlns:adec="http://schemas.microsoft.com/office/drawing/2017/decorative" val="1"/>
+                </a:ext>
+              </a:extLst>
+            </p:cNvPr>
+            <p:cNvSpPr/>
+            <p:nvPr>
+              <p:extLst>
+                <p:ext uri="{386F3935-93C4-4BCD-93E2-E3B085C9AB24}">
+                  <p16:designElem xmlns:p16="http://schemas.microsoft.com/office/powerpoint/2015/main" val="1"/>
+                </p:ext>
+              </p:extLst>
+            </p:nvPr>
+          </p:nvSpPr>
+          <p:spPr>
+            <a:xfrm rot="2700000">
+              <a:off x="427916" y="5728708"/>
+              <a:ext cx="485578" cy="485578"/>
+            </a:xfrm>
+            <a:prstGeom prst="rect">
+              <a:avLst/>
+            </a:prstGeom>
+            <a:solidFill>
+              <a:schemeClr val="accent1">
+                <a:alpha val="30000"/>
+              </a:schemeClr>
+            </a:solidFill>
+            <a:ln>
+              <a:noFill/>
+            </a:ln>
+          </p:spPr>
+          <p:style>
+            <a:lnRef idx="2">
+              <a:schemeClr val="accent1">
+                <a:shade val="50000"/>
+              </a:schemeClr>
+            </a:lnRef>
+            <a:fillRef idx="1">
+              <a:schemeClr val="accent1"/>
+            </a:fillRef>
+            <a:effectRef idx="0">
+              <a:schemeClr val="accent1"/>
+            </a:effectRef>
+            <a:fontRef idx="minor">
+              <a:schemeClr val="lt1"/>
+            </a:fontRef>
+          </p:style>
+          <p:txBody>
+            <a:bodyPr rtlCol="0" anchor="ctr"/>
+            <a:lstStyle/>
+            <a:p>
+              <a:pPr algn="ctr"/>
+              <a:endParaRPr lang="en-US" dirty="0"/>
+            </a:p>
+          </p:txBody>
+        </p:sp>
+      </p:grpSp>
+      <p:pic>
+        <p:nvPicPr>
+          <p:cNvPr id="5" name="Immagine 4">
+            <a:extLst>
+              <a:ext uri="{FF2B5EF4-FFF2-40B4-BE49-F238E27FC236}">
+                <a16:creationId xmlns:a16="http://schemas.microsoft.com/office/drawing/2014/main" id="{6BD4FCFC-3C03-420D-8884-899F83A7EE15}"/>
+              </a:ext>
+            </a:extLst>
+          </p:cNvPr>
+          <p:cNvPicPr>
+            <a:picLocks noChangeAspect="1"/>
+          </p:cNvPicPr>
+          <p:nvPr/>
+        </p:nvPicPr>
+        <p:blipFill>
+          <a:blip r:embed="rId2"/>
+          <a:stretch>
+            <a:fillRect/>
+          </a:stretch>
+        </p:blipFill>
+        <p:spPr>
+          <a:xfrm>
+            <a:off x="5692630" y="1321553"/>
+            <a:ext cx="5760000" cy="3470400"/>
+          </a:xfrm>
+          <a:prstGeom prst="rect">
+            <a:avLst/>
+          </a:prstGeom>
+        </p:spPr>
+      </p:pic>
+      <p:grpSp>
+        <p:nvGrpSpPr>
+          <p:cNvPr id="30" name="Group 29">
+            <a:extLst>
+              <a:ext uri="{FF2B5EF4-FFF2-40B4-BE49-F238E27FC236}">
+                <a16:creationId xmlns:a16="http://schemas.microsoft.com/office/drawing/2014/main" id="{5995D10D-E9C9-47DB-AE7E-801FEF38F5C9}"/>
+              </a:ext>
+              <a:ext uri="{C183D7F6-B498-43B3-948B-1728B52AA6E4}">
+                <adec:decorative xmlns:adec="http://schemas.microsoft.com/office/drawing/2017/decorative" val="1"/>
+              </a:ext>
+            </a:extLst>
+          </p:cNvPr>
+          <p:cNvGrpSpPr>
+            <a:grpSpLocks noGrp="1" noUngrp="1" noRot="1" noChangeAspect="1" noMove="1" noResize="1"/>
+          </p:cNvGrpSpPr>
+          <p:nvPr>
+            <p:extLst>
+              <p:ext uri="{386F3935-93C4-4BCD-93E2-E3B085C9AB24}">
+                <p16:designElem xmlns:p16="http://schemas.microsoft.com/office/powerpoint/2015/main" val="1"/>
+              </p:ext>
+            </p:extLst>
+          </p:nvPr>
+        </p:nvGrpSpPr>
+        <p:grpSpPr>
+          <a:xfrm>
+            <a:off x="11219290" y="1"/>
+            <a:ext cx="972709" cy="1935307"/>
+            <a:chOff x="10918968" y="713127"/>
+            <a:chExt cx="1273032" cy="2532832"/>
+          </a:xfrm>
+        </p:grpSpPr>
+        <p:sp>
+          <p:nvSpPr>
+            <p:cNvPr id="31" name="Rectangle 30">
+              <a:extLst>
+                <a:ext uri="{FF2B5EF4-FFF2-40B4-BE49-F238E27FC236}">
+                  <a16:creationId xmlns:a16="http://schemas.microsoft.com/office/drawing/2014/main" id="{CC1A72C6-3DE4-4EC3-9AD5-9E0D40D8CE8A}"/>
+                </a:ext>
+                <a:ext uri="{C183D7F6-B498-43B3-948B-1728B52AA6E4}">
+                  <adec:decorative xmlns:adec="http://schemas.microsoft.com/office/drawing/2017/decorative" val="1"/>
+                </a:ext>
+              </a:extLst>
+            </p:cNvPr>
+            <p:cNvSpPr/>
+            <p:nvPr>
+              <p:extLst>
+                <p:ext uri="{386F3935-93C4-4BCD-93E2-E3B085C9AB24}">
+                  <p16:designElem xmlns:p16="http://schemas.microsoft.com/office/powerpoint/2015/main" val="1"/>
+                </p:ext>
+              </p:extLst>
+            </p:nvPr>
+          </p:nvSpPr>
+          <p:spPr>
+            <a:xfrm rot="2700000">
+              <a:off x="11052629" y="2120024"/>
+              <a:ext cx="645368" cy="645368"/>
+            </a:xfrm>
+            <a:prstGeom prst="rect">
+              <a:avLst/>
+            </a:prstGeom>
+            <a:solidFill>
+              <a:schemeClr val="accent4">
+                <a:alpha val="30000"/>
+              </a:schemeClr>
+            </a:solidFill>
+            <a:ln>
+              <a:noFill/>
+            </a:ln>
+          </p:spPr>
+          <p:style>
+            <a:lnRef idx="2">
+              <a:schemeClr val="accent1">
+                <a:shade val="50000"/>
+              </a:schemeClr>
+            </a:lnRef>
+            <a:fillRef idx="1">
+              <a:schemeClr val="accent1"/>
+            </a:fillRef>
+            <a:effectRef idx="0">
+              <a:schemeClr val="accent1"/>
+            </a:effectRef>
+            <a:fontRef idx="minor">
+              <a:schemeClr val="lt1"/>
+            </a:fontRef>
+          </p:style>
+          <p:txBody>
+            <a:bodyPr rtlCol="0" anchor="ctr"/>
+            <a:lstStyle/>
+            <a:p>
+              <a:pPr algn="ctr"/>
+              <a:endParaRPr lang="en-US" dirty="0"/>
+            </a:p>
+          </p:txBody>
+        </p:sp>
+        <p:sp>
+          <p:nvSpPr>
+            <p:cNvPr id="32" name="Isosceles Triangle 31">
+              <a:extLst>
+                <a:ext uri="{FF2B5EF4-FFF2-40B4-BE49-F238E27FC236}">
+                  <a16:creationId xmlns:a16="http://schemas.microsoft.com/office/drawing/2014/main" id="{0B0DA1F1-C391-4EDF-9FE0-23E86E137765}"/>
+                </a:ext>
+                <a:ext uri="{C183D7F6-B498-43B3-948B-1728B52AA6E4}">
+                  <adec:decorative xmlns:adec="http://schemas.microsoft.com/office/drawing/2017/decorative" val="1"/>
+                </a:ext>
+              </a:extLst>
+            </p:cNvPr>
+            <p:cNvSpPr/>
+            <p:nvPr>
+              <p:extLst>
+                <p:ext uri="{386F3935-93C4-4BCD-93E2-E3B085C9AB24}">
+                  <p16:designElem xmlns:p16="http://schemas.microsoft.com/office/powerpoint/2015/main" val="1"/>
+                </p:ext>
+              </p:extLst>
+            </p:nvPr>
+          </p:nvSpPr>
+          <p:spPr>
+            <a:xfrm rot="16200000">
+              <a:off x="10289068" y="1343027"/>
+              <a:ext cx="2532832" cy="1273032"/>
+            </a:xfrm>
+            <a:prstGeom prst="triangle">
+              <a:avLst>
+                <a:gd name="adj" fmla="val 50000"/>
+              </a:avLst>
+            </a:prstGeom>
+            <a:solidFill>
+              <a:schemeClr val="accent4">
+                <a:alpha val="30000"/>
+              </a:schemeClr>
+            </a:solidFill>
+            <a:ln>
+              <a:noFill/>
+            </a:ln>
+          </p:spPr>
+          <p:style>
+            <a:lnRef idx="2">
+              <a:schemeClr val="accent1">
+                <a:shade val="50000"/>
+              </a:schemeClr>
+            </a:lnRef>
+            <a:fillRef idx="1">
+              <a:schemeClr val="accent1"/>
+            </a:fillRef>
+            <a:effectRef idx="0">
+              <a:schemeClr val="accent1"/>
+            </a:effectRef>
+            <a:fontRef idx="minor">
+              <a:schemeClr val="lt1"/>
+            </a:fontRef>
+          </p:style>
+          <p:txBody>
+            <a:bodyPr rtlCol="0" anchor="ctr"/>
+            <a:lstStyle/>
+            <a:p>
+              <a:pPr algn="ctr"/>
+              <a:endParaRPr lang="en-US" dirty="0"/>
+            </a:p>
+          </p:txBody>
+        </p:sp>
+      </p:grpSp>
+      <p:sp>
+        <p:nvSpPr>
+          <p:cNvPr id="12" name="CasellaDiTesto 11">
+            <a:extLst>
+              <a:ext uri="{FF2B5EF4-FFF2-40B4-BE49-F238E27FC236}">
+                <a16:creationId xmlns:a16="http://schemas.microsoft.com/office/drawing/2014/main" id="{1262A44A-91E0-9046-A25F-3B4B77DDC527}"/>
+              </a:ext>
+            </a:extLst>
+          </p:cNvPr>
+          <p:cNvSpPr txBox="1"/>
+          <p:nvPr/>
+        </p:nvSpPr>
+        <p:spPr>
+          <a:xfrm>
+            <a:off x="1014060" y="5141798"/>
+            <a:ext cx="10205230" cy="646331"/>
+          </a:xfrm>
+          <a:prstGeom prst="rect">
+            <a:avLst/>
+          </a:prstGeom>
+          <a:noFill/>
+        </p:spPr>
+        <p:txBody>
+          <a:bodyPr wrap="square" rtlCol="0">
+            <a:spAutoFit/>
+          </a:bodyPr>
+          <a:lstStyle/>
+          <a:p>
+            <a:r>
+              <a:rPr lang="it-IT" dirty="0"/>
+              <a:t>Come si può notare dal grafico i punti sono molto dispersi, questo perché se il primo punto si discosta molto dal punto di ottimo</a:t>
+            </a:r>
+          </a:p>
+        </p:txBody>
+      </p:sp>
+    </p:spTree>
+    <p:extLst>
+      <p:ext uri="{BB962C8B-B14F-4D97-AF65-F5344CB8AC3E}">
+        <p14:creationId xmlns:p14="http://schemas.microsoft.com/office/powerpoint/2010/main" val="375929225"/>
+      </p:ext>
+    </p:extLst>
+  </p:cSld>
+  <p:clrMapOvr>
+    <a:masterClrMapping/>
+  </p:clrMapOvr>
+</p:sld>
+</file>
+
+<file path=ppt/slides/slide9.xml><?xml version="1.0" encoding="utf-8"?>
+<p:sld xmlns:a="http://schemas.openxmlformats.org/drawingml/2006/main" xmlns:r="http://schemas.openxmlformats.org/officeDocument/2006/relationships" xmlns:p="http://schemas.openxmlformats.org/presentationml/2006/main">
+  <p:cSld>
+    <p:bg>
+      <p:bgPr>
+        <a:solidFill>
+          <a:schemeClr val="bg1"/>
+        </a:solidFill>
+        <a:effectLst/>
+      </p:bgPr>
+    </p:bg>
+    <p:spTree>
+      <p:nvGrpSpPr>
+        <p:cNvPr id="1" name=""/>
+        <p:cNvGrpSpPr/>
+        <p:nvPr/>
+      </p:nvGrpSpPr>
+      <p:grpSpPr>
+        <a:xfrm>
+          <a:off x="0" y="0"/>
+          <a:ext cx="0" cy="0"/>
+          <a:chOff x="0" y="0"/>
+          <a:chExt cx="0" cy="0"/>
+        </a:xfrm>
+      </p:grpSpPr>
+      <p:sp>
+        <p:nvSpPr>
+          <p:cNvPr id="24" name="Rectangle 23">
+            <a:extLst>
+              <a:ext uri="{FF2B5EF4-FFF2-40B4-BE49-F238E27FC236}">
+                <a16:creationId xmlns:a16="http://schemas.microsoft.com/office/drawing/2014/main" id="{2B566528-1B12-4246-9431-5C2D7D081168}"/>
+              </a:ext>
+              <a:ext uri="{C183D7F6-B498-43B3-948B-1728B52AA6E4}">
+                <adec:decorative xmlns:adec="http://schemas.microsoft.com/office/drawing/2017/decorative" val="1"/>
+              </a:ext>
+            </a:extLst>
+          </p:cNvPr>
+          <p:cNvSpPr>
+            <a:spLocks noGrp="1" noRot="1" noChangeAspect="1" noMove="1" noResize="1" noEditPoints="1" noAdjustHandles="1" noChangeArrowheads="1" noChangeShapeType="1" noTextEdit="1"/>
+          </p:cNvSpPr>
+          <p:nvPr>
+            <p:extLst>
+              <p:ext uri="{386F3935-93C4-4BCD-93E2-E3B085C9AB24}">
+                <p16:designElem xmlns:p16="http://schemas.microsoft.com/office/powerpoint/2015/main" val="1"/>
+              </p:ext>
+            </p:extLst>
+          </p:nvPr>
+        </p:nvSpPr>
+        <p:spPr>
+          <a:xfrm>
+            <a:off x="0" y="0"/>
+            <a:ext cx="12192000" cy="6858000"/>
+          </a:xfrm>
+          <a:prstGeom prst="rect">
+            <a:avLst/>
+          </a:prstGeom>
+          <a:solidFill>
+            <a:schemeClr val="bg1"/>
+          </a:solidFill>
+          <a:ln>
+            <a:noFill/>
+          </a:ln>
+        </p:spPr>
+        <p:style>
+          <a:lnRef idx="2">
+            <a:schemeClr val="accent1">
+              <a:shade val="50000"/>
+            </a:schemeClr>
+          </a:lnRef>
+          <a:fillRef idx="1">
+            <a:schemeClr val="accent1"/>
+          </a:fillRef>
+          <a:effectRef idx="0">
+            <a:schemeClr val="accent1"/>
+          </a:effectRef>
+          <a:fontRef idx="minor">
+            <a:schemeClr val="lt1"/>
+          </a:fontRef>
+        </p:style>
+        <p:txBody>
+          <a:bodyPr rtlCol="0" anchor="ctr"/>
+          <a:lstStyle/>
+          <a:p>
+            <a:pPr algn="ctr"/>
+            <a:endParaRPr lang="en-US" dirty="0"/>
+          </a:p>
+        </p:txBody>
+      </p:sp>
+      <p:sp>
+        <p:nvSpPr>
+          <p:cNvPr id="2" name="Titolo 1">
+            <a:extLst>
+              <a:ext uri="{FF2B5EF4-FFF2-40B4-BE49-F238E27FC236}">
+                <a16:creationId xmlns:a16="http://schemas.microsoft.com/office/drawing/2014/main" id="{1082888F-2770-4E5B-9CDA-CC9E0CC25EC4}"/>
+              </a:ext>
+            </a:extLst>
+          </p:cNvPr>
+          <p:cNvSpPr>
+            <a:spLocks noGrp="1"/>
+          </p:cNvSpPr>
+          <p:nvPr>
+            <p:ph type="title"/>
+          </p:nvPr>
+        </p:nvSpPr>
+        <p:spPr>
+          <a:xfrm>
+            <a:off x="643467" y="321734"/>
+            <a:ext cx="10905066" cy="1135737"/>
+          </a:xfrm>
+        </p:spPr>
+        <p:txBody>
+          <a:bodyPr vert="horz" lIns="91440" tIns="45720" rIns="91440" bIns="45720" rtlCol="0" anchor="ctr">
+            <a:normAutofit/>
+          </a:bodyPr>
+          <a:lstStyle/>
+          <a:p>
+            <a:pPr algn="ctr"/>
+            <a:r>
+              <a:rPr lang="en-US" sz="3600" kern="1200" dirty="0">
+                <a:solidFill>
+                  <a:schemeClr val="tx1"/>
+                </a:solidFill>
+                <a:latin typeface="+mj-lt"/>
+                <a:ea typeface="+mj-ea"/>
+                <a:cs typeface="+mj-cs"/>
+              </a:rPr>
+              <a:t>Algoritmo A+B</a:t>
             </a:r>
           </a:p>
         </p:txBody>
@@ -8203,29 +10904,178 @@
           </a:lstStyle>
           <a:p>
             <a:r>
-              <a:rPr lang="it-IT" sz="2000" dirty="0">
-                <a:latin typeface="+mj-lt"/>
-              </a:rPr>
-              <a:t>Questo algoritmo genera le coordinate (soluzioni) in modo casuale</a:t>
-            </a:r>
-          </a:p>
-          <a:p>
-            <a:r>
-              <a:rPr lang="it-IT" sz="2000" dirty="0">
-                <a:latin typeface="+mj-lt"/>
-              </a:rPr>
-              <a:t>Ad ogni itera coordinate</a:t>
-            </a:r>
-            <a:endParaRPr lang="en-US" sz="2000" dirty="0"/>
+              <a:rPr lang="en-US" sz="2000" dirty="0"/>
+              <a:t>motivo</a:t>
+            </a:r>
           </a:p>
         </p:txBody>
       </p:sp>
+      <p:grpSp>
+        <p:nvGrpSpPr>
+          <p:cNvPr id="26" name="Group 25">
+            <a:extLst>
+              <a:ext uri="{FF2B5EF4-FFF2-40B4-BE49-F238E27FC236}">
+                <a16:creationId xmlns:a16="http://schemas.microsoft.com/office/drawing/2014/main" id="{828A5161-06F1-46CF-8AD7-844680A59E13}"/>
+              </a:ext>
+              <a:ext uri="{C183D7F6-B498-43B3-948B-1728B52AA6E4}">
+                <adec:decorative xmlns:adec="http://schemas.microsoft.com/office/drawing/2017/decorative" val="1"/>
+              </a:ext>
+            </a:extLst>
+          </p:cNvPr>
+          <p:cNvGrpSpPr>
+            <a:grpSpLocks noGrp="1" noUngrp="1" noRot="1" noChangeAspect="1" noMove="1" noResize="1"/>
+          </p:cNvGrpSpPr>
+          <p:nvPr>
+            <p:extLst>
+              <p:ext uri="{386F3935-93C4-4BCD-93E2-E3B085C9AB24}">
+                <p16:designElem xmlns:p16="http://schemas.microsoft.com/office/powerpoint/2015/main" val="1"/>
+              </p:ext>
+            </p:extLst>
+          </p:nvPr>
+        </p:nvGrpSpPr>
+        <p:grpSpPr>
+          <a:xfrm>
+            <a:off x="0" y="4601497"/>
+            <a:ext cx="1014060" cy="2017580"/>
+            <a:chOff x="0" y="4601497"/>
+            <a:chExt cx="1014060" cy="2017580"/>
+          </a:xfrm>
+        </p:grpSpPr>
+        <p:sp>
+          <p:nvSpPr>
+            <p:cNvPr id="27" name="Isosceles Triangle 26">
+              <a:extLst>
+                <a:ext uri="{FF2B5EF4-FFF2-40B4-BE49-F238E27FC236}">
+                  <a16:creationId xmlns:a16="http://schemas.microsoft.com/office/drawing/2014/main" id="{D3F51FEB-38FB-4F6C-9F7B-2F2AFAB65463}"/>
+                </a:ext>
+                <a:ext uri="{C183D7F6-B498-43B3-948B-1728B52AA6E4}">
+                  <adec:decorative xmlns:adec="http://schemas.microsoft.com/office/drawing/2017/decorative" val="1"/>
+                </a:ext>
+              </a:extLst>
+            </p:cNvPr>
+            <p:cNvSpPr/>
+            <p:nvPr>
+              <p:extLst>
+                <p:ext uri="{386F3935-93C4-4BCD-93E2-E3B085C9AB24}">
+                  <p16:designElem xmlns:p16="http://schemas.microsoft.com/office/powerpoint/2015/main" val="1"/>
+                </p:ext>
+              </p:extLst>
+            </p:nvPr>
+          </p:nvSpPr>
+          <p:spPr>
+            <a:xfrm rot="5400000">
+              <a:off x="-501760" y="5103257"/>
+              <a:ext cx="2017580" cy="1014060"/>
+            </a:xfrm>
+            <a:prstGeom prst="triangle">
+              <a:avLst>
+                <a:gd name="adj" fmla="val 50000"/>
+              </a:avLst>
+            </a:prstGeom>
+            <a:solidFill>
+              <a:schemeClr val="accent1">
+                <a:alpha val="30000"/>
+              </a:schemeClr>
+            </a:solidFill>
+            <a:ln>
+              <a:noFill/>
+            </a:ln>
+          </p:spPr>
+          <p:style>
+            <a:lnRef idx="2">
+              <a:schemeClr val="accent1">
+                <a:shade val="50000"/>
+              </a:schemeClr>
+            </a:lnRef>
+            <a:fillRef idx="1">
+              <a:schemeClr val="accent1"/>
+            </a:fillRef>
+            <a:effectRef idx="0">
+              <a:schemeClr val="accent1"/>
+            </a:effectRef>
+            <a:fontRef idx="minor">
+              <a:schemeClr val="lt1"/>
+            </a:fontRef>
+          </p:style>
+          <p:txBody>
+            <a:bodyPr rtlCol="0" anchor="ctr"/>
+            <a:lstStyle/>
+            <a:p>
+              <a:pPr algn="ctr"/>
+              <a:endParaRPr lang="en-US" dirty="0"/>
+            </a:p>
+          </p:txBody>
+        </p:sp>
+        <p:sp>
+          <p:nvSpPr>
+            <p:cNvPr id="28" name="Rectangle 27">
+              <a:extLst>
+                <a:ext uri="{FF2B5EF4-FFF2-40B4-BE49-F238E27FC236}">
+                  <a16:creationId xmlns:a16="http://schemas.microsoft.com/office/drawing/2014/main" id="{1E547BA6-BAE0-43BB-A7CA-60F69CE252F0}"/>
+                </a:ext>
+                <a:ext uri="{C183D7F6-B498-43B3-948B-1728B52AA6E4}">
+                  <adec:decorative xmlns:adec="http://schemas.microsoft.com/office/drawing/2017/decorative" val="1"/>
+                </a:ext>
+              </a:extLst>
+            </p:cNvPr>
+            <p:cNvSpPr/>
+            <p:nvPr>
+              <p:extLst>
+                <p:ext uri="{386F3935-93C4-4BCD-93E2-E3B085C9AB24}">
+                  <p16:designElem xmlns:p16="http://schemas.microsoft.com/office/powerpoint/2015/main" val="1"/>
+                </p:ext>
+              </p:extLst>
+            </p:nvPr>
+          </p:nvSpPr>
+          <p:spPr>
+            <a:xfrm rot="2700000">
+              <a:off x="427916" y="5728708"/>
+              <a:ext cx="485578" cy="485578"/>
+            </a:xfrm>
+            <a:prstGeom prst="rect">
+              <a:avLst/>
+            </a:prstGeom>
+            <a:solidFill>
+              <a:schemeClr val="accent1">
+                <a:alpha val="30000"/>
+              </a:schemeClr>
+            </a:solidFill>
+            <a:ln>
+              <a:noFill/>
+            </a:ln>
+          </p:spPr>
+          <p:style>
+            <a:lnRef idx="2">
+              <a:schemeClr val="accent1">
+                <a:shade val="50000"/>
+              </a:schemeClr>
+            </a:lnRef>
+            <a:fillRef idx="1">
+              <a:schemeClr val="accent1"/>
+            </a:fillRef>
+            <a:effectRef idx="0">
+              <a:schemeClr val="accent1"/>
+            </a:effectRef>
+            <a:fontRef idx="minor">
+              <a:schemeClr val="lt1"/>
+            </a:fontRef>
+          </p:style>
+          <p:txBody>
+            <a:bodyPr rtlCol="0" anchor="ctr"/>
+            <a:lstStyle/>
+            <a:p>
+              <a:pPr algn="ctr"/>
+              <a:endParaRPr lang="en-US" dirty="0"/>
+            </a:p>
+          </p:txBody>
+        </p:sp>
+      </p:grpSp>
       <p:pic>
         <p:nvPicPr>
           <p:cNvPr id="4" name="Immagine 3">
             <a:extLst>
               <a:ext uri="{FF2B5EF4-FFF2-40B4-BE49-F238E27FC236}">
-                <a16:creationId xmlns:a16="http://schemas.microsoft.com/office/drawing/2014/main" id="{3C73C70B-22EF-4455-8506-303887113DDF}"/>
+                <a16:creationId xmlns:a16="http://schemas.microsoft.com/office/drawing/2014/main" id="{87BC74CA-6C44-4FA4-914D-12B78C7C61FD}"/>
               </a:ext>
             </a:extLst>
           </p:cNvPr>
@@ -8242,629 +11092,174 @@
         </p:blipFill>
         <p:spPr>
           <a:xfrm>
-            <a:off x="5295319" y="1568670"/>
-            <a:ext cx="6253212" cy="3720660"/>
+            <a:off x="5541926" y="1311526"/>
+            <a:ext cx="5760000" cy="3435916"/>
           </a:xfrm>
           <a:prstGeom prst="rect">
             <a:avLst/>
           </a:prstGeom>
         </p:spPr>
       </p:pic>
-    </p:spTree>
-    <p:extLst>
-      <p:ext uri="{BB962C8B-B14F-4D97-AF65-F5344CB8AC3E}">
-        <p14:creationId xmlns:p14="http://schemas.microsoft.com/office/powerpoint/2010/main" val="892148118"/>
-      </p:ext>
-    </p:extLst>
-  </p:cSld>
-  <p:clrMapOvr>
-    <a:masterClrMapping/>
-  </p:clrMapOvr>
-</p:sld>
-</file>
-
-<file path=ppt/slides/slide8.xml><?xml version="1.0" encoding="utf-8"?>
-<p:sld xmlns:a="http://schemas.openxmlformats.org/drawingml/2006/main" xmlns:r="http://schemas.openxmlformats.org/officeDocument/2006/relationships" xmlns:p="http://schemas.openxmlformats.org/presentationml/2006/main">
-  <p:cSld>
-    <p:spTree>
-      <p:nvGrpSpPr>
-        <p:cNvPr id="1" name=""/>
-        <p:cNvGrpSpPr/>
-        <p:nvPr/>
-      </p:nvGrpSpPr>
-      <p:grpSpPr>
-        <a:xfrm>
-          <a:off x="0" y="0"/>
-          <a:ext cx="0" cy="0"/>
-          <a:chOff x="0" y="0"/>
-          <a:chExt cx="0" cy="0"/>
-        </a:xfrm>
-      </p:grpSpPr>
-      <p:sp>
-        <p:nvSpPr>
-          <p:cNvPr id="2" name="Titolo 1">
-            <a:extLst>
-              <a:ext uri="{FF2B5EF4-FFF2-40B4-BE49-F238E27FC236}">
-                <a16:creationId xmlns:a16="http://schemas.microsoft.com/office/drawing/2014/main" id="{1082888F-2770-4E5B-9CDA-CC9E0CC25EC4}"/>
-              </a:ext>
-            </a:extLst>
-          </p:cNvPr>
-          <p:cNvSpPr>
-            <a:spLocks noGrp="1"/>
-          </p:cNvSpPr>
+      <p:grpSp>
+        <p:nvGrpSpPr>
+          <p:cNvPr id="30" name="Group 29">
+            <a:extLst>
+              <a:ext uri="{FF2B5EF4-FFF2-40B4-BE49-F238E27FC236}">
+                <a16:creationId xmlns:a16="http://schemas.microsoft.com/office/drawing/2014/main" id="{5995D10D-E9C9-47DB-AE7E-801FEF38F5C9}"/>
+              </a:ext>
+              <a:ext uri="{C183D7F6-B498-43B3-948B-1728B52AA6E4}">
+                <adec:decorative xmlns:adec="http://schemas.microsoft.com/office/drawing/2017/decorative" val="1"/>
+              </a:ext>
+            </a:extLst>
+          </p:cNvPr>
+          <p:cNvGrpSpPr>
+            <a:grpSpLocks noGrp="1" noUngrp="1" noRot="1" noChangeAspect="1" noMove="1" noResize="1"/>
+          </p:cNvGrpSpPr>
           <p:nvPr>
-            <p:ph type="title"/>
+            <p:extLst>
+              <p:ext uri="{386F3935-93C4-4BCD-93E2-E3B085C9AB24}">
+                <p16:designElem xmlns:p16="http://schemas.microsoft.com/office/powerpoint/2015/main" val="1"/>
+              </p:ext>
+            </p:extLst>
           </p:nvPr>
-        </p:nvSpPr>
-        <p:spPr>
+        </p:nvGrpSpPr>
+        <p:grpSpPr>
           <a:xfrm>
-            <a:off x="643467" y="321734"/>
-            <a:ext cx="10905066" cy="1135737"/>
+            <a:off x="11219290" y="1"/>
+            <a:ext cx="972709" cy="1935307"/>
+            <a:chOff x="10918968" y="713127"/>
+            <a:chExt cx="1273032" cy="2532832"/>
           </a:xfrm>
-        </p:spPr>
-        <p:txBody>
-          <a:bodyPr vert="horz" lIns="91440" tIns="45720" rIns="91440" bIns="45720" rtlCol="0" anchor="ctr">
-            <a:normAutofit/>
-          </a:bodyPr>
-          <a:lstStyle/>
-          <a:p>
-            <a:pPr algn="ctr"/>
-            <a:r>
-              <a:rPr lang="en-US" sz="4000" dirty="0"/>
-              <a:t>Localized Random Search (a</a:t>
-            </a:r>
-            <a:r>
-              <a:rPr lang="en-US" sz="4000" kern="1200" dirty="0">
-                <a:solidFill>
-                  <a:schemeClr val="tx1"/>
-                </a:solidFill>
-                <a:latin typeface="+mj-lt"/>
-                <a:ea typeface="+mj-ea"/>
-                <a:cs typeface="+mj-cs"/>
-              </a:rPr>
-              <a:t>lgo B)</a:t>
-            </a:r>
-          </a:p>
-        </p:txBody>
-      </p:sp>
-      <p:sp>
-        <p:nvSpPr>
-          <p:cNvPr id="19" name="Segnaposto contenuto 2">
-            <a:extLst>
-              <a:ext uri="{FF2B5EF4-FFF2-40B4-BE49-F238E27FC236}">
-                <a16:creationId xmlns:a16="http://schemas.microsoft.com/office/drawing/2014/main" id="{C20E4AE0-0942-4C49-BB4F-A814A35384A0}"/>
-              </a:ext>
-            </a:extLst>
-          </p:cNvPr>
-          <p:cNvSpPr txBox="1">
-            <a:spLocks/>
-          </p:cNvSpPr>
-          <p:nvPr/>
-        </p:nvSpPr>
-        <p:spPr>
-          <a:xfrm>
-            <a:off x="643469" y="1782981"/>
-            <a:ext cx="4008384" cy="4393982"/>
-          </a:xfrm>
-          <a:prstGeom prst="rect">
-            <a:avLst/>
-          </a:prstGeom>
-        </p:spPr>
-        <p:txBody>
-          <a:bodyPr vert="horz" lIns="91440" tIns="45720" rIns="91440" bIns="45720" rtlCol="0">
-            <a:normAutofit/>
-          </a:bodyPr>
-          <a:lstStyle>
-            <a:lvl1pPr marL="228600" indent="-228600" algn="l" defTabSz="914400" rtl="0" eaLnBrk="1" latinLnBrk="0" hangingPunct="1">
-              <a:lnSpc>
-                <a:spcPct val="90000"/>
-              </a:lnSpc>
-              <a:spcBef>
-                <a:spcPts val="1000"/>
-              </a:spcBef>
-              <a:buFont typeface="Arial" panose="020B0604020202020204" pitchFamily="34" charset="0"/>
-              <a:buChar char="•"/>
-              <a:defRPr sz="2800" kern="1200">
-                <a:solidFill>
-                  <a:schemeClr val="tx1"/>
-                </a:solidFill>
-                <a:latin typeface="+mn-lt"/>
-                <a:ea typeface="+mn-ea"/>
-                <a:cs typeface="+mn-cs"/>
-              </a:defRPr>
-            </a:lvl1pPr>
-            <a:lvl2pPr marL="685800" indent="-228600" algn="l" defTabSz="914400" rtl="0" eaLnBrk="1" latinLnBrk="0" hangingPunct="1">
-              <a:lnSpc>
-                <a:spcPct val="90000"/>
-              </a:lnSpc>
-              <a:spcBef>
-                <a:spcPts val="500"/>
-              </a:spcBef>
-              <a:buFont typeface="Arial" panose="020B0604020202020204" pitchFamily="34" charset="0"/>
-              <a:buChar char="•"/>
-              <a:defRPr sz="2400" kern="1200">
-                <a:solidFill>
-                  <a:schemeClr val="tx1"/>
-                </a:solidFill>
-                <a:latin typeface="+mn-lt"/>
-                <a:ea typeface="+mn-ea"/>
-                <a:cs typeface="+mn-cs"/>
-              </a:defRPr>
-            </a:lvl2pPr>
-            <a:lvl3pPr marL="1143000" indent="-228600" algn="l" defTabSz="914400" rtl="0" eaLnBrk="1" latinLnBrk="0" hangingPunct="1">
-              <a:lnSpc>
-                <a:spcPct val="90000"/>
-              </a:lnSpc>
-              <a:spcBef>
-                <a:spcPts val="500"/>
-              </a:spcBef>
-              <a:buFont typeface="Arial" panose="020B0604020202020204" pitchFamily="34" charset="0"/>
-              <a:buChar char="•"/>
-              <a:defRPr sz="2000" kern="1200">
-                <a:solidFill>
-                  <a:schemeClr val="tx1"/>
-                </a:solidFill>
-                <a:latin typeface="+mn-lt"/>
-                <a:ea typeface="+mn-ea"/>
-                <a:cs typeface="+mn-cs"/>
-              </a:defRPr>
-            </a:lvl3pPr>
-            <a:lvl4pPr marL="1600200" indent="-228600" algn="l" defTabSz="914400" rtl="0" eaLnBrk="1" latinLnBrk="0" hangingPunct="1">
-              <a:lnSpc>
-                <a:spcPct val="90000"/>
-              </a:lnSpc>
-              <a:spcBef>
-                <a:spcPts val="500"/>
-              </a:spcBef>
-              <a:buFont typeface="Arial" panose="020B0604020202020204" pitchFamily="34" charset="0"/>
-              <a:buChar char="•"/>
-              <a:defRPr sz="1800" kern="1200">
-                <a:solidFill>
-                  <a:schemeClr val="tx1"/>
-                </a:solidFill>
-                <a:latin typeface="+mn-lt"/>
-                <a:ea typeface="+mn-ea"/>
-                <a:cs typeface="+mn-cs"/>
-              </a:defRPr>
-            </a:lvl4pPr>
-            <a:lvl5pPr marL="2057400" indent="-228600" algn="l" defTabSz="914400" rtl="0" eaLnBrk="1" latinLnBrk="0" hangingPunct="1">
-              <a:lnSpc>
-                <a:spcPct val="90000"/>
-              </a:lnSpc>
-              <a:spcBef>
-                <a:spcPts val="500"/>
-              </a:spcBef>
-              <a:buFont typeface="Arial" panose="020B0604020202020204" pitchFamily="34" charset="0"/>
-              <a:buChar char="•"/>
-              <a:defRPr sz="1800" kern="1200">
-                <a:solidFill>
-                  <a:schemeClr val="tx1"/>
-                </a:solidFill>
-                <a:latin typeface="+mn-lt"/>
-                <a:ea typeface="+mn-ea"/>
-                <a:cs typeface="+mn-cs"/>
-              </a:defRPr>
-            </a:lvl5pPr>
-            <a:lvl6pPr marL="2514600" indent="-228600" algn="l" defTabSz="914400" rtl="0" eaLnBrk="1" latinLnBrk="0" hangingPunct="1">
-              <a:lnSpc>
-                <a:spcPct val="90000"/>
-              </a:lnSpc>
-              <a:spcBef>
-                <a:spcPts val="500"/>
-              </a:spcBef>
-              <a:buFont typeface="Arial" panose="020B0604020202020204" pitchFamily="34" charset="0"/>
-              <a:buChar char="•"/>
-              <a:defRPr sz="1800" kern="1200">
-                <a:solidFill>
-                  <a:schemeClr val="tx1"/>
-                </a:solidFill>
-                <a:latin typeface="+mn-lt"/>
-                <a:ea typeface="+mn-ea"/>
-                <a:cs typeface="+mn-cs"/>
-              </a:defRPr>
-            </a:lvl6pPr>
-            <a:lvl7pPr marL="2971800" indent="-228600" algn="l" defTabSz="914400" rtl="0" eaLnBrk="1" latinLnBrk="0" hangingPunct="1">
-              <a:lnSpc>
-                <a:spcPct val="90000"/>
-              </a:lnSpc>
-              <a:spcBef>
-                <a:spcPts val="500"/>
-              </a:spcBef>
-              <a:buFont typeface="Arial" panose="020B0604020202020204" pitchFamily="34" charset="0"/>
-              <a:buChar char="•"/>
-              <a:defRPr sz="1800" kern="1200">
-                <a:solidFill>
-                  <a:schemeClr val="tx1"/>
-                </a:solidFill>
-                <a:latin typeface="+mn-lt"/>
-                <a:ea typeface="+mn-ea"/>
-                <a:cs typeface="+mn-cs"/>
-              </a:defRPr>
-            </a:lvl7pPr>
-            <a:lvl8pPr marL="3429000" indent="-228600" algn="l" defTabSz="914400" rtl="0" eaLnBrk="1" latinLnBrk="0" hangingPunct="1">
-              <a:lnSpc>
-                <a:spcPct val="90000"/>
-              </a:lnSpc>
-              <a:spcBef>
-                <a:spcPts val="500"/>
-              </a:spcBef>
-              <a:buFont typeface="Arial" panose="020B0604020202020204" pitchFamily="34" charset="0"/>
-              <a:buChar char="•"/>
-              <a:defRPr sz="1800" kern="1200">
-                <a:solidFill>
-                  <a:schemeClr val="tx1"/>
-                </a:solidFill>
-                <a:latin typeface="+mn-lt"/>
-                <a:ea typeface="+mn-ea"/>
-                <a:cs typeface="+mn-cs"/>
-              </a:defRPr>
-            </a:lvl8pPr>
-            <a:lvl9pPr marL="3886200" indent="-228600" algn="l" defTabSz="914400" rtl="0" eaLnBrk="1" latinLnBrk="0" hangingPunct="1">
-              <a:lnSpc>
-                <a:spcPct val="90000"/>
-              </a:lnSpc>
-              <a:spcBef>
-                <a:spcPts val="500"/>
-              </a:spcBef>
-              <a:buFont typeface="Arial" panose="020B0604020202020204" pitchFamily="34" charset="0"/>
-              <a:buChar char="•"/>
-              <a:defRPr sz="1800" kern="1200">
-                <a:solidFill>
-                  <a:schemeClr val="tx1"/>
-                </a:solidFill>
-                <a:latin typeface="+mn-lt"/>
-                <a:ea typeface="+mn-ea"/>
-                <a:cs typeface="+mn-cs"/>
-              </a:defRPr>
-            </a:lvl9pPr>
-          </a:lstStyle>
-          <a:p>
-            <a:r>
-              <a:rPr lang="it-IT" sz="2000" dirty="0" err="1">
-                <a:latin typeface="+mj-lt"/>
-              </a:rPr>
-              <a:t>aaa</a:t>
-            </a:r>
-            <a:endParaRPr lang="it-IT" sz="2000" dirty="0">
-              <a:latin typeface="+mj-lt"/>
-            </a:endParaRPr>
-          </a:p>
-        </p:txBody>
-      </p:sp>
-      <p:pic>
-        <p:nvPicPr>
-          <p:cNvPr id="5" name="Immagine 4">
-            <a:extLst>
-              <a:ext uri="{FF2B5EF4-FFF2-40B4-BE49-F238E27FC236}">
-                <a16:creationId xmlns:a16="http://schemas.microsoft.com/office/drawing/2014/main" id="{6BD4FCFC-3C03-420D-8884-899F83A7EE15}"/>
-              </a:ext>
-            </a:extLst>
-          </p:cNvPr>
-          <p:cNvPicPr>
-            <a:picLocks noChangeAspect="1"/>
-          </p:cNvPicPr>
-          <p:nvPr/>
-        </p:nvPicPr>
-        <p:blipFill>
-          <a:blip r:embed="rId2"/>
-          <a:stretch>
-            <a:fillRect/>
-          </a:stretch>
-        </p:blipFill>
-        <p:spPr>
-          <a:xfrm>
-            <a:off x="5544860" y="1999902"/>
-            <a:ext cx="6088512" cy="3662093"/>
-          </a:xfrm>
-          <a:prstGeom prst="rect">
-            <a:avLst/>
-          </a:prstGeom>
-        </p:spPr>
-      </p:pic>
-    </p:spTree>
-    <p:extLst>
-      <p:ext uri="{BB962C8B-B14F-4D97-AF65-F5344CB8AC3E}">
-        <p14:creationId xmlns:p14="http://schemas.microsoft.com/office/powerpoint/2010/main" val="375929225"/>
-      </p:ext>
-    </p:extLst>
-  </p:cSld>
-  <p:clrMapOvr>
-    <a:masterClrMapping/>
-  </p:clrMapOvr>
-</p:sld>
-</file>
-
-<file path=ppt/slides/slide9.xml><?xml version="1.0" encoding="utf-8"?>
-<p:sld xmlns:a="http://schemas.openxmlformats.org/drawingml/2006/main" xmlns:r="http://schemas.openxmlformats.org/officeDocument/2006/relationships" xmlns:p="http://schemas.openxmlformats.org/presentationml/2006/main">
-  <p:cSld>
-    <p:spTree>
-      <p:nvGrpSpPr>
-        <p:cNvPr id="1" name=""/>
-        <p:cNvGrpSpPr/>
-        <p:nvPr/>
-      </p:nvGrpSpPr>
-      <p:grpSpPr>
-        <a:xfrm>
-          <a:off x="0" y="0"/>
-          <a:ext cx="0" cy="0"/>
-          <a:chOff x="0" y="0"/>
-          <a:chExt cx="0" cy="0"/>
-        </a:xfrm>
-      </p:grpSpPr>
-      <p:sp>
-        <p:nvSpPr>
-          <p:cNvPr id="2" name="Titolo 1">
-            <a:extLst>
-              <a:ext uri="{FF2B5EF4-FFF2-40B4-BE49-F238E27FC236}">
-                <a16:creationId xmlns:a16="http://schemas.microsoft.com/office/drawing/2014/main" id="{1082888F-2770-4E5B-9CDA-CC9E0CC25EC4}"/>
-              </a:ext>
-            </a:extLst>
-          </p:cNvPr>
-          <p:cNvSpPr>
-            <a:spLocks noGrp="1"/>
-          </p:cNvSpPr>
-          <p:nvPr>
-            <p:ph type="title"/>
-          </p:nvPr>
-        </p:nvSpPr>
-        <p:spPr>
-          <a:xfrm>
-            <a:off x="643467" y="321734"/>
-            <a:ext cx="10905066" cy="1135737"/>
-          </a:xfrm>
-        </p:spPr>
-        <p:txBody>
-          <a:bodyPr vert="horz" lIns="91440" tIns="45720" rIns="91440" bIns="45720" rtlCol="0" anchor="ctr">
-            <a:normAutofit/>
-          </a:bodyPr>
-          <a:lstStyle/>
-          <a:p>
-            <a:pPr algn="ctr"/>
-            <a:r>
-              <a:rPr lang="en-US" sz="4000" kern="1200" dirty="0">
-                <a:solidFill>
-                  <a:schemeClr val="tx1"/>
-                </a:solidFill>
-                <a:latin typeface="+mj-lt"/>
-                <a:ea typeface="+mj-ea"/>
-                <a:cs typeface="+mj-cs"/>
-              </a:rPr>
-              <a:t>Algoritmo A+B</a:t>
-            </a:r>
-          </a:p>
-        </p:txBody>
-      </p:sp>
-      <p:sp>
-        <p:nvSpPr>
-          <p:cNvPr id="19" name="Segnaposto contenuto 2">
-            <a:extLst>
-              <a:ext uri="{FF2B5EF4-FFF2-40B4-BE49-F238E27FC236}">
-                <a16:creationId xmlns:a16="http://schemas.microsoft.com/office/drawing/2014/main" id="{C20E4AE0-0942-4C49-BB4F-A814A35384A0}"/>
-              </a:ext>
-            </a:extLst>
-          </p:cNvPr>
-          <p:cNvSpPr txBox="1">
-            <a:spLocks/>
-          </p:cNvSpPr>
-          <p:nvPr/>
-        </p:nvSpPr>
-        <p:spPr>
-          <a:xfrm>
-            <a:off x="643469" y="1782981"/>
-            <a:ext cx="4008384" cy="4393982"/>
-          </a:xfrm>
-          <a:prstGeom prst="rect">
-            <a:avLst/>
-          </a:prstGeom>
-        </p:spPr>
-        <p:txBody>
-          <a:bodyPr vert="horz" lIns="91440" tIns="45720" rIns="91440" bIns="45720" rtlCol="0">
-            <a:normAutofit/>
-          </a:bodyPr>
-          <a:lstStyle>
-            <a:lvl1pPr marL="228600" indent="-228600" algn="l" defTabSz="914400" rtl="0" eaLnBrk="1" latinLnBrk="0" hangingPunct="1">
-              <a:lnSpc>
-                <a:spcPct val="90000"/>
-              </a:lnSpc>
-              <a:spcBef>
-                <a:spcPts val="1000"/>
-              </a:spcBef>
-              <a:buFont typeface="Arial" panose="020B0604020202020204" pitchFamily="34" charset="0"/>
-              <a:buChar char="•"/>
-              <a:defRPr sz="2800" kern="1200">
-                <a:solidFill>
-                  <a:schemeClr val="tx1"/>
-                </a:solidFill>
-                <a:latin typeface="+mn-lt"/>
-                <a:ea typeface="+mn-ea"/>
-                <a:cs typeface="+mn-cs"/>
-              </a:defRPr>
-            </a:lvl1pPr>
-            <a:lvl2pPr marL="685800" indent="-228600" algn="l" defTabSz="914400" rtl="0" eaLnBrk="1" latinLnBrk="0" hangingPunct="1">
-              <a:lnSpc>
-                <a:spcPct val="90000"/>
-              </a:lnSpc>
-              <a:spcBef>
-                <a:spcPts val="500"/>
-              </a:spcBef>
-              <a:buFont typeface="Arial" panose="020B0604020202020204" pitchFamily="34" charset="0"/>
-              <a:buChar char="•"/>
-              <a:defRPr sz="2400" kern="1200">
-                <a:solidFill>
-                  <a:schemeClr val="tx1"/>
-                </a:solidFill>
-                <a:latin typeface="+mn-lt"/>
-                <a:ea typeface="+mn-ea"/>
-                <a:cs typeface="+mn-cs"/>
-              </a:defRPr>
-            </a:lvl2pPr>
-            <a:lvl3pPr marL="1143000" indent="-228600" algn="l" defTabSz="914400" rtl="0" eaLnBrk="1" latinLnBrk="0" hangingPunct="1">
-              <a:lnSpc>
-                <a:spcPct val="90000"/>
-              </a:lnSpc>
-              <a:spcBef>
-                <a:spcPts val="500"/>
-              </a:spcBef>
-              <a:buFont typeface="Arial" panose="020B0604020202020204" pitchFamily="34" charset="0"/>
-              <a:buChar char="•"/>
-              <a:defRPr sz="2000" kern="1200">
-                <a:solidFill>
-                  <a:schemeClr val="tx1"/>
-                </a:solidFill>
-                <a:latin typeface="+mn-lt"/>
-                <a:ea typeface="+mn-ea"/>
-                <a:cs typeface="+mn-cs"/>
-              </a:defRPr>
-            </a:lvl3pPr>
-            <a:lvl4pPr marL="1600200" indent="-228600" algn="l" defTabSz="914400" rtl="0" eaLnBrk="1" latinLnBrk="0" hangingPunct="1">
-              <a:lnSpc>
-                <a:spcPct val="90000"/>
-              </a:lnSpc>
-              <a:spcBef>
-                <a:spcPts val="500"/>
-              </a:spcBef>
-              <a:buFont typeface="Arial" panose="020B0604020202020204" pitchFamily="34" charset="0"/>
-              <a:buChar char="•"/>
-              <a:defRPr sz="1800" kern="1200">
-                <a:solidFill>
-                  <a:schemeClr val="tx1"/>
-                </a:solidFill>
-                <a:latin typeface="+mn-lt"/>
-                <a:ea typeface="+mn-ea"/>
-                <a:cs typeface="+mn-cs"/>
-              </a:defRPr>
-            </a:lvl4pPr>
-            <a:lvl5pPr marL="2057400" indent="-228600" algn="l" defTabSz="914400" rtl="0" eaLnBrk="1" latinLnBrk="0" hangingPunct="1">
-              <a:lnSpc>
-                <a:spcPct val="90000"/>
-              </a:lnSpc>
-              <a:spcBef>
-                <a:spcPts val="500"/>
-              </a:spcBef>
-              <a:buFont typeface="Arial" panose="020B0604020202020204" pitchFamily="34" charset="0"/>
-              <a:buChar char="•"/>
-              <a:defRPr sz="1800" kern="1200">
-                <a:solidFill>
-                  <a:schemeClr val="tx1"/>
-                </a:solidFill>
-                <a:latin typeface="+mn-lt"/>
-                <a:ea typeface="+mn-ea"/>
-                <a:cs typeface="+mn-cs"/>
-              </a:defRPr>
-            </a:lvl5pPr>
-            <a:lvl6pPr marL="2514600" indent="-228600" algn="l" defTabSz="914400" rtl="0" eaLnBrk="1" latinLnBrk="0" hangingPunct="1">
-              <a:lnSpc>
-                <a:spcPct val="90000"/>
-              </a:lnSpc>
-              <a:spcBef>
-                <a:spcPts val="500"/>
-              </a:spcBef>
-              <a:buFont typeface="Arial" panose="020B0604020202020204" pitchFamily="34" charset="0"/>
-              <a:buChar char="•"/>
-              <a:defRPr sz="1800" kern="1200">
-                <a:solidFill>
-                  <a:schemeClr val="tx1"/>
-                </a:solidFill>
-                <a:latin typeface="+mn-lt"/>
-                <a:ea typeface="+mn-ea"/>
-                <a:cs typeface="+mn-cs"/>
-              </a:defRPr>
-            </a:lvl6pPr>
-            <a:lvl7pPr marL="2971800" indent="-228600" algn="l" defTabSz="914400" rtl="0" eaLnBrk="1" latinLnBrk="0" hangingPunct="1">
-              <a:lnSpc>
-                <a:spcPct val="90000"/>
-              </a:lnSpc>
-              <a:spcBef>
-                <a:spcPts val="500"/>
-              </a:spcBef>
-              <a:buFont typeface="Arial" panose="020B0604020202020204" pitchFamily="34" charset="0"/>
-              <a:buChar char="•"/>
-              <a:defRPr sz="1800" kern="1200">
-                <a:solidFill>
-                  <a:schemeClr val="tx1"/>
-                </a:solidFill>
-                <a:latin typeface="+mn-lt"/>
-                <a:ea typeface="+mn-ea"/>
-                <a:cs typeface="+mn-cs"/>
-              </a:defRPr>
-            </a:lvl7pPr>
-            <a:lvl8pPr marL="3429000" indent="-228600" algn="l" defTabSz="914400" rtl="0" eaLnBrk="1" latinLnBrk="0" hangingPunct="1">
-              <a:lnSpc>
-                <a:spcPct val="90000"/>
-              </a:lnSpc>
-              <a:spcBef>
-                <a:spcPts val="500"/>
-              </a:spcBef>
-              <a:buFont typeface="Arial" panose="020B0604020202020204" pitchFamily="34" charset="0"/>
-              <a:buChar char="•"/>
-              <a:defRPr sz="1800" kern="1200">
-                <a:solidFill>
-                  <a:schemeClr val="tx1"/>
-                </a:solidFill>
-                <a:latin typeface="+mn-lt"/>
-                <a:ea typeface="+mn-ea"/>
-                <a:cs typeface="+mn-cs"/>
-              </a:defRPr>
-            </a:lvl8pPr>
-            <a:lvl9pPr marL="3886200" indent="-228600" algn="l" defTabSz="914400" rtl="0" eaLnBrk="1" latinLnBrk="0" hangingPunct="1">
-              <a:lnSpc>
-                <a:spcPct val="90000"/>
-              </a:lnSpc>
-              <a:spcBef>
-                <a:spcPts val="500"/>
-              </a:spcBef>
-              <a:buFont typeface="Arial" panose="020B0604020202020204" pitchFamily="34" charset="0"/>
-              <a:buChar char="•"/>
-              <a:defRPr sz="1800" kern="1200">
-                <a:solidFill>
-                  <a:schemeClr val="tx1"/>
-                </a:solidFill>
-                <a:latin typeface="+mn-lt"/>
-                <a:ea typeface="+mn-ea"/>
-                <a:cs typeface="+mn-cs"/>
-              </a:defRPr>
-            </a:lvl9pPr>
-          </a:lstStyle>
-          <a:p>
-            <a:r>
-              <a:rPr lang="it-IT" sz="2000" dirty="0">
-                <a:latin typeface="+mj-lt"/>
-              </a:rPr>
-              <a:t>motivo</a:t>
-            </a:r>
-          </a:p>
-        </p:txBody>
-      </p:sp>
-      <p:pic>
-        <p:nvPicPr>
-          <p:cNvPr id="4" name="Immagine 3">
-            <a:extLst>
-              <a:ext uri="{FF2B5EF4-FFF2-40B4-BE49-F238E27FC236}">
-                <a16:creationId xmlns:a16="http://schemas.microsoft.com/office/drawing/2014/main" id="{87BC74CA-6C44-4FA4-914D-12B78C7C61FD}"/>
-              </a:ext>
-            </a:extLst>
-          </p:cNvPr>
-          <p:cNvPicPr>
-            <a:picLocks noChangeAspect="1"/>
-          </p:cNvPicPr>
-          <p:nvPr/>
-        </p:nvPicPr>
-        <p:blipFill>
-          <a:blip r:embed="rId2"/>
-          <a:stretch>
-            <a:fillRect/>
-          </a:stretch>
-        </p:blipFill>
-        <p:spPr>
-          <a:xfrm>
-            <a:off x="5228112" y="1782981"/>
-            <a:ext cx="6500472" cy="3671909"/>
-          </a:xfrm>
-          <a:prstGeom prst="rect">
-            <a:avLst/>
-          </a:prstGeom>
-        </p:spPr>
-      </p:pic>
+        </p:grpSpPr>
+        <p:sp>
+          <p:nvSpPr>
+            <p:cNvPr id="31" name="Rectangle 30">
+              <a:extLst>
+                <a:ext uri="{FF2B5EF4-FFF2-40B4-BE49-F238E27FC236}">
+                  <a16:creationId xmlns:a16="http://schemas.microsoft.com/office/drawing/2014/main" id="{CC1A72C6-3DE4-4EC3-9AD5-9E0D40D8CE8A}"/>
+                </a:ext>
+                <a:ext uri="{C183D7F6-B498-43B3-948B-1728B52AA6E4}">
+                  <adec:decorative xmlns:adec="http://schemas.microsoft.com/office/drawing/2017/decorative" val="1"/>
+                </a:ext>
+              </a:extLst>
+            </p:cNvPr>
+            <p:cNvSpPr/>
+            <p:nvPr>
+              <p:extLst>
+                <p:ext uri="{386F3935-93C4-4BCD-93E2-E3B085C9AB24}">
+                  <p16:designElem xmlns:p16="http://schemas.microsoft.com/office/powerpoint/2015/main" val="1"/>
+                </p:ext>
+              </p:extLst>
+            </p:nvPr>
+          </p:nvSpPr>
+          <p:spPr>
+            <a:xfrm rot="2700000">
+              <a:off x="11052629" y="2120024"/>
+              <a:ext cx="645368" cy="645368"/>
+            </a:xfrm>
+            <a:prstGeom prst="rect">
+              <a:avLst/>
+            </a:prstGeom>
+            <a:solidFill>
+              <a:schemeClr val="accent4">
+                <a:alpha val="30000"/>
+              </a:schemeClr>
+            </a:solidFill>
+            <a:ln>
+              <a:noFill/>
+            </a:ln>
+          </p:spPr>
+          <p:style>
+            <a:lnRef idx="2">
+              <a:schemeClr val="accent1">
+                <a:shade val="50000"/>
+              </a:schemeClr>
+            </a:lnRef>
+            <a:fillRef idx="1">
+              <a:schemeClr val="accent1"/>
+            </a:fillRef>
+            <a:effectRef idx="0">
+              <a:schemeClr val="accent1"/>
+            </a:effectRef>
+            <a:fontRef idx="minor">
+              <a:schemeClr val="lt1"/>
+            </a:fontRef>
+          </p:style>
+          <p:txBody>
+            <a:bodyPr rtlCol="0" anchor="ctr"/>
+            <a:lstStyle/>
+            <a:p>
+              <a:pPr algn="ctr"/>
+              <a:endParaRPr lang="en-US" dirty="0"/>
+            </a:p>
+          </p:txBody>
+        </p:sp>
+        <p:sp>
+          <p:nvSpPr>
+            <p:cNvPr id="32" name="Isosceles Triangle 31">
+              <a:extLst>
+                <a:ext uri="{FF2B5EF4-FFF2-40B4-BE49-F238E27FC236}">
+                  <a16:creationId xmlns:a16="http://schemas.microsoft.com/office/drawing/2014/main" id="{0B0DA1F1-C391-4EDF-9FE0-23E86E137765}"/>
+                </a:ext>
+                <a:ext uri="{C183D7F6-B498-43B3-948B-1728B52AA6E4}">
+                  <adec:decorative xmlns:adec="http://schemas.microsoft.com/office/drawing/2017/decorative" val="1"/>
+                </a:ext>
+              </a:extLst>
+            </p:cNvPr>
+            <p:cNvSpPr/>
+            <p:nvPr>
+              <p:extLst>
+                <p:ext uri="{386F3935-93C4-4BCD-93E2-E3B085C9AB24}">
+                  <p16:designElem xmlns:p16="http://schemas.microsoft.com/office/powerpoint/2015/main" val="1"/>
+                </p:ext>
+              </p:extLst>
+            </p:nvPr>
+          </p:nvSpPr>
+          <p:spPr>
+            <a:xfrm rot="16200000">
+              <a:off x="10289068" y="1343027"/>
+              <a:ext cx="2532832" cy="1273032"/>
+            </a:xfrm>
+            <a:prstGeom prst="triangle">
+              <a:avLst>
+                <a:gd name="adj" fmla="val 50000"/>
+              </a:avLst>
+            </a:prstGeom>
+            <a:solidFill>
+              <a:schemeClr val="accent4">
+                <a:alpha val="30000"/>
+              </a:schemeClr>
+            </a:solidFill>
+            <a:ln>
+              <a:noFill/>
+            </a:ln>
+          </p:spPr>
+          <p:style>
+            <a:lnRef idx="2">
+              <a:schemeClr val="accent1">
+                <a:shade val="50000"/>
+              </a:schemeClr>
+            </a:lnRef>
+            <a:fillRef idx="1">
+              <a:schemeClr val="accent1"/>
+            </a:fillRef>
+            <a:effectRef idx="0">
+              <a:schemeClr val="accent1"/>
+            </a:effectRef>
+            <a:fontRef idx="minor">
+              <a:schemeClr val="lt1"/>
+            </a:fontRef>
+          </p:style>
+          <p:txBody>
+            <a:bodyPr rtlCol="0" anchor="ctr"/>
+            <a:lstStyle/>
+            <a:p>
+              <a:pPr algn="ctr"/>
+              <a:endParaRPr lang="en-US" dirty="0"/>
+            </a:p>
+          </p:txBody>
+        </p:sp>
+      </p:grpSp>
     </p:spTree>
     <p:extLst>
       <p:ext uri="{BB962C8B-B14F-4D97-AF65-F5344CB8AC3E}">

--- a/R/Decision Making slides.pptx
+++ b/R/Decision Making slides.pptx
@@ -270,7 +270,7 @@
           <a:p>
             <a:fld id="{FD2E41BA-F14B-49FC-83F3-F6A240803BD9}" type="datetimeFigureOut">
               <a:rPr lang="it-IT" smtClean="0"/>
-              <a:t>10/02/22</a:t>
+              <a:t>10/02/2022</a:t>
             </a:fld>
             <a:endParaRPr lang="it-IT" dirty="0"/>
           </a:p>
@@ -468,7 +468,7 @@
           <a:p>
             <a:fld id="{FD2E41BA-F14B-49FC-83F3-F6A240803BD9}" type="datetimeFigureOut">
               <a:rPr lang="it-IT" smtClean="0"/>
-              <a:t>10/02/22</a:t>
+              <a:t>10/02/2022</a:t>
             </a:fld>
             <a:endParaRPr lang="it-IT" dirty="0"/>
           </a:p>
@@ -676,7 +676,7 @@
           <a:p>
             <a:fld id="{FD2E41BA-F14B-49FC-83F3-F6A240803BD9}" type="datetimeFigureOut">
               <a:rPr lang="it-IT" smtClean="0"/>
-              <a:t>10/02/22</a:t>
+              <a:t>10/02/2022</a:t>
             </a:fld>
             <a:endParaRPr lang="it-IT" dirty="0"/>
           </a:p>
@@ -874,7 +874,7 @@
           <a:p>
             <a:fld id="{FD2E41BA-F14B-49FC-83F3-F6A240803BD9}" type="datetimeFigureOut">
               <a:rPr lang="it-IT" smtClean="0"/>
-              <a:t>10/02/22</a:t>
+              <a:t>10/02/2022</a:t>
             </a:fld>
             <a:endParaRPr lang="it-IT" dirty="0"/>
           </a:p>
@@ -1149,7 +1149,7 @@
           <a:p>
             <a:fld id="{FD2E41BA-F14B-49FC-83F3-F6A240803BD9}" type="datetimeFigureOut">
               <a:rPr lang="it-IT" smtClean="0"/>
-              <a:t>10/02/22</a:t>
+              <a:t>10/02/2022</a:t>
             </a:fld>
             <a:endParaRPr lang="it-IT" dirty="0"/>
           </a:p>
@@ -1414,7 +1414,7 @@
           <a:p>
             <a:fld id="{FD2E41BA-F14B-49FC-83F3-F6A240803BD9}" type="datetimeFigureOut">
               <a:rPr lang="it-IT" smtClean="0"/>
-              <a:t>10/02/22</a:t>
+              <a:t>10/02/2022</a:t>
             </a:fld>
             <a:endParaRPr lang="it-IT" dirty="0"/>
           </a:p>
@@ -1826,7 +1826,7 @@
           <a:p>
             <a:fld id="{FD2E41BA-F14B-49FC-83F3-F6A240803BD9}" type="datetimeFigureOut">
               <a:rPr lang="it-IT" smtClean="0"/>
-              <a:t>10/02/22</a:t>
+              <a:t>10/02/2022</a:t>
             </a:fld>
             <a:endParaRPr lang="it-IT" dirty="0"/>
           </a:p>
@@ -1967,7 +1967,7 @@
           <a:p>
             <a:fld id="{FD2E41BA-F14B-49FC-83F3-F6A240803BD9}" type="datetimeFigureOut">
               <a:rPr lang="it-IT" smtClean="0"/>
-              <a:t>10/02/22</a:t>
+              <a:t>10/02/2022</a:t>
             </a:fld>
             <a:endParaRPr lang="it-IT" dirty="0"/>
           </a:p>
@@ -2080,7 +2080,7 @@
           <a:p>
             <a:fld id="{FD2E41BA-F14B-49FC-83F3-F6A240803BD9}" type="datetimeFigureOut">
               <a:rPr lang="it-IT" smtClean="0"/>
-              <a:t>10/02/22</a:t>
+              <a:t>10/02/2022</a:t>
             </a:fld>
             <a:endParaRPr lang="it-IT" dirty="0"/>
           </a:p>
@@ -2391,7 +2391,7 @@
           <a:p>
             <a:fld id="{FD2E41BA-F14B-49FC-83F3-F6A240803BD9}" type="datetimeFigureOut">
               <a:rPr lang="it-IT" smtClean="0"/>
-              <a:t>10/02/22</a:t>
+              <a:t>10/02/2022</a:t>
             </a:fld>
             <a:endParaRPr lang="it-IT" dirty="0"/>
           </a:p>
@@ -2679,7 +2679,7 @@
           <a:p>
             <a:fld id="{FD2E41BA-F14B-49FC-83F3-F6A240803BD9}" type="datetimeFigureOut">
               <a:rPr lang="it-IT" smtClean="0"/>
-              <a:t>10/02/22</a:t>
+              <a:t>10/02/2022</a:t>
             </a:fld>
             <a:endParaRPr lang="it-IT" dirty="0"/>
           </a:p>
@@ -2920,7 +2920,7 @@
           <a:p>
             <a:fld id="{FD2E41BA-F14B-49FC-83F3-F6A240803BD9}" type="datetimeFigureOut">
               <a:rPr lang="it-IT" smtClean="0"/>
-              <a:t>10/02/22</a:t>
+              <a:t>10/02/2022</a:t>
             </a:fld>
             <a:endParaRPr lang="it-IT" dirty="0"/>
           </a:p>
@@ -4192,10 +4192,7 @@
             </a:lvl9pPr>
           </a:lstStyle>
           <a:p>
-            <a:r>
-              <a:rPr lang="en-US" sz="2000" dirty="0"/>
-              <a:t>aaa</a:t>
-            </a:r>
+            <a:endParaRPr lang="en-US" sz="2000" dirty="0"/>
           </a:p>
         </p:txBody>
       </p:sp>
@@ -4885,10 +4882,7 @@
             </a:lvl9pPr>
           </a:lstStyle>
           <a:p>
-            <a:r>
-              <a:rPr lang="en-US" sz="2000" dirty="0"/>
-              <a:t>aaa</a:t>
-            </a:r>
+            <a:endParaRPr lang="en-US" sz="2000" dirty="0"/>
           </a:p>
         </p:txBody>
       </p:sp>
@@ -5242,6 +5236,47 @@
           </p:txBody>
         </p:sp>
       </p:grpSp>
+      <p:sp>
+        <p:nvSpPr>
+          <p:cNvPr id="4" name="CasellaDiTesto 3">
+            <a:extLst>
+              <a:ext uri="{FF2B5EF4-FFF2-40B4-BE49-F238E27FC236}">
+                <a16:creationId xmlns:a16="http://schemas.microsoft.com/office/drawing/2014/main" id="{3415ECF3-FA5E-4C27-A88E-237D788F08AF}"/>
+              </a:ext>
+            </a:extLst>
+          </p:cNvPr>
+          <p:cNvSpPr txBox="1"/>
+          <p:nvPr/>
+        </p:nvSpPr>
+        <p:spPr>
+          <a:xfrm>
+            <a:off x="783771" y="1782981"/>
+            <a:ext cx="4329405" cy="1200329"/>
+          </a:xfrm>
+          <a:prstGeom prst="rect">
+            <a:avLst/>
+          </a:prstGeom>
+          <a:noFill/>
+        </p:spPr>
+        <p:txBody>
+          <a:bodyPr wrap="square" rtlCol="0">
+            <a:spAutoFit/>
+          </a:bodyPr>
+          <a:lstStyle/>
+          <a:p>
+            <a:r>
+              <a:rPr lang="it-IT" dirty="0"/>
+              <a:t>Abbiamo implementato la funzione GA attraverso R.</a:t>
+            </a:r>
+          </a:p>
+          <a:p>
+            <a:endParaRPr lang="it-IT" dirty="0"/>
+          </a:p>
+          <a:p>
+            <a:endParaRPr lang="it-IT" dirty="0"/>
+          </a:p>
+        </p:txBody>
+      </p:sp>
     </p:spTree>
     <p:extLst>
       <p:ext uri="{BB962C8B-B14F-4D97-AF65-F5344CB8AC3E}">
@@ -10903,9 +10938,282 @@
             </a:lvl9pPr>
           </a:lstStyle>
           <a:p>
+            <a:pPr marL="0" indent="0">
+              <a:buNone/>
+            </a:pPr>
             <a:r>
               <a:rPr lang="en-US" sz="2000" dirty="0"/>
-              <a:t>motivo</a:t>
+              <a:t>Per </a:t>
+            </a:r>
+            <a:r>
+              <a:rPr lang="en-US" sz="2000" dirty="0" err="1"/>
+              <a:t>superare</a:t>
+            </a:r>
+            <a:r>
+              <a:rPr lang="en-US" sz="2000" dirty="0"/>
+              <a:t> I </a:t>
+            </a:r>
+            <a:r>
+              <a:rPr lang="en-US" sz="2000" dirty="0" err="1"/>
+              <a:t>limiti</a:t>
+            </a:r>
+            <a:r>
+              <a:rPr lang="en-US" sz="2000" dirty="0"/>
+              <a:t> </a:t>
+            </a:r>
+            <a:r>
+              <a:rPr lang="en-US" sz="2000" dirty="0" err="1"/>
+              <a:t>dei</a:t>
+            </a:r>
+            <a:r>
+              <a:rPr lang="en-US" sz="2000" dirty="0"/>
+              <a:t> due </a:t>
+            </a:r>
+            <a:r>
+              <a:rPr lang="en-US" sz="2000" dirty="0" err="1"/>
+              <a:t>metodi</a:t>
+            </a:r>
+            <a:r>
+              <a:rPr lang="en-US" sz="2000" dirty="0"/>
+              <a:t> </a:t>
+            </a:r>
+            <a:r>
+              <a:rPr lang="en-US" sz="2000" dirty="0" err="1"/>
+              <a:t>abbiamo</a:t>
+            </a:r>
+            <a:r>
+              <a:rPr lang="en-US" sz="2000" dirty="0"/>
+              <a:t> </a:t>
+            </a:r>
+            <a:r>
+              <a:rPr lang="en-US" sz="2000" dirty="0" err="1"/>
+              <a:t>provato</a:t>
+            </a:r>
+            <a:r>
+              <a:rPr lang="en-US" sz="2000" dirty="0"/>
+              <a:t> ad </a:t>
+            </a:r>
+            <a:r>
+              <a:rPr lang="en-US" sz="2000" dirty="0" err="1"/>
+              <a:t>implementarli</a:t>
+            </a:r>
+            <a:r>
+              <a:rPr lang="en-US" sz="2000" dirty="0"/>
+              <a:t> </a:t>
+            </a:r>
+            <a:r>
+              <a:rPr lang="en-US" sz="2000" dirty="0" err="1"/>
+              <a:t>consecutivamente</a:t>
+            </a:r>
+            <a:r>
+              <a:rPr lang="en-US" sz="2000" dirty="0"/>
+              <a:t>. </a:t>
+            </a:r>
+          </a:p>
+          <a:p>
+            <a:pPr marL="0" indent="0">
+              <a:buNone/>
+            </a:pPr>
+            <a:r>
+              <a:rPr lang="en-US" sz="2000" dirty="0" err="1"/>
+              <a:t>Quindi</a:t>
+            </a:r>
+            <a:r>
+              <a:rPr lang="en-US" sz="2000" dirty="0"/>
+              <a:t> </a:t>
+            </a:r>
+            <a:r>
+              <a:rPr lang="en-US" sz="2000" dirty="0" err="1"/>
+              <a:t>attraverso</a:t>
+            </a:r>
+            <a:r>
+              <a:rPr lang="en-US" sz="2000" dirty="0"/>
+              <a:t> </a:t>
+            </a:r>
+            <a:r>
+              <a:rPr lang="en-US" sz="2000" dirty="0" err="1"/>
+              <a:t>l’algoritmo</a:t>
+            </a:r>
+            <a:r>
+              <a:rPr lang="en-US" sz="2000" dirty="0"/>
+              <a:t> A </a:t>
+            </a:r>
+            <a:r>
+              <a:rPr lang="en-US" sz="2000" dirty="0" err="1"/>
+              <a:t>abbiamo</a:t>
+            </a:r>
+            <a:r>
+              <a:rPr lang="en-US" sz="2000" dirty="0"/>
+              <a:t> </a:t>
+            </a:r>
+            <a:r>
+              <a:rPr lang="en-US" sz="2000" dirty="0" err="1"/>
+              <a:t>esplorato</a:t>
+            </a:r>
+            <a:r>
+              <a:rPr lang="en-US" sz="2000" dirty="0"/>
+              <a:t> la </a:t>
+            </a:r>
+            <a:r>
+              <a:rPr lang="en-US" sz="2000" dirty="0" err="1"/>
+              <a:t>funzione</a:t>
+            </a:r>
+            <a:r>
+              <a:rPr lang="en-US" sz="2000" dirty="0"/>
+              <a:t> per </a:t>
+            </a:r>
+            <a:r>
+              <a:rPr lang="en-US" sz="2000" dirty="0" err="1"/>
+              <a:t>avvicinarci</a:t>
+            </a:r>
+            <a:r>
+              <a:rPr lang="en-US" sz="2000" dirty="0"/>
+              <a:t> </a:t>
+            </a:r>
+            <a:r>
+              <a:rPr lang="en-US" sz="2000" dirty="0" err="1"/>
+              <a:t>all’ottimo</a:t>
+            </a:r>
+            <a:r>
+              <a:rPr lang="en-US" sz="2000" dirty="0"/>
+              <a:t> </a:t>
+            </a:r>
+            <a:r>
+              <a:rPr lang="en-US" sz="2000" dirty="0" err="1"/>
+              <a:t>globale</a:t>
+            </a:r>
+            <a:r>
+              <a:rPr lang="en-US" sz="2000" dirty="0"/>
+              <a:t>.</a:t>
+            </a:r>
+          </a:p>
+          <a:p>
+            <a:pPr marL="0" indent="0">
+              <a:buNone/>
+            </a:pPr>
+            <a:r>
+              <a:rPr lang="en-US" sz="2000" dirty="0"/>
+              <a:t>Sui </a:t>
+            </a:r>
+            <a:r>
+              <a:rPr lang="en-US" sz="2000" dirty="0" err="1"/>
+              <a:t>risultati</a:t>
+            </a:r>
+            <a:r>
+              <a:rPr lang="en-US" sz="2000" dirty="0"/>
+              <a:t> </a:t>
+            </a:r>
+            <a:r>
+              <a:rPr lang="en-US" sz="2000" dirty="0" err="1"/>
+              <a:t>ottenuti</a:t>
+            </a:r>
+            <a:r>
+              <a:rPr lang="en-US" sz="2000" dirty="0"/>
+              <a:t> </a:t>
+            </a:r>
+            <a:r>
+              <a:rPr lang="en-US" sz="2000" dirty="0" err="1"/>
+              <a:t>attraverso</a:t>
+            </a:r>
+            <a:r>
+              <a:rPr lang="en-US" sz="2000" dirty="0"/>
+              <a:t> </a:t>
+            </a:r>
+            <a:r>
+              <a:rPr lang="en-US" sz="2000" dirty="0" err="1"/>
+              <a:t>l’algoritmo</a:t>
+            </a:r>
+            <a:r>
+              <a:rPr lang="en-US" sz="2000" dirty="0"/>
+              <a:t> A, </a:t>
+            </a:r>
+            <a:r>
+              <a:rPr lang="en-US" sz="2000" dirty="0" err="1"/>
+              <a:t>abbiamo</a:t>
+            </a:r>
+            <a:r>
+              <a:rPr lang="en-US" sz="2000" dirty="0"/>
+              <a:t> </a:t>
+            </a:r>
+            <a:r>
+              <a:rPr lang="en-US" sz="2000" dirty="0" err="1"/>
+              <a:t>implementato</a:t>
+            </a:r>
+            <a:r>
+              <a:rPr lang="en-US" sz="2000" dirty="0"/>
+              <a:t> </a:t>
+            </a:r>
+            <a:r>
+              <a:rPr lang="en-US" sz="2000" dirty="0" err="1"/>
+              <a:t>l’algoritmo</a:t>
+            </a:r>
+            <a:r>
+              <a:rPr lang="en-US" sz="2000" dirty="0"/>
+              <a:t> B per </a:t>
+            </a:r>
+            <a:r>
+              <a:rPr lang="en-US" sz="2000" dirty="0" err="1"/>
+              <a:t>verificare</a:t>
+            </a:r>
+            <a:r>
+              <a:rPr lang="en-US" sz="2000" dirty="0"/>
+              <a:t> se, </a:t>
+            </a:r>
+            <a:r>
+              <a:rPr lang="en-US" sz="2000" dirty="0" err="1"/>
+              <a:t>esplorando</a:t>
+            </a:r>
+            <a:r>
+              <a:rPr lang="en-US" sz="2000" dirty="0"/>
+              <a:t> </a:t>
+            </a:r>
+            <a:r>
+              <a:rPr lang="en-US" sz="2000" dirty="0" err="1"/>
+              <a:t>l’intorno</a:t>
+            </a:r>
+            <a:r>
+              <a:rPr lang="en-US" sz="2000" dirty="0"/>
+              <a:t> di </a:t>
+            </a:r>
+            <a:r>
+              <a:rPr lang="en-US" sz="2000" dirty="0" err="1"/>
+              <a:t>tali</a:t>
+            </a:r>
+            <a:r>
+              <a:rPr lang="en-US" sz="2000" dirty="0"/>
+              <a:t> </a:t>
+            </a:r>
+            <a:r>
+              <a:rPr lang="en-US" sz="2000" dirty="0" err="1"/>
+              <a:t>punti</a:t>
+            </a:r>
+            <a:r>
+              <a:rPr lang="en-US" sz="2000" dirty="0"/>
+              <a:t>, I </a:t>
+            </a:r>
+            <a:r>
+              <a:rPr lang="en-US" sz="2000" dirty="0" err="1"/>
+              <a:t>risultati</a:t>
+            </a:r>
+            <a:r>
+              <a:rPr lang="en-US" sz="2000" dirty="0"/>
+              <a:t> </a:t>
+            </a:r>
+            <a:r>
+              <a:rPr lang="en-US" sz="2000" dirty="0" err="1"/>
+              <a:t>convergessero</a:t>
+            </a:r>
+            <a:r>
+              <a:rPr lang="en-US" sz="2000" dirty="0"/>
+              <a:t> in unica </a:t>
+            </a:r>
+            <a:r>
+              <a:rPr lang="en-US" sz="2000" dirty="0" err="1"/>
+              <a:t>soluzione</a:t>
+            </a:r>
+            <a:r>
+              <a:rPr lang="en-US" sz="2000" dirty="0"/>
+              <a:t>.</a:t>
             </a:r>
           </a:p>
         </p:txBody>

--- a/R/Decision Making slides.pptx
+++ b/R/Decision Making slides.pptx
@@ -270,7 +270,7 @@
           <a:p>
             <a:fld id="{FD2E41BA-F14B-49FC-83F3-F6A240803BD9}" type="datetimeFigureOut">
               <a:rPr lang="it-IT" smtClean="0"/>
-              <a:t>10/02/2022</a:t>
+              <a:t>10/02/22</a:t>
             </a:fld>
             <a:endParaRPr lang="it-IT" dirty="0"/>
           </a:p>
@@ -468,7 +468,7 @@
           <a:p>
             <a:fld id="{FD2E41BA-F14B-49FC-83F3-F6A240803BD9}" type="datetimeFigureOut">
               <a:rPr lang="it-IT" smtClean="0"/>
-              <a:t>10/02/2022</a:t>
+              <a:t>10/02/22</a:t>
             </a:fld>
             <a:endParaRPr lang="it-IT" dirty="0"/>
           </a:p>
@@ -676,7 +676,7 @@
           <a:p>
             <a:fld id="{FD2E41BA-F14B-49FC-83F3-F6A240803BD9}" type="datetimeFigureOut">
               <a:rPr lang="it-IT" smtClean="0"/>
-              <a:t>10/02/2022</a:t>
+              <a:t>10/02/22</a:t>
             </a:fld>
             <a:endParaRPr lang="it-IT" dirty="0"/>
           </a:p>
@@ -874,7 +874,7 @@
           <a:p>
             <a:fld id="{FD2E41BA-F14B-49FC-83F3-F6A240803BD9}" type="datetimeFigureOut">
               <a:rPr lang="it-IT" smtClean="0"/>
-              <a:t>10/02/2022</a:t>
+              <a:t>10/02/22</a:t>
             </a:fld>
             <a:endParaRPr lang="it-IT" dirty="0"/>
           </a:p>
@@ -1149,7 +1149,7 @@
           <a:p>
             <a:fld id="{FD2E41BA-F14B-49FC-83F3-F6A240803BD9}" type="datetimeFigureOut">
               <a:rPr lang="it-IT" smtClean="0"/>
-              <a:t>10/02/2022</a:t>
+              <a:t>10/02/22</a:t>
             </a:fld>
             <a:endParaRPr lang="it-IT" dirty="0"/>
           </a:p>
@@ -1414,7 +1414,7 @@
           <a:p>
             <a:fld id="{FD2E41BA-F14B-49FC-83F3-F6A240803BD9}" type="datetimeFigureOut">
               <a:rPr lang="it-IT" smtClean="0"/>
-              <a:t>10/02/2022</a:t>
+              <a:t>10/02/22</a:t>
             </a:fld>
             <a:endParaRPr lang="it-IT" dirty="0"/>
           </a:p>
@@ -1826,7 +1826,7 @@
           <a:p>
             <a:fld id="{FD2E41BA-F14B-49FC-83F3-F6A240803BD9}" type="datetimeFigureOut">
               <a:rPr lang="it-IT" smtClean="0"/>
-              <a:t>10/02/2022</a:t>
+              <a:t>10/02/22</a:t>
             </a:fld>
             <a:endParaRPr lang="it-IT" dirty="0"/>
           </a:p>
@@ -1967,7 +1967,7 @@
           <a:p>
             <a:fld id="{FD2E41BA-F14B-49FC-83F3-F6A240803BD9}" type="datetimeFigureOut">
               <a:rPr lang="it-IT" smtClean="0"/>
-              <a:t>10/02/2022</a:t>
+              <a:t>10/02/22</a:t>
             </a:fld>
             <a:endParaRPr lang="it-IT" dirty="0"/>
           </a:p>
@@ -2080,7 +2080,7 @@
           <a:p>
             <a:fld id="{FD2E41BA-F14B-49FC-83F3-F6A240803BD9}" type="datetimeFigureOut">
               <a:rPr lang="it-IT" smtClean="0"/>
-              <a:t>10/02/2022</a:t>
+              <a:t>10/02/22</a:t>
             </a:fld>
             <a:endParaRPr lang="it-IT" dirty="0"/>
           </a:p>
@@ -2391,7 +2391,7 @@
           <a:p>
             <a:fld id="{FD2E41BA-F14B-49FC-83F3-F6A240803BD9}" type="datetimeFigureOut">
               <a:rPr lang="it-IT" smtClean="0"/>
-              <a:t>10/02/2022</a:t>
+              <a:t>10/02/22</a:t>
             </a:fld>
             <a:endParaRPr lang="it-IT" dirty="0"/>
           </a:p>
@@ -2679,7 +2679,7 @@
           <a:p>
             <a:fld id="{FD2E41BA-F14B-49FC-83F3-F6A240803BD9}" type="datetimeFigureOut">
               <a:rPr lang="it-IT" smtClean="0"/>
-              <a:t>10/02/2022</a:t>
+              <a:t>10/02/22</a:t>
             </a:fld>
             <a:endParaRPr lang="it-IT" dirty="0"/>
           </a:p>
@@ -2920,7 +2920,7 @@
           <a:p>
             <a:fld id="{FD2E41BA-F14B-49FC-83F3-F6A240803BD9}" type="datetimeFigureOut">
               <a:rPr lang="it-IT" smtClean="0"/>
-              <a:t>10/02/2022</a:t>
+              <a:t>10/02/22</a:t>
             </a:fld>
             <a:endParaRPr lang="it-IT" dirty="0"/>
           </a:p>
@@ -3987,7 +3987,7 @@
           <a:p>
             <a:pPr algn="ctr"/>
             <a:r>
-              <a:rPr lang="en-US" sz="3600" kern="1200" dirty="0">
+              <a:rPr lang="en-US" sz="4000" kern="1200" dirty="0">
                 <a:solidFill>
                   <a:schemeClr val="tx1"/>
                 </a:solidFill>
@@ -4677,7 +4677,7 @@
           <a:p>
             <a:pPr algn="ctr"/>
             <a:r>
-              <a:rPr lang="en-US" sz="3600" kern="1200" dirty="0">
+              <a:rPr lang="en-US" sz="4000" kern="1200" dirty="0">
                 <a:solidFill>
                   <a:schemeClr val="tx1"/>
                 </a:solidFill>
@@ -5068,7 +5068,7 @@
         </p:blipFill>
         <p:spPr>
           <a:xfrm>
-            <a:off x="5295320" y="2087964"/>
+            <a:off x="5295322" y="1336498"/>
             <a:ext cx="6253212" cy="3751925"/>
           </a:xfrm>
           <a:prstGeom prst="rect">
@@ -5250,8 +5250,8 @@
         </p:nvSpPr>
         <p:spPr>
           <a:xfrm>
-            <a:off x="783771" y="1782981"/>
-            <a:ext cx="4329405" cy="1200329"/>
+            <a:off x="804692" y="1763902"/>
+            <a:ext cx="4329405" cy="3544560"/>
           </a:xfrm>
           <a:prstGeom prst="rect">
             <a:avLst/>
@@ -5264,9 +5264,29 @@
           </a:bodyPr>
           <a:lstStyle/>
           <a:p>
-            <a:r>
-              <a:rPr lang="it-IT" dirty="0"/>
-              <a:t>Abbiamo implementato la funzione GA attraverso R.</a:t>
+            <a:pPr>
+              <a:spcBef>
+                <a:spcPts val="1000"/>
+              </a:spcBef>
+            </a:pPr>
+            <a:r>
+              <a:rPr lang="it-IT" sz="2000" dirty="0">
+                <a:latin typeface="+mj-lt"/>
+              </a:rPr>
+              <a:t>Implementando la funzione GA abbiamo ottenuto il seguente risultato: i punti convergono tutti (circa) verso le coordinate  (11;5)</a:t>
+            </a:r>
+          </a:p>
+          <a:p>
+            <a:pPr>
+              <a:spcBef>
+                <a:spcPts val="1000"/>
+              </a:spcBef>
+            </a:pPr>
+            <a:r>
+              <a:rPr lang="it-IT" sz="2000" dirty="0">
+                <a:latin typeface="+mj-lt"/>
+              </a:rPr>
+              <a:t>Lo svantaggio di questo algoritmo è la poca chiarezza con quale metodo tra roulette e confronto fra coppie vengano scelti i geni trasmessi alla generazione successiva</a:t>
             </a:r>
           </a:p>
           <a:p>
@@ -5406,8 +5426,9 @@
           </a:bodyPr>
           <a:lstStyle/>
           <a:p>
-            <a:r>
-              <a:rPr lang="en-US" sz="3600" kern="1200" dirty="0">
+            <a:pPr algn="ctr"/>
+            <a:r>
+              <a:rPr lang="en-US" sz="4000" kern="1200" dirty="0">
                 <a:solidFill>
                   <a:schemeClr val="tx1"/>
                 </a:solidFill>
@@ -5436,8 +5457,8 @@
         </p:nvSpPr>
         <p:spPr>
           <a:xfrm>
-            <a:off x="643469" y="1782981"/>
-            <a:ext cx="4008384" cy="4393982"/>
+            <a:off x="643468" y="1782981"/>
+            <a:ext cx="4538131" cy="4393982"/>
           </a:xfrm>
           <a:prstGeom prst="rect">
             <a:avLst/>
@@ -5612,9 +5633,31 @@
             </a:lvl9pPr>
           </a:lstStyle>
           <a:p>
-            <a:r>
-              <a:rPr lang="en-US" sz="2000" dirty="0"/>
-              <a:t>Aaa</a:t>
+            <a:pPr marL="0" indent="0">
+              <a:lnSpc>
+                <a:spcPct val="100000"/>
+              </a:lnSpc>
+              <a:buNone/>
+            </a:pPr>
+            <a:r>
+              <a:rPr lang="en-US" sz="2000" dirty="0">
+                <a:latin typeface="+mj-lt"/>
+              </a:rPr>
+              <a:t>I risultati migliori sono stati ottenuti dall’algoritmo genetico che ha il vantaggio di essere semplice poichè i parametri non sono impostati a tentativi a differenza dell’algoritmo FDSA</a:t>
+            </a:r>
+          </a:p>
+          <a:p>
+            <a:pPr marL="0" indent="0">
+              <a:lnSpc>
+                <a:spcPct val="100000"/>
+              </a:lnSpc>
+              <a:buNone/>
+            </a:pPr>
+            <a:r>
+              <a:rPr lang="en-US" sz="2000" dirty="0">
+                <a:latin typeface="+mj-lt"/>
+              </a:rPr>
+              <a:t>L’algoritmo A ottiene risultati abbastanza soddisfacenti, a differenza dell’algoritmo B che rischia di convergere in punti di minimo o massimo locali</a:t>
             </a:r>
           </a:p>
         </p:txBody>
@@ -5801,7 +5844,7 @@
         </p:blipFill>
         <p:spPr>
           <a:xfrm>
-            <a:off x="5295320" y="2087964"/>
+            <a:off x="5181599" y="1321553"/>
             <a:ext cx="6253212" cy="3751925"/>
           </a:xfrm>
           <a:prstGeom prst="rect">
@@ -6294,7 +6337,7 @@
         </p:blipFill>
         <p:spPr>
           <a:xfrm>
-            <a:off x="5477523" y="2125214"/>
+            <a:off x="5477523" y="1779204"/>
             <a:ext cx="6071010" cy="3247991"/>
           </a:xfrm>
           <a:prstGeom prst="rect">
@@ -6478,7 +6521,7 @@
         </p:nvSpPr>
         <p:spPr>
           <a:xfrm>
-            <a:off x="643467" y="2125215"/>
+            <a:off x="643467" y="1805004"/>
             <a:ext cx="4338222" cy="3247991"/>
           </a:xfrm>
           <a:prstGeom prst="rect">
@@ -6738,7 +6781,7 @@
         </p:nvSpPr>
         <p:spPr>
           <a:xfrm>
-            <a:off x="6096000" y="2920753"/>
+            <a:off x="6108495" y="2675042"/>
             <a:ext cx="4956699" cy="1926455"/>
           </a:xfrm>
           <a:prstGeom prst="rect">
@@ -7509,7 +7552,7 @@
               <a:rPr lang="it-IT" sz="2000" dirty="0">
                 <a:latin typeface="+mj-lt"/>
               </a:rPr>
-              <a:t>), che durante le scene si muovono secondo un </a:t>
+              <a:t>) che durante le scene si muovono secondo un </a:t>
             </a:r>
             <a:r>
               <a:rPr lang="it-IT" sz="2000" b="1" dirty="0">
@@ -8137,6 +8180,10 @@
           <a:p>
             <a:pPr algn="ctr"/>
             <a:r>
+              <a:rPr lang="en-US" sz="4000" dirty="0"/>
+              <a:t>F</a:t>
+            </a:r>
+            <a:r>
               <a:rPr lang="en-US" sz="4000" kern="1200" dirty="0">
                 <a:solidFill>
                   <a:schemeClr val="tx1"/>
@@ -8145,8 +8192,20 @@
                 <a:ea typeface="+mj-ea"/>
                 <a:cs typeface="+mj-cs"/>
               </a:rPr>
-              <a:t>La funzione di costo</a:t>
-            </a:r>
+              <a:t>unzione </a:t>
+            </a:r>
+            <a:r>
+              <a:rPr lang="en-US" sz="4000" dirty="0"/>
+              <a:t>obiettivo</a:t>
+            </a:r>
+            <a:endParaRPr lang="en-US" sz="4000" kern="1200" dirty="0">
+              <a:solidFill>
+                <a:schemeClr val="tx1"/>
+              </a:solidFill>
+              <a:latin typeface="+mj-lt"/>
+              <a:ea typeface="+mj-ea"/>
+              <a:cs typeface="+mj-cs"/>
+            </a:endParaRPr>
           </a:p>
         </p:txBody>
       </p:sp>
@@ -8166,8 +8225,8 @@
         </p:nvSpPr>
         <p:spPr>
           <a:xfrm>
-            <a:off x="643469" y="1782981"/>
-            <a:ext cx="10905064" cy="4393982"/>
+            <a:off x="643467" y="1960744"/>
+            <a:ext cx="10905064" cy="2853523"/>
           </a:xfrm>
           <a:prstGeom prst="rect">
             <a:avLst/>
@@ -9253,7 +9312,7 @@
           <a:p>
             <a:pPr algn="ctr"/>
             <a:r>
-              <a:rPr lang="en-US" sz="3600" kern="1200" dirty="0">
+              <a:rPr lang="en-US" sz="4000" kern="1200" dirty="0">
                 <a:solidFill>
                   <a:schemeClr val="tx1"/>
                 </a:solidFill>
@@ -9459,25 +9518,33 @@
           </a:lstStyle>
           <a:p>
             <a:r>
-              <a:rPr lang="en-US" sz="2000" dirty="0"/>
+              <a:rPr lang="en-US" sz="2000" dirty="0">
+                <a:latin typeface="+mj-lt"/>
+              </a:rPr>
               <a:t>Scegliere un guess iniziale in modo casuale</a:t>
             </a:r>
           </a:p>
           <a:p>
             <a:r>
-              <a:rPr lang="en-US" sz="2000" dirty="0"/>
+              <a:rPr lang="en-US" sz="2000" dirty="0">
+                <a:latin typeface="+mj-lt"/>
+              </a:rPr>
               <a:t>A ogni passo generare un nuovo guess casuale all’interno del dominio </a:t>
             </a:r>
           </a:p>
           <a:p>
             <a:r>
-              <a:rPr lang="en-US" sz="2000" dirty="0"/>
+              <a:rPr lang="en-US" sz="2000" dirty="0">
+                <a:latin typeface="+mj-lt"/>
+              </a:rPr>
               <a:t>Confrontare la funzione di costo calcolata nel nuovo candidato con la funzione di costo vecchia</a:t>
             </a:r>
           </a:p>
           <a:p>
             <a:r>
-              <a:rPr lang="en-US" sz="2000" dirty="0"/>
+              <a:rPr lang="en-US" sz="2000" dirty="0">
+                <a:latin typeface="+mj-lt"/>
+              </a:rPr>
               <a:t>Se il costo è inferiore aggiornare il parametro</a:t>
             </a:r>
           </a:p>
@@ -9848,7 +9915,7 @@
         <p:spPr>
           <a:xfrm>
             <a:off x="1014060" y="5141798"/>
-            <a:ext cx="10205230" cy="923330"/>
+            <a:ext cx="10205230" cy="1015663"/>
           </a:xfrm>
           <a:prstGeom prst="rect">
             <a:avLst/>
@@ -9862,8 +9929,10 @@
           <a:lstStyle/>
           <a:p>
             <a:r>
-              <a:rPr lang="it-IT" dirty="0"/>
-              <a:t>Come si può notare dal grafico i punti in cui posizionare il terzo microfono convergono quasi tutti nella zona centrale del palco. Una buona soluzione per scegliere solo un punto potrebbe essere quella di scegliere il punto centrale appartenente a questa nuvola di punti.</a:t>
+              <a:rPr lang="it-IT" sz="2000" dirty="0">
+                <a:latin typeface="+mj-lt"/>
+              </a:rPr>
+              <a:t>Come si può notare dal grafico i punti in cui posizionare il terzo microfono convergono quasi tutti nella zona centrale del palco. Una buona soluzione per scegliere solo un punto potrebbe essere quella di scegliere il punto centrale appartenente a questa nuvola di punti</a:t>
             </a:r>
           </a:p>
         </p:txBody>
@@ -9999,7 +10068,7 @@
           <a:p>
             <a:pPr algn="ctr"/>
             <a:r>
-              <a:rPr lang="en-US" sz="3600" kern="1200" dirty="0">
+              <a:rPr lang="en-US" sz="4000" kern="1200" dirty="0">
                 <a:solidFill>
                   <a:schemeClr val="tx1"/>
                 </a:solidFill>
@@ -10205,14 +10274,26 @@
           </a:lstStyle>
           <a:p>
             <a:r>
-              <a:rPr lang="en-US" sz="2000" dirty="0"/>
+              <a:rPr lang="en-US" sz="2000" dirty="0">
+                <a:latin typeface="+mj-lt"/>
+              </a:rPr>
               <a:t>Algoritmo simile al precedente con una differenza: a partire da un guess iniziale scelto in modo casuale tendiamo a non spostarci troppo</a:t>
             </a:r>
           </a:p>
           <a:p>
             <a:r>
-              <a:rPr lang="en-US" sz="2000" dirty="0"/>
+              <a:rPr lang="en-US" sz="2000" dirty="0">
+                <a:latin typeface="+mj-lt"/>
+              </a:rPr>
               <a:t>Questo teoricamente dovrebbe consentire di convergere più velocemente al punto di minimo più vicino al guess iniziale introdotto</a:t>
+            </a:r>
+          </a:p>
+          <a:p>
+            <a:r>
+              <a:rPr lang="en-US" sz="2000" dirty="0">
+                <a:latin typeface="+mj-lt"/>
+              </a:rPr>
+              <a:t>Con questo metodo si rischia di cadere in un minimo locale pensando che esso sia globale</a:t>
             </a:r>
           </a:p>
         </p:txBody>
@@ -10582,7 +10663,7 @@
         <p:spPr>
           <a:xfrm>
             <a:off x="1014060" y="5141798"/>
-            <a:ext cx="10205230" cy="646331"/>
+            <a:ext cx="10205230" cy="1015663"/>
           </a:xfrm>
           <a:prstGeom prst="rect">
             <a:avLst/>
@@ -10596,8 +10677,10 @@
           <a:lstStyle/>
           <a:p>
             <a:r>
-              <a:rPr lang="it-IT" dirty="0"/>
-              <a:t>Come si può notare dal grafico i punti sono molto dispersi, questo perché se il primo punto si discosta molto dal punto di ottimo</a:t>
+              <a:rPr lang="it-IT" sz="2000" dirty="0">
+                <a:latin typeface="+mj-lt"/>
+              </a:rPr>
+              <a:t>Come si può notare dal grafico i punti sono molto dispersi, questo perché se il primo punto si discosta molto dal punto di ottimo allora è difficile che i successivi, allontanandosi poco da quello, arrivino all’ottimo</a:t>
             </a:r>
           </a:p>
         </p:txBody>
@@ -10733,7 +10816,7 @@
           <a:p>
             <a:pPr algn="ctr"/>
             <a:r>
-              <a:rPr lang="en-US" sz="3600" kern="1200" dirty="0">
+              <a:rPr lang="en-US" sz="4000" kern="1200" dirty="0">
                 <a:solidFill>
                   <a:schemeClr val="tx1"/>
                 </a:solidFill>
@@ -10762,8 +10845,8 @@
         </p:nvSpPr>
         <p:spPr>
           <a:xfrm>
-            <a:off x="643469" y="1782981"/>
-            <a:ext cx="4008384" cy="4393982"/>
+            <a:off x="590453" y="1577515"/>
+            <a:ext cx="4704866" cy="4393982"/>
           </a:xfrm>
           <a:prstGeom prst="rect">
             <a:avLst/>
@@ -10942,72 +11025,10 @@
               <a:buNone/>
             </a:pPr>
             <a:r>
-              <a:rPr lang="en-US" sz="2000" dirty="0"/>
-              <a:t>Per </a:t>
-            </a:r>
-            <a:r>
-              <a:rPr lang="en-US" sz="2000" dirty="0" err="1"/>
-              <a:t>superare</a:t>
-            </a:r>
-            <a:r>
-              <a:rPr lang="en-US" sz="2000" dirty="0"/>
-              <a:t> I </a:t>
-            </a:r>
-            <a:r>
-              <a:rPr lang="en-US" sz="2000" dirty="0" err="1"/>
-              <a:t>limiti</a:t>
-            </a:r>
-            <a:r>
-              <a:rPr lang="en-US" sz="2000" dirty="0"/>
-              <a:t> </a:t>
-            </a:r>
-            <a:r>
-              <a:rPr lang="en-US" sz="2000" dirty="0" err="1"/>
-              <a:t>dei</a:t>
-            </a:r>
-            <a:r>
-              <a:rPr lang="en-US" sz="2000" dirty="0"/>
-              <a:t> due </a:t>
-            </a:r>
-            <a:r>
-              <a:rPr lang="en-US" sz="2000" dirty="0" err="1"/>
-              <a:t>metodi</a:t>
-            </a:r>
-            <a:r>
-              <a:rPr lang="en-US" sz="2000" dirty="0"/>
-              <a:t> </a:t>
-            </a:r>
-            <a:r>
-              <a:rPr lang="en-US" sz="2000" dirty="0" err="1"/>
-              <a:t>abbiamo</a:t>
-            </a:r>
-            <a:r>
-              <a:rPr lang="en-US" sz="2000" dirty="0"/>
-              <a:t> </a:t>
-            </a:r>
-            <a:r>
-              <a:rPr lang="en-US" sz="2000" dirty="0" err="1"/>
-              <a:t>provato</a:t>
-            </a:r>
-            <a:r>
-              <a:rPr lang="en-US" sz="2000" dirty="0"/>
-              <a:t> ad </a:t>
-            </a:r>
-            <a:r>
-              <a:rPr lang="en-US" sz="2000" dirty="0" err="1"/>
-              <a:t>implementarli</a:t>
-            </a:r>
-            <a:r>
-              <a:rPr lang="en-US" sz="2000" dirty="0"/>
-              <a:t> </a:t>
-            </a:r>
-            <a:r>
-              <a:rPr lang="en-US" sz="2000" dirty="0" err="1"/>
-              <a:t>consecutivamente</a:t>
-            </a:r>
-            <a:r>
-              <a:rPr lang="en-US" sz="2000" dirty="0"/>
-              <a:t>. </a:t>
+              <a:rPr lang="en-US" sz="2000" dirty="0">
+                <a:latin typeface="+mj-lt"/>
+              </a:rPr>
+              <a:t>Per superare i limiti dei due metodi abbiamo provato ad implementarli consecutivamente: attraverso l’algoritmo A abbiamo esplorato la funzione per avvicinarci all’ottimo globale</a:t>
             </a:r>
           </a:p>
           <a:p>
@@ -11015,205 +11036,10 @@
               <a:buNone/>
             </a:pPr>
             <a:r>
-              <a:rPr lang="en-US" sz="2000" dirty="0" err="1"/>
-              <a:t>Quindi</a:t>
-            </a:r>
-            <a:r>
-              <a:rPr lang="en-US" sz="2000" dirty="0"/>
-              <a:t> </a:t>
-            </a:r>
-            <a:r>
-              <a:rPr lang="en-US" sz="2000" dirty="0" err="1"/>
-              <a:t>attraverso</a:t>
-            </a:r>
-            <a:r>
-              <a:rPr lang="en-US" sz="2000" dirty="0"/>
-              <a:t> </a:t>
-            </a:r>
-            <a:r>
-              <a:rPr lang="en-US" sz="2000" dirty="0" err="1"/>
-              <a:t>l’algoritmo</a:t>
-            </a:r>
-            <a:r>
-              <a:rPr lang="en-US" sz="2000" dirty="0"/>
-              <a:t> A </a:t>
-            </a:r>
-            <a:r>
-              <a:rPr lang="en-US" sz="2000" dirty="0" err="1"/>
-              <a:t>abbiamo</a:t>
-            </a:r>
-            <a:r>
-              <a:rPr lang="en-US" sz="2000" dirty="0"/>
-              <a:t> </a:t>
-            </a:r>
-            <a:r>
-              <a:rPr lang="en-US" sz="2000" dirty="0" err="1"/>
-              <a:t>esplorato</a:t>
-            </a:r>
-            <a:r>
-              <a:rPr lang="en-US" sz="2000" dirty="0"/>
-              <a:t> la </a:t>
-            </a:r>
-            <a:r>
-              <a:rPr lang="en-US" sz="2000" dirty="0" err="1"/>
-              <a:t>funzione</a:t>
-            </a:r>
-            <a:r>
-              <a:rPr lang="en-US" sz="2000" dirty="0"/>
-              <a:t> per </a:t>
-            </a:r>
-            <a:r>
-              <a:rPr lang="en-US" sz="2000" dirty="0" err="1"/>
-              <a:t>avvicinarci</a:t>
-            </a:r>
-            <a:r>
-              <a:rPr lang="en-US" sz="2000" dirty="0"/>
-              <a:t> </a:t>
-            </a:r>
-            <a:r>
-              <a:rPr lang="en-US" sz="2000" dirty="0" err="1"/>
-              <a:t>all’ottimo</a:t>
-            </a:r>
-            <a:r>
-              <a:rPr lang="en-US" sz="2000" dirty="0"/>
-              <a:t> </a:t>
-            </a:r>
-            <a:r>
-              <a:rPr lang="en-US" sz="2000" dirty="0" err="1"/>
-              <a:t>globale</a:t>
-            </a:r>
-            <a:r>
-              <a:rPr lang="en-US" sz="2000" dirty="0"/>
-              <a:t>.</a:t>
-            </a:r>
-          </a:p>
-          <a:p>
-            <a:pPr marL="0" indent="0">
-              <a:buNone/>
-            </a:pPr>
-            <a:r>
-              <a:rPr lang="en-US" sz="2000" dirty="0"/>
-              <a:t>Sui </a:t>
-            </a:r>
-            <a:r>
-              <a:rPr lang="en-US" sz="2000" dirty="0" err="1"/>
-              <a:t>risultati</a:t>
-            </a:r>
-            <a:r>
-              <a:rPr lang="en-US" sz="2000" dirty="0"/>
-              <a:t> </a:t>
-            </a:r>
-            <a:r>
-              <a:rPr lang="en-US" sz="2000" dirty="0" err="1"/>
-              <a:t>ottenuti</a:t>
-            </a:r>
-            <a:r>
-              <a:rPr lang="en-US" sz="2000" dirty="0"/>
-              <a:t> </a:t>
-            </a:r>
-            <a:r>
-              <a:rPr lang="en-US" sz="2000" dirty="0" err="1"/>
-              <a:t>attraverso</a:t>
-            </a:r>
-            <a:r>
-              <a:rPr lang="en-US" sz="2000" dirty="0"/>
-              <a:t> </a:t>
-            </a:r>
-            <a:r>
-              <a:rPr lang="en-US" sz="2000" dirty="0" err="1"/>
-              <a:t>l’algoritmo</a:t>
-            </a:r>
-            <a:r>
-              <a:rPr lang="en-US" sz="2000" dirty="0"/>
-              <a:t> A, </a:t>
-            </a:r>
-            <a:r>
-              <a:rPr lang="en-US" sz="2000" dirty="0" err="1"/>
-              <a:t>abbiamo</a:t>
-            </a:r>
-            <a:r>
-              <a:rPr lang="en-US" sz="2000" dirty="0"/>
-              <a:t> </a:t>
-            </a:r>
-            <a:r>
-              <a:rPr lang="en-US" sz="2000" dirty="0" err="1"/>
-              <a:t>implementato</a:t>
-            </a:r>
-            <a:r>
-              <a:rPr lang="en-US" sz="2000" dirty="0"/>
-              <a:t> </a:t>
-            </a:r>
-            <a:r>
-              <a:rPr lang="en-US" sz="2000" dirty="0" err="1"/>
-              <a:t>l’algoritmo</a:t>
-            </a:r>
-            <a:r>
-              <a:rPr lang="en-US" sz="2000" dirty="0"/>
-              <a:t> B per </a:t>
-            </a:r>
-            <a:r>
-              <a:rPr lang="en-US" sz="2000" dirty="0" err="1"/>
-              <a:t>verificare</a:t>
-            </a:r>
-            <a:r>
-              <a:rPr lang="en-US" sz="2000" dirty="0"/>
-              <a:t> se, </a:t>
-            </a:r>
-            <a:r>
-              <a:rPr lang="en-US" sz="2000" dirty="0" err="1"/>
-              <a:t>esplorando</a:t>
-            </a:r>
-            <a:r>
-              <a:rPr lang="en-US" sz="2000" dirty="0"/>
-              <a:t> </a:t>
-            </a:r>
-            <a:r>
-              <a:rPr lang="en-US" sz="2000" dirty="0" err="1"/>
-              <a:t>l’intorno</a:t>
-            </a:r>
-            <a:r>
-              <a:rPr lang="en-US" sz="2000" dirty="0"/>
-              <a:t> di </a:t>
-            </a:r>
-            <a:r>
-              <a:rPr lang="en-US" sz="2000" dirty="0" err="1"/>
-              <a:t>tali</a:t>
-            </a:r>
-            <a:r>
-              <a:rPr lang="en-US" sz="2000" dirty="0"/>
-              <a:t> </a:t>
-            </a:r>
-            <a:r>
-              <a:rPr lang="en-US" sz="2000" dirty="0" err="1"/>
-              <a:t>punti</a:t>
-            </a:r>
-            <a:r>
-              <a:rPr lang="en-US" sz="2000" dirty="0"/>
-              <a:t>, I </a:t>
-            </a:r>
-            <a:r>
-              <a:rPr lang="en-US" sz="2000" dirty="0" err="1"/>
-              <a:t>risultati</a:t>
-            </a:r>
-            <a:r>
-              <a:rPr lang="en-US" sz="2000" dirty="0"/>
-              <a:t> </a:t>
-            </a:r>
-            <a:r>
-              <a:rPr lang="en-US" sz="2000" dirty="0" err="1"/>
-              <a:t>convergessero</a:t>
-            </a:r>
-            <a:r>
-              <a:rPr lang="en-US" sz="2000" dirty="0"/>
-              <a:t> in unica </a:t>
-            </a:r>
-            <a:r>
-              <a:rPr lang="en-US" sz="2000" dirty="0" err="1"/>
-              <a:t>soluzione</a:t>
-            </a:r>
-            <a:r>
-              <a:rPr lang="en-US" sz="2000" dirty="0"/>
-              <a:t>.</a:t>
+              <a:rPr lang="en-US" sz="2000" dirty="0">
+                <a:latin typeface="+mj-lt"/>
+              </a:rPr>
+              <a:t>Partendo dai risultati ottenuti abbiamo implementato l’algoritmo B per verificare se, esplorando l’intorno di tali punti, i risultati convergessero con esattezza nel punto di ottimo</a:t>
             </a:r>
           </a:p>
         </p:txBody>

--- a/R/Decision Making slides.pptx
+++ b/R/Decision Making slides.pptx
@@ -270,7 +270,7 @@
           <a:p>
             <a:fld id="{FD2E41BA-F14B-49FC-83F3-F6A240803BD9}" type="datetimeFigureOut">
               <a:rPr lang="it-IT" smtClean="0"/>
-              <a:t>10/02/22</a:t>
+              <a:t>11/02/22</a:t>
             </a:fld>
             <a:endParaRPr lang="it-IT" dirty="0"/>
           </a:p>
@@ -468,7 +468,7 @@
           <a:p>
             <a:fld id="{FD2E41BA-F14B-49FC-83F3-F6A240803BD9}" type="datetimeFigureOut">
               <a:rPr lang="it-IT" smtClean="0"/>
-              <a:t>10/02/22</a:t>
+              <a:t>11/02/22</a:t>
             </a:fld>
             <a:endParaRPr lang="it-IT" dirty="0"/>
           </a:p>
@@ -676,7 +676,7 @@
           <a:p>
             <a:fld id="{FD2E41BA-F14B-49FC-83F3-F6A240803BD9}" type="datetimeFigureOut">
               <a:rPr lang="it-IT" smtClean="0"/>
-              <a:t>10/02/22</a:t>
+              <a:t>11/02/22</a:t>
             </a:fld>
             <a:endParaRPr lang="it-IT" dirty="0"/>
           </a:p>
@@ -874,7 +874,7 @@
           <a:p>
             <a:fld id="{FD2E41BA-F14B-49FC-83F3-F6A240803BD9}" type="datetimeFigureOut">
               <a:rPr lang="it-IT" smtClean="0"/>
-              <a:t>10/02/22</a:t>
+              <a:t>11/02/22</a:t>
             </a:fld>
             <a:endParaRPr lang="it-IT" dirty="0"/>
           </a:p>
@@ -1149,7 +1149,7 @@
           <a:p>
             <a:fld id="{FD2E41BA-F14B-49FC-83F3-F6A240803BD9}" type="datetimeFigureOut">
               <a:rPr lang="it-IT" smtClean="0"/>
-              <a:t>10/02/22</a:t>
+              <a:t>11/02/22</a:t>
             </a:fld>
             <a:endParaRPr lang="it-IT" dirty="0"/>
           </a:p>
@@ -1414,7 +1414,7 @@
           <a:p>
             <a:fld id="{FD2E41BA-F14B-49FC-83F3-F6A240803BD9}" type="datetimeFigureOut">
               <a:rPr lang="it-IT" smtClean="0"/>
-              <a:t>10/02/22</a:t>
+              <a:t>11/02/22</a:t>
             </a:fld>
             <a:endParaRPr lang="it-IT" dirty="0"/>
           </a:p>
@@ -1826,7 +1826,7 @@
           <a:p>
             <a:fld id="{FD2E41BA-F14B-49FC-83F3-F6A240803BD9}" type="datetimeFigureOut">
               <a:rPr lang="it-IT" smtClean="0"/>
-              <a:t>10/02/22</a:t>
+              <a:t>11/02/22</a:t>
             </a:fld>
             <a:endParaRPr lang="it-IT" dirty="0"/>
           </a:p>
@@ -1967,7 +1967,7 @@
           <a:p>
             <a:fld id="{FD2E41BA-F14B-49FC-83F3-F6A240803BD9}" type="datetimeFigureOut">
               <a:rPr lang="it-IT" smtClean="0"/>
-              <a:t>10/02/22</a:t>
+              <a:t>11/02/22</a:t>
             </a:fld>
             <a:endParaRPr lang="it-IT" dirty="0"/>
           </a:p>
@@ -2080,7 +2080,7 @@
           <a:p>
             <a:fld id="{FD2E41BA-F14B-49FC-83F3-F6A240803BD9}" type="datetimeFigureOut">
               <a:rPr lang="it-IT" smtClean="0"/>
-              <a:t>10/02/22</a:t>
+              <a:t>11/02/22</a:t>
             </a:fld>
             <a:endParaRPr lang="it-IT" dirty="0"/>
           </a:p>
@@ -2391,7 +2391,7 @@
           <a:p>
             <a:fld id="{FD2E41BA-F14B-49FC-83F3-F6A240803BD9}" type="datetimeFigureOut">
               <a:rPr lang="it-IT" smtClean="0"/>
-              <a:t>10/02/22</a:t>
+              <a:t>11/02/22</a:t>
             </a:fld>
             <a:endParaRPr lang="it-IT" dirty="0"/>
           </a:p>
@@ -2679,7 +2679,7 @@
           <a:p>
             <a:fld id="{FD2E41BA-F14B-49FC-83F3-F6A240803BD9}" type="datetimeFigureOut">
               <a:rPr lang="it-IT" smtClean="0"/>
-              <a:t>10/02/22</a:t>
+              <a:t>11/02/22</a:t>
             </a:fld>
             <a:endParaRPr lang="it-IT" dirty="0"/>
           </a:p>
@@ -2920,7 +2920,7 @@
           <a:p>
             <a:fld id="{FD2E41BA-F14B-49FC-83F3-F6A240803BD9}" type="datetimeFigureOut">
               <a:rPr lang="it-IT" smtClean="0"/>
-              <a:t>10/02/22</a:t>
+              <a:t>11/02/22</a:t>
             </a:fld>
             <a:endParaRPr lang="it-IT" dirty="0"/>
           </a:p>
@@ -5657,7 +5657,7 @@
               <a:rPr lang="en-US" sz="2000" dirty="0">
                 <a:latin typeface="+mj-lt"/>
               </a:rPr>
-              <a:t>L’algoritmo A ottiene risultati abbastanza soddisfacenti, a differenza dell’algoritmo B che rischia di convergere in punti di minimo o massimo locali</a:t>
+              <a:t>L’algoritmo A ottiene risultati abbastanza soddisfacenti rispetto all’algoritmo B che rischia di convergere in punti di minimo o massimo locali</a:t>
             </a:r>
           </a:p>
         </p:txBody>
@@ -9086,7 +9086,7 @@
               <a:rPr lang="it-IT" sz="2000" dirty="0">
                 <a:latin typeface="+mj-lt"/>
               </a:rPr>
-              <a:t>Per lanciare i 4 algoritmi di ottimizzazione, è sufficiente modificare la funzione chiamata, poiché tutte le funzioni ritornano la stessa lista</a:t>
+              <a:t>Per lanciare i 4 algoritmi di ottimizzazione è sufficiente modificare la funzione chiamata, poiché tutte le funzioni ritornano la stessa lista</a:t>
             </a:r>
           </a:p>
         </p:txBody>
@@ -10293,7 +10293,7 @@
               <a:rPr lang="en-US" sz="2000" dirty="0">
                 <a:latin typeface="+mj-lt"/>
               </a:rPr>
-              <a:t>Con questo metodo si rischia di cadere in un minimo locale pensando che esso sia globale</a:t>
+              <a:t>Con questo metodo tuttavia si rischia di cadere in un minimo locale pensando che esso sia globale</a:t>
             </a:r>
           </a:p>
         </p:txBody>
@@ -11039,7 +11039,7 @@
               <a:rPr lang="en-US" sz="2000" dirty="0">
                 <a:latin typeface="+mj-lt"/>
               </a:rPr>
-              <a:t>Partendo dai risultati ottenuti abbiamo implementato l’algoritmo B per verificare se, esplorando l’intorno di tali punti, i risultati convergessero con esattezza nel punto di ottimo</a:t>
+              <a:t>Partendo dai risultati ottenuti abbiamo implementato l’algoritmo B per verificare se, esplorando l’intorno di tali punti, fosse possible trovare punti migliori</a:t>
             </a:r>
           </a:p>
         </p:txBody>

--- a/R/Decision Making slides.pptx
+++ b/R/Decision Making slides.pptx
@@ -5657,7 +5657,7 @@
               <a:rPr lang="en-US" sz="2000" dirty="0">
                 <a:latin typeface="+mj-lt"/>
               </a:rPr>
-              <a:t>L’algoritmo A ottiene risultati abbastanza soddisfacenti rispetto all’algoritmo B che rischia di convergere in punti di minimo o massimo locali</a:t>
+              <a:t>L’algoritmo A ottiene risultati abbastanza soddisfacenti rispetto all’algoritmo B la cui debolezza è che rischia di convergere in punti di minimo o massimo locali</a:t>
             </a:r>
           </a:p>
         </p:txBody>
@@ -6821,6 +6821,88 @@
           </a:p>
         </p:txBody>
       </p:sp>
+      <p:cxnSp>
+        <p:nvCxnSpPr>
+          <p:cNvPr id="4" name="Connettore 2 3">
+            <a:extLst>
+              <a:ext uri="{FF2B5EF4-FFF2-40B4-BE49-F238E27FC236}">
+                <a16:creationId xmlns:a16="http://schemas.microsoft.com/office/drawing/2014/main" id="{19F56BB0-27BC-3141-A66E-CED52E508AD2}"/>
+              </a:ext>
+            </a:extLst>
+          </p:cNvPr>
+          <p:cNvCxnSpPr>
+            <a:cxnSpLocks/>
+          </p:cNvCxnSpPr>
+          <p:nvPr/>
+        </p:nvCxnSpPr>
+        <p:spPr>
+          <a:xfrm flipH="1">
+            <a:off x="6083506" y="3761608"/>
+            <a:ext cx="373738" cy="720081"/>
+          </a:xfrm>
+          <a:prstGeom prst="straightConnector1">
+            <a:avLst/>
+          </a:prstGeom>
+          <a:ln>
+            <a:tailEnd type="triangle"/>
+          </a:ln>
+        </p:spPr>
+        <p:style>
+          <a:lnRef idx="1">
+            <a:schemeClr val="dk1"/>
+          </a:lnRef>
+          <a:fillRef idx="0">
+            <a:schemeClr val="dk1"/>
+          </a:fillRef>
+          <a:effectRef idx="0">
+            <a:schemeClr val="dk1"/>
+          </a:effectRef>
+          <a:fontRef idx="minor">
+            <a:schemeClr val="tx1"/>
+          </a:fontRef>
+        </p:style>
+      </p:cxnSp>
+      <p:cxnSp>
+        <p:nvCxnSpPr>
+          <p:cNvPr id="20" name="Connettore 2 19">
+            <a:extLst>
+              <a:ext uri="{FF2B5EF4-FFF2-40B4-BE49-F238E27FC236}">
+                <a16:creationId xmlns:a16="http://schemas.microsoft.com/office/drawing/2014/main" id="{44B65EAA-F915-3C4F-B110-13CD6C0AE59E}"/>
+              </a:ext>
+            </a:extLst>
+          </p:cNvPr>
+          <p:cNvCxnSpPr>
+            <a:cxnSpLocks/>
+          </p:cNvCxnSpPr>
+          <p:nvPr/>
+        </p:nvCxnSpPr>
+        <p:spPr>
+          <a:xfrm>
+            <a:off x="10814756" y="3761608"/>
+            <a:ext cx="404534" cy="720081"/>
+          </a:xfrm>
+          <a:prstGeom prst="straightConnector1">
+            <a:avLst/>
+          </a:prstGeom>
+          <a:ln>
+            <a:tailEnd type="triangle"/>
+          </a:ln>
+        </p:spPr>
+        <p:style>
+          <a:lnRef idx="1">
+            <a:schemeClr val="dk1"/>
+          </a:lnRef>
+          <a:fillRef idx="0">
+            <a:schemeClr val="dk1"/>
+          </a:fillRef>
+          <a:effectRef idx="0">
+            <a:schemeClr val="dk1"/>
+          </a:effectRef>
+          <a:fontRef idx="minor">
+            <a:schemeClr val="tx1"/>
+          </a:fontRef>
+        </p:style>
+      </p:cxnSp>
     </p:spTree>
     <p:extLst>
       <p:ext uri="{BB962C8B-B14F-4D97-AF65-F5344CB8AC3E}">
@@ -8459,7 +8541,7 @@
               <a:rPr lang="it-IT" sz="2000" b="1" dirty="0">
                 <a:latin typeface="+mj-lt"/>
               </a:rPr>
-              <a:t>massimizzare la funzione di costo</a:t>
+              <a:t>massimizzare la funzione</a:t>
             </a:r>
             <a:endParaRPr lang="en-US" sz="2000" b="1" dirty="0"/>
           </a:p>

--- a/R/Decision Making slides.pptx
+++ b/R/Decision Making slides.pptx
@@ -4000,6 +4000,754 @@
           </a:p>
         </p:txBody>
       </p:sp>
+      <p:grpSp>
+        <p:nvGrpSpPr>
+          <p:cNvPr id="26" name="Group 25">
+            <a:extLst>
+              <a:ext uri="{FF2B5EF4-FFF2-40B4-BE49-F238E27FC236}">
+                <a16:creationId xmlns:a16="http://schemas.microsoft.com/office/drawing/2014/main" id="{828A5161-06F1-46CF-8AD7-844680A59E13}"/>
+              </a:ext>
+              <a:ext uri="{C183D7F6-B498-43B3-948B-1728B52AA6E4}">
+                <adec:decorative xmlns:adec="http://schemas.microsoft.com/office/drawing/2017/decorative" val="1"/>
+              </a:ext>
+            </a:extLst>
+          </p:cNvPr>
+          <p:cNvGrpSpPr>
+            <a:grpSpLocks noGrp="1" noUngrp="1" noRot="1" noChangeAspect="1" noMove="1" noResize="1"/>
+          </p:cNvGrpSpPr>
+          <p:nvPr>
+            <p:extLst>
+              <p:ext uri="{386F3935-93C4-4BCD-93E2-E3B085C9AB24}">
+                <p16:designElem xmlns:p16="http://schemas.microsoft.com/office/powerpoint/2015/main" val="1"/>
+              </p:ext>
+            </p:extLst>
+          </p:nvPr>
+        </p:nvGrpSpPr>
+        <p:grpSpPr>
+          <a:xfrm>
+            <a:off x="0" y="4601497"/>
+            <a:ext cx="1014060" cy="2017580"/>
+            <a:chOff x="0" y="4601497"/>
+            <a:chExt cx="1014060" cy="2017580"/>
+          </a:xfrm>
+        </p:grpSpPr>
+        <p:sp>
+          <p:nvSpPr>
+            <p:cNvPr id="27" name="Isosceles Triangle 26">
+              <a:extLst>
+                <a:ext uri="{FF2B5EF4-FFF2-40B4-BE49-F238E27FC236}">
+                  <a16:creationId xmlns:a16="http://schemas.microsoft.com/office/drawing/2014/main" id="{D3F51FEB-38FB-4F6C-9F7B-2F2AFAB65463}"/>
+                </a:ext>
+                <a:ext uri="{C183D7F6-B498-43B3-948B-1728B52AA6E4}">
+                  <adec:decorative xmlns:adec="http://schemas.microsoft.com/office/drawing/2017/decorative" val="1"/>
+                </a:ext>
+              </a:extLst>
+            </p:cNvPr>
+            <p:cNvSpPr/>
+            <p:nvPr>
+              <p:extLst>
+                <p:ext uri="{386F3935-93C4-4BCD-93E2-E3B085C9AB24}">
+                  <p16:designElem xmlns:p16="http://schemas.microsoft.com/office/powerpoint/2015/main" val="1"/>
+                </p:ext>
+              </p:extLst>
+            </p:nvPr>
+          </p:nvSpPr>
+          <p:spPr>
+            <a:xfrm rot="5400000">
+              <a:off x="-501760" y="5103257"/>
+              <a:ext cx="2017580" cy="1014060"/>
+            </a:xfrm>
+            <a:prstGeom prst="triangle">
+              <a:avLst>
+                <a:gd name="adj" fmla="val 50000"/>
+              </a:avLst>
+            </a:prstGeom>
+            <a:solidFill>
+              <a:schemeClr val="accent1">
+                <a:alpha val="30000"/>
+              </a:schemeClr>
+            </a:solidFill>
+            <a:ln>
+              <a:noFill/>
+            </a:ln>
+          </p:spPr>
+          <p:style>
+            <a:lnRef idx="2">
+              <a:schemeClr val="accent1">
+                <a:shade val="50000"/>
+              </a:schemeClr>
+            </a:lnRef>
+            <a:fillRef idx="1">
+              <a:schemeClr val="accent1"/>
+            </a:fillRef>
+            <a:effectRef idx="0">
+              <a:schemeClr val="accent1"/>
+            </a:effectRef>
+            <a:fontRef idx="minor">
+              <a:schemeClr val="lt1"/>
+            </a:fontRef>
+          </p:style>
+          <p:txBody>
+            <a:bodyPr rtlCol="0" anchor="ctr"/>
+            <a:lstStyle/>
+            <a:p>
+              <a:pPr algn="ctr"/>
+              <a:endParaRPr lang="en-US" dirty="0"/>
+            </a:p>
+          </p:txBody>
+        </p:sp>
+        <p:sp>
+          <p:nvSpPr>
+            <p:cNvPr id="28" name="Rectangle 27">
+              <a:extLst>
+                <a:ext uri="{FF2B5EF4-FFF2-40B4-BE49-F238E27FC236}">
+                  <a16:creationId xmlns:a16="http://schemas.microsoft.com/office/drawing/2014/main" id="{1E547BA6-BAE0-43BB-A7CA-60F69CE252F0}"/>
+                </a:ext>
+                <a:ext uri="{C183D7F6-B498-43B3-948B-1728B52AA6E4}">
+                  <adec:decorative xmlns:adec="http://schemas.microsoft.com/office/drawing/2017/decorative" val="1"/>
+                </a:ext>
+              </a:extLst>
+            </p:cNvPr>
+            <p:cNvSpPr/>
+            <p:nvPr>
+              <p:extLst>
+                <p:ext uri="{386F3935-93C4-4BCD-93E2-E3B085C9AB24}">
+                  <p16:designElem xmlns:p16="http://schemas.microsoft.com/office/powerpoint/2015/main" val="1"/>
+                </p:ext>
+              </p:extLst>
+            </p:nvPr>
+          </p:nvSpPr>
+          <p:spPr>
+            <a:xfrm rot="2700000">
+              <a:off x="427916" y="5728708"/>
+              <a:ext cx="485578" cy="485578"/>
+            </a:xfrm>
+            <a:prstGeom prst="rect">
+              <a:avLst/>
+            </a:prstGeom>
+            <a:solidFill>
+              <a:schemeClr val="accent1">
+                <a:alpha val="30000"/>
+              </a:schemeClr>
+            </a:solidFill>
+            <a:ln>
+              <a:noFill/>
+            </a:ln>
+          </p:spPr>
+          <p:style>
+            <a:lnRef idx="2">
+              <a:schemeClr val="accent1">
+                <a:shade val="50000"/>
+              </a:schemeClr>
+            </a:lnRef>
+            <a:fillRef idx="1">
+              <a:schemeClr val="accent1"/>
+            </a:fillRef>
+            <a:effectRef idx="0">
+              <a:schemeClr val="accent1"/>
+            </a:effectRef>
+            <a:fontRef idx="minor">
+              <a:schemeClr val="lt1"/>
+            </a:fontRef>
+          </p:style>
+          <p:txBody>
+            <a:bodyPr rtlCol="0" anchor="ctr"/>
+            <a:lstStyle/>
+            <a:p>
+              <a:pPr algn="ctr"/>
+              <a:endParaRPr lang="en-US" dirty="0"/>
+            </a:p>
+          </p:txBody>
+        </p:sp>
+      </p:grpSp>
+      <p:pic>
+        <p:nvPicPr>
+          <p:cNvPr id="4" name="Immagine 3">
+            <a:extLst>
+              <a:ext uri="{FF2B5EF4-FFF2-40B4-BE49-F238E27FC236}">
+                <a16:creationId xmlns:a16="http://schemas.microsoft.com/office/drawing/2014/main" id="{0A63F980-0310-42B8-85C7-E58474978E61}"/>
+              </a:ext>
+            </a:extLst>
+          </p:cNvPr>
+          <p:cNvPicPr>
+            <a:picLocks noChangeAspect="1"/>
+          </p:cNvPicPr>
+          <p:nvPr/>
+        </p:nvPicPr>
+        <p:blipFill>
+          <a:blip r:embed="rId2"/>
+          <a:stretch>
+            <a:fillRect/>
+          </a:stretch>
+        </p:blipFill>
+        <p:spPr>
+          <a:xfrm>
+            <a:off x="5667856" y="1356489"/>
+            <a:ext cx="5796000" cy="3492090"/>
+          </a:xfrm>
+          <a:prstGeom prst="rect">
+            <a:avLst/>
+          </a:prstGeom>
+        </p:spPr>
+      </p:pic>
+      <p:grpSp>
+        <p:nvGrpSpPr>
+          <p:cNvPr id="30" name="Group 29">
+            <a:extLst>
+              <a:ext uri="{FF2B5EF4-FFF2-40B4-BE49-F238E27FC236}">
+                <a16:creationId xmlns:a16="http://schemas.microsoft.com/office/drawing/2014/main" id="{5995D10D-E9C9-47DB-AE7E-801FEF38F5C9}"/>
+              </a:ext>
+              <a:ext uri="{C183D7F6-B498-43B3-948B-1728B52AA6E4}">
+                <adec:decorative xmlns:adec="http://schemas.microsoft.com/office/drawing/2017/decorative" val="1"/>
+              </a:ext>
+            </a:extLst>
+          </p:cNvPr>
+          <p:cNvGrpSpPr>
+            <a:grpSpLocks noGrp="1" noUngrp="1" noRot="1" noChangeAspect="1" noMove="1" noResize="1"/>
+          </p:cNvGrpSpPr>
+          <p:nvPr>
+            <p:extLst>
+              <p:ext uri="{386F3935-93C4-4BCD-93E2-E3B085C9AB24}">
+                <p16:designElem xmlns:p16="http://schemas.microsoft.com/office/powerpoint/2015/main" val="1"/>
+              </p:ext>
+            </p:extLst>
+          </p:nvPr>
+        </p:nvGrpSpPr>
+        <p:grpSpPr>
+          <a:xfrm>
+            <a:off x="11219290" y="1"/>
+            <a:ext cx="972709" cy="1935307"/>
+            <a:chOff x="10918968" y="713127"/>
+            <a:chExt cx="1273032" cy="2532832"/>
+          </a:xfrm>
+        </p:grpSpPr>
+        <p:sp>
+          <p:nvSpPr>
+            <p:cNvPr id="31" name="Rectangle 30">
+              <a:extLst>
+                <a:ext uri="{FF2B5EF4-FFF2-40B4-BE49-F238E27FC236}">
+                  <a16:creationId xmlns:a16="http://schemas.microsoft.com/office/drawing/2014/main" id="{CC1A72C6-3DE4-4EC3-9AD5-9E0D40D8CE8A}"/>
+                </a:ext>
+                <a:ext uri="{C183D7F6-B498-43B3-948B-1728B52AA6E4}">
+                  <adec:decorative xmlns:adec="http://schemas.microsoft.com/office/drawing/2017/decorative" val="1"/>
+                </a:ext>
+              </a:extLst>
+            </p:cNvPr>
+            <p:cNvSpPr/>
+            <p:nvPr>
+              <p:extLst>
+                <p:ext uri="{386F3935-93C4-4BCD-93E2-E3B085C9AB24}">
+                  <p16:designElem xmlns:p16="http://schemas.microsoft.com/office/powerpoint/2015/main" val="1"/>
+                </p:ext>
+              </p:extLst>
+            </p:nvPr>
+          </p:nvSpPr>
+          <p:spPr>
+            <a:xfrm rot="2700000">
+              <a:off x="11052629" y="2120024"/>
+              <a:ext cx="645368" cy="645368"/>
+            </a:xfrm>
+            <a:prstGeom prst="rect">
+              <a:avLst/>
+            </a:prstGeom>
+            <a:solidFill>
+              <a:schemeClr val="accent4">
+                <a:alpha val="30000"/>
+              </a:schemeClr>
+            </a:solidFill>
+            <a:ln>
+              <a:noFill/>
+            </a:ln>
+          </p:spPr>
+          <p:style>
+            <a:lnRef idx="2">
+              <a:schemeClr val="accent1">
+                <a:shade val="50000"/>
+              </a:schemeClr>
+            </a:lnRef>
+            <a:fillRef idx="1">
+              <a:schemeClr val="accent1"/>
+            </a:fillRef>
+            <a:effectRef idx="0">
+              <a:schemeClr val="accent1"/>
+            </a:effectRef>
+            <a:fontRef idx="minor">
+              <a:schemeClr val="lt1"/>
+            </a:fontRef>
+          </p:style>
+          <p:txBody>
+            <a:bodyPr rtlCol="0" anchor="ctr"/>
+            <a:lstStyle/>
+            <a:p>
+              <a:pPr algn="ctr"/>
+              <a:endParaRPr lang="en-US" dirty="0"/>
+            </a:p>
+          </p:txBody>
+        </p:sp>
+        <p:sp>
+          <p:nvSpPr>
+            <p:cNvPr id="32" name="Isosceles Triangle 31">
+              <a:extLst>
+                <a:ext uri="{FF2B5EF4-FFF2-40B4-BE49-F238E27FC236}">
+                  <a16:creationId xmlns:a16="http://schemas.microsoft.com/office/drawing/2014/main" id="{0B0DA1F1-C391-4EDF-9FE0-23E86E137765}"/>
+                </a:ext>
+                <a:ext uri="{C183D7F6-B498-43B3-948B-1728B52AA6E4}">
+                  <adec:decorative xmlns:adec="http://schemas.microsoft.com/office/drawing/2017/decorative" val="1"/>
+                </a:ext>
+              </a:extLst>
+            </p:cNvPr>
+            <p:cNvSpPr/>
+            <p:nvPr>
+              <p:extLst>
+                <p:ext uri="{386F3935-93C4-4BCD-93E2-E3B085C9AB24}">
+                  <p16:designElem xmlns:p16="http://schemas.microsoft.com/office/powerpoint/2015/main" val="1"/>
+                </p:ext>
+              </p:extLst>
+            </p:nvPr>
+          </p:nvSpPr>
+          <p:spPr>
+            <a:xfrm rot="16200000">
+              <a:off x="10289068" y="1343027"/>
+              <a:ext cx="2532832" cy="1273032"/>
+            </a:xfrm>
+            <a:prstGeom prst="triangle">
+              <a:avLst>
+                <a:gd name="adj" fmla="val 50000"/>
+              </a:avLst>
+            </a:prstGeom>
+            <a:solidFill>
+              <a:schemeClr val="accent4">
+                <a:alpha val="30000"/>
+              </a:schemeClr>
+            </a:solidFill>
+            <a:ln>
+              <a:noFill/>
+            </a:ln>
+          </p:spPr>
+          <p:style>
+            <a:lnRef idx="2">
+              <a:schemeClr val="accent1">
+                <a:shade val="50000"/>
+              </a:schemeClr>
+            </a:lnRef>
+            <a:fillRef idx="1">
+              <a:schemeClr val="accent1"/>
+            </a:fillRef>
+            <a:effectRef idx="0">
+              <a:schemeClr val="accent1"/>
+            </a:effectRef>
+            <a:fontRef idx="minor">
+              <a:schemeClr val="lt1"/>
+            </a:fontRef>
+          </p:style>
+          <p:txBody>
+            <a:bodyPr rtlCol="0" anchor="ctr"/>
+            <a:lstStyle/>
+            <a:p>
+              <a:pPr algn="ctr"/>
+              <a:endParaRPr lang="en-US" dirty="0"/>
+            </a:p>
+          </p:txBody>
+        </p:sp>
+      </p:grpSp>
+      <p:sp>
+        <p:nvSpPr>
+          <p:cNvPr id="12" name="Segnaposto contenuto 2">
+            <a:extLst>
+              <a:ext uri="{FF2B5EF4-FFF2-40B4-BE49-F238E27FC236}">
+                <a16:creationId xmlns:a16="http://schemas.microsoft.com/office/drawing/2014/main" id="{88A124E3-0D4D-274E-992A-6D3DD658502C}"/>
+              </a:ext>
+            </a:extLst>
+          </p:cNvPr>
+          <p:cNvSpPr txBox="1">
+            <a:spLocks/>
+          </p:cNvSpPr>
+          <p:nvPr/>
+        </p:nvSpPr>
+        <p:spPr>
+          <a:xfrm>
+            <a:off x="481495" y="1577515"/>
+            <a:ext cx="4911028" cy="3023981"/>
+          </a:xfrm>
+          <a:prstGeom prst="rect">
+            <a:avLst/>
+          </a:prstGeom>
+        </p:spPr>
+        <p:txBody>
+          <a:bodyPr vert="horz" lIns="91440" tIns="45720" rIns="91440" bIns="45720" rtlCol="0">
+            <a:normAutofit/>
+          </a:bodyPr>
+          <a:lstStyle>
+            <a:lvl1pPr marL="228600" indent="-228600" algn="l" defTabSz="914400" rtl="0" eaLnBrk="1" latinLnBrk="0" hangingPunct="1">
+              <a:lnSpc>
+                <a:spcPct val="90000"/>
+              </a:lnSpc>
+              <a:spcBef>
+                <a:spcPts val="1000"/>
+              </a:spcBef>
+              <a:buFont typeface="Arial" panose="020B0604020202020204" pitchFamily="34" charset="0"/>
+              <a:buChar char="•"/>
+              <a:defRPr sz="2800" kern="1200">
+                <a:solidFill>
+                  <a:schemeClr val="tx1"/>
+                </a:solidFill>
+                <a:latin typeface="+mn-lt"/>
+                <a:ea typeface="+mn-ea"/>
+                <a:cs typeface="+mn-cs"/>
+              </a:defRPr>
+            </a:lvl1pPr>
+            <a:lvl2pPr marL="685800" indent="-228600" algn="l" defTabSz="914400" rtl="0" eaLnBrk="1" latinLnBrk="0" hangingPunct="1">
+              <a:lnSpc>
+                <a:spcPct val="90000"/>
+              </a:lnSpc>
+              <a:spcBef>
+                <a:spcPts val="500"/>
+              </a:spcBef>
+              <a:buFont typeface="Arial" panose="020B0604020202020204" pitchFamily="34" charset="0"/>
+              <a:buChar char="•"/>
+              <a:defRPr sz="2400" kern="1200">
+                <a:solidFill>
+                  <a:schemeClr val="tx1"/>
+                </a:solidFill>
+                <a:latin typeface="+mn-lt"/>
+                <a:ea typeface="+mn-ea"/>
+                <a:cs typeface="+mn-cs"/>
+              </a:defRPr>
+            </a:lvl2pPr>
+            <a:lvl3pPr marL="1143000" indent="-228600" algn="l" defTabSz="914400" rtl="0" eaLnBrk="1" latinLnBrk="0" hangingPunct="1">
+              <a:lnSpc>
+                <a:spcPct val="90000"/>
+              </a:lnSpc>
+              <a:spcBef>
+                <a:spcPts val="500"/>
+              </a:spcBef>
+              <a:buFont typeface="Arial" panose="020B0604020202020204" pitchFamily="34" charset="0"/>
+              <a:buChar char="•"/>
+              <a:defRPr sz="2000" kern="1200">
+                <a:solidFill>
+                  <a:schemeClr val="tx1"/>
+                </a:solidFill>
+                <a:latin typeface="+mn-lt"/>
+                <a:ea typeface="+mn-ea"/>
+                <a:cs typeface="+mn-cs"/>
+              </a:defRPr>
+            </a:lvl3pPr>
+            <a:lvl4pPr marL="1600200" indent="-228600" algn="l" defTabSz="914400" rtl="0" eaLnBrk="1" latinLnBrk="0" hangingPunct="1">
+              <a:lnSpc>
+                <a:spcPct val="90000"/>
+              </a:lnSpc>
+              <a:spcBef>
+                <a:spcPts val="500"/>
+              </a:spcBef>
+              <a:buFont typeface="Arial" panose="020B0604020202020204" pitchFamily="34" charset="0"/>
+              <a:buChar char="•"/>
+              <a:defRPr sz="1800" kern="1200">
+                <a:solidFill>
+                  <a:schemeClr val="tx1"/>
+                </a:solidFill>
+                <a:latin typeface="+mn-lt"/>
+                <a:ea typeface="+mn-ea"/>
+                <a:cs typeface="+mn-cs"/>
+              </a:defRPr>
+            </a:lvl4pPr>
+            <a:lvl5pPr marL="2057400" indent="-228600" algn="l" defTabSz="914400" rtl="0" eaLnBrk="1" latinLnBrk="0" hangingPunct="1">
+              <a:lnSpc>
+                <a:spcPct val="90000"/>
+              </a:lnSpc>
+              <a:spcBef>
+                <a:spcPts val="500"/>
+              </a:spcBef>
+              <a:buFont typeface="Arial" panose="020B0604020202020204" pitchFamily="34" charset="0"/>
+              <a:buChar char="•"/>
+              <a:defRPr sz="1800" kern="1200">
+                <a:solidFill>
+                  <a:schemeClr val="tx1"/>
+                </a:solidFill>
+                <a:latin typeface="+mn-lt"/>
+                <a:ea typeface="+mn-ea"/>
+                <a:cs typeface="+mn-cs"/>
+              </a:defRPr>
+            </a:lvl5pPr>
+            <a:lvl6pPr marL="2514600" indent="-228600" algn="l" defTabSz="914400" rtl="0" eaLnBrk="1" latinLnBrk="0" hangingPunct="1">
+              <a:lnSpc>
+                <a:spcPct val="90000"/>
+              </a:lnSpc>
+              <a:spcBef>
+                <a:spcPts val="500"/>
+              </a:spcBef>
+              <a:buFont typeface="Arial" panose="020B0604020202020204" pitchFamily="34" charset="0"/>
+              <a:buChar char="•"/>
+              <a:defRPr sz="1800" kern="1200">
+                <a:solidFill>
+                  <a:schemeClr val="tx1"/>
+                </a:solidFill>
+                <a:latin typeface="+mn-lt"/>
+                <a:ea typeface="+mn-ea"/>
+                <a:cs typeface="+mn-cs"/>
+              </a:defRPr>
+            </a:lvl6pPr>
+            <a:lvl7pPr marL="2971800" indent="-228600" algn="l" defTabSz="914400" rtl="0" eaLnBrk="1" latinLnBrk="0" hangingPunct="1">
+              <a:lnSpc>
+                <a:spcPct val="90000"/>
+              </a:lnSpc>
+              <a:spcBef>
+                <a:spcPts val="500"/>
+              </a:spcBef>
+              <a:buFont typeface="Arial" panose="020B0604020202020204" pitchFamily="34" charset="0"/>
+              <a:buChar char="•"/>
+              <a:defRPr sz="1800" kern="1200">
+                <a:solidFill>
+                  <a:schemeClr val="tx1"/>
+                </a:solidFill>
+                <a:latin typeface="+mn-lt"/>
+                <a:ea typeface="+mn-ea"/>
+                <a:cs typeface="+mn-cs"/>
+              </a:defRPr>
+            </a:lvl7pPr>
+            <a:lvl8pPr marL="3429000" indent="-228600" algn="l" defTabSz="914400" rtl="0" eaLnBrk="1" latinLnBrk="0" hangingPunct="1">
+              <a:lnSpc>
+                <a:spcPct val="90000"/>
+              </a:lnSpc>
+              <a:spcBef>
+                <a:spcPts val="500"/>
+              </a:spcBef>
+              <a:buFont typeface="Arial" panose="020B0604020202020204" pitchFamily="34" charset="0"/>
+              <a:buChar char="•"/>
+              <a:defRPr sz="1800" kern="1200">
+                <a:solidFill>
+                  <a:schemeClr val="tx1"/>
+                </a:solidFill>
+                <a:latin typeface="+mn-lt"/>
+                <a:ea typeface="+mn-ea"/>
+                <a:cs typeface="+mn-cs"/>
+              </a:defRPr>
+            </a:lvl8pPr>
+            <a:lvl9pPr marL="3886200" indent="-228600" algn="l" defTabSz="914400" rtl="0" eaLnBrk="1" latinLnBrk="0" hangingPunct="1">
+              <a:lnSpc>
+                <a:spcPct val="90000"/>
+              </a:lnSpc>
+              <a:spcBef>
+                <a:spcPts val="500"/>
+              </a:spcBef>
+              <a:buFont typeface="Arial" panose="020B0604020202020204" pitchFamily="34" charset="0"/>
+              <a:buChar char="•"/>
+              <a:defRPr sz="1800" kern="1200">
+                <a:solidFill>
+                  <a:schemeClr val="tx1"/>
+                </a:solidFill>
+                <a:latin typeface="+mn-lt"/>
+                <a:ea typeface="+mn-ea"/>
+                <a:cs typeface="+mn-cs"/>
+              </a:defRPr>
+            </a:lvl9pPr>
+          </a:lstStyle>
+          <a:p>
+            <a:r>
+              <a:rPr lang="en-US" sz="2000" dirty="0">
+                <a:latin typeface="+mj-lt"/>
+              </a:rPr>
+              <a:t>Questo algoritmo risolve il problema basandosi sull’approssimazione del gradiente</a:t>
+            </a:r>
+          </a:p>
+          <a:p>
+            <a:r>
+              <a:rPr lang="en-US" sz="2000" dirty="0">
+                <a:latin typeface="+mj-lt"/>
+              </a:rPr>
+              <a:t>Il mezzo tradizionale per formare l’approssimazione è il metodo delle differenze finite</a:t>
+            </a:r>
+          </a:p>
+          <a:p>
+            <a:r>
+              <a:rPr lang="en-US" sz="2000" dirty="0">
+                <a:latin typeface="+mj-lt"/>
+              </a:rPr>
+              <a:t>Andando a tentativi abbiamo trovato i parametri che permettono ai punti di convergere verso la coordinata (11;5)</a:t>
+            </a:r>
+          </a:p>
+        </p:txBody>
+      </p:sp>
+      <p:sp>
+        <p:nvSpPr>
+          <p:cNvPr id="21" name="CasellaDiTesto 20">
+            <a:extLst>
+              <a:ext uri="{FF2B5EF4-FFF2-40B4-BE49-F238E27FC236}">
+                <a16:creationId xmlns:a16="http://schemas.microsoft.com/office/drawing/2014/main" id="{C7DF036C-3426-EB42-AFBA-5F1621F97DA0}"/>
+              </a:ext>
+            </a:extLst>
+          </p:cNvPr>
+          <p:cNvSpPr txBox="1"/>
+          <p:nvPr/>
+        </p:nvSpPr>
+        <p:spPr>
+          <a:xfrm>
+            <a:off x="1014060" y="5141798"/>
+            <a:ext cx="10205230" cy="707886"/>
+          </a:xfrm>
+          <a:prstGeom prst="rect">
+            <a:avLst/>
+          </a:prstGeom>
+          <a:noFill/>
+        </p:spPr>
+        <p:txBody>
+          <a:bodyPr wrap="square" rtlCol="0">
+            <a:spAutoFit/>
+          </a:bodyPr>
+          <a:lstStyle/>
+          <a:p>
+            <a:r>
+              <a:rPr lang="it-IT" sz="2000" dirty="0">
+                <a:latin typeface="+mj-lt"/>
+              </a:rPr>
+              <a:t>Seppure tale algoritmo produce ottimi risultati, il tempo speso per la ricerca dei valori da impostare ai parametri lo rende poco utilizzabile </a:t>
+            </a:r>
+          </a:p>
+        </p:txBody>
+      </p:sp>
+    </p:spTree>
+    <p:extLst>
+      <p:ext uri="{BB962C8B-B14F-4D97-AF65-F5344CB8AC3E}">
+        <p14:creationId xmlns:p14="http://schemas.microsoft.com/office/powerpoint/2010/main" val="3822633585"/>
+      </p:ext>
+    </p:extLst>
+  </p:cSld>
+  <p:clrMapOvr>
+    <a:masterClrMapping/>
+  </p:clrMapOvr>
+</p:sld>
+</file>
+
+<file path=ppt/slides/slide11.xml><?xml version="1.0" encoding="utf-8"?>
+<p:sld xmlns:a="http://schemas.openxmlformats.org/drawingml/2006/main" xmlns:r="http://schemas.openxmlformats.org/officeDocument/2006/relationships" xmlns:p="http://schemas.openxmlformats.org/presentationml/2006/main">
+  <p:cSld>
+    <p:bg>
+      <p:bgPr>
+        <a:solidFill>
+          <a:schemeClr val="bg1"/>
+        </a:solidFill>
+        <a:effectLst/>
+      </p:bgPr>
+    </p:bg>
+    <p:spTree>
+      <p:nvGrpSpPr>
+        <p:cNvPr id="1" name=""/>
+        <p:cNvGrpSpPr/>
+        <p:nvPr/>
+      </p:nvGrpSpPr>
+      <p:grpSpPr>
+        <a:xfrm>
+          <a:off x="0" y="0"/>
+          <a:ext cx="0" cy="0"/>
+          <a:chOff x="0" y="0"/>
+          <a:chExt cx="0" cy="0"/>
+        </a:xfrm>
+      </p:grpSpPr>
+      <p:sp>
+        <p:nvSpPr>
+          <p:cNvPr id="24" name="Rectangle 23">
+            <a:extLst>
+              <a:ext uri="{FF2B5EF4-FFF2-40B4-BE49-F238E27FC236}">
+                <a16:creationId xmlns:a16="http://schemas.microsoft.com/office/drawing/2014/main" id="{2B566528-1B12-4246-9431-5C2D7D081168}"/>
+              </a:ext>
+              <a:ext uri="{C183D7F6-B498-43B3-948B-1728B52AA6E4}">
+                <adec:decorative xmlns:adec="http://schemas.microsoft.com/office/drawing/2017/decorative" val="1"/>
+              </a:ext>
+            </a:extLst>
+          </p:cNvPr>
+          <p:cNvSpPr>
+            <a:spLocks noGrp="1" noRot="1" noChangeAspect="1" noMove="1" noResize="1" noEditPoints="1" noAdjustHandles="1" noChangeArrowheads="1" noChangeShapeType="1" noTextEdit="1"/>
+          </p:cNvSpPr>
+          <p:nvPr>
+            <p:extLst>
+              <p:ext uri="{386F3935-93C4-4BCD-93E2-E3B085C9AB24}">
+                <p16:designElem xmlns:p16="http://schemas.microsoft.com/office/powerpoint/2015/main" val="1"/>
+              </p:ext>
+            </p:extLst>
+          </p:nvPr>
+        </p:nvSpPr>
+        <p:spPr>
+          <a:xfrm>
+            <a:off x="0" y="0"/>
+            <a:ext cx="12192000" cy="6858000"/>
+          </a:xfrm>
+          <a:prstGeom prst="rect">
+            <a:avLst/>
+          </a:prstGeom>
+          <a:solidFill>
+            <a:schemeClr val="bg1"/>
+          </a:solidFill>
+          <a:ln>
+            <a:noFill/>
+          </a:ln>
+        </p:spPr>
+        <p:style>
+          <a:lnRef idx="2">
+            <a:schemeClr val="accent1">
+              <a:shade val="50000"/>
+            </a:schemeClr>
+          </a:lnRef>
+          <a:fillRef idx="1">
+            <a:schemeClr val="accent1"/>
+          </a:fillRef>
+          <a:effectRef idx="0">
+            <a:schemeClr val="accent1"/>
+          </a:effectRef>
+          <a:fontRef idx="minor">
+            <a:schemeClr val="lt1"/>
+          </a:fontRef>
+        </p:style>
+        <p:txBody>
+          <a:bodyPr rtlCol="0" anchor="ctr"/>
+          <a:lstStyle/>
+          <a:p>
+            <a:pPr algn="ctr"/>
+            <a:endParaRPr lang="en-US" dirty="0"/>
+          </a:p>
+        </p:txBody>
+      </p:sp>
+      <p:sp>
+        <p:nvSpPr>
+          <p:cNvPr id="2" name="Titolo 1">
+            <a:extLst>
+              <a:ext uri="{FF2B5EF4-FFF2-40B4-BE49-F238E27FC236}">
+                <a16:creationId xmlns:a16="http://schemas.microsoft.com/office/drawing/2014/main" id="{1082888F-2770-4E5B-9CDA-CC9E0CC25EC4}"/>
+              </a:ext>
+            </a:extLst>
+          </p:cNvPr>
+          <p:cNvSpPr>
+            <a:spLocks noGrp="1"/>
+          </p:cNvSpPr>
+          <p:nvPr>
+            <p:ph type="title"/>
+          </p:nvPr>
+        </p:nvSpPr>
+        <p:spPr>
+          <a:xfrm>
+            <a:off x="643467" y="321734"/>
+            <a:ext cx="10905066" cy="1135737"/>
+          </a:xfrm>
+        </p:spPr>
+        <p:txBody>
+          <a:bodyPr vert="horz" lIns="91440" tIns="45720" rIns="91440" bIns="45720" rtlCol="0" anchor="ctr">
+            <a:normAutofit/>
+          </a:bodyPr>
+          <a:lstStyle/>
+          <a:p>
+            <a:pPr algn="ctr"/>
+            <a:r>
+              <a:rPr lang="en-US" sz="4000" kern="1200" dirty="0">
+                <a:solidFill>
+                  <a:schemeClr val="tx1"/>
+                </a:solidFill>
+                <a:latin typeface="+mj-lt"/>
+                <a:ea typeface="+mj-ea"/>
+                <a:cs typeface="+mj-cs"/>
+              </a:rPr>
+              <a:t>Algoritmo Genetico</a:t>
+            </a:r>
+          </a:p>
+        </p:txBody>
+      </p:sp>
       <p:sp>
         <p:nvSpPr>
           <p:cNvPr id="19" name="Segnaposto contenuto 2">
@@ -4358,696 +5106,6 @@
       </p:grpSp>
       <p:pic>
         <p:nvPicPr>
-          <p:cNvPr id="4" name="Immagine 3">
-            <a:extLst>
-              <a:ext uri="{FF2B5EF4-FFF2-40B4-BE49-F238E27FC236}">
-                <a16:creationId xmlns:a16="http://schemas.microsoft.com/office/drawing/2014/main" id="{0A63F980-0310-42B8-85C7-E58474978E61}"/>
-              </a:ext>
-            </a:extLst>
-          </p:cNvPr>
-          <p:cNvPicPr>
-            <a:picLocks noChangeAspect="1"/>
-          </p:cNvPicPr>
-          <p:nvPr/>
-        </p:nvPicPr>
-        <p:blipFill>
-          <a:blip r:embed="rId2"/>
-          <a:stretch>
-            <a:fillRect/>
-          </a:stretch>
-        </p:blipFill>
-        <p:spPr>
-          <a:xfrm>
-            <a:off x="5667856" y="1356489"/>
-            <a:ext cx="5796000" cy="3492090"/>
-          </a:xfrm>
-          <a:prstGeom prst="rect">
-            <a:avLst/>
-          </a:prstGeom>
-        </p:spPr>
-      </p:pic>
-      <p:grpSp>
-        <p:nvGrpSpPr>
-          <p:cNvPr id="30" name="Group 29">
-            <a:extLst>
-              <a:ext uri="{FF2B5EF4-FFF2-40B4-BE49-F238E27FC236}">
-                <a16:creationId xmlns:a16="http://schemas.microsoft.com/office/drawing/2014/main" id="{5995D10D-E9C9-47DB-AE7E-801FEF38F5C9}"/>
-              </a:ext>
-              <a:ext uri="{C183D7F6-B498-43B3-948B-1728B52AA6E4}">
-                <adec:decorative xmlns:adec="http://schemas.microsoft.com/office/drawing/2017/decorative" val="1"/>
-              </a:ext>
-            </a:extLst>
-          </p:cNvPr>
-          <p:cNvGrpSpPr>
-            <a:grpSpLocks noGrp="1" noUngrp="1" noRot="1" noChangeAspect="1" noMove="1" noResize="1"/>
-          </p:cNvGrpSpPr>
-          <p:nvPr>
-            <p:extLst>
-              <p:ext uri="{386F3935-93C4-4BCD-93E2-E3B085C9AB24}">
-                <p16:designElem xmlns:p16="http://schemas.microsoft.com/office/powerpoint/2015/main" val="1"/>
-              </p:ext>
-            </p:extLst>
-          </p:nvPr>
-        </p:nvGrpSpPr>
-        <p:grpSpPr>
-          <a:xfrm>
-            <a:off x="11219290" y="1"/>
-            <a:ext cx="972709" cy="1935307"/>
-            <a:chOff x="10918968" y="713127"/>
-            <a:chExt cx="1273032" cy="2532832"/>
-          </a:xfrm>
-        </p:grpSpPr>
-        <p:sp>
-          <p:nvSpPr>
-            <p:cNvPr id="31" name="Rectangle 30">
-              <a:extLst>
-                <a:ext uri="{FF2B5EF4-FFF2-40B4-BE49-F238E27FC236}">
-                  <a16:creationId xmlns:a16="http://schemas.microsoft.com/office/drawing/2014/main" id="{CC1A72C6-3DE4-4EC3-9AD5-9E0D40D8CE8A}"/>
-                </a:ext>
-                <a:ext uri="{C183D7F6-B498-43B3-948B-1728B52AA6E4}">
-                  <adec:decorative xmlns:adec="http://schemas.microsoft.com/office/drawing/2017/decorative" val="1"/>
-                </a:ext>
-              </a:extLst>
-            </p:cNvPr>
-            <p:cNvSpPr/>
-            <p:nvPr>
-              <p:extLst>
-                <p:ext uri="{386F3935-93C4-4BCD-93E2-E3B085C9AB24}">
-                  <p16:designElem xmlns:p16="http://schemas.microsoft.com/office/powerpoint/2015/main" val="1"/>
-                </p:ext>
-              </p:extLst>
-            </p:nvPr>
-          </p:nvSpPr>
-          <p:spPr>
-            <a:xfrm rot="2700000">
-              <a:off x="11052629" y="2120024"/>
-              <a:ext cx="645368" cy="645368"/>
-            </a:xfrm>
-            <a:prstGeom prst="rect">
-              <a:avLst/>
-            </a:prstGeom>
-            <a:solidFill>
-              <a:schemeClr val="accent4">
-                <a:alpha val="30000"/>
-              </a:schemeClr>
-            </a:solidFill>
-            <a:ln>
-              <a:noFill/>
-            </a:ln>
-          </p:spPr>
-          <p:style>
-            <a:lnRef idx="2">
-              <a:schemeClr val="accent1">
-                <a:shade val="50000"/>
-              </a:schemeClr>
-            </a:lnRef>
-            <a:fillRef idx="1">
-              <a:schemeClr val="accent1"/>
-            </a:fillRef>
-            <a:effectRef idx="0">
-              <a:schemeClr val="accent1"/>
-            </a:effectRef>
-            <a:fontRef idx="minor">
-              <a:schemeClr val="lt1"/>
-            </a:fontRef>
-          </p:style>
-          <p:txBody>
-            <a:bodyPr rtlCol="0" anchor="ctr"/>
-            <a:lstStyle/>
-            <a:p>
-              <a:pPr algn="ctr"/>
-              <a:endParaRPr lang="en-US" dirty="0"/>
-            </a:p>
-          </p:txBody>
-        </p:sp>
-        <p:sp>
-          <p:nvSpPr>
-            <p:cNvPr id="32" name="Isosceles Triangle 31">
-              <a:extLst>
-                <a:ext uri="{FF2B5EF4-FFF2-40B4-BE49-F238E27FC236}">
-                  <a16:creationId xmlns:a16="http://schemas.microsoft.com/office/drawing/2014/main" id="{0B0DA1F1-C391-4EDF-9FE0-23E86E137765}"/>
-                </a:ext>
-                <a:ext uri="{C183D7F6-B498-43B3-948B-1728B52AA6E4}">
-                  <adec:decorative xmlns:adec="http://schemas.microsoft.com/office/drawing/2017/decorative" val="1"/>
-                </a:ext>
-              </a:extLst>
-            </p:cNvPr>
-            <p:cNvSpPr/>
-            <p:nvPr>
-              <p:extLst>
-                <p:ext uri="{386F3935-93C4-4BCD-93E2-E3B085C9AB24}">
-                  <p16:designElem xmlns:p16="http://schemas.microsoft.com/office/powerpoint/2015/main" val="1"/>
-                </p:ext>
-              </p:extLst>
-            </p:nvPr>
-          </p:nvSpPr>
-          <p:spPr>
-            <a:xfrm rot="16200000">
-              <a:off x="10289068" y="1343027"/>
-              <a:ext cx="2532832" cy="1273032"/>
-            </a:xfrm>
-            <a:prstGeom prst="triangle">
-              <a:avLst>
-                <a:gd name="adj" fmla="val 50000"/>
-              </a:avLst>
-            </a:prstGeom>
-            <a:solidFill>
-              <a:schemeClr val="accent4">
-                <a:alpha val="30000"/>
-              </a:schemeClr>
-            </a:solidFill>
-            <a:ln>
-              <a:noFill/>
-            </a:ln>
-          </p:spPr>
-          <p:style>
-            <a:lnRef idx="2">
-              <a:schemeClr val="accent1">
-                <a:shade val="50000"/>
-              </a:schemeClr>
-            </a:lnRef>
-            <a:fillRef idx="1">
-              <a:schemeClr val="accent1"/>
-            </a:fillRef>
-            <a:effectRef idx="0">
-              <a:schemeClr val="accent1"/>
-            </a:effectRef>
-            <a:fontRef idx="minor">
-              <a:schemeClr val="lt1"/>
-            </a:fontRef>
-          </p:style>
-          <p:txBody>
-            <a:bodyPr rtlCol="0" anchor="ctr"/>
-            <a:lstStyle/>
-            <a:p>
-              <a:pPr algn="ctr"/>
-              <a:endParaRPr lang="en-US" dirty="0"/>
-            </a:p>
-          </p:txBody>
-        </p:sp>
-      </p:grpSp>
-    </p:spTree>
-    <p:extLst>
-      <p:ext uri="{BB962C8B-B14F-4D97-AF65-F5344CB8AC3E}">
-        <p14:creationId xmlns:p14="http://schemas.microsoft.com/office/powerpoint/2010/main" val="3822633585"/>
-      </p:ext>
-    </p:extLst>
-  </p:cSld>
-  <p:clrMapOvr>
-    <a:masterClrMapping/>
-  </p:clrMapOvr>
-</p:sld>
-</file>
-
-<file path=ppt/slides/slide11.xml><?xml version="1.0" encoding="utf-8"?>
-<p:sld xmlns:a="http://schemas.openxmlformats.org/drawingml/2006/main" xmlns:r="http://schemas.openxmlformats.org/officeDocument/2006/relationships" xmlns:p="http://schemas.openxmlformats.org/presentationml/2006/main">
-  <p:cSld>
-    <p:bg>
-      <p:bgPr>
-        <a:solidFill>
-          <a:schemeClr val="bg1"/>
-        </a:solidFill>
-        <a:effectLst/>
-      </p:bgPr>
-    </p:bg>
-    <p:spTree>
-      <p:nvGrpSpPr>
-        <p:cNvPr id="1" name=""/>
-        <p:cNvGrpSpPr/>
-        <p:nvPr/>
-      </p:nvGrpSpPr>
-      <p:grpSpPr>
-        <a:xfrm>
-          <a:off x="0" y="0"/>
-          <a:ext cx="0" cy="0"/>
-          <a:chOff x="0" y="0"/>
-          <a:chExt cx="0" cy="0"/>
-        </a:xfrm>
-      </p:grpSpPr>
-      <p:sp>
-        <p:nvSpPr>
-          <p:cNvPr id="24" name="Rectangle 23">
-            <a:extLst>
-              <a:ext uri="{FF2B5EF4-FFF2-40B4-BE49-F238E27FC236}">
-                <a16:creationId xmlns:a16="http://schemas.microsoft.com/office/drawing/2014/main" id="{2B566528-1B12-4246-9431-5C2D7D081168}"/>
-              </a:ext>
-              <a:ext uri="{C183D7F6-B498-43B3-948B-1728B52AA6E4}">
-                <adec:decorative xmlns:adec="http://schemas.microsoft.com/office/drawing/2017/decorative" val="1"/>
-              </a:ext>
-            </a:extLst>
-          </p:cNvPr>
-          <p:cNvSpPr>
-            <a:spLocks noGrp="1" noRot="1" noChangeAspect="1" noMove="1" noResize="1" noEditPoints="1" noAdjustHandles="1" noChangeArrowheads="1" noChangeShapeType="1" noTextEdit="1"/>
-          </p:cNvSpPr>
-          <p:nvPr>
-            <p:extLst>
-              <p:ext uri="{386F3935-93C4-4BCD-93E2-E3B085C9AB24}">
-                <p16:designElem xmlns:p16="http://schemas.microsoft.com/office/powerpoint/2015/main" val="1"/>
-              </p:ext>
-            </p:extLst>
-          </p:nvPr>
-        </p:nvSpPr>
-        <p:spPr>
-          <a:xfrm>
-            <a:off x="0" y="0"/>
-            <a:ext cx="12192000" cy="6858000"/>
-          </a:xfrm>
-          <a:prstGeom prst="rect">
-            <a:avLst/>
-          </a:prstGeom>
-          <a:solidFill>
-            <a:schemeClr val="bg1"/>
-          </a:solidFill>
-          <a:ln>
-            <a:noFill/>
-          </a:ln>
-        </p:spPr>
-        <p:style>
-          <a:lnRef idx="2">
-            <a:schemeClr val="accent1">
-              <a:shade val="50000"/>
-            </a:schemeClr>
-          </a:lnRef>
-          <a:fillRef idx="1">
-            <a:schemeClr val="accent1"/>
-          </a:fillRef>
-          <a:effectRef idx="0">
-            <a:schemeClr val="accent1"/>
-          </a:effectRef>
-          <a:fontRef idx="minor">
-            <a:schemeClr val="lt1"/>
-          </a:fontRef>
-        </p:style>
-        <p:txBody>
-          <a:bodyPr rtlCol="0" anchor="ctr"/>
-          <a:lstStyle/>
-          <a:p>
-            <a:pPr algn="ctr"/>
-            <a:endParaRPr lang="en-US" dirty="0"/>
-          </a:p>
-        </p:txBody>
-      </p:sp>
-      <p:sp>
-        <p:nvSpPr>
-          <p:cNvPr id="2" name="Titolo 1">
-            <a:extLst>
-              <a:ext uri="{FF2B5EF4-FFF2-40B4-BE49-F238E27FC236}">
-                <a16:creationId xmlns:a16="http://schemas.microsoft.com/office/drawing/2014/main" id="{1082888F-2770-4E5B-9CDA-CC9E0CC25EC4}"/>
-              </a:ext>
-            </a:extLst>
-          </p:cNvPr>
-          <p:cNvSpPr>
-            <a:spLocks noGrp="1"/>
-          </p:cNvSpPr>
-          <p:nvPr>
-            <p:ph type="title"/>
-          </p:nvPr>
-        </p:nvSpPr>
-        <p:spPr>
-          <a:xfrm>
-            <a:off x="643467" y="321734"/>
-            <a:ext cx="10905066" cy="1135737"/>
-          </a:xfrm>
-        </p:spPr>
-        <p:txBody>
-          <a:bodyPr vert="horz" lIns="91440" tIns="45720" rIns="91440" bIns="45720" rtlCol="0" anchor="ctr">
-            <a:normAutofit/>
-          </a:bodyPr>
-          <a:lstStyle/>
-          <a:p>
-            <a:pPr algn="ctr"/>
-            <a:r>
-              <a:rPr lang="en-US" sz="4000" kern="1200" dirty="0">
-                <a:solidFill>
-                  <a:schemeClr val="tx1"/>
-                </a:solidFill>
-                <a:latin typeface="+mj-lt"/>
-                <a:ea typeface="+mj-ea"/>
-                <a:cs typeface="+mj-cs"/>
-              </a:rPr>
-              <a:t>Algoritmo Genetico</a:t>
-            </a:r>
-          </a:p>
-        </p:txBody>
-      </p:sp>
-      <p:sp>
-        <p:nvSpPr>
-          <p:cNvPr id="19" name="Segnaposto contenuto 2">
-            <a:extLst>
-              <a:ext uri="{FF2B5EF4-FFF2-40B4-BE49-F238E27FC236}">
-                <a16:creationId xmlns:a16="http://schemas.microsoft.com/office/drawing/2014/main" id="{C20E4AE0-0942-4C49-BB4F-A814A35384A0}"/>
-              </a:ext>
-            </a:extLst>
-          </p:cNvPr>
-          <p:cNvSpPr txBox="1">
-            <a:spLocks/>
-          </p:cNvSpPr>
-          <p:nvPr/>
-        </p:nvSpPr>
-        <p:spPr>
-          <a:xfrm>
-            <a:off x="643469" y="1782981"/>
-            <a:ext cx="4008384" cy="4393982"/>
-          </a:xfrm>
-          <a:prstGeom prst="rect">
-            <a:avLst/>
-          </a:prstGeom>
-        </p:spPr>
-        <p:txBody>
-          <a:bodyPr vert="horz" lIns="91440" tIns="45720" rIns="91440" bIns="45720" rtlCol="0">
-            <a:normAutofit/>
-          </a:bodyPr>
-          <a:lstStyle>
-            <a:lvl1pPr marL="228600" indent="-228600" algn="l" defTabSz="914400" rtl="0" eaLnBrk="1" latinLnBrk="0" hangingPunct="1">
-              <a:lnSpc>
-                <a:spcPct val="90000"/>
-              </a:lnSpc>
-              <a:spcBef>
-                <a:spcPts val="1000"/>
-              </a:spcBef>
-              <a:buFont typeface="Arial" panose="020B0604020202020204" pitchFamily="34" charset="0"/>
-              <a:buChar char="•"/>
-              <a:defRPr sz="2800" kern="1200">
-                <a:solidFill>
-                  <a:schemeClr val="tx1"/>
-                </a:solidFill>
-                <a:latin typeface="+mn-lt"/>
-                <a:ea typeface="+mn-ea"/>
-                <a:cs typeface="+mn-cs"/>
-              </a:defRPr>
-            </a:lvl1pPr>
-            <a:lvl2pPr marL="685800" indent="-228600" algn="l" defTabSz="914400" rtl="0" eaLnBrk="1" latinLnBrk="0" hangingPunct="1">
-              <a:lnSpc>
-                <a:spcPct val="90000"/>
-              </a:lnSpc>
-              <a:spcBef>
-                <a:spcPts val="500"/>
-              </a:spcBef>
-              <a:buFont typeface="Arial" panose="020B0604020202020204" pitchFamily="34" charset="0"/>
-              <a:buChar char="•"/>
-              <a:defRPr sz="2400" kern="1200">
-                <a:solidFill>
-                  <a:schemeClr val="tx1"/>
-                </a:solidFill>
-                <a:latin typeface="+mn-lt"/>
-                <a:ea typeface="+mn-ea"/>
-                <a:cs typeface="+mn-cs"/>
-              </a:defRPr>
-            </a:lvl2pPr>
-            <a:lvl3pPr marL="1143000" indent="-228600" algn="l" defTabSz="914400" rtl="0" eaLnBrk="1" latinLnBrk="0" hangingPunct="1">
-              <a:lnSpc>
-                <a:spcPct val="90000"/>
-              </a:lnSpc>
-              <a:spcBef>
-                <a:spcPts val="500"/>
-              </a:spcBef>
-              <a:buFont typeface="Arial" panose="020B0604020202020204" pitchFamily="34" charset="0"/>
-              <a:buChar char="•"/>
-              <a:defRPr sz="2000" kern="1200">
-                <a:solidFill>
-                  <a:schemeClr val="tx1"/>
-                </a:solidFill>
-                <a:latin typeface="+mn-lt"/>
-                <a:ea typeface="+mn-ea"/>
-                <a:cs typeface="+mn-cs"/>
-              </a:defRPr>
-            </a:lvl3pPr>
-            <a:lvl4pPr marL="1600200" indent="-228600" algn="l" defTabSz="914400" rtl="0" eaLnBrk="1" latinLnBrk="0" hangingPunct="1">
-              <a:lnSpc>
-                <a:spcPct val="90000"/>
-              </a:lnSpc>
-              <a:spcBef>
-                <a:spcPts val="500"/>
-              </a:spcBef>
-              <a:buFont typeface="Arial" panose="020B0604020202020204" pitchFamily="34" charset="0"/>
-              <a:buChar char="•"/>
-              <a:defRPr sz="1800" kern="1200">
-                <a:solidFill>
-                  <a:schemeClr val="tx1"/>
-                </a:solidFill>
-                <a:latin typeface="+mn-lt"/>
-                <a:ea typeface="+mn-ea"/>
-                <a:cs typeface="+mn-cs"/>
-              </a:defRPr>
-            </a:lvl4pPr>
-            <a:lvl5pPr marL="2057400" indent="-228600" algn="l" defTabSz="914400" rtl="0" eaLnBrk="1" latinLnBrk="0" hangingPunct="1">
-              <a:lnSpc>
-                <a:spcPct val="90000"/>
-              </a:lnSpc>
-              <a:spcBef>
-                <a:spcPts val="500"/>
-              </a:spcBef>
-              <a:buFont typeface="Arial" panose="020B0604020202020204" pitchFamily="34" charset="0"/>
-              <a:buChar char="•"/>
-              <a:defRPr sz="1800" kern="1200">
-                <a:solidFill>
-                  <a:schemeClr val="tx1"/>
-                </a:solidFill>
-                <a:latin typeface="+mn-lt"/>
-                <a:ea typeface="+mn-ea"/>
-                <a:cs typeface="+mn-cs"/>
-              </a:defRPr>
-            </a:lvl5pPr>
-            <a:lvl6pPr marL="2514600" indent="-228600" algn="l" defTabSz="914400" rtl="0" eaLnBrk="1" latinLnBrk="0" hangingPunct="1">
-              <a:lnSpc>
-                <a:spcPct val="90000"/>
-              </a:lnSpc>
-              <a:spcBef>
-                <a:spcPts val="500"/>
-              </a:spcBef>
-              <a:buFont typeface="Arial" panose="020B0604020202020204" pitchFamily="34" charset="0"/>
-              <a:buChar char="•"/>
-              <a:defRPr sz="1800" kern="1200">
-                <a:solidFill>
-                  <a:schemeClr val="tx1"/>
-                </a:solidFill>
-                <a:latin typeface="+mn-lt"/>
-                <a:ea typeface="+mn-ea"/>
-                <a:cs typeface="+mn-cs"/>
-              </a:defRPr>
-            </a:lvl6pPr>
-            <a:lvl7pPr marL="2971800" indent="-228600" algn="l" defTabSz="914400" rtl="0" eaLnBrk="1" latinLnBrk="0" hangingPunct="1">
-              <a:lnSpc>
-                <a:spcPct val="90000"/>
-              </a:lnSpc>
-              <a:spcBef>
-                <a:spcPts val="500"/>
-              </a:spcBef>
-              <a:buFont typeface="Arial" panose="020B0604020202020204" pitchFamily="34" charset="0"/>
-              <a:buChar char="•"/>
-              <a:defRPr sz="1800" kern="1200">
-                <a:solidFill>
-                  <a:schemeClr val="tx1"/>
-                </a:solidFill>
-                <a:latin typeface="+mn-lt"/>
-                <a:ea typeface="+mn-ea"/>
-                <a:cs typeface="+mn-cs"/>
-              </a:defRPr>
-            </a:lvl7pPr>
-            <a:lvl8pPr marL="3429000" indent="-228600" algn="l" defTabSz="914400" rtl="0" eaLnBrk="1" latinLnBrk="0" hangingPunct="1">
-              <a:lnSpc>
-                <a:spcPct val="90000"/>
-              </a:lnSpc>
-              <a:spcBef>
-                <a:spcPts val="500"/>
-              </a:spcBef>
-              <a:buFont typeface="Arial" panose="020B0604020202020204" pitchFamily="34" charset="0"/>
-              <a:buChar char="•"/>
-              <a:defRPr sz="1800" kern="1200">
-                <a:solidFill>
-                  <a:schemeClr val="tx1"/>
-                </a:solidFill>
-                <a:latin typeface="+mn-lt"/>
-                <a:ea typeface="+mn-ea"/>
-                <a:cs typeface="+mn-cs"/>
-              </a:defRPr>
-            </a:lvl8pPr>
-            <a:lvl9pPr marL="3886200" indent="-228600" algn="l" defTabSz="914400" rtl="0" eaLnBrk="1" latinLnBrk="0" hangingPunct="1">
-              <a:lnSpc>
-                <a:spcPct val="90000"/>
-              </a:lnSpc>
-              <a:spcBef>
-                <a:spcPts val="500"/>
-              </a:spcBef>
-              <a:buFont typeface="Arial" panose="020B0604020202020204" pitchFamily="34" charset="0"/>
-              <a:buChar char="•"/>
-              <a:defRPr sz="1800" kern="1200">
-                <a:solidFill>
-                  <a:schemeClr val="tx1"/>
-                </a:solidFill>
-                <a:latin typeface="+mn-lt"/>
-                <a:ea typeface="+mn-ea"/>
-                <a:cs typeface="+mn-cs"/>
-              </a:defRPr>
-            </a:lvl9pPr>
-          </a:lstStyle>
-          <a:p>
-            <a:endParaRPr lang="en-US" sz="2000" dirty="0"/>
-          </a:p>
-        </p:txBody>
-      </p:sp>
-      <p:grpSp>
-        <p:nvGrpSpPr>
-          <p:cNvPr id="26" name="Group 25">
-            <a:extLst>
-              <a:ext uri="{FF2B5EF4-FFF2-40B4-BE49-F238E27FC236}">
-                <a16:creationId xmlns:a16="http://schemas.microsoft.com/office/drawing/2014/main" id="{828A5161-06F1-46CF-8AD7-844680A59E13}"/>
-              </a:ext>
-              <a:ext uri="{C183D7F6-B498-43B3-948B-1728B52AA6E4}">
-                <adec:decorative xmlns:adec="http://schemas.microsoft.com/office/drawing/2017/decorative" val="1"/>
-              </a:ext>
-            </a:extLst>
-          </p:cNvPr>
-          <p:cNvGrpSpPr>
-            <a:grpSpLocks noGrp="1" noUngrp="1" noRot="1" noChangeAspect="1" noMove="1" noResize="1"/>
-          </p:cNvGrpSpPr>
-          <p:nvPr>
-            <p:extLst>
-              <p:ext uri="{386F3935-93C4-4BCD-93E2-E3B085C9AB24}">
-                <p16:designElem xmlns:p16="http://schemas.microsoft.com/office/powerpoint/2015/main" val="1"/>
-              </p:ext>
-            </p:extLst>
-          </p:nvPr>
-        </p:nvGrpSpPr>
-        <p:grpSpPr>
-          <a:xfrm>
-            <a:off x="0" y="4601497"/>
-            <a:ext cx="1014060" cy="2017580"/>
-            <a:chOff x="0" y="4601497"/>
-            <a:chExt cx="1014060" cy="2017580"/>
-          </a:xfrm>
-        </p:grpSpPr>
-        <p:sp>
-          <p:nvSpPr>
-            <p:cNvPr id="27" name="Isosceles Triangle 26">
-              <a:extLst>
-                <a:ext uri="{FF2B5EF4-FFF2-40B4-BE49-F238E27FC236}">
-                  <a16:creationId xmlns:a16="http://schemas.microsoft.com/office/drawing/2014/main" id="{D3F51FEB-38FB-4F6C-9F7B-2F2AFAB65463}"/>
-                </a:ext>
-                <a:ext uri="{C183D7F6-B498-43B3-948B-1728B52AA6E4}">
-                  <adec:decorative xmlns:adec="http://schemas.microsoft.com/office/drawing/2017/decorative" val="1"/>
-                </a:ext>
-              </a:extLst>
-            </p:cNvPr>
-            <p:cNvSpPr/>
-            <p:nvPr>
-              <p:extLst>
-                <p:ext uri="{386F3935-93C4-4BCD-93E2-E3B085C9AB24}">
-                  <p16:designElem xmlns:p16="http://schemas.microsoft.com/office/powerpoint/2015/main" val="1"/>
-                </p:ext>
-              </p:extLst>
-            </p:nvPr>
-          </p:nvSpPr>
-          <p:spPr>
-            <a:xfrm rot="5400000">
-              <a:off x="-501760" y="5103257"/>
-              <a:ext cx="2017580" cy="1014060"/>
-            </a:xfrm>
-            <a:prstGeom prst="triangle">
-              <a:avLst>
-                <a:gd name="adj" fmla="val 50000"/>
-              </a:avLst>
-            </a:prstGeom>
-            <a:solidFill>
-              <a:schemeClr val="accent1">
-                <a:alpha val="30000"/>
-              </a:schemeClr>
-            </a:solidFill>
-            <a:ln>
-              <a:noFill/>
-            </a:ln>
-          </p:spPr>
-          <p:style>
-            <a:lnRef idx="2">
-              <a:schemeClr val="accent1">
-                <a:shade val="50000"/>
-              </a:schemeClr>
-            </a:lnRef>
-            <a:fillRef idx="1">
-              <a:schemeClr val="accent1"/>
-            </a:fillRef>
-            <a:effectRef idx="0">
-              <a:schemeClr val="accent1"/>
-            </a:effectRef>
-            <a:fontRef idx="minor">
-              <a:schemeClr val="lt1"/>
-            </a:fontRef>
-          </p:style>
-          <p:txBody>
-            <a:bodyPr rtlCol="0" anchor="ctr"/>
-            <a:lstStyle/>
-            <a:p>
-              <a:pPr algn="ctr"/>
-              <a:endParaRPr lang="en-US" dirty="0"/>
-            </a:p>
-          </p:txBody>
-        </p:sp>
-        <p:sp>
-          <p:nvSpPr>
-            <p:cNvPr id="28" name="Rectangle 27">
-              <a:extLst>
-                <a:ext uri="{FF2B5EF4-FFF2-40B4-BE49-F238E27FC236}">
-                  <a16:creationId xmlns:a16="http://schemas.microsoft.com/office/drawing/2014/main" id="{1E547BA6-BAE0-43BB-A7CA-60F69CE252F0}"/>
-                </a:ext>
-                <a:ext uri="{C183D7F6-B498-43B3-948B-1728B52AA6E4}">
-                  <adec:decorative xmlns:adec="http://schemas.microsoft.com/office/drawing/2017/decorative" val="1"/>
-                </a:ext>
-              </a:extLst>
-            </p:cNvPr>
-            <p:cNvSpPr/>
-            <p:nvPr>
-              <p:extLst>
-                <p:ext uri="{386F3935-93C4-4BCD-93E2-E3B085C9AB24}">
-                  <p16:designElem xmlns:p16="http://schemas.microsoft.com/office/powerpoint/2015/main" val="1"/>
-                </p:ext>
-              </p:extLst>
-            </p:nvPr>
-          </p:nvSpPr>
-          <p:spPr>
-            <a:xfrm rot="2700000">
-              <a:off x="427916" y="5728708"/>
-              <a:ext cx="485578" cy="485578"/>
-            </a:xfrm>
-            <a:prstGeom prst="rect">
-              <a:avLst/>
-            </a:prstGeom>
-            <a:solidFill>
-              <a:schemeClr val="accent1">
-                <a:alpha val="30000"/>
-              </a:schemeClr>
-            </a:solidFill>
-            <a:ln>
-              <a:noFill/>
-            </a:ln>
-          </p:spPr>
-          <p:style>
-            <a:lnRef idx="2">
-              <a:schemeClr val="accent1">
-                <a:shade val="50000"/>
-              </a:schemeClr>
-            </a:lnRef>
-            <a:fillRef idx="1">
-              <a:schemeClr val="accent1"/>
-            </a:fillRef>
-            <a:effectRef idx="0">
-              <a:schemeClr val="accent1"/>
-            </a:effectRef>
-            <a:fontRef idx="minor">
-              <a:schemeClr val="lt1"/>
-            </a:fontRef>
-          </p:style>
-          <p:txBody>
-            <a:bodyPr rtlCol="0" anchor="ctr"/>
-            <a:lstStyle/>
-            <a:p>
-              <a:pPr algn="ctr"/>
-              <a:endParaRPr lang="en-US" dirty="0"/>
-            </a:p>
-          </p:txBody>
-        </p:sp>
-      </p:grpSp>
-      <p:pic>
-        <p:nvPicPr>
           <p:cNvPr id="5" name="Immagine 4">
             <a:extLst>
               <a:ext uri="{FF2B5EF4-FFF2-40B4-BE49-F238E27FC236}">
@@ -5264,10 +5322,12 @@
           </a:bodyPr>
           <a:lstStyle/>
           <a:p>
-            <a:pPr>
+            <a:pPr marL="342900" indent="-342900">
               <a:spcBef>
                 <a:spcPts val="1000"/>
               </a:spcBef>
+              <a:buFont typeface="Arial" panose="020B0604020202020204" pitchFamily="34" charset="0"/>
+              <a:buChar char="•"/>
             </a:pPr>
             <a:r>
               <a:rPr lang="it-IT" sz="2000" dirty="0">
@@ -5277,10 +5337,12 @@
             </a:r>
           </a:p>
           <a:p>
-            <a:pPr>
+            <a:pPr marL="342900" indent="-342900">
               <a:spcBef>
                 <a:spcPts val="1000"/>
               </a:spcBef>
+              <a:buFont typeface="Arial" panose="020B0604020202020204" pitchFamily="34" charset="0"/>
+              <a:buChar char="•"/>
             </a:pPr>
             <a:r>
               <a:rPr lang="it-IT" sz="2000" dirty="0">
@@ -5643,7 +5705,7 @@
               <a:rPr lang="en-US" sz="2000" dirty="0">
                 <a:latin typeface="+mj-lt"/>
               </a:rPr>
-              <a:t>I risultati migliori sono stati ottenuti dall’algoritmo genetico che ha il vantaggio di essere semplice poichè i parametri non sono impostati a tentativi a differenza dell’algoritmo FDSA</a:t>
+              <a:t>I risultati migliori sono stati ottenuti dall’algoritmo FDSA, tuttavia secondo noi il migliore algoritmo è quello genetico per la sua semplicità di utilizzo</a:t>
             </a:r>
           </a:p>
           <a:p>
@@ -10359,7 +10421,7 @@
               <a:rPr lang="en-US" sz="2000" dirty="0">
                 <a:latin typeface="+mj-lt"/>
               </a:rPr>
-              <a:t>Algoritmo simile al precedente con una differenza: a partire da un guess iniziale scelto in modo casuale tendiamo a non spostarci troppo</a:t>
+              <a:t>Algoritmo simile al precedente con una differenza: a partire da un guess iniziale scelto in modo casuale esploriamo l’intorno</a:t>
             </a:r>
           </a:p>
           <a:p>
@@ -10744,7 +10806,7 @@
         </p:nvSpPr>
         <p:spPr>
           <a:xfrm>
-            <a:off x="1014060" y="5141798"/>
+            <a:off x="1014060" y="5153087"/>
             <a:ext cx="10205230" cy="1015663"/>
           </a:xfrm>
           <a:prstGeom prst="rect">
@@ -11103,9 +11165,6 @@
             </a:lvl9pPr>
           </a:lstStyle>
           <a:p>
-            <a:pPr marL="0" indent="0">
-              <a:buNone/>
-            </a:pPr>
             <a:r>
               <a:rPr lang="en-US" sz="2000" dirty="0">
                 <a:latin typeface="+mj-lt"/>
@@ -11114,9 +11173,6 @@
             </a:r>
           </a:p>
           <a:p>
-            <a:pPr marL="0" indent="0">
-              <a:buNone/>
-            </a:pPr>
             <a:r>
               <a:rPr lang="en-US" sz="2000" dirty="0">
                 <a:latin typeface="+mj-lt"/>
@@ -11476,6 +11532,43 @@
           </p:txBody>
         </p:sp>
       </p:grpSp>
+      <p:sp>
+        <p:nvSpPr>
+          <p:cNvPr id="12" name="CasellaDiTesto 11">
+            <a:extLst>
+              <a:ext uri="{FF2B5EF4-FFF2-40B4-BE49-F238E27FC236}">
+                <a16:creationId xmlns:a16="http://schemas.microsoft.com/office/drawing/2014/main" id="{B8D2458F-55FF-8B40-9481-A295B24B4958}"/>
+              </a:ext>
+            </a:extLst>
+          </p:cNvPr>
+          <p:cNvSpPr txBox="1"/>
+          <p:nvPr/>
+        </p:nvSpPr>
+        <p:spPr>
+          <a:xfrm>
+            <a:off x="1014060" y="5141798"/>
+            <a:ext cx="10205230" cy="707886"/>
+          </a:xfrm>
+          <a:prstGeom prst="rect">
+            <a:avLst/>
+          </a:prstGeom>
+          <a:noFill/>
+        </p:spPr>
+        <p:txBody>
+          <a:bodyPr wrap="square" rtlCol="0">
+            <a:spAutoFit/>
+          </a:bodyPr>
+          <a:lstStyle/>
+          <a:p>
+            <a:r>
+              <a:rPr lang="it-IT" sz="2000" dirty="0">
+                <a:latin typeface="+mj-lt"/>
+              </a:rPr>
+              <a:t>Come si può notare dal grafico la combinazione dei due algoritmi non genera un miglioramento dei risultati rispetto all’algoritmo A preso singolarmente</a:t>
+            </a:r>
+          </a:p>
+        </p:txBody>
+      </p:sp>
     </p:spTree>
     <p:extLst>
       <p:ext uri="{BB962C8B-B14F-4D97-AF65-F5344CB8AC3E}">

--- a/R/Decision Making slides.pptx
+++ b/R/Decision Making slides.pptx
@@ -270,7 +270,7 @@
           <a:p>
             <a:fld id="{FD2E41BA-F14B-49FC-83F3-F6A240803BD9}" type="datetimeFigureOut">
               <a:rPr lang="it-IT" smtClean="0"/>
-              <a:t>11/02/22</a:t>
+              <a:t>11/02/2022</a:t>
             </a:fld>
             <a:endParaRPr lang="it-IT" dirty="0"/>
           </a:p>
@@ -468,7 +468,7 @@
           <a:p>
             <a:fld id="{FD2E41BA-F14B-49FC-83F3-F6A240803BD9}" type="datetimeFigureOut">
               <a:rPr lang="it-IT" smtClean="0"/>
-              <a:t>11/02/22</a:t>
+              <a:t>11/02/2022</a:t>
             </a:fld>
             <a:endParaRPr lang="it-IT" dirty="0"/>
           </a:p>
@@ -676,7 +676,7 @@
           <a:p>
             <a:fld id="{FD2E41BA-F14B-49FC-83F3-F6A240803BD9}" type="datetimeFigureOut">
               <a:rPr lang="it-IT" smtClean="0"/>
-              <a:t>11/02/22</a:t>
+              <a:t>11/02/2022</a:t>
             </a:fld>
             <a:endParaRPr lang="it-IT" dirty="0"/>
           </a:p>
@@ -874,7 +874,7 @@
           <a:p>
             <a:fld id="{FD2E41BA-F14B-49FC-83F3-F6A240803BD9}" type="datetimeFigureOut">
               <a:rPr lang="it-IT" smtClean="0"/>
-              <a:t>11/02/22</a:t>
+              <a:t>11/02/2022</a:t>
             </a:fld>
             <a:endParaRPr lang="it-IT" dirty="0"/>
           </a:p>
@@ -1149,7 +1149,7 @@
           <a:p>
             <a:fld id="{FD2E41BA-F14B-49FC-83F3-F6A240803BD9}" type="datetimeFigureOut">
               <a:rPr lang="it-IT" smtClean="0"/>
-              <a:t>11/02/22</a:t>
+              <a:t>11/02/2022</a:t>
             </a:fld>
             <a:endParaRPr lang="it-IT" dirty="0"/>
           </a:p>
@@ -1414,7 +1414,7 @@
           <a:p>
             <a:fld id="{FD2E41BA-F14B-49FC-83F3-F6A240803BD9}" type="datetimeFigureOut">
               <a:rPr lang="it-IT" smtClean="0"/>
-              <a:t>11/02/22</a:t>
+              <a:t>11/02/2022</a:t>
             </a:fld>
             <a:endParaRPr lang="it-IT" dirty="0"/>
           </a:p>
@@ -1826,7 +1826,7 @@
           <a:p>
             <a:fld id="{FD2E41BA-F14B-49FC-83F3-F6A240803BD9}" type="datetimeFigureOut">
               <a:rPr lang="it-IT" smtClean="0"/>
-              <a:t>11/02/22</a:t>
+              <a:t>11/02/2022</a:t>
             </a:fld>
             <a:endParaRPr lang="it-IT" dirty="0"/>
           </a:p>
@@ -1967,7 +1967,7 @@
           <a:p>
             <a:fld id="{FD2E41BA-F14B-49FC-83F3-F6A240803BD9}" type="datetimeFigureOut">
               <a:rPr lang="it-IT" smtClean="0"/>
-              <a:t>11/02/22</a:t>
+              <a:t>11/02/2022</a:t>
             </a:fld>
             <a:endParaRPr lang="it-IT" dirty="0"/>
           </a:p>
@@ -2080,7 +2080,7 @@
           <a:p>
             <a:fld id="{FD2E41BA-F14B-49FC-83F3-F6A240803BD9}" type="datetimeFigureOut">
               <a:rPr lang="it-IT" smtClean="0"/>
-              <a:t>11/02/22</a:t>
+              <a:t>11/02/2022</a:t>
             </a:fld>
             <a:endParaRPr lang="it-IT" dirty="0"/>
           </a:p>
@@ -2391,7 +2391,7 @@
           <a:p>
             <a:fld id="{FD2E41BA-F14B-49FC-83F3-F6A240803BD9}" type="datetimeFigureOut">
               <a:rPr lang="it-IT" smtClean="0"/>
-              <a:t>11/02/22</a:t>
+              <a:t>11/02/2022</a:t>
             </a:fld>
             <a:endParaRPr lang="it-IT" dirty="0"/>
           </a:p>
@@ -2679,7 +2679,7 @@
           <a:p>
             <a:fld id="{FD2E41BA-F14B-49FC-83F3-F6A240803BD9}" type="datetimeFigureOut">
               <a:rPr lang="it-IT" smtClean="0"/>
-              <a:t>11/02/22</a:t>
+              <a:t>11/02/2022</a:t>
             </a:fld>
             <a:endParaRPr lang="it-IT" dirty="0"/>
           </a:p>
@@ -2920,7 +2920,7 @@
           <a:p>
             <a:fld id="{FD2E41BA-F14B-49FC-83F3-F6A240803BD9}" type="datetimeFigureOut">
               <a:rPr lang="it-IT" smtClean="0"/>
-              <a:t>11/02/22</a:t>
+              <a:t>11/02/2022</a:t>
             </a:fld>
             <a:endParaRPr lang="it-IT" dirty="0"/>
           </a:p>
@@ -4546,7 +4546,13 @@
               <a:rPr lang="en-US" sz="2000" dirty="0">
                 <a:latin typeface="+mj-lt"/>
               </a:rPr>
-              <a:t>Questo algoritmo risolve il problema basandosi sull’approssimazione del gradiente</a:t>
+              <a:t>Questo algoritmo risolve il problema basandosi sull’</a:t>
+            </a:r>
+            <a:r>
+              <a:rPr lang="en-US" sz="2000" b="1" dirty="0">
+                <a:latin typeface="+mj-lt"/>
+              </a:rPr>
+              <a:t>approssimazione del gradiente</a:t>
             </a:r>
           </a:p>
           <a:p>
@@ -4554,7 +4560,13 @@
               <a:rPr lang="en-US" sz="2000" dirty="0">
                 <a:latin typeface="+mj-lt"/>
               </a:rPr>
-              <a:t>Il mezzo tradizionale per formare l’approssimazione è il metodo delle differenze finite</a:t>
+              <a:t>Il mezzo tradizionale per formare l’approssimazione è il </a:t>
+            </a:r>
+            <a:r>
+              <a:rPr lang="en-US" sz="2000" b="1" dirty="0">
+                <a:latin typeface="+mj-lt"/>
+              </a:rPr>
+              <a:t>metodo delle differenze finite</a:t>
             </a:r>
           </a:p>
           <a:p>
@@ -4599,7 +4611,13 @@
               <a:rPr lang="it-IT" sz="2000" dirty="0">
                 <a:latin typeface="+mj-lt"/>
               </a:rPr>
-              <a:t>Seppure tale algoritmo produce ottimi risultati, il tempo speso per la ricerca dei valori da impostare ai parametri lo rende poco utilizzabile </a:t>
+              <a:t>Seppure tale algoritmo produce ottimi risultati, </a:t>
+            </a:r>
+            <a:r>
+              <a:rPr lang="it-IT" sz="2000" b="1" dirty="0">
+                <a:latin typeface="+mj-lt"/>
+              </a:rPr>
+              <a:t>il tempo speso per la ricerca dei valori da impostare ai parametri lo rende poco utilizzabile</a:t>
             </a:r>
           </a:p>
         </p:txBody>
@@ -5705,7 +5723,13 @@
               <a:rPr lang="en-US" sz="2000" dirty="0">
                 <a:latin typeface="+mj-lt"/>
               </a:rPr>
-              <a:t>I risultati migliori sono stati ottenuti dall’algoritmo FDSA, tuttavia secondo noi il migliore algoritmo è quello genetico per la sua semplicità di utilizzo</a:t>
+              <a:t>I risultati migliori sono stati ottenuti dall’algoritmo FDSA, tuttavia secondo noi </a:t>
+            </a:r>
+            <a:r>
+              <a:rPr lang="en-US" sz="2000" b="1" dirty="0">
+                <a:latin typeface="+mj-lt"/>
+              </a:rPr>
+              <a:t>il migliore algoritmo è quello genetico per la sua semplicità di utilizzo</a:t>
             </a:r>
           </a:p>
           <a:p>
@@ -8591,6 +8615,15 @@
               </a:rPr>
               <a:t>affetto da rumore</a:t>
             </a:r>
+            <a:r>
+              <a:rPr lang="it-IT" sz="2000" dirty="0">
+                <a:latin typeface="+mj-lt"/>
+              </a:rPr>
+              <a:t> (distribuzione uniforme, da -1 a 1)</a:t>
+            </a:r>
+            <a:endParaRPr lang="it-IT" sz="2000" b="1" dirty="0">
+              <a:latin typeface="+mj-lt"/>
+            </a:endParaRPr>
           </a:p>
           <a:p>
             <a:r>
@@ -9198,15 +9231,19 @@
               <a:rPr lang="it-IT" sz="2000" dirty="0">
                 <a:latin typeface="+mj-lt"/>
               </a:rPr>
-              <a:t>Il codice genera 100 coordinate x, y (N_ROUNDS)</a:t>
-            </a:r>
-          </a:p>
-          <a:p>
+              <a:t>Il codice genera </a:t>
+            </a:r>
+            <a:r>
+              <a:rPr lang="it-IT" sz="2000" b="1" dirty="0">
+                <a:latin typeface="+mj-lt"/>
+              </a:rPr>
+              <a:t>100 coordinate-soluzione x, y</a:t>
+            </a:r>
             <a:r>
               <a:rPr lang="it-IT" sz="2000" dirty="0">
                 <a:latin typeface="+mj-lt"/>
               </a:rPr>
-              <a:t>Per generare 1 coordinata vengono fatte 100 iterazioni (N_TESTS)</a:t>
+              <a:t> (N_ROUNDS)</a:t>
             </a:r>
           </a:p>
           <a:p>
@@ -9214,7 +9251,45 @@
               <a:rPr lang="it-IT" sz="2000" dirty="0">
                 <a:latin typeface="+mj-lt"/>
               </a:rPr>
-              <a:t>Ad ogni iterazione calcoliamo l’intensità con una coordinata e la paragoniamo alla migliore trovata fino a quel momento</a:t>
+              <a:t>Per generare </a:t>
+            </a:r>
+            <a:r>
+              <a:rPr lang="it-IT" sz="2000" b="1" dirty="0">
+                <a:latin typeface="+mj-lt"/>
+              </a:rPr>
+              <a:t>1 coordinata </a:t>
+            </a:r>
+            <a:r>
+              <a:rPr lang="it-IT" sz="2000" dirty="0">
+                <a:latin typeface="+mj-lt"/>
+              </a:rPr>
+              <a:t>vengono fatte </a:t>
+            </a:r>
+            <a:r>
+              <a:rPr lang="it-IT" sz="2000" b="1" dirty="0">
+                <a:latin typeface="+mj-lt"/>
+              </a:rPr>
+              <a:t>100 iterazioni </a:t>
+            </a:r>
+            <a:r>
+              <a:rPr lang="it-IT" sz="2000" dirty="0">
+                <a:latin typeface="+mj-lt"/>
+              </a:rPr>
+              <a:t>(N_TESTS)</a:t>
+            </a:r>
+          </a:p>
+          <a:p>
+            <a:r>
+              <a:rPr lang="it-IT" sz="2000" dirty="0">
+                <a:latin typeface="+mj-lt"/>
+              </a:rPr>
+              <a:t>Ad ogni iterazione calcoliamo l’intensità con una coordinata e </a:t>
+            </a:r>
+            <a:r>
+              <a:rPr lang="it-IT" sz="2000" b="1" dirty="0">
+                <a:latin typeface="+mj-lt"/>
+              </a:rPr>
+              <a:t>la paragoniamo alla migliore trovata fino a quel momento</a:t>
             </a:r>
           </a:p>
           <a:p>
@@ -9661,11 +9736,18 @@
             </a:lvl9pPr>
           </a:lstStyle>
           <a:p>
+            <a:pPr algn="just"/>
             <a:r>
               <a:rPr lang="en-US" sz="2000" dirty="0">
                 <a:latin typeface="+mj-lt"/>
               </a:rPr>
-              <a:t>Scegliere un guess iniziale in modo casuale</a:t>
+              <a:t>Scegliere un </a:t>
+            </a:r>
+            <a:r>
+              <a:rPr lang="en-US" sz="2000" b="1" dirty="0">
+                <a:latin typeface="+mj-lt"/>
+              </a:rPr>
+              <a:t>guess iniziale in modo casuale</a:t>
             </a:r>
           </a:p>
           <a:p>
@@ -9673,7 +9755,19 @@
               <a:rPr lang="en-US" sz="2000" dirty="0">
                 <a:latin typeface="+mj-lt"/>
               </a:rPr>
-              <a:t>A ogni passo generare un nuovo guess casuale all’interno del dominio </a:t>
+              <a:t>Ad ogni passo generare </a:t>
+            </a:r>
+            <a:r>
+              <a:rPr lang="en-US" sz="2000" b="1" dirty="0">
+                <a:latin typeface="+mj-lt"/>
+              </a:rPr>
+              <a:t>un nuovo guess casuale </a:t>
+            </a:r>
+            <a:r>
+              <a:rPr lang="en-US" sz="2000" dirty="0">
+                <a:latin typeface="+mj-lt"/>
+              </a:rPr>
+              <a:t>all’interno del dominio </a:t>
             </a:r>
           </a:p>
           <a:p>
@@ -10076,7 +10170,19 @@
               <a:rPr lang="it-IT" sz="2000" dirty="0">
                 <a:latin typeface="+mj-lt"/>
               </a:rPr>
-              <a:t>Come si può notare dal grafico i punti in cui posizionare il terzo microfono convergono quasi tutti nella zona centrale del palco. Una buona soluzione per scegliere solo un punto potrebbe essere quella di scegliere il punto centrale appartenente a questa nuvola di punti</a:t>
+              <a:t>Come si può notare dal grafico i punti in cui posizionare il terzo microfono convergono </a:t>
+            </a:r>
+            <a:r>
+              <a:rPr lang="it-IT" sz="2000" b="1" dirty="0">
+                <a:latin typeface="+mj-lt"/>
+              </a:rPr>
+              <a:t>quasi tutti nella zona centrale del palco</a:t>
+            </a:r>
+            <a:r>
+              <a:rPr lang="it-IT" sz="2000" dirty="0">
+                <a:latin typeface="+mj-lt"/>
+              </a:rPr>
+              <a:t>. Una buona soluzione per scegliere solo un punto potrebbe essere quella di scegliere il punto centrale appartenente a questa nuvola di punti</a:t>
             </a:r>
           </a:p>
         </p:txBody>
@@ -10421,7 +10527,13 @@
               <a:rPr lang="en-US" sz="2000" dirty="0">
                 <a:latin typeface="+mj-lt"/>
               </a:rPr>
-              <a:t>Algoritmo simile al precedente con una differenza: a partire da un guess iniziale scelto in modo casuale esploriamo l’intorno</a:t>
+              <a:t>Algoritmo simile al precedente con una differenza: a partire </a:t>
+            </a:r>
+            <a:r>
+              <a:rPr lang="en-US" sz="2000" b="1" dirty="0">
+                <a:latin typeface="+mj-lt"/>
+              </a:rPr>
+              <a:t>da un guess iniziale scelto in modo casuale esploriamo l’intorno</a:t>
             </a:r>
           </a:p>
           <a:p>
@@ -10437,7 +10549,19 @@
               <a:rPr lang="en-US" sz="2000" dirty="0">
                 <a:latin typeface="+mj-lt"/>
               </a:rPr>
-              <a:t>Con questo metodo tuttavia si rischia di cadere in un minimo locale pensando che esso sia globale</a:t>
+              <a:t>Con questo metodo tuttavia </a:t>
+            </a:r>
+            <a:r>
+              <a:rPr lang="en-US" sz="2000" b="1" dirty="0">
+                <a:latin typeface="+mj-lt"/>
+              </a:rPr>
+              <a:t>si rischia di cadere in un minimo locale </a:t>
+            </a:r>
+            <a:r>
+              <a:rPr lang="en-US" sz="2000" dirty="0">
+                <a:latin typeface="+mj-lt"/>
+              </a:rPr>
+              <a:t>pensando che esso sia globale</a:t>
             </a:r>
           </a:p>
         </p:txBody>
@@ -10824,7 +10948,25 @@
               <a:rPr lang="it-IT" sz="2000" dirty="0">
                 <a:latin typeface="+mj-lt"/>
               </a:rPr>
-              <a:t>Come si può notare dal grafico i punti sono molto dispersi, questo perché se il primo punto si discosta molto dal punto di ottimo allora è difficile che i successivi, allontanandosi poco da quello, arrivino all’ottimo</a:t>
+              <a:t>Come si può notare dal grafico i punti sono molto dispersi, questo perché </a:t>
+            </a:r>
+            <a:r>
+              <a:rPr lang="it-IT" sz="2000" b="1" dirty="0">
+                <a:latin typeface="+mj-lt"/>
+              </a:rPr>
+              <a:t>se il primo punto si discosta molto dal punto di ottimo</a:t>
+            </a:r>
+            <a:r>
+              <a:rPr lang="it-IT" sz="2000" dirty="0">
+                <a:latin typeface="+mj-lt"/>
+              </a:rPr>
+              <a:t> allora è difficile che i successivi, allontanandosi poco da quello, </a:t>
+            </a:r>
+            <a:r>
+              <a:rPr lang="it-IT" sz="2000" b="1" dirty="0">
+                <a:latin typeface="+mj-lt"/>
+              </a:rPr>
+              <a:t>arrivino all’ottimo</a:t>
             </a:r>
           </a:p>
         </p:txBody>
@@ -11169,7 +11311,19 @@
               <a:rPr lang="en-US" sz="2000" dirty="0">
                 <a:latin typeface="+mj-lt"/>
               </a:rPr>
-              <a:t>Per superare i limiti dei due metodi abbiamo provato ad implementarli consecutivamente: attraverso l’algoritmo A abbiamo esplorato la funzione per avvicinarci all’ottimo globale</a:t>
+              <a:t>Per superare i limiti dei due metodi abbiamo provato ad </a:t>
+            </a:r>
+            <a:r>
+              <a:rPr lang="en-US" sz="2000" b="1" dirty="0">
+                <a:latin typeface="+mj-lt"/>
+              </a:rPr>
+              <a:t>implementarli consecutivamente</a:t>
+            </a:r>
+            <a:r>
+              <a:rPr lang="en-US" sz="2000" dirty="0">
+                <a:latin typeface="+mj-lt"/>
+              </a:rPr>
+              <a:t>: attraverso l’algoritmo A abbiamo esplorato la funzione per avvicinarci all’ottimo globale</a:t>
             </a:r>
           </a:p>
           <a:p>
@@ -11547,7 +11701,7 @@
         <p:spPr>
           <a:xfrm>
             <a:off x="1014060" y="5141798"/>
-            <a:ext cx="10205230" cy="707886"/>
+            <a:ext cx="10205230" cy="1015663"/>
           </a:xfrm>
           <a:prstGeom prst="rect">
             <a:avLst/>
@@ -11564,8 +11718,47 @@
               <a:rPr lang="it-IT" sz="2000" dirty="0">
                 <a:latin typeface="+mj-lt"/>
               </a:rPr>
-              <a:t>Come si può notare dal grafico la combinazione dei due algoritmi non genera un miglioramento dei risultati rispetto all’algoritmo A preso singolarmente</a:t>
-            </a:r>
+              <a:t>Come si può notare dal grafico la combinazione dei due algoritmi:</a:t>
+            </a:r>
+          </a:p>
+          <a:p>
+            <a:pPr marL="342900" indent="-342900">
+              <a:buFont typeface="Arial" panose="020B0604020202020204" pitchFamily="34" charset="0"/>
+              <a:buChar char="•"/>
+            </a:pPr>
+            <a:r>
+              <a:rPr lang="it-IT" sz="2000" dirty="0">
+                <a:latin typeface="+mj-lt"/>
+              </a:rPr>
+              <a:t>Non genera un miglioramento dei risultati rispetto all’algoritmo A</a:t>
+            </a:r>
+          </a:p>
+          <a:p>
+            <a:pPr marL="342900" indent="-342900">
+              <a:buFont typeface="Arial" panose="020B0604020202020204" pitchFamily="34" charset="0"/>
+              <a:buChar char="•"/>
+            </a:pPr>
+            <a:r>
+              <a:rPr lang="it-IT" sz="2000" dirty="0">
+                <a:latin typeface="+mj-lt"/>
+              </a:rPr>
+              <a:t>Genera un </a:t>
+            </a:r>
+            <a:r>
+              <a:rPr lang="it-IT" sz="2000" b="1" dirty="0">
+                <a:latin typeface="+mj-lt"/>
+              </a:rPr>
+              <a:t>miglioramento rispetto all’algoritmo B </a:t>
+            </a:r>
+            <a:r>
+              <a:rPr lang="it-IT" sz="2000" dirty="0">
+                <a:latin typeface="+mj-lt"/>
+              </a:rPr>
+              <a:t>preso singolarmente</a:t>
+            </a:r>
+            <a:endParaRPr lang="it-IT" sz="2000" b="1" dirty="0">
+              <a:latin typeface="+mj-lt"/>
+            </a:endParaRPr>
           </a:p>
         </p:txBody>
       </p:sp>

--- a/R/Decision Making slides.pptx
+++ b/R/Decision Making slides.pptx
@@ -16,7 +16,8 @@
     <p:sldId id="267" r:id="rId10"/>
     <p:sldId id="265" r:id="rId11"/>
     <p:sldId id="266" r:id="rId12"/>
-    <p:sldId id="268" r:id="rId13"/>
+    <p:sldId id="271" r:id="rId13"/>
+    <p:sldId id="268" r:id="rId14"/>
   </p:sldIdLst>
   <p:sldSz cx="12192000" cy="6858000"/>
   <p:notesSz cx="6858000" cy="9144000"/>
@@ -5516,6 +5517,696 @@
                 <a:ea typeface="+mj-ea"/>
                 <a:cs typeface="+mj-cs"/>
               </a:rPr>
+              <a:t>Algoritmo Genetico</a:t>
+            </a:r>
+          </a:p>
+        </p:txBody>
+      </p:sp>
+      <p:sp>
+        <p:nvSpPr>
+          <p:cNvPr id="19" name="Segnaposto contenuto 2">
+            <a:extLst>
+              <a:ext uri="{FF2B5EF4-FFF2-40B4-BE49-F238E27FC236}">
+                <a16:creationId xmlns:a16="http://schemas.microsoft.com/office/drawing/2014/main" id="{C20E4AE0-0942-4C49-BB4F-A814A35384A0}"/>
+              </a:ext>
+            </a:extLst>
+          </p:cNvPr>
+          <p:cNvSpPr txBox="1">
+            <a:spLocks/>
+          </p:cNvSpPr>
+          <p:nvPr/>
+        </p:nvSpPr>
+        <p:spPr>
+          <a:xfrm>
+            <a:off x="643469" y="1782981"/>
+            <a:ext cx="4008384" cy="4393982"/>
+          </a:xfrm>
+          <a:prstGeom prst="rect">
+            <a:avLst/>
+          </a:prstGeom>
+        </p:spPr>
+        <p:txBody>
+          <a:bodyPr vert="horz" lIns="91440" tIns="45720" rIns="91440" bIns="45720" rtlCol="0">
+            <a:normAutofit/>
+          </a:bodyPr>
+          <a:lstStyle>
+            <a:lvl1pPr marL="228600" indent="-228600" algn="l" defTabSz="914400" rtl="0" eaLnBrk="1" latinLnBrk="0" hangingPunct="1">
+              <a:lnSpc>
+                <a:spcPct val="90000"/>
+              </a:lnSpc>
+              <a:spcBef>
+                <a:spcPts val="1000"/>
+              </a:spcBef>
+              <a:buFont typeface="Arial" panose="020B0604020202020204" pitchFamily="34" charset="0"/>
+              <a:buChar char="•"/>
+              <a:defRPr sz="2800" kern="1200">
+                <a:solidFill>
+                  <a:schemeClr val="tx1"/>
+                </a:solidFill>
+                <a:latin typeface="+mn-lt"/>
+                <a:ea typeface="+mn-ea"/>
+                <a:cs typeface="+mn-cs"/>
+              </a:defRPr>
+            </a:lvl1pPr>
+            <a:lvl2pPr marL="685800" indent="-228600" algn="l" defTabSz="914400" rtl="0" eaLnBrk="1" latinLnBrk="0" hangingPunct="1">
+              <a:lnSpc>
+                <a:spcPct val="90000"/>
+              </a:lnSpc>
+              <a:spcBef>
+                <a:spcPts val="500"/>
+              </a:spcBef>
+              <a:buFont typeface="Arial" panose="020B0604020202020204" pitchFamily="34" charset="0"/>
+              <a:buChar char="•"/>
+              <a:defRPr sz="2400" kern="1200">
+                <a:solidFill>
+                  <a:schemeClr val="tx1"/>
+                </a:solidFill>
+                <a:latin typeface="+mn-lt"/>
+                <a:ea typeface="+mn-ea"/>
+                <a:cs typeface="+mn-cs"/>
+              </a:defRPr>
+            </a:lvl2pPr>
+            <a:lvl3pPr marL="1143000" indent="-228600" algn="l" defTabSz="914400" rtl="0" eaLnBrk="1" latinLnBrk="0" hangingPunct="1">
+              <a:lnSpc>
+                <a:spcPct val="90000"/>
+              </a:lnSpc>
+              <a:spcBef>
+                <a:spcPts val="500"/>
+              </a:spcBef>
+              <a:buFont typeface="Arial" panose="020B0604020202020204" pitchFamily="34" charset="0"/>
+              <a:buChar char="•"/>
+              <a:defRPr sz="2000" kern="1200">
+                <a:solidFill>
+                  <a:schemeClr val="tx1"/>
+                </a:solidFill>
+                <a:latin typeface="+mn-lt"/>
+                <a:ea typeface="+mn-ea"/>
+                <a:cs typeface="+mn-cs"/>
+              </a:defRPr>
+            </a:lvl3pPr>
+            <a:lvl4pPr marL="1600200" indent="-228600" algn="l" defTabSz="914400" rtl="0" eaLnBrk="1" latinLnBrk="0" hangingPunct="1">
+              <a:lnSpc>
+                <a:spcPct val="90000"/>
+              </a:lnSpc>
+              <a:spcBef>
+                <a:spcPts val="500"/>
+              </a:spcBef>
+              <a:buFont typeface="Arial" panose="020B0604020202020204" pitchFamily="34" charset="0"/>
+              <a:buChar char="•"/>
+              <a:defRPr sz="1800" kern="1200">
+                <a:solidFill>
+                  <a:schemeClr val="tx1"/>
+                </a:solidFill>
+                <a:latin typeface="+mn-lt"/>
+                <a:ea typeface="+mn-ea"/>
+                <a:cs typeface="+mn-cs"/>
+              </a:defRPr>
+            </a:lvl4pPr>
+            <a:lvl5pPr marL="2057400" indent="-228600" algn="l" defTabSz="914400" rtl="0" eaLnBrk="1" latinLnBrk="0" hangingPunct="1">
+              <a:lnSpc>
+                <a:spcPct val="90000"/>
+              </a:lnSpc>
+              <a:spcBef>
+                <a:spcPts val="500"/>
+              </a:spcBef>
+              <a:buFont typeface="Arial" panose="020B0604020202020204" pitchFamily="34" charset="0"/>
+              <a:buChar char="•"/>
+              <a:defRPr sz="1800" kern="1200">
+                <a:solidFill>
+                  <a:schemeClr val="tx1"/>
+                </a:solidFill>
+                <a:latin typeface="+mn-lt"/>
+                <a:ea typeface="+mn-ea"/>
+                <a:cs typeface="+mn-cs"/>
+              </a:defRPr>
+            </a:lvl5pPr>
+            <a:lvl6pPr marL="2514600" indent="-228600" algn="l" defTabSz="914400" rtl="0" eaLnBrk="1" latinLnBrk="0" hangingPunct="1">
+              <a:lnSpc>
+                <a:spcPct val="90000"/>
+              </a:lnSpc>
+              <a:spcBef>
+                <a:spcPts val="500"/>
+              </a:spcBef>
+              <a:buFont typeface="Arial" panose="020B0604020202020204" pitchFamily="34" charset="0"/>
+              <a:buChar char="•"/>
+              <a:defRPr sz="1800" kern="1200">
+                <a:solidFill>
+                  <a:schemeClr val="tx1"/>
+                </a:solidFill>
+                <a:latin typeface="+mn-lt"/>
+                <a:ea typeface="+mn-ea"/>
+                <a:cs typeface="+mn-cs"/>
+              </a:defRPr>
+            </a:lvl6pPr>
+            <a:lvl7pPr marL="2971800" indent="-228600" algn="l" defTabSz="914400" rtl="0" eaLnBrk="1" latinLnBrk="0" hangingPunct="1">
+              <a:lnSpc>
+                <a:spcPct val="90000"/>
+              </a:lnSpc>
+              <a:spcBef>
+                <a:spcPts val="500"/>
+              </a:spcBef>
+              <a:buFont typeface="Arial" panose="020B0604020202020204" pitchFamily="34" charset="0"/>
+              <a:buChar char="•"/>
+              <a:defRPr sz="1800" kern="1200">
+                <a:solidFill>
+                  <a:schemeClr val="tx1"/>
+                </a:solidFill>
+                <a:latin typeface="+mn-lt"/>
+                <a:ea typeface="+mn-ea"/>
+                <a:cs typeface="+mn-cs"/>
+              </a:defRPr>
+            </a:lvl7pPr>
+            <a:lvl8pPr marL="3429000" indent="-228600" algn="l" defTabSz="914400" rtl="0" eaLnBrk="1" latinLnBrk="0" hangingPunct="1">
+              <a:lnSpc>
+                <a:spcPct val="90000"/>
+              </a:lnSpc>
+              <a:spcBef>
+                <a:spcPts val="500"/>
+              </a:spcBef>
+              <a:buFont typeface="Arial" panose="020B0604020202020204" pitchFamily="34" charset="0"/>
+              <a:buChar char="•"/>
+              <a:defRPr sz="1800" kern="1200">
+                <a:solidFill>
+                  <a:schemeClr val="tx1"/>
+                </a:solidFill>
+                <a:latin typeface="+mn-lt"/>
+                <a:ea typeface="+mn-ea"/>
+                <a:cs typeface="+mn-cs"/>
+              </a:defRPr>
+            </a:lvl8pPr>
+            <a:lvl9pPr marL="3886200" indent="-228600" algn="l" defTabSz="914400" rtl="0" eaLnBrk="1" latinLnBrk="0" hangingPunct="1">
+              <a:lnSpc>
+                <a:spcPct val="90000"/>
+              </a:lnSpc>
+              <a:spcBef>
+                <a:spcPts val="500"/>
+              </a:spcBef>
+              <a:buFont typeface="Arial" panose="020B0604020202020204" pitchFamily="34" charset="0"/>
+              <a:buChar char="•"/>
+              <a:defRPr sz="1800" kern="1200">
+                <a:solidFill>
+                  <a:schemeClr val="tx1"/>
+                </a:solidFill>
+                <a:latin typeface="+mn-lt"/>
+                <a:ea typeface="+mn-ea"/>
+                <a:cs typeface="+mn-cs"/>
+              </a:defRPr>
+            </a:lvl9pPr>
+          </a:lstStyle>
+          <a:p>
+            <a:endParaRPr lang="en-US" sz="2000" dirty="0"/>
+          </a:p>
+        </p:txBody>
+      </p:sp>
+      <p:grpSp>
+        <p:nvGrpSpPr>
+          <p:cNvPr id="26" name="Group 25">
+            <a:extLst>
+              <a:ext uri="{FF2B5EF4-FFF2-40B4-BE49-F238E27FC236}">
+                <a16:creationId xmlns:a16="http://schemas.microsoft.com/office/drawing/2014/main" id="{828A5161-06F1-46CF-8AD7-844680A59E13}"/>
+              </a:ext>
+              <a:ext uri="{C183D7F6-B498-43B3-948B-1728B52AA6E4}">
+                <adec:decorative xmlns:adec="http://schemas.microsoft.com/office/drawing/2017/decorative" val="1"/>
+              </a:ext>
+            </a:extLst>
+          </p:cNvPr>
+          <p:cNvGrpSpPr>
+            <a:grpSpLocks noGrp="1" noUngrp="1" noRot="1" noChangeAspect="1" noMove="1" noResize="1"/>
+          </p:cNvGrpSpPr>
+          <p:nvPr>
+            <p:extLst>
+              <p:ext uri="{386F3935-93C4-4BCD-93E2-E3B085C9AB24}">
+                <p16:designElem xmlns:p16="http://schemas.microsoft.com/office/powerpoint/2015/main" val="1"/>
+              </p:ext>
+            </p:extLst>
+          </p:nvPr>
+        </p:nvGrpSpPr>
+        <p:grpSpPr>
+          <a:xfrm>
+            <a:off x="0" y="4601497"/>
+            <a:ext cx="1014060" cy="2017580"/>
+            <a:chOff x="0" y="4601497"/>
+            <a:chExt cx="1014060" cy="2017580"/>
+          </a:xfrm>
+        </p:grpSpPr>
+        <p:sp>
+          <p:nvSpPr>
+            <p:cNvPr id="27" name="Isosceles Triangle 26">
+              <a:extLst>
+                <a:ext uri="{FF2B5EF4-FFF2-40B4-BE49-F238E27FC236}">
+                  <a16:creationId xmlns:a16="http://schemas.microsoft.com/office/drawing/2014/main" id="{D3F51FEB-38FB-4F6C-9F7B-2F2AFAB65463}"/>
+                </a:ext>
+                <a:ext uri="{C183D7F6-B498-43B3-948B-1728B52AA6E4}">
+                  <adec:decorative xmlns:adec="http://schemas.microsoft.com/office/drawing/2017/decorative" val="1"/>
+                </a:ext>
+              </a:extLst>
+            </p:cNvPr>
+            <p:cNvSpPr/>
+            <p:nvPr>
+              <p:extLst>
+                <p:ext uri="{386F3935-93C4-4BCD-93E2-E3B085C9AB24}">
+                  <p16:designElem xmlns:p16="http://schemas.microsoft.com/office/powerpoint/2015/main" val="1"/>
+                </p:ext>
+              </p:extLst>
+            </p:nvPr>
+          </p:nvSpPr>
+          <p:spPr>
+            <a:xfrm rot="5400000">
+              <a:off x="-501760" y="5103257"/>
+              <a:ext cx="2017580" cy="1014060"/>
+            </a:xfrm>
+            <a:prstGeom prst="triangle">
+              <a:avLst>
+                <a:gd name="adj" fmla="val 50000"/>
+              </a:avLst>
+            </a:prstGeom>
+            <a:solidFill>
+              <a:schemeClr val="accent1">
+                <a:alpha val="30000"/>
+              </a:schemeClr>
+            </a:solidFill>
+            <a:ln>
+              <a:noFill/>
+            </a:ln>
+          </p:spPr>
+          <p:style>
+            <a:lnRef idx="2">
+              <a:schemeClr val="accent1">
+                <a:shade val="50000"/>
+              </a:schemeClr>
+            </a:lnRef>
+            <a:fillRef idx="1">
+              <a:schemeClr val="accent1"/>
+            </a:fillRef>
+            <a:effectRef idx="0">
+              <a:schemeClr val="accent1"/>
+            </a:effectRef>
+            <a:fontRef idx="minor">
+              <a:schemeClr val="lt1"/>
+            </a:fontRef>
+          </p:style>
+          <p:txBody>
+            <a:bodyPr rtlCol="0" anchor="ctr"/>
+            <a:lstStyle/>
+            <a:p>
+              <a:pPr algn="ctr"/>
+              <a:endParaRPr lang="en-US" dirty="0"/>
+            </a:p>
+          </p:txBody>
+        </p:sp>
+        <p:sp>
+          <p:nvSpPr>
+            <p:cNvPr id="28" name="Rectangle 27">
+              <a:extLst>
+                <a:ext uri="{FF2B5EF4-FFF2-40B4-BE49-F238E27FC236}">
+                  <a16:creationId xmlns:a16="http://schemas.microsoft.com/office/drawing/2014/main" id="{1E547BA6-BAE0-43BB-A7CA-60F69CE252F0}"/>
+                </a:ext>
+                <a:ext uri="{C183D7F6-B498-43B3-948B-1728B52AA6E4}">
+                  <adec:decorative xmlns:adec="http://schemas.microsoft.com/office/drawing/2017/decorative" val="1"/>
+                </a:ext>
+              </a:extLst>
+            </p:cNvPr>
+            <p:cNvSpPr/>
+            <p:nvPr>
+              <p:extLst>
+                <p:ext uri="{386F3935-93C4-4BCD-93E2-E3B085C9AB24}">
+                  <p16:designElem xmlns:p16="http://schemas.microsoft.com/office/powerpoint/2015/main" val="1"/>
+                </p:ext>
+              </p:extLst>
+            </p:nvPr>
+          </p:nvSpPr>
+          <p:spPr>
+            <a:xfrm rot="2700000">
+              <a:off x="427916" y="5728708"/>
+              <a:ext cx="485578" cy="485578"/>
+            </a:xfrm>
+            <a:prstGeom prst="rect">
+              <a:avLst/>
+            </a:prstGeom>
+            <a:solidFill>
+              <a:schemeClr val="accent1">
+                <a:alpha val="30000"/>
+              </a:schemeClr>
+            </a:solidFill>
+            <a:ln>
+              <a:noFill/>
+            </a:ln>
+          </p:spPr>
+          <p:style>
+            <a:lnRef idx="2">
+              <a:schemeClr val="accent1">
+                <a:shade val="50000"/>
+              </a:schemeClr>
+            </a:lnRef>
+            <a:fillRef idx="1">
+              <a:schemeClr val="accent1"/>
+            </a:fillRef>
+            <a:effectRef idx="0">
+              <a:schemeClr val="accent1"/>
+            </a:effectRef>
+            <a:fontRef idx="minor">
+              <a:schemeClr val="lt1"/>
+            </a:fontRef>
+          </p:style>
+          <p:txBody>
+            <a:bodyPr rtlCol="0" anchor="ctr"/>
+            <a:lstStyle/>
+            <a:p>
+              <a:pPr algn="ctr"/>
+              <a:endParaRPr lang="en-US" dirty="0"/>
+            </a:p>
+          </p:txBody>
+        </p:sp>
+      </p:grpSp>
+      <p:grpSp>
+        <p:nvGrpSpPr>
+          <p:cNvPr id="30" name="Group 29">
+            <a:extLst>
+              <a:ext uri="{FF2B5EF4-FFF2-40B4-BE49-F238E27FC236}">
+                <a16:creationId xmlns:a16="http://schemas.microsoft.com/office/drawing/2014/main" id="{5995D10D-E9C9-47DB-AE7E-801FEF38F5C9}"/>
+              </a:ext>
+              <a:ext uri="{C183D7F6-B498-43B3-948B-1728B52AA6E4}">
+                <adec:decorative xmlns:adec="http://schemas.microsoft.com/office/drawing/2017/decorative" val="1"/>
+              </a:ext>
+            </a:extLst>
+          </p:cNvPr>
+          <p:cNvGrpSpPr>
+            <a:grpSpLocks noGrp="1" noUngrp="1" noRot="1" noChangeAspect="1" noMove="1" noResize="1"/>
+          </p:cNvGrpSpPr>
+          <p:nvPr>
+            <p:extLst>
+              <p:ext uri="{386F3935-93C4-4BCD-93E2-E3B085C9AB24}">
+                <p16:designElem xmlns:p16="http://schemas.microsoft.com/office/powerpoint/2015/main" val="1"/>
+              </p:ext>
+            </p:extLst>
+          </p:nvPr>
+        </p:nvGrpSpPr>
+        <p:grpSpPr>
+          <a:xfrm>
+            <a:off x="11219290" y="1"/>
+            <a:ext cx="972709" cy="1935307"/>
+            <a:chOff x="10918968" y="713127"/>
+            <a:chExt cx="1273032" cy="2532832"/>
+          </a:xfrm>
+        </p:grpSpPr>
+        <p:sp>
+          <p:nvSpPr>
+            <p:cNvPr id="31" name="Rectangle 30">
+              <a:extLst>
+                <a:ext uri="{FF2B5EF4-FFF2-40B4-BE49-F238E27FC236}">
+                  <a16:creationId xmlns:a16="http://schemas.microsoft.com/office/drawing/2014/main" id="{CC1A72C6-3DE4-4EC3-9AD5-9E0D40D8CE8A}"/>
+                </a:ext>
+                <a:ext uri="{C183D7F6-B498-43B3-948B-1728B52AA6E4}">
+                  <adec:decorative xmlns:adec="http://schemas.microsoft.com/office/drawing/2017/decorative" val="1"/>
+                </a:ext>
+              </a:extLst>
+            </p:cNvPr>
+            <p:cNvSpPr/>
+            <p:nvPr>
+              <p:extLst>
+                <p:ext uri="{386F3935-93C4-4BCD-93E2-E3B085C9AB24}">
+                  <p16:designElem xmlns:p16="http://schemas.microsoft.com/office/powerpoint/2015/main" val="1"/>
+                </p:ext>
+              </p:extLst>
+            </p:nvPr>
+          </p:nvSpPr>
+          <p:spPr>
+            <a:xfrm rot="2700000">
+              <a:off x="11052629" y="2120024"/>
+              <a:ext cx="645368" cy="645368"/>
+            </a:xfrm>
+            <a:prstGeom prst="rect">
+              <a:avLst/>
+            </a:prstGeom>
+            <a:solidFill>
+              <a:schemeClr val="accent4">
+                <a:alpha val="30000"/>
+              </a:schemeClr>
+            </a:solidFill>
+            <a:ln>
+              <a:noFill/>
+            </a:ln>
+          </p:spPr>
+          <p:style>
+            <a:lnRef idx="2">
+              <a:schemeClr val="accent1">
+                <a:shade val="50000"/>
+              </a:schemeClr>
+            </a:lnRef>
+            <a:fillRef idx="1">
+              <a:schemeClr val="accent1"/>
+            </a:fillRef>
+            <a:effectRef idx="0">
+              <a:schemeClr val="accent1"/>
+            </a:effectRef>
+            <a:fontRef idx="minor">
+              <a:schemeClr val="lt1"/>
+            </a:fontRef>
+          </p:style>
+          <p:txBody>
+            <a:bodyPr rtlCol="0" anchor="ctr"/>
+            <a:lstStyle/>
+            <a:p>
+              <a:pPr algn="ctr"/>
+              <a:endParaRPr lang="en-US" dirty="0"/>
+            </a:p>
+          </p:txBody>
+        </p:sp>
+        <p:sp>
+          <p:nvSpPr>
+            <p:cNvPr id="32" name="Isosceles Triangle 31">
+              <a:extLst>
+                <a:ext uri="{FF2B5EF4-FFF2-40B4-BE49-F238E27FC236}">
+                  <a16:creationId xmlns:a16="http://schemas.microsoft.com/office/drawing/2014/main" id="{0B0DA1F1-C391-4EDF-9FE0-23E86E137765}"/>
+                </a:ext>
+                <a:ext uri="{C183D7F6-B498-43B3-948B-1728B52AA6E4}">
+                  <adec:decorative xmlns:adec="http://schemas.microsoft.com/office/drawing/2017/decorative" val="1"/>
+                </a:ext>
+              </a:extLst>
+            </p:cNvPr>
+            <p:cNvSpPr/>
+            <p:nvPr>
+              <p:extLst>
+                <p:ext uri="{386F3935-93C4-4BCD-93E2-E3B085C9AB24}">
+                  <p16:designElem xmlns:p16="http://schemas.microsoft.com/office/powerpoint/2015/main" val="1"/>
+                </p:ext>
+              </p:extLst>
+            </p:nvPr>
+          </p:nvSpPr>
+          <p:spPr>
+            <a:xfrm rot="16200000">
+              <a:off x="10289068" y="1343027"/>
+              <a:ext cx="2532832" cy="1273032"/>
+            </a:xfrm>
+            <a:prstGeom prst="triangle">
+              <a:avLst>
+                <a:gd name="adj" fmla="val 50000"/>
+              </a:avLst>
+            </a:prstGeom>
+            <a:solidFill>
+              <a:schemeClr val="accent4">
+                <a:alpha val="30000"/>
+              </a:schemeClr>
+            </a:solidFill>
+            <a:ln>
+              <a:noFill/>
+            </a:ln>
+          </p:spPr>
+          <p:style>
+            <a:lnRef idx="2">
+              <a:schemeClr val="accent1">
+                <a:shade val="50000"/>
+              </a:schemeClr>
+            </a:lnRef>
+            <a:fillRef idx="1">
+              <a:schemeClr val="accent1"/>
+            </a:fillRef>
+            <a:effectRef idx="0">
+              <a:schemeClr val="accent1"/>
+            </a:effectRef>
+            <a:fontRef idx="minor">
+              <a:schemeClr val="lt1"/>
+            </a:fontRef>
+          </p:style>
+          <p:txBody>
+            <a:bodyPr rtlCol="0" anchor="ctr"/>
+            <a:lstStyle/>
+            <a:p>
+              <a:pPr algn="ctr"/>
+              <a:endParaRPr lang="en-US" dirty="0"/>
+            </a:p>
+          </p:txBody>
+        </p:sp>
+      </p:grpSp>
+      <p:pic>
+        <p:nvPicPr>
+          <p:cNvPr id="13" name="Immagine 12">
+            <a:extLst>
+              <a:ext uri="{FF2B5EF4-FFF2-40B4-BE49-F238E27FC236}">
+                <a16:creationId xmlns:a16="http://schemas.microsoft.com/office/drawing/2014/main" id="{C0FB4468-773C-44CF-B3A0-14CF921B9272}"/>
+              </a:ext>
+            </a:extLst>
+          </p:cNvPr>
+          <p:cNvPicPr>
+            <a:picLocks noChangeAspect="1"/>
+          </p:cNvPicPr>
+          <p:nvPr/>
+        </p:nvPicPr>
+        <p:blipFill>
+          <a:blip r:embed="rId2"/>
+          <a:stretch>
+            <a:fillRect/>
+          </a:stretch>
+        </p:blipFill>
+        <p:spPr>
+          <a:xfrm>
+            <a:off x="2066459" y="1408747"/>
+            <a:ext cx="8059082" cy="4768216"/>
+          </a:xfrm>
+          <a:prstGeom prst="rect">
+            <a:avLst/>
+          </a:prstGeom>
+        </p:spPr>
+      </p:pic>
+    </p:spTree>
+    <p:extLst>
+      <p:ext uri="{BB962C8B-B14F-4D97-AF65-F5344CB8AC3E}">
+        <p14:creationId xmlns:p14="http://schemas.microsoft.com/office/powerpoint/2010/main" val="3645501359"/>
+      </p:ext>
+    </p:extLst>
+  </p:cSld>
+  <p:clrMapOvr>
+    <a:masterClrMapping/>
+  </p:clrMapOvr>
+</p:sld>
+</file>
+
+<file path=ppt/slides/slide13.xml><?xml version="1.0" encoding="utf-8"?>
+<p:sld xmlns:a="http://schemas.openxmlformats.org/drawingml/2006/main" xmlns:r="http://schemas.openxmlformats.org/officeDocument/2006/relationships" xmlns:p="http://schemas.openxmlformats.org/presentationml/2006/main">
+  <p:cSld>
+    <p:bg>
+      <p:bgPr>
+        <a:solidFill>
+          <a:schemeClr val="bg1"/>
+        </a:solidFill>
+        <a:effectLst/>
+      </p:bgPr>
+    </p:bg>
+    <p:spTree>
+      <p:nvGrpSpPr>
+        <p:cNvPr id="1" name=""/>
+        <p:cNvGrpSpPr/>
+        <p:nvPr/>
+      </p:nvGrpSpPr>
+      <p:grpSpPr>
+        <a:xfrm>
+          <a:off x="0" y="0"/>
+          <a:ext cx="0" cy="0"/>
+          <a:chOff x="0" y="0"/>
+          <a:chExt cx="0" cy="0"/>
+        </a:xfrm>
+      </p:grpSpPr>
+      <p:sp>
+        <p:nvSpPr>
+          <p:cNvPr id="24" name="Rectangle 23">
+            <a:extLst>
+              <a:ext uri="{FF2B5EF4-FFF2-40B4-BE49-F238E27FC236}">
+                <a16:creationId xmlns:a16="http://schemas.microsoft.com/office/drawing/2014/main" id="{2B566528-1B12-4246-9431-5C2D7D081168}"/>
+              </a:ext>
+              <a:ext uri="{C183D7F6-B498-43B3-948B-1728B52AA6E4}">
+                <adec:decorative xmlns:adec="http://schemas.microsoft.com/office/drawing/2017/decorative" val="1"/>
+              </a:ext>
+            </a:extLst>
+          </p:cNvPr>
+          <p:cNvSpPr>
+            <a:spLocks noGrp="1" noRot="1" noChangeAspect="1" noMove="1" noResize="1" noEditPoints="1" noAdjustHandles="1" noChangeArrowheads="1" noChangeShapeType="1" noTextEdit="1"/>
+          </p:cNvSpPr>
+          <p:nvPr>
+            <p:extLst>
+              <p:ext uri="{386F3935-93C4-4BCD-93E2-E3B085C9AB24}">
+                <p16:designElem xmlns:p16="http://schemas.microsoft.com/office/powerpoint/2015/main" val="1"/>
+              </p:ext>
+            </p:extLst>
+          </p:nvPr>
+        </p:nvSpPr>
+        <p:spPr>
+          <a:xfrm>
+            <a:off x="0" y="0"/>
+            <a:ext cx="12192000" cy="6858000"/>
+          </a:xfrm>
+          <a:prstGeom prst="rect">
+            <a:avLst/>
+          </a:prstGeom>
+          <a:solidFill>
+            <a:schemeClr val="bg1"/>
+          </a:solidFill>
+          <a:ln>
+            <a:noFill/>
+          </a:ln>
+        </p:spPr>
+        <p:style>
+          <a:lnRef idx="2">
+            <a:schemeClr val="accent1">
+              <a:shade val="50000"/>
+            </a:schemeClr>
+          </a:lnRef>
+          <a:fillRef idx="1">
+            <a:schemeClr val="accent1"/>
+          </a:fillRef>
+          <a:effectRef idx="0">
+            <a:schemeClr val="accent1"/>
+          </a:effectRef>
+          <a:fontRef idx="minor">
+            <a:schemeClr val="lt1"/>
+          </a:fontRef>
+        </p:style>
+        <p:txBody>
+          <a:bodyPr rtlCol="0" anchor="ctr"/>
+          <a:lstStyle/>
+          <a:p>
+            <a:pPr algn="ctr"/>
+            <a:endParaRPr lang="en-US" dirty="0"/>
+          </a:p>
+        </p:txBody>
+      </p:sp>
+      <p:sp>
+        <p:nvSpPr>
+          <p:cNvPr id="2" name="Titolo 1">
+            <a:extLst>
+              <a:ext uri="{FF2B5EF4-FFF2-40B4-BE49-F238E27FC236}">
+                <a16:creationId xmlns:a16="http://schemas.microsoft.com/office/drawing/2014/main" id="{1082888F-2770-4E5B-9CDA-CC9E0CC25EC4}"/>
+              </a:ext>
+            </a:extLst>
+          </p:cNvPr>
+          <p:cNvSpPr>
+            <a:spLocks noGrp="1"/>
+          </p:cNvSpPr>
+          <p:nvPr>
+            <p:ph type="title"/>
+          </p:nvPr>
+        </p:nvSpPr>
+        <p:spPr>
+          <a:xfrm>
+            <a:off x="643467" y="321734"/>
+            <a:ext cx="10905066" cy="1135737"/>
+          </a:xfrm>
+        </p:spPr>
+        <p:txBody>
+          <a:bodyPr vert="horz" lIns="91440" tIns="45720" rIns="91440" bIns="45720" rtlCol="0" anchor="ctr">
+            <a:normAutofit/>
+          </a:bodyPr>
+          <a:lstStyle/>
+          <a:p>
+            <a:pPr algn="ctr"/>
+            <a:r>
+              <a:rPr lang="en-US" sz="4000" kern="1200" dirty="0">
+                <a:solidFill>
+                  <a:schemeClr val="tx1"/>
+                </a:solidFill>
+                <a:latin typeface="+mj-lt"/>
+                <a:ea typeface="+mj-ea"/>
+                <a:cs typeface="+mj-cs"/>
+              </a:rPr>
               <a:t>Conclusioni</a:t>
             </a:r>
           </a:p>
